--- a/上課教材/Week7.pptx
+++ b/上課教材/Week7.pptx
@@ -7,13 +7,14 @@
   <p:sldIdLst>
     <p:sldId id="257" r:id="rId2"/>
     <p:sldId id="325" r:id="rId3"/>
-    <p:sldId id="317" r:id="rId4"/>
-    <p:sldId id="319" r:id="rId5"/>
-    <p:sldId id="323" r:id="rId6"/>
+    <p:sldId id="326" r:id="rId4"/>
+    <p:sldId id="317" r:id="rId5"/>
+    <p:sldId id="319" r:id="rId6"/>
     <p:sldId id="318" r:id="rId7"/>
     <p:sldId id="320" r:id="rId8"/>
-    <p:sldId id="321" r:id="rId9"/>
-    <p:sldId id="259" r:id="rId10"/>
+    <p:sldId id="323" r:id="rId9"/>
+    <p:sldId id="321" r:id="rId10"/>
+    <p:sldId id="259" r:id="rId11"/>
   </p:sldIdLst>
   <p:sldSz cx="12192000" cy="6858000"/>
   <p:notesSz cx="6858000" cy="9144000"/>
@@ -123,13 +124,7 @@
 <file path=ppt/revisionInfo.xml><?xml version="1.0" encoding="utf-8"?>
 <p1510:revInfo xmlns:a="http://schemas.openxmlformats.org/drawingml/2006/main" xmlns:r="http://schemas.openxmlformats.org/officeDocument/2006/relationships" xmlns:p1510="http://schemas.microsoft.com/office/powerpoint/2015/10/main">
   <p1510:revLst>
-    <p1510:client id="{091A637F-8D54-4E54-83E0-103516D33677}" v="6" dt="2020-06-02T00:22:26.420"/>
-    <p1510:client id="{4BD2A7FE-9E5B-4A17-9515-51BDB1FB0393}" v="14" dt="2020-06-02T02:29:23.452"/>
-    <p1510:client id="{73C49393-00F6-48C7-99DB-5262FA837701}" v="22" dt="2020-06-02T00:14:48.543"/>
-    <p1510:client id="{794224D3-789D-47BB-A0D2-62C663EDB1CA}" v="219" dt="2020-06-01T23:07:13.750"/>
-    <p1510:client id="{A2F4D413-9D68-4A8C-9D49-8D8D17D6E9EA}" v="4" dt="2020-06-02T00:29:06.813"/>
-    <p1510:client id="{B8F2E660-6EAC-4E5F-9FAD-C2E9F9826A85}" v="1" dt="2020-06-02T00:34:09.844"/>
-    <p1510:client id="{F1FA031A-4D31-4AEE-8DCB-44C85EA436EB}" v="214" dt="2020-06-02T00:07:24.642"/>
+    <p1510:client id="{4BD2A7FE-9E5B-4A17-9515-51BDB1FB0393}" v="15" dt="2020-06-03T23:23:41.969"/>
   </p1510:revLst>
 </p1510:revInfo>
 </file>
@@ -1172,8 +1167,8 @@
   </pc:docChgLst>
   <pc:docChgLst>
     <pc:chgData name="Ming-Chih Lin" userId="f1ba3ba5-e185-404b-b55f-b2be90e2bdc2" providerId="ADAL" clId="{4BD2A7FE-9E5B-4A17-9515-51BDB1FB0393}"/>
-    <pc:docChg chg="custSel addSld delSld modSld">
-      <pc:chgData name="Ming-Chih Lin" userId="f1ba3ba5-e185-404b-b55f-b2be90e2bdc2" providerId="ADAL" clId="{4BD2A7FE-9E5B-4A17-9515-51BDB1FB0393}" dt="2020-06-02T02:29:48.748" v="27" actId="47"/>
+    <pc:docChg chg="custSel addSld delSld modSld sldOrd">
+      <pc:chgData name="Ming-Chih Lin" userId="f1ba3ba5-e185-404b-b55f-b2be90e2bdc2" providerId="ADAL" clId="{4BD2A7FE-9E5B-4A17-9515-51BDB1FB0393}" dt="2020-06-03T23:24:21.087" v="37" actId="5793"/>
       <pc:docMkLst>
         <pc:docMk/>
       </pc:docMkLst>
@@ -1229,8 +1224,8 @@
           </ac:spMkLst>
         </pc:spChg>
       </pc:sldChg>
-      <pc:sldChg chg="addSp modSp mod chgLayout">
-        <pc:chgData name="Ming-Chih Lin" userId="f1ba3ba5-e185-404b-b55f-b2be90e2bdc2" providerId="ADAL" clId="{4BD2A7FE-9E5B-4A17-9515-51BDB1FB0393}" dt="2020-06-02T02:07:04.552" v="14"/>
+      <pc:sldChg chg="addSp modSp mod ord chgLayout">
+        <pc:chgData name="Ming-Chih Lin" userId="f1ba3ba5-e185-404b-b55f-b2be90e2bdc2" providerId="ADAL" clId="{4BD2A7FE-9E5B-4A17-9515-51BDB1FB0393}" dt="2020-06-03T23:23:59.770" v="32"/>
         <pc:sldMkLst>
           <pc:docMk/>
           <pc:sldMk cId="1705629521" sldId="318"/>
@@ -1275,8 +1270,8 @@
           </ac:spMkLst>
         </pc:spChg>
       </pc:sldChg>
-      <pc:sldChg chg="modSp new mod">
-        <pc:chgData name="Ming-Chih Lin" userId="f1ba3ba5-e185-404b-b55f-b2be90e2bdc2" providerId="ADAL" clId="{4BD2A7FE-9E5B-4A17-9515-51BDB1FB0393}" dt="2020-06-02T02:07:35.016" v="18"/>
+      <pc:sldChg chg="modSp new mod ord">
+        <pc:chgData name="Ming-Chih Lin" userId="f1ba3ba5-e185-404b-b55f-b2be90e2bdc2" providerId="ADAL" clId="{4BD2A7FE-9E5B-4A17-9515-51BDB1FB0393}" dt="2020-06-03T23:24:05.553" v="34"/>
         <pc:sldMkLst>
           <pc:docMk/>
           <pc:sldMk cId="557188385" sldId="320"/>
@@ -1299,13 +1294,13 @@
         </pc:spChg>
       </pc:sldChg>
       <pc:sldChg chg="modSp new mod">
-        <pc:chgData name="Ming-Chih Lin" userId="f1ba3ba5-e185-404b-b55f-b2be90e2bdc2" providerId="ADAL" clId="{4BD2A7FE-9E5B-4A17-9515-51BDB1FB0393}" dt="2020-06-02T02:08:10.249" v="22"/>
+        <pc:chgData name="Ming-Chih Lin" userId="f1ba3ba5-e185-404b-b55f-b2be90e2bdc2" providerId="ADAL" clId="{4BD2A7FE-9E5B-4A17-9515-51BDB1FB0393}" dt="2020-06-03T23:24:21.087" v="37" actId="5793"/>
         <pc:sldMkLst>
           <pc:docMk/>
           <pc:sldMk cId="3289215511" sldId="321"/>
         </pc:sldMkLst>
         <pc:spChg chg="mod">
-          <ac:chgData name="Ming-Chih Lin" userId="f1ba3ba5-e185-404b-b55f-b2be90e2bdc2" providerId="ADAL" clId="{4BD2A7FE-9E5B-4A17-9515-51BDB1FB0393}" dt="2020-06-02T02:08:09.691" v="21" actId="21"/>
+          <ac:chgData name="Ming-Chih Lin" userId="f1ba3ba5-e185-404b-b55f-b2be90e2bdc2" providerId="ADAL" clId="{4BD2A7FE-9E5B-4A17-9515-51BDB1FB0393}" dt="2020-06-03T23:24:21.087" v="37" actId="5793"/>
           <ac:spMkLst>
             <pc:docMk/>
             <pc:sldMk cId="3289215511" sldId="321"/>
@@ -1334,6 +1329,45 @@
           <pc:docMk/>
           <pc:sldMk cId="2484227852" sldId="325"/>
         </pc:sldMkLst>
+      </pc:sldChg>
+      <pc:sldChg chg="addSp delSp modSp new mod modClrScheme chgLayout">
+        <pc:chgData name="Ming-Chih Lin" userId="f1ba3ba5-e185-404b-b55f-b2be90e2bdc2" providerId="ADAL" clId="{4BD2A7FE-9E5B-4A17-9515-51BDB1FB0393}" dt="2020-06-03T23:23:41.969" v="30"/>
+        <pc:sldMkLst>
+          <pc:docMk/>
+          <pc:sldMk cId="2259324599" sldId="326"/>
+        </pc:sldMkLst>
+        <pc:spChg chg="del mod ord">
+          <ac:chgData name="Ming-Chih Lin" userId="f1ba3ba5-e185-404b-b55f-b2be90e2bdc2" providerId="ADAL" clId="{4BD2A7FE-9E5B-4A17-9515-51BDB1FB0393}" dt="2020-06-03T23:23:41.164" v="29" actId="700"/>
+          <ac:spMkLst>
+            <pc:docMk/>
+            <pc:sldMk cId="2259324599" sldId="326"/>
+            <ac:spMk id="2" creationId="{B0E3E57C-4D2E-454E-BAB1-391617E2F28C}"/>
+          </ac:spMkLst>
+        </pc:spChg>
+        <pc:spChg chg="del">
+          <ac:chgData name="Ming-Chih Lin" userId="f1ba3ba5-e185-404b-b55f-b2be90e2bdc2" providerId="ADAL" clId="{4BD2A7FE-9E5B-4A17-9515-51BDB1FB0393}" dt="2020-06-03T23:23:41.164" v="29" actId="700"/>
+          <ac:spMkLst>
+            <pc:docMk/>
+            <pc:sldMk cId="2259324599" sldId="326"/>
+            <ac:spMk id="3" creationId="{A3D9FC80-4EFC-4CA2-B82D-4BA2DF02A740}"/>
+          </ac:spMkLst>
+        </pc:spChg>
+        <pc:spChg chg="add mod ord">
+          <ac:chgData name="Ming-Chih Lin" userId="f1ba3ba5-e185-404b-b55f-b2be90e2bdc2" providerId="ADAL" clId="{4BD2A7FE-9E5B-4A17-9515-51BDB1FB0393}" dt="2020-06-03T23:23:41.164" v="29" actId="700"/>
+          <ac:spMkLst>
+            <pc:docMk/>
+            <pc:sldMk cId="2259324599" sldId="326"/>
+            <ac:spMk id="4" creationId="{17F59BFE-1F5B-4280-9DC2-96DED29C064D}"/>
+          </ac:spMkLst>
+        </pc:spChg>
+        <pc:spChg chg="add mod ord">
+          <ac:chgData name="Ming-Chih Lin" userId="f1ba3ba5-e185-404b-b55f-b2be90e2bdc2" providerId="ADAL" clId="{4BD2A7FE-9E5B-4A17-9515-51BDB1FB0393}" dt="2020-06-03T23:23:41.969" v="30"/>
+          <ac:spMkLst>
+            <pc:docMk/>
+            <pc:sldMk cId="2259324599" sldId="326"/>
+            <ac:spMk id="5" creationId="{74600EDD-6149-4100-A352-B0800C157F5B}"/>
+          </ac:spMkLst>
+        </pc:spChg>
       </pc:sldChg>
     </pc:docChg>
   </pc:docChgLst>
@@ -6155,7 +6189,7 @@
           <a:p>
             <a:fld id="{FA1E3ED8-1BB4-4BD2-AB23-359644E070C2}" type="datetimeFigureOut">
               <a:rPr lang="zh-TW" altLang="en-US" smtClean="0"/>
-              <a:t>2020/6/2</a:t>
+              <a:t>2020/6/4</a:t>
             </a:fld>
             <a:endParaRPr lang="zh-TW" altLang="en-US"/>
           </a:p>
@@ -11322,6 +11356,101 @@
 </p:sld>
 </file>
 
+<file path=ppt/slides/slide10.xml><?xml version="1.0" encoding="utf-8"?>
+<p:sld xmlns:a="http://schemas.openxmlformats.org/drawingml/2006/main" xmlns:r="http://schemas.openxmlformats.org/officeDocument/2006/relationships" xmlns:p="http://schemas.openxmlformats.org/presentationml/2006/main">
+  <p:cSld>
+    <p:spTree>
+      <p:nvGrpSpPr>
+        <p:cNvPr id="1" name=""/>
+        <p:cNvGrpSpPr/>
+        <p:nvPr/>
+      </p:nvGrpSpPr>
+      <p:grpSpPr>
+        <a:xfrm>
+          <a:off x="0" y="0"/>
+          <a:ext cx="0" cy="0"/>
+          <a:chOff x="0" y="0"/>
+          <a:chExt cx="0" cy="0"/>
+        </a:xfrm>
+      </p:grpSpPr>
+      <p:sp>
+        <p:nvSpPr>
+          <p:cNvPr id="4" name="文字版面配置區 3">
+            <a:extLst>
+              <a:ext uri="{FF2B5EF4-FFF2-40B4-BE49-F238E27FC236}">
+                <a16:creationId xmlns:a16="http://schemas.microsoft.com/office/drawing/2014/main" id="{2FA54F75-D405-4104-B6BB-EA44A23A109A}"/>
+              </a:ext>
+            </a:extLst>
+          </p:cNvPr>
+          <p:cNvSpPr>
+            <a:spLocks noGrp="1"/>
+          </p:cNvSpPr>
+          <p:nvPr>
+            <p:ph type="body" sz="quarter" idx="10"/>
+          </p:nvPr>
+        </p:nvSpPr>
+        <p:spPr/>
+        <p:txBody>
+          <a:bodyPr/>
+          <a:lstStyle/>
+          <a:p>
+            <a:r>
+              <a:rPr lang="zh-TW" altLang="en-US" dirty="0"/>
+              <a:t>專題討論 </a:t>
+            </a:r>
+          </a:p>
+        </p:txBody>
+      </p:sp>
+      <p:sp>
+        <p:nvSpPr>
+          <p:cNvPr id="5" name="文字版面配置區 4">
+            <a:extLst>
+              <a:ext uri="{FF2B5EF4-FFF2-40B4-BE49-F238E27FC236}">
+                <a16:creationId xmlns:a16="http://schemas.microsoft.com/office/drawing/2014/main" id="{CEE2A55E-C73D-43FF-AA36-95C0FF95B7B1}"/>
+              </a:ext>
+            </a:extLst>
+          </p:cNvPr>
+          <p:cNvSpPr>
+            <a:spLocks noGrp="1"/>
+          </p:cNvSpPr>
+          <p:nvPr>
+            <p:ph type="body" sz="quarter" idx="12"/>
+          </p:nvPr>
+        </p:nvSpPr>
+        <p:spPr/>
+        <p:txBody>
+          <a:bodyPr/>
+          <a:lstStyle/>
+          <a:p>
+            <a:endParaRPr lang="zh-TW" altLang="en-US"/>
+          </a:p>
+        </p:txBody>
+      </p:sp>
+    </p:spTree>
+    <p:extLst>
+      <p:ext uri="{BB962C8B-B14F-4D97-AF65-F5344CB8AC3E}">
+        <p14:creationId xmlns:p14="http://schemas.microsoft.com/office/powerpoint/2010/main" val="929909194"/>
+      </p:ext>
+    </p:extLst>
+  </p:cSld>
+  <p:clrMapOvr>
+    <a:masterClrMapping/>
+  </p:clrMapOvr>
+  <mc:AlternateContent xmlns:mc="http://schemas.openxmlformats.org/markup-compatibility/2006" xmlns:p14="http://schemas.microsoft.com/office/powerpoint/2010/main">
+    <mc:Choice Requires="p14">
+      <p:transition p14:dur="250">
+        <p:fade/>
+      </p:transition>
+    </mc:Choice>
+    <mc:Fallback xmlns="">
+      <p:transition>
+        <p:fade/>
+      </p:transition>
+    </mc:Fallback>
+  </mc:AlternateContent>
+</p:sld>
+</file>
+
 <file path=ppt/slides/slide2.xml><?xml version="1.0" encoding="utf-8"?>
 <p:sld xmlns:a="http://schemas.openxmlformats.org/drawingml/2006/main" xmlns:r="http://schemas.openxmlformats.org/officeDocument/2006/relationships" xmlns:p="http://schemas.openxmlformats.org/presentationml/2006/main">
   <p:cSld>
@@ -11436,10 +11565,10 @@
       </p:grpSpPr>
       <p:sp>
         <p:nvSpPr>
-          <p:cNvPr id="2" name="內容版面配置區 1">
-            <a:extLst>
-              <a:ext uri="{FF2B5EF4-FFF2-40B4-BE49-F238E27FC236}">
-                <a16:creationId xmlns:a16="http://schemas.microsoft.com/office/drawing/2014/main" id="{FC165719-0C99-49EA-99E3-292438917CCB}"/>
+          <p:cNvPr id="5" name="內容版面配置區 4">
+            <a:extLst>
+              <a:ext uri="{FF2B5EF4-FFF2-40B4-BE49-F238E27FC236}">
+                <a16:creationId xmlns:a16="http://schemas.microsoft.com/office/drawing/2014/main" id="{74600EDD-6149-4100-A352-B0800C157F5B}"/>
               </a:ext>
             </a:extLst>
           </p:cNvPr>
@@ -11457,35 +11586,65 @@
           <a:p>
             <a:r>
               <a:rPr lang="zh-TW" altLang="en-US" dirty="0"/>
-              <a:t>科學數據需要透過圖表來呈現其行為或趨勢。</a:t>
+              <a:t>物理模擬提供了大量的數據，使用者可以根據設計需要擷取部分數據並加以處理，最後轉換成適當的圖表以方便檢視。由於物理特徵的多樣性，可以用來呈現的圖表多達上百種。這些圖表有各自的優缺點，使用者必須自行決定用何種表達方式才能取得所要觀察的特性。</a:t>
             </a:r>
             <a:r>
               <a:rPr lang="en-US" altLang="zh-TW" dirty="0"/>
-              <a:t>Matplotlib</a:t>
+              <a:t>python</a:t>
             </a:r>
             <a:r>
               <a:rPr lang="zh-TW" altLang="en-US" dirty="0"/>
-              <a:t>庫的函式可以讓使用者將大量的數值資料轉換成各式得圖表。圖表的格式極為豐富，請參考：</a:t>
-            </a:r>
-            <a:r>
-              <a:rPr lang="en-US" altLang="zh-TW" dirty="0">
-                <a:hlinkClick r:id="rId2"/>
-              </a:rPr>
-              <a:t>https://matplotlib.org/3.1.1/gallery/index.html</a:t>
-            </a:r>
-            <a:endParaRPr lang="en-US" altLang="zh-TW" dirty="0"/>
-          </a:p>
-          <a:p>
-            <a:endParaRPr lang="zh-TW" altLang="en-US" dirty="0"/>
+              <a:t>的</a:t>
+            </a:r>
+            <a:r>
+              <a:rPr lang="en-US" altLang="zh-TW" dirty="0" err="1"/>
+              <a:t>numpy</a:t>
+            </a:r>
+            <a:r>
+              <a:rPr lang="zh-TW" altLang="en-US" dirty="0"/>
+              <a:t>庫提供了強大的矩陣運算能力，其計算速度相當出色。</a:t>
+            </a:r>
+            <a:r>
+              <a:rPr lang="en-US" altLang="zh-TW" dirty="0"/>
+              <a:t>matplotlib</a:t>
+            </a:r>
+            <a:r>
+              <a:rPr lang="zh-TW" altLang="en-US" dirty="0"/>
+              <a:t>庫提供了上百種資料視覺化圖表，兩者相輔相成，是科學及工程運算不可或缺的工具。此外</a:t>
+            </a:r>
+            <a:r>
+              <a:rPr lang="en-US" altLang="zh-TW" dirty="0"/>
+              <a:t>python</a:t>
+            </a:r>
+            <a:r>
+              <a:rPr lang="zh-TW" altLang="en-US" dirty="0"/>
+              <a:t>用來做資料清洗及格式化輸出也相當好用。整體提供了一整套從資料前處理到報表輸出的完整工具。接下來我們就以幾個簡單的例子來說明如何利用</a:t>
+            </a:r>
+            <a:r>
+              <a:rPr lang="en-US" altLang="zh-TW" dirty="0"/>
+              <a:t>python</a:t>
+            </a:r>
+            <a:r>
+              <a:rPr lang="zh-TW" altLang="en-US" dirty="0"/>
+              <a:t>搭配</a:t>
+            </a:r>
+            <a:r>
+              <a:rPr lang="en-US" altLang="zh-TW" dirty="0"/>
+              <a:t>matplotlib</a:t>
+            </a:r>
+            <a:r>
+              <a:rPr lang="zh-TW" altLang="en-US" dirty="0"/>
+              <a:t>來完成資料視覺化的工作。</a:t>
+            </a:r>
           </a:p>
         </p:txBody>
       </p:sp>
       <p:sp>
         <p:nvSpPr>
-          <p:cNvPr id="3" name="標題 2">
-            <a:extLst>
-              <a:ext uri="{FF2B5EF4-FFF2-40B4-BE49-F238E27FC236}">
-                <a16:creationId xmlns:a16="http://schemas.microsoft.com/office/drawing/2014/main" id="{E7C3D928-2CE9-4266-A577-F5AA1DFC7CE3}"/>
+          <p:cNvPr id="4" name="標題 3">
+            <a:extLst>
+              <a:ext uri="{FF2B5EF4-FFF2-40B4-BE49-F238E27FC236}">
+                <a16:creationId xmlns:a16="http://schemas.microsoft.com/office/drawing/2014/main" id="{17F59BFE-1F5B-4280-9DC2-96DED29C064D}"/>
               </a:ext>
             </a:extLst>
           </p:cNvPr>
@@ -11501,21 +11660,14 @@
           <a:bodyPr/>
           <a:lstStyle/>
           <a:p>
-            <a:r>
-              <a:rPr lang="en-US" altLang="zh-TW" dirty="0"/>
-              <a:t>Matplotlib</a:t>
-            </a:r>
-            <a:r>
-              <a:rPr lang="zh-TW" altLang="en-US" dirty="0"/>
-              <a:t>庫的用途為何？</a:t>
-            </a:r>
+            <a:endParaRPr lang="zh-TW" altLang="en-US"/>
           </a:p>
         </p:txBody>
       </p:sp>
     </p:spTree>
     <p:extLst>
       <p:ext uri="{BB962C8B-B14F-4D97-AF65-F5344CB8AC3E}">
-        <p14:creationId xmlns:p14="http://schemas.microsoft.com/office/powerpoint/2010/main" val="497064445"/>
+        <p14:creationId xmlns:p14="http://schemas.microsoft.com/office/powerpoint/2010/main" val="2259324599"/>
       </p:ext>
     </p:extLst>
   </p:cSld>
@@ -11559,7 +11711,7 @@
           <p:cNvPr id="2" name="內容版面配置區 1">
             <a:extLst>
               <a:ext uri="{FF2B5EF4-FFF2-40B4-BE49-F238E27FC236}">
-                <a16:creationId xmlns:a16="http://schemas.microsoft.com/office/drawing/2014/main" id="{581CD9B0-D2E7-4D32-9C81-937754DBDA21}"/>
+                <a16:creationId xmlns:a16="http://schemas.microsoft.com/office/drawing/2014/main" id="{FC165719-0C99-49EA-99E3-292438917CCB}"/>
               </a:ext>
             </a:extLst>
           </p:cNvPr>
@@ -11576,29 +11728,24 @@
           <a:lstStyle/>
           <a:p>
             <a:r>
+              <a:rPr lang="zh-TW" altLang="en-US" dirty="0"/>
+              <a:t>科學數據需要透過圖表來呈現其行為或趨勢。</a:t>
+            </a:r>
+            <a:r>
               <a:rPr lang="en-US" altLang="zh-TW" dirty="0"/>
-              <a:t>A. </a:t>
+              <a:t>Matplotlib</a:t>
             </a:r>
             <a:r>
               <a:rPr lang="zh-TW" altLang="en-US" dirty="0"/>
-              <a:t>一般在完成模擬之後，工程師必須輸出圖表並擷取必要的資料，複製貼上到</a:t>
-            </a:r>
-            <a:r>
-              <a:rPr lang="en-US" altLang="zh-TW" dirty="0"/>
-              <a:t>word</a:t>
-            </a:r>
-            <a:r>
-              <a:rPr lang="zh-TW" altLang="en-US" dirty="0"/>
-              <a:t>或</a:t>
-            </a:r>
-            <a:r>
-              <a:rPr lang="en-US" altLang="zh-TW" dirty="0"/>
-              <a:t>ppt</a:t>
-            </a:r>
-            <a:r>
-              <a:rPr lang="zh-TW" altLang="en-US" dirty="0"/>
-              <a:t>當中來產生報告，以提供給主管或客戶參考，這是一件吃力不討好的工作，資料一多整理起來更是苦不堪言，一旦設計改版，全部的工作又必須重來一次。如果將報告的生成工作自動化，便可以讓工程師可以從繁瑣的剪貼操作解脫，去從事更有價值的技術研究。</a:t>
-            </a:r>
+              <a:t>庫的函式可以讓使用者將大量的數值資料轉換成各式得圖表。圖表的格式極為豐富，請參考：</a:t>
+            </a:r>
+            <a:r>
+              <a:rPr lang="en-US" altLang="zh-TW" dirty="0">
+                <a:hlinkClick r:id="rId2"/>
+              </a:rPr>
+              <a:t>https://matplotlib.org/3.1.1/gallery/index.html</a:t>
+            </a:r>
+            <a:endParaRPr lang="en-US" altLang="zh-TW" dirty="0"/>
           </a:p>
           <a:p>
             <a:endParaRPr lang="zh-TW" altLang="en-US" dirty="0"/>
@@ -11610,7 +11757,7 @@
           <p:cNvPr id="3" name="標題 2">
             <a:extLst>
               <a:ext uri="{FF2B5EF4-FFF2-40B4-BE49-F238E27FC236}">
-                <a16:creationId xmlns:a16="http://schemas.microsoft.com/office/drawing/2014/main" id="{C35C514E-7503-483D-9589-A8DE8F93E299}"/>
+                <a16:creationId xmlns:a16="http://schemas.microsoft.com/office/drawing/2014/main" id="{E7C3D928-2CE9-4266-A577-F5AA1DFC7CE3}"/>
               </a:ext>
             </a:extLst>
           </p:cNvPr>
@@ -11627,28 +11774,20 @@
           <a:lstStyle/>
           <a:p>
             <a:r>
+              <a:rPr lang="en-US" altLang="zh-TW" dirty="0"/>
+              <a:t>Matplotlib</a:t>
+            </a:r>
+            <a:r>
               <a:rPr lang="zh-TW" altLang="en-US" dirty="0"/>
-              <a:t>用</a:t>
-            </a:r>
-            <a:r>
-              <a:rPr lang="en-US" altLang="zh-TW" dirty="0"/>
-              <a:t>python</a:t>
-            </a:r>
-            <a:r>
-              <a:rPr lang="zh-TW" altLang="en-US" dirty="0"/>
-              <a:t>生成報告有何好處？</a:t>
-            </a:r>
-            <a:br>
-              <a:rPr lang="zh-TW" altLang="en-US" dirty="0"/>
-            </a:br>
-            <a:endParaRPr lang="zh-TW" altLang="en-US" dirty="0"/>
+              <a:t>庫的用途為何？</a:t>
+            </a:r>
           </a:p>
         </p:txBody>
       </p:sp>
     </p:spTree>
     <p:extLst>
       <p:ext uri="{BB962C8B-B14F-4D97-AF65-F5344CB8AC3E}">
-        <p14:creationId xmlns:p14="http://schemas.microsoft.com/office/powerpoint/2010/main" val="1809218753"/>
+        <p14:creationId xmlns:p14="http://schemas.microsoft.com/office/powerpoint/2010/main" val="497064445"/>
       </p:ext>
     </p:extLst>
   </p:cSld>
@@ -11692,7 +11831,7 @@
           <p:cNvPr id="2" name="內容版面配置區 1">
             <a:extLst>
               <a:ext uri="{FF2B5EF4-FFF2-40B4-BE49-F238E27FC236}">
-                <a16:creationId xmlns:a16="http://schemas.microsoft.com/office/drawing/2014/main" id="{EED6BDC6-775B-45C4-BA1F-335BCABEFD04}"/>
+                <a16:creationId xmlns:a16="http://schemas.microsoft.com/office/drawing/2014/main" id="{581CD9B0-D2E7-4D32-9C81-937754DBDA21}"/>
               </a:ext>
             </a:extLst>
           </p:cNvPr>
@@ -11708,80 +11847,30 @@
           <a:bodyPr/>
           <a:lstStyle/>
           <a:p>
-            <a:pPr marL="0" indent="0">
-              <a:buNone/>
-            </a:pPr>
             <a:r>
               <a:rPr lang="en-US" altLang="zh-TW" dirty="0"/>
-              <a:t>Html</a:t>
+              <a:t>A. </a:t>
             </a:r>
             <a:r>
               <a:rPr lang="zh-TW" altLang="en-US" dirty="0"/>
-              <a:t>的標籤是由</a:t>
+              <a:t>一般在完成模擬之後，工程師必須輸出圖表並擷取必要的資料，複製貼上到</a:t>
             </a:r>
             <a:r>
               <a:rPr lang="en-US" altLang="zh-TW" dirty="0"/>
-              <a:t>&lt;</a:t>
+              <a:t>word</a:t>
             </a:r>
             <a:r>
               <a:rPr lang="zh-TW" altLang="en-US" dirty="0"/>
-              <a:t>標籤名</a:t>
+              <a:t>或</a:t>
             </a:r>
             <a:r>
               <a:rPr lang="en-US" altLang="zh-TW" dirty="0"/>
-              <a:t>&gt;&lt;/</a:t>
+              <a:t>ppt</a:t>
             </a:r>
             <a:r>
               <a:rPr lang="zh-TW" altLang="en-US" dirty="0"/>
-              <a:t>標籤名</a:t>
-            </a:r>
-            <a:r>
-              <a:rPr lang="en-US" altLang="zh-TW" dirty="0"/>
-              <a:t>&gt;</a:t>
-            </a:r>
-            <a:r>
-              <a:rPr lang="zh-TW" altLang="en-US" dirty="0"/>
-              <a:t>所組成。像是</a:t>
-            </a:r>
-            <a:r>
-              <a:rPr lang="en-US" altLang="zh-TW" dirty="0"/>
-              <a:t>&lt;H1&gt;xxx&lt;/H1&gt;</a:t>
-            </a:r>
-            <a:r>
-              <a:rPr lang="zh-TW" altLang="en-US" dirty="0"/>
-              <a:t>當中</a:t>
-            </a:r>
-            <a:r>
-              <a:rPr lang="en-US" altLang="zh-TW" dirty="0"/>
-              <a:t>xxx</a:t>
-            </a:r>
-            <a:r>
-              <a:rPr lang="zh-TW" altLang="en-US" dirty="0"/>
-              <a:t>的輸出格式即是由標籤所控制。舉例來說</a:t>
-            </a:r>
-            <a:r>
-              <a:rPr lang="en-US" altLang="zh-TW" dirty="0"/>
-              <a:t>H1</a:t>
-            </a:r>
-            <a:r>
-              <a:rPr lang="zh-TW" altLang="en-US" dirty="0"/>
-              <a:t>到</a:t>
-            </a:r>
-            <a:r>
-              <a:rPr lang="en-US" altLang="zh-TW" dirty="0"/>
-              <a:t>H6</a:t>
-            </a:r>
-            <a:r>
-              <a:rPr lang="zh-TW" altLang="en-US" dirty="0"/>
-              <a:t>代表了不同標題文字的大小，可用來表示報告不同章節的副標題。所有的標籤定義可參考以下連結：</a:t>
-            </a:r>
-            <a:r>
-              <a:rPr lang="en-US" altLang="zh-TW" dirty="0">
-                <a:hlinkClick r:id="rId2"/>
-              </a:rPr>
-              <a:t>https://www.w3schools.com/tags/ref_byfunc.asp</a:t>
-            </a:r>
-            <a:endParaRPr lang="zh-TW" altLang="en-US" dirty="0"/>
+              <a:t>當中來產生報告，以提供給主管或客戶參考，這是一件吃力不討好的工作，資料一多整理起來更是苦不堪言，一旦設計改版，全部的工作又必須重來一次。如果將報告的生成工作自動化，便可以讓工程師可以從繁瑣的剪貼操作解脫，去從事更有價值的技術研究。</a:t>
+            </a:r>
           </a:p>
           <a:p>
             <a:endParaRPr lang="zh-TW" altLang="en-US" dirty="0"/>
@@ -11793,7 +11882,7 @@
           <p:cNvPr id="3" name="標題 2">
             <a:extLst>
               <a:ext uri="{FF2B5EF4-FFF2-40B4-BE49-F238E27FC236}">
-                <a16:creationId xmlns:a16="http://schemas.microsoft.com/office/drawing/2014/main" id="{658BB859-DDEC-4C62-9F85-AE2E8D282139}"/>
+                <a16:creationId xmlns:a16="http://schemas.microsoft.com/office/drawing/2014/main" id="{C35C514E-7503-483D-9589-A8DE8F93E299}"/>
               </a:ext>
             </a:extLst>
           </p:cNvPr>
@@ -11811,15 +11900,15 @@
           <a:p>
             <a:r>
               <a:rPr lang="zh-TW" altLang="en-US" dirty="0"/>
-              <a:t>可以簡單的說明</a:t>
+              <a:t>用</a:t>
             </a:r>
             <a:r>
               <a:rPr lang="en-US" altLang="zh-TW" dirty="0"/>
-              <a:t>html</a:t>
+              <a:t>python</a:t>
             </a:r>
             <a:r>
               <a:rPr lang="zh-TW" altLang="en-US" dirty="0"/>
-              <a:t>標籤的使用方式嗎？</a:t>
+              <a:t>生成報告有何好處？</a:t>
             </a:r>
             <a:br>
               <a:rPr lang="zh-TW" altLang="en-US" dirty="0"/>
@@ -11831,7 +11920,7 @@
     </p:spTree>
     <p:extLst>
       <p:ext uri="{BB962C8B-B14F-4D97-AF65-F5344CB8AC3E}">
-        <p14:creationId xmlns:p14="http://schemas.microsoft.com/office/powerpoint/2010/main" val="2128641485"/>
+        <p14:creationId xmlns:p14="http://schemas.microsoft.com/office/powerpoint/2010/main" val="1809218753"/>
       </p:ext>
     </p:extLst>
   </p:cSld>
@@ -12219,7 +12308,7 @@
           <p:cNvPr id="2" name="內容版面配置區 1">
             <a:extLst>
               <a:ext uri="{FF2B5EF4-FFF2-40B4-BE49-F238E27FC236}">
-                <a16:creationId xmlns:a16="http://schemas.microsoft.com/office/drawing/2014/main" id="{5ED8AD40-F106-48D5-8BC8-8ADD4FBFD239}"/>
+                <a16:creationId xmlns:a16="http://schemas.microsoft.com/office/drawing/2014/main" id="{EED6BDC6-775B-45C4-BA1F-335BCABEFD04}"/>
               </a:ext>
             </a:extLst>
           </p:cNvPr>
@@ -12235,36 +12324,83 @@
           <a:bodyPr/>
           <a:lstStyle/>
           <a:p>
+            <a:pPr marL="0" indent="0">
+              <a:buNone/>
+            </a:pPr>
             <a:r>
               <a:rPr lang="en-US" altLang="zh-TW" dirty="0"/>
-              <a:t>Q. A. </a:t>
+              <a:t>Html</a:t>
             </a:r>
             <a:r>
               <a:rPr lang="zh-TW" altLang="en-US" dirty="0"/>
-              <a:t>我們可以透過</a:t>
-            </a:r>
-          </a:p>
-          <a:p>
+              <a:t>的標籤是由</a:t>
+            </a:r>
+            <a:r>
+              <a:rPr lang="en-US" altLang="zh-TW" dirty="0"/>
+              <a:t>&lt;</a:t>
+            </a:r>
             <a:r>
               <a:rPr lang="zh-TW" altLang="en-US" dirty="0"/>
-              <a:t>標籤來建立表格。如果表格欄位很多且又存在合併欄位的話，要正確排列表格的標籤需要花一番功夫。所幸已經有人想到了這個問題，並提供了解決方法。底下的連結提供了視覺化工具，可以讓使用者透過點選的方式，輕易的建立表格格式並輸出對應的</a:t>
+              <a:t>標籤名</a:t>
             </a:r>
             <a:r>
               <a:rPr lang="en-US" altLang="zh-TW" dirty="0"/>
-              <a:t>html</a:t>
+              <a:t>&gt;&lt;/</a:t>
             </a:r>
             <a:r>
               <a:rPr lang="zh-TW" altLang="en-US" dirty="0"/>
-              <a:t>標籤。只要加以包裹成函式，便可以輕鬆的輸出表格的</a:t>
+              <a:t>標籤名</a:t>
             </a:r>
             <a:r>
               <a:rPr lang="en-US" altLang="zh-TW" dirty="0"/>
-              <a:t>html</a:t>
+              <a:t>&gt;</a:t>
             </a:r>
             <a:r>
               <a:rPr lang="zh-TW" altLang="en-US" dirty="0"/>
-              <a:t>檔。</a:t>
-            </a:r>
+              <a:t>所組成。像是</a:t>
+            </a:r>
+            <a:r>
+              <a:rPr lang="en-US" altLang="zh-TW" dirty="0"/>
+              <a:t>&lt;H1&gt;xxx&lt;/H1&gt;</a:t>
+            </a:r>
+            <a:r>
+              <a:rPr lang="zh-TW" altLang="en-US" dirty="0"/>
+              <a:t>當中</a:t>
+            </a:r>
+            <a:r>
+              <a:rPr lang="en-US" altLang="zh-TW" dirty="0"/>
+              <a:t>xxx</a:t>
+            </a:r>
+            <a:r>
+              <a:rPr lang="zh-TW" altLang="en-US" dirty="0"/>
+              <a:t>的輸出格式即是由標籤所控制。舉例來說</a:t>
+            </a:r>
+            <a:r>
+              <a:rPr lang="en-US" altLang="zh-TW" dirty="0"/>
+              <a:t>H1</a:t>
+            </a:r>
+            <a:r>
+              <a:rPr lang="zh-TW" altLang="en-US" dirty="0"/>
+              <a:t>到</a:t>
+            </a:r>
+            <a:r>
+              <a:rPr lang="en-US" altLang="zh-TW" dirty="0"/>
+              <a:t>H6</a:t>
+            </a:r>
+            <a:r>
+              <a:rPr lang="zh-TW" altLang="en-US" dirty="0"/>
+              <a:t>代表了不同標題文字的大小，可用來表示報告不同章節的副標題。所有的標籤定義可參考以下連結：</a:t>
+            </a:r>
+            <a:r>
+              <a:rPr lang="en-US" altLang="zh-TW" dirty="0">
+                <a:hlinkClick r:id="rId2"/>
+              </a:rPr>
+              <a:t>https://www.w3schools.com/tags/ref_byfunc.asp</a:t>
+            </a:r>
+            <a:endParaRPr lang="zh-TW" altLang="en-US" dirty="0"/>
+          </a:p>
+          <a:p>
+            <a:endParaRPr lang="zh-TW" altLang="en-US" dirty="0"/>
           </a:p>
         </p:txBody>
       </p:sp>
@@ -12273,7 +12409,7 @@
           <p:cNvPr id="3" name="標題 2">
             <a:extLst>
               <a:ext uri="{FF2B5EF4-FFF2-40B4-BE49-F238E27FC236}">
-                <a16:creationId xmlns:a16="http://schemas.microsoft.com/office/drawing/2014/main" id="{755E7580-BFFD-427A-B86D-DA8168230F6B}"/>
+                <a16:creationId xmlns:a16="http://schemas.microsoft.com/office/drawing/2014/main" id="{658BB859-DDEC-4C62-9F85-AE2E8D282139}"/>
               </a:ext>
             </a:extLst>
           </p:cNvPr>
@@ -12291,7 +12427,7 @@
           <a:p>
             <a:r>
               <a:rPr lang="zh-TW" altLang="en-US" dirty="0"/>
-              <a:t>該如何在</a:t>
+              <a:t>可以簡單的說明</a:t>
             </a:r>
             <a:r>
               <a:rPr lang="en-US" altLang="zh-TW" dirty="0"/>
@@ -12299,7 +12435,7 @@
             </a:r>
             <a:r>
               <a:rPr lang="zh-TW" altLang="en-US" dirty="0"/>
-              <a:t>當中產生表格？</a:t>
+              <a:t>標籤的使用方式嗎？</a:t>
             </a:r>
             <a:br>
               <a:rPr lang="zh-TW" altLang="en-US" dirty="0"/>
@@ -12311,7 +12447,7 @@
     </p:spTree>
     <p:extLst>
       <p:ext uri="{BB962C8B-B14F-4D97-AF65-F5344CB8AC3E}">
-        <p14:creationId xmlns:p14="http://schemas.microsoft.com/office/powerpoint/2010/main" val="3289215511"/>
+        <p14:creationId xmlns:p14="http://schemas.microsoft.com/office/powerpoint/2010/main" val="2128641485"/>
       </p:ext>
     </p:extLst>
   </p:cSld>
@@ -12352,10 +12488,10 @@
       </p:grpSpPr>
       <p:sp>
         <p:nvSpPr>
-          <p:cNvPr id="4" name="文字版面配置區 3">
-            <a:extLst>
-              <a:ext uri="{FF2B5EF4-FFF2-40B4-BE49-F238E27FC236}">
-                <a16:creationId xmlns:a16="http://schemas.microsoft.com/office/drawing/2014/main" id="{2FA54F75-D405-4104-B6BB-EA44A23A109A}"/>
+          <p:cNvPr id="2" name="內容版面配置區 1">
+            <a:extLst>
+              <a:ext uri="{FF2B5EF4-FFF2-40B4-BE49-F238E27FC236}">
+                <a16:creationId xmlns:a16="http://schemas.microsoft.com/office/drawing/2014/main" id="{5ED8AD40-F106-48D5-8BC8-8ADD4FBFD239}"/>
               </a:ext>
             </a:extLst>
           </p:cNvPr>
@@ -12363,7 +12499,7 @@
             <a:spLocks noGrp="1"/>
           </p:cNvSpPr>
           <p:nvPr>
-            <p:ph type="body" sz="quarter" idx="10"/>
+            <p:ph idx="1"/>
           </p:nvPr>
         </p:nvSpPr>
         <p:spPr/>
@@ -12371,19 +12507,42 @@
           <a:bodyPr/>
           <a:lstStyle/>
           <a:p>
+            <a:pPr marL="0" indent="0">
+              <a:buNone/>
+            </a:pPr>
+            <a:r>
+              <a:rPr lang="zh-TW" altLang="en-US"/>
+              <a:t>我們可以透過標籤</a:t>
+            </a:r>
             <a:r>
               <a:rPr lang="zh-TW" altLang="en-US" dirty="0"/>
-              <a:t>專題討論 </a:t>
+              <a:t>來建立表格。如果表格欄位很多且又存在合併欄位的話，要正確排列表格的標籤需要花一番功夫。所幸已經有人想到了這個問題，並提供了解決方法。底下的連結提供了視覺化工具，可以讓使用者透過點選的方式，輕易的建立表格格式並輸出對應的</a:t>
+            </a:r>
+            <a:r>
+              <a:rPr lang="en-US" altLang="zh-TW" dirty="0"/>
+              <a:t>html</a:t>
+            </a:r>
+            <a:r>
+              <a:rPr lang="zh-TW" altLang="en-US" dirty="0"/>
+              <a:t>標籤。只要加以包裹成函式，便可以輕鬆的輸出表格的</a:t>
+            </a:r>
+            <a:r>
+              <a:rPr lang="en-US" altLang="zh-TW" dirty="0"/>
+              <a:t>html</a:t>
+            </a:r>
+            <a:r>
+              <a:rPr lang="zh-TW" altLang="en-US" dirty="0"/>
+              <a:t>檔。</a:t>
             </a:r>
           </a:p>
         </p:txBody>
       </p:sp>
       <p:sp>
         <p:nvSpPr>
-          <p:cNvPr id="5" name="文字版面配置區 4">
-            <a:extLst>
-              <a:ext uri="{FF2B5EF4-FFF2-40B4-BE49-F238E27FC236}">
-                <a16:creationId xmlns:a16="http://schemas.microsoft.com/office/drawing/2014/main" id="{CEE2A55E-C73D-43FF-AA36-95C0FF95B7B1}"/>
+          <p:cNvPr id="3" name="標題 2">
+            <a:extLst>
+              <a:ext uri="{FF2B5EF4-FFF2-40B4-BE49-F238E27FC236}">
+                <a16:creationId xmlns:a16="http://schemas.microsoft.com/office/drawing/2014/main" id="{755E7580-BFFD-427A-B86D-DA8168230F6B}"/>
               </a:ext>
             </a:extLst>
           </p:cNvPr>
@@ -12391,7 +12550,7 @@
             <a:spLocks noGrp="1"/>
           </p:cNvSpPr>
           <p:nvPr>
-            <p:ph type="body" sz="quarter" idx="12"/>
+            <p:ph type="title"/>
           </p:nvPr>
         </p:nvSpPr>
         <p:spPr/>
@@ -12399,14 +12558,29 @@
           <a:bodyPr/>
           <a:lstStyle/>
           <a:p>
-            <a:endParaRPr lang="zh-TW" altLang="en-US"/>
+            <a:r>
+              <a:rPr lang="zh-TW" altLang="en-US" dirty="0"/>
+              <a:t>該如何在</a:t>
+            </a:r>
+            <a:r>
+              <a:rPr lang="en-US" altLang="zh-TW" dirty="0"/>
+              <a:t>html</a:t>
+            </a:r>
+            <a:r>
+              <a:rPr lang="zh-TW" altLang="en-US" dirty="0"/>
+              <a:t>當中產生表格？</a:t>
+            </a:r>
+            <a:br>
+              <a:rPr lang="zh-TW" altLang="en-US" dirty="0"/>
+            </a:br>
+            <a:endParaRPr lang="zh-TW" altLang="en-US" dirty="0"/>
           </a:p>
         </p:txBody>
       </p:sp>
     </p:spTree>
     <p:extLst>
       <p:ext uri="{BB962C8B-B14F-4D97-AF65-F5344CB8AC3E}">
-        <p14:creationId xmlns:p14="http://schemas.microsoft.com/office/powerpoint/2010/main" val="929909194"/>
+        <p14:creationId xmlns:p14="http://schemas.microsoft.com/office/powerpoint/2010/main" val="3289215511"/>
       </p:ext>
     </p:extLst>
   </p:cSld>

--- a/上課教材/Week7.pptx
+++ b/上課教材/Week7.pptx
@@ -7,14 +7,13 @@
   <p:sldIdLst>
     <p:sldId id="257" r:id="rId2"/>
     <p:sldId id="325" r:id="rId3"/>
-    <p:sldId id="326" r:id="rId4"/>
-    <p:sldId id="317" r:id="rId5"/>
-    <p:sldId id="319" r:id="rId6"/>
+    <p:sldId id="319" r:id="rId4"/>
+    <p:sldId id="320" r:id="rId5"/>
+    <p:sldId id="326" r:id="rId6"/>
     <p:sldId id="318" r:id="rId7"/>
-    <p:sldId id="320" r:id="rId8"/>
-    <p:sldId id="323" r:id="rId9"/>
-    <p:sldId id="321" r:id="rId10"/>
-    <p:sldId id="259" r:id="rId11"/>
+    <p:sldId id="323" r:id="rId8"/>
+    <p:sldId id="321" r:id="rId9"/>
+    <p:sldId id="259" r:id="rId10"/>
   </p:sldIdLst>
   <p:sldSz cx="12192000" cy="6858000"/>
   <p:notesSz cx="6858000" cy="9144000"/>
@@ -124,7 +123,7 @@
 <file path=ppt/revisionInfo.xml><?xml version="1.0" encoding="utf-8"?>
 <p1510:revInfo xmlns:a="http://schemas.openxmlformats.org/drawingml/2006/main" xmlns:r="http://schemas.openxmlformats.org/officeDocument/2006/relationships" xmlns:p1510="http://schemas.microsoft.com/office/powerpoint/2015/10/main">
   <p1510:revLst>
-    <p1510:client id="{4BD2A7FE-9E5B-4A17-9515-51BDB1FB0393}" v="15" dt="2020-06-03T23:23:41.969"/>
+    <p1510:client id="{4BD2A7FE-9E5B-4A17-9515-51BDB1FB0393}" v="72" dt="2020-06-04T08:23:07.212"/>
   </p1510:revLst>
 </p1510:revInfo>
 </file>
@@ -1167,8 +1166,8 @@
   </pc:docChgLst>
   <pc:docChgLst>
     <pc:chgData name="Ming-Chih Lin" userId="f1ba3ba5-e185-404b-b55f-b2be90e2bdc2" providerId="ADAL" clId="{4BD2A7FE-9E5B-4A17-9515-51BDB1FB0393}"/>
-    <pc:docChg chg="custSel addSld delSld modSld sldOrd">
-      <pc:chgData name="Ming-Chih Lin" userId="f1ba3ba5-e185-404b-b55f-b2be90e2bdc2" providerId="ADAL" clId="{4BD2A7FE-9E5B-4A17-9515-51BDB1FB0393}" dt="2020-06-03T23:24:21.087" v="37" actId="5793"/>
+    <pc:docChg chg="undo custSel addSld delSld modSld sldOrd">
+      <pc:chgData name="Ming-Chih Lin" userId="f1ba3ba5-e185-404b-b55f-b2be90e2bdc2" providerId="ADAL" clId="{4BD2A7FE-9E5B-4A17-9515-51BDB1FB0393}" dt="2020-06-04T08:23:12.033" v="346" actId="14100"/>
       <pc:docMkLst>
         <pc:docMk/>
       </pc:docMkLst>
@@ -1201,14 +1200,14 @@
           <pc:sldMk cId="19629556" sldId="316"/>
         </pc:sldMkLst>
       </pc:sldChg>
-      <pc:sldChg chg="addSp modSp mod chgLayout">
-        <pc:chgData name="Ming-Chih Lin" userId="f1ba3ba5-e185-404b-b55f-b2be90e2bdc2" providerId="ADAL" clId="{4BD2A7FE-9E5B-4A17-9515-51BDB1FB0393}" dt="2020-06-02T02:03:27.174" v="6" actId="20577"/>
+      <pc:sldChg chg="addSp modSp del mod chgLayout">
+        <pc:chgData name="Ming-Chih Lin" userId="f1ba3ba5-e185-404b-b55f-b2be90e2bdc2" providerId="ADAL" clId="{4BD2A7FE-9E5B-4A17-9515-51BDB1FB0393}" dt="2020-06-04T07:50:36.778" v="122" actId="47"/>
         <pc:sldMkLst>
           <pc:docMk/>
           <pc:sldMk cId="497064445" sldId="317"/>
         </pc:sldMkLst>
         <pc:spChg chg="add mod ord">
-          <ac:chgData name="Ming-Chih Lin" userId="f1ba3ba5-e185-404b-b55f-b2be90e2bdc2" providerId="ADAL" clId="{4BD2A7FE-9E5B-4A17-9515-51BDB1FB0393}" dt="2020-06-02T02:03:27.174" v="6" actId="20577"/>
+          <ac:chgData name="Ming-Chih Lin" userId="f1ba3ba5-e185-404b-b55f-b2be90e2bdc2" providerId="ADAL" clId="{4BD2A7FE-9E5B-4A17-9515-51BDB1FB0393}" dt="2020-06-04T07:50:34.680" v="121" actId="21"/>
           <ac:spMkLst>
             <pc:docMk/>
             <pc:sldMk cId="497064445" sldId="317"/>
@@ -1224,14 +1223,14 @@
           </ac:spMkLst>
         </pc:spChg>
       </pc:sldChg>
-      <pc:sldChg chg="addSp modSp mod ord chgLayout">
-        <pc:chgData name="Ming-Chih Lin" userId="f1ba3ba5-e185-404b-b55f-b2be90e2bdc2" providerId="ADAL" clId="{4BD2A7FE-9E5B-4A17-9515-51BDB1FB0393}" dt="2020-06-03T23:23:59.770" v="32"/>
+      <pc:sldChg chg="addSp delSp modSp mod ord chgLayout">
+        <pc:chgData name="Ming-Chih Lin" userId="f1ba3ba5-e185-404b-b55f-b2be90e2bdc2" providerId="ADAL" clId="{4BD2A7FE-9E5B-4A17-9515-51BDB1FB0393}" dt="2020-06-04T07:53:07.899" v="138" actId="1076"/>
         <pc:sldMkLst>
           <pc:docMk/>
           <pc:sldMk cId="1705629521" sldId="318"/>
         </pc:sldMkLst>
         <pc:spChg chg="add mod ord">
-          <ac:chgData name="Ming-Chih Lin" userId="f1ba3ba5-e185-404b-b55f-b2be90e2bdc2" providerId="ADAL" clId="{4BD2A7FE-9E5B-4A17-9515-51BDB1FB0393}" dt="2020-06-02T02:07:03.293" v="13" actId="21"/>
+          <ac:chgData name="Ming-Chih Lin" userId="f1ba3ba5-e185-404b-b55f-b2be90e2bdc2" providerId="ADAL" clId="{4BD2A7FE-9E5B-4A17-9515-51BDB1FB0393}" dt="2020-06-04T07:53:05.991" v="137" actId="14100"/>
           <ac:spMkLst>
             <pc:docMk/>
             <pc:sldMk cId="1705629521" sldId="318"/>
@@ -1239,22 +1238,46 @@
           </ac:spMkLst>
         </pc:spChg>
         <pc:spChg chg="mod ord">
-          <ac:chgData name="Ming-Chih Lin" userId="f1ba3ba5-e185-404b-b55f-b2be90e2bdc2" providerId="ADAL" clId="{4BD2A7FE-9E5B-4A17-9515-51BDB1FB0393}" dt="2020-06-02T02:07:04.552" v="14"/>
+          <ac:chgData name="Ming-Chih Lin" userId="f1ba3ba5-e185-404b-b55f-b2be90e2bdc2" providerId="ADAL" clId="{4BD2A7FE-9E5B-4A17-9515-51BDB1FB0393}" dt="2020-06-04T06:58:57.988" v="78" actId="20577"/>
           <ac:spMkLst>
             <pc:docMk/>
             <pc:sldMk cId="1705629521" sldId="318"/>
             <ac:spMk id="3" creationId="{E7C3D928-2CE9-4266-A577-F5AA1DFC7CE3}"/>
           </ac:spMkLst>
         </pc:spChg>
-      </pc:sldChg>
-      <pc:sldChg chg="modSp new mod">
-        <pc:chgData name="Ming-Chih Lin" userId="f1ba3ba5-e185-404b-b55f-b2be90e2bdc2" providerId="ADAL" clId="{4BD2A7FE-9E5B-4A17-9515-51BDB1FB0393}" dt="2020-06-02T02:06:42.457" v="10"/>
+        <pc:picChg chg="add del">
+          <ac:chgData name="Ming-Chih Lin" userId="f1ba3ba5-e185-404b-b55f-b2be90e2bdc2" providerId="ADAL" clId="{4BD2A7FE-9E5B-4A17-9515-51BDB1FB0393}" dt="2020-06-04T07:52:23.108" v="130"/>
+          <ac:picMkLst>
+            <pc:docMk/>
+            <pc:sldMk cId="1705629521" sldId="318"/>
+            <ac:picMk id="4" creationId="{FFD7989A-0DDA-429A-91D7-5F81BB6FE67B}"/>
+          </ac:picMkLst>
+        </pc:picChg>
+        <pc:picChg chg="add del">
+          <ac:chgData name="Ming-Chih Lin" userId="f1ba3ba5-e185-404b-b55f-b2be90e2bdc2" providerId="ADAL" clId="{4BD2A7FE-9E5B-4A17-9515-51BDB1FB0393}" dt="2020-06-04T07:52:48.787" v="132" actId="478"/>
+          <ac:picMkLst>
+            <pc:docMk/>
+            <pc:sldMk cId="1705629521" sldId="318"/>
+            <ac:picMk id="5" creationId="{BE1057B7-E785-43B8-9F57-94C7A0C31EAD}"/>
+          </ac:picMkLst>
+        </pc:picChg>
+        <pc:picChg chg="add mod">
+          <ac:chgData name="Ming-Chih Lin" userId="f1ba3ba5-e185-404b-b55f-b2be90e2bdc2" providerId="ADAL" clId="{4BD2A7FE-9E5B-4A17-9515-51BDB1FB0393}" dt="2020-06-04T07:53:07.899" v="138" actId="1076"/>
+          <ac:picMkLst>
+            <pc:docMk/>
+            <pc:sldMk cId="1705629521" sldId="318"/>
+            <ac:picMk id="6" creationId="{6F6F0F4C-C854-48F4-8DD3-EF8D1629388B}"/>
+          </ac:picMkLst>
+        </pc:picChg>
+      </pc:sldChg>
+      <pc:sldChg chg="addSp delSp modSp new mod ord">
+        <pc:chgData name="Ming-Chih Lin" userId="f1ba3ba5-e185-404b-b55f-b2be90e2bdc2" providerId="ADAL" clId="{4BD2A7FE-9E5B-4A17-9515-51BDB1FB0393}" dt="2020-06-04T08:23:12.033" v="346" actId="14100"/>
         <pc:sldMkLst>
           <pc:docMk/>
           <pc:sldMk cId="1809218753" sldId="319"/>
         </pc:sldMkLst>
         <pc:spChg chg="mod">
-          <ac:chgData name="Ming-Chih Lin" userId="f1ba3ba5-e185-404b-b55f-b2be90e2bdc2" providerId="ADAL" clId="{4BD2A7FE-9E5B-4A17-9515-51BDB1FB0393}" dt="2020-06-02T02:06:41.905" v="9" actId="21"/>
+          <ac:chgData name="Ming-Chih Lin" userId="f1ba3ba5-e185-404b-b55f-b2be90e2bdc2" providerId="ADAL" clId="{4BD2A7FE-9E5B-4A17-9515-51BDB1FB0393}" dt="2020-06-04T08:15:35.192" v="175" actId="14100"/>
           <ac:spMkLst>
             <pc:docMk/>
             <pc:sldMk cId="1809218753" sldId="319"/>
@@ -1262,22 +1285,134 @@
           </ac:spMkLst>
         </pc:spChg>
         <pc:spChg chg="mod">
-          <ac:chgData name="Ming-Chih Lin" userId="f1ba3ba5-e185-404b-b55f-b2be90e2bdc2" providerId="ADAL" clId="{4BD2A7FE-9E5B-4A17-9515-51BDB1FB0393}" dt="2020-06-02T02:06:42.457" v="10"/>
+          <ac:chgData name="Ming-Chih Lin" userId="f1ba3ba5-e185-404b-b55f-b2be90e2bdc2" providerId="ADAL" clId="{4BD2A7FE-9E5B-4A17-9515-51BDB1FB0393}" dt="2020-06-04T06:58:25.650" v="74" actId="20577"/>
           <ac:spMkLst>
             <pc:docMk/>
             <pc:sldMk cId="1809218753" sldId="319"/>
             <ac:spMk id="3" creationId="{C35C514E-7503-483D-9589-A8DE8F93E299}"/>
           </ac:spMkLst>
         </pc:spChg>
+        <pc:spChg chg="add mod">
+          <ac:chgData name="Ming-Chih Lin" userId="f1ba3ba5-e185-404b-b55f-b2be90e2bdc2" providerId="ADAL" clId="{4BD2A7FE-9E5B-4A17-9515-51BDB1FB0393}" dt="2020-06-04T08:22:34.359" v="339" actId="14861"/>
+          <ac:spMkLst>
+            <pc:docMk/>
+            <pc:sldMk cId="1809218753" sldId="319"/>
+            <ac:spMk id="5" creationId="{AD12E166-F00F-4C24-9FEA-31A837294A69}"/>
+          </ac:spMkLst>
+        </pc:spChg>
+        <pc:spChg chg="add mod">
+          <ac:chgData name="Ming-Chih Lin" userId="f1ba3ba5-e185-404b-b55f-b2be90e2bdc2" providerId="ADAL" clId="{4BD2A7FE-9E5B-4A17-9515-51BDB1FB0393}" dt="2020-06-04T08:22:49.686" v="342" actId="20577"/>
+          <ac:spMkLst>
+            <pc:docMk/>
+            <pc:sldMk cId="1809218753" sldId="319"/>
+            <ac:spMk id="6" creationId="{D80879E8-CD19-436D-A254-B7E6B4AD25D0}"/>
+          </ac:spMkLst>
+        </pc:spChg>
+        <pc:spChg chg="add mod">
+          <ac:chgData name="Ming-Chih Lin" userId="f1ba3ba5-e185-404b-b55f-b2be90e2bdc2" providerId="ADAL" clId="{4BD2A7FE-9E5B-4A17-9515-51BDB1FB0393}" dt="2020-06-04T08:22:34.359" v="339" actId="14861"/>
+          <ac:spMkLst>
+            <pc:docMk/>
+            <pc:sldMk cId="1809218753" sldId="319"/>
+            <ac:spMk id="7" creationId="{F3891008-FBD0-4740-9A61-26A131EEF511}"/>
+          </ac:spMkLst>
+        </pc:spChg>
+        <pc:spChg chg="add mod">
+          <ac:chgData name="Ming-Chih Lin" userId="f1ba3ba5-e185-404b-b55f-b2be90e2bdc2" providerId="ADAL" clId="{4BD2A7FE-9E5B-4A17-9515-51BDB1FB0393}" dt="2020-06-04T08:22:43.516" v="341" actId="14100"/>
+          <ac:spMkLst>
+            <pc:docMk/>
+            <pc:sldMk cId="1809218753" sldId="319"/>
+            <ac:spMk id="8" creationId="{A86D7645-7260-4085-96DD-114B98123A43}"/>
+          </ac:spMkLst>
+        </pc:spChg>
+        <pc:spChg chg="add mod">
+          <ac:chgData name="Ming-Chih Lin" userId="f1ba3ba5-e185-404b-b55f-b2be90e2bdc2" providerId="ADAL" clId="{4BD2A7FE-9E5B-4A17-9515-51BDB1FB0393}" dt="2020-06-04T08:23:07.211" v="345" actId="207"/>
+          <ac:spMkLst>
+            <pc:docMk/>
+            <pc:sldMk cId="1809218753" sldId="319"/>
+            <ac:spMk id="9" creationId="{860F231A-086C-4F47-B91F-5E28206E24FB}"/>
+          </ac:spMkLst>
+        </pc:spChg>
+        <pc:spChg chg="add del mod">
+          <ac:chgData name="Ming-Chih Lin" userId="f1ba3ba5-e185-404b-b55f-b2be90e2bdc2" providerId="ADAL" clId="{4BD2A7FE-9E5B-4A17-9515-51BDB1FB0393}" dt="2020-06-04T08:18:21.508" v="251" actId="478"/>
+          <ac:spMkLst>
+            <pc:docMk/>
+            <pc:sldMk cId="1809218753" sldId="319"/>
+            <ac:spMk id="10" creationId="{8EDB3CC8-E109-4CC7-A014-91609EC4211C}"/>
+          </ac:spMkLst>
+        </pc:spChg>
+        <pc:spChg chg="add del mod">
+          <ac:chgData name="Ming-Chih Lin" userId="f1ba3ba5-e185-404b-b55f-b2be90e2bdc2" providerId="ADAL" clId="{4BD2A7FE-9E5B-4A17-9515-51BDB1FB0393}" dt="2020-06-04T08:18:23.812" v="252" actId="478"/>
+          <ac:spMkLst>
+            <pc:docMk/>
+            <pc:sldMk cId="1809218753" sldId="319"/>
+            <ac:spMk id="11" creationId="{F35C4AF8-0C4D-43BB-8647-7E5A10D002D3}"/>
+          </ac:spMkLst>
+        </pc:spChg>
+        <pc:spChg chg="add mod">
+          <ac:chgData name="Ming-Chih Lin" userId="f1ba3ba5-e185-404b-b55f-b2be90e2bdc2" providerId="ADAL" clId="{4BD2A7FE-9E5B-4A17-9515-51BDB1FB0393}" dt="2020-06-04T08:22:34.359" v="339" actId="14861"/>
+          <ac:spMkLst>
+            <pc:docMk/>
+            <pc:sldMk cId="1809218753" sldId="319"/>
+            <ac:spMk id="12" creationId="{190FB171-8EA5-49D8-9447-35EEA3C5FB46}"/>
+          </ac:spMkLst>
+        </pc:spChg>
+        <pc:spChg chg="add del mod">
+          <ac:chgData name="Ming-Chih Lin" userId="f1ba3ba5-e185-404b-b55f-b2be90e2bdc2" providerId="ADAL" clId="{4BD2A7FE-9E5B-4A17-9515-51BDB1FB0393}" dt="2020-06-04T08:20:01.387" v="315" actId="478"/>
+          <ac:spMkLst>
+            <pc:docMk/>
+            <pc:sldMk cId="1809218753" sldId="319"/>
+            <ac:spMk id="13" creationId="{9F4E7AE6-3CDB-42ED-ACA6-000D098A5BDF}"/>
+          </ac:spMkLst>
+        </pc:spChg>
+        <pc:spChg chg="add del">
+          <ac:chgData name="Ming-Chih Lin" userId="f1ba3ba5-e185-404b-b55f-b2be90e2bdc2" providerId="ADAL" clId="{4BD2A7FE-9E5B-4A17-9515-51BDB1FB0393}" dt="2020-06-04T08:21:31.334" v="328" actId="478"/>
+          <ac:spMkLst>
+            <pc:docMk/>
+            <pc:sldMk cId="1809218753" sldId="319"/>
+            <ac:spMk id="19" creationId="{E68A62BD-D373-4B44-BFFD-4A710F0BD3D3}"/>
+          </ac:spMkLst>
+        </pc:spChg>
+        <pc:spChg chg="add mod">
+          <ac:chgData name="Ming-Chih Lin" userId="f1ba3ba5-e185-404b-b55f-b2be90e2bdc2" providerId="ADAL" clId="{4BD2A7FE-9E5B-4A17-9515-51BDB1FB0393}" dt="2020-06-04T08:22:34.359" v="339" actId="14861"/>
+          <ac:spMkLst>
+            <pc:docMk/>
+            <pc:sldMk cId="1809218753" sldId="319"/>
+            <ac:spMk id="20" creationId="{B4959C3F-0D22-44A5-9C0D-FB6F19DBB850}"/>
+          </ac:spMkLst>
+        </pc:spChg>
+        <pc:spChg chg="add mod">
+          <ac:chgData name="Ming-Chih Lin" userId="f1ba3ba5-e185-404b-b55f-b2be90e2bdc2" providerId="ADAL" clId="{4BD2A7FE-9E5B-4A17-9515-51BDB1FB0393}" dt="2020-06-04T08:22:34.359" v="339" actId="14861"/>
+          <ac:spMkLst>
+            <pc:docMk/>
+            <pc:sldMk cId="1809218753" sldId="319"/>
+            <ac:spMk id="21" creationId="{BF6C849C-D46D-410A-AB13-ECA9A613336C}"/>
+          </ac:spMkLst>
+        </pc:spChg>
+        <pc:graphicFrameChg chg="add del mod modGraphic">
+          <ac:chgData name="Ming-Chih Lin" userId="f1ba3ba5-e185-404b-b55f-b2be90e2bdc2" providerId="ADAL" clId="{4BD2A7FE-9E5B-4A17-9515-51BDB1FB0393}" dt="2020-06-04T08:15:28.264" v="174" actId="478"/>
+          <ac:graphicFrameMkLst>
+            <pc:docMk/>
+            <pc:sldMk cId="1809218753" sldId="319"/>
+            <ac:graphicFrameMk id="4" creationId="{EAFA61A6-8C5B-4C23-B342-635F7BB59F61}"/>
+          </ac:graphicFrameMkLst>
+        </pc:graphicFrameChg>
+        <pc:cxnChg chg="add mod">
+          <ac:chgData name="Ming-Chih Lin" userId="f1ba3ba5-e185-404b-b55f-b2be90e2bdc2" providerId="ADAL" clId="{4BD2A7FE-9E5B-4A17-9515-51BDB1FB0393}" dt="2020-06-04T08:23:12.033" v="346" actId="14100"/>
+          <ac:cxnSpMkLst>
+            <pc:docMk/>
+            <pc:sldMk cId="1809218753" sldId="319"/>
+            <ac:cxnSpMk id="15" creationId="{C324581B-3FC9-42C0-9F5E-4F8E4F56452D}"/>
+          </ac:cxnSpMkLst>
+        </pc:cxnChg>
       </pc:sldChg>
       <pc:sldChg chg="modSp new mod ord">
-        <pc:chgData name="Ming-Chih Lin" userId="f1ba3ba5-e185-404b-b55f-b2be90e2bdc2" providerId="ADAL" clId="{4BD2A7FE-9E5B-4A17-9515-51BDB1FB0393}" dt="2020-06-03T23:24:05.553" v="34"/>
+        <pc:chgData name="Ming-Chih Lin" userId="f1ba3ba5-e185-404b-b55f-b2be90e2bdc2" providerId="ADAL" clId="{4BD2A7FE-9E5B-4A17-9515-51BDB1FB0393}" dt="2020-06-04T08:14:05.914" v="143"/>
         <pc:sldMkLst>
           <pc:docMk/>
           <pc:sldMk cId="557188385" sldId="320"/>
         </pc:sldMkLst>
         <pc:spChg chg="mod">
-          <ac:chgData name="Ming-Chih Lin" userId="f1ba3ba5-e185-404b-b55f-b2be90e2bdc2" providerId="ADAL" clId="{4BD2A7FE-9E5B-4A17-9515-51BDB1FB0393}" dt="2020-06-02T02:07:34.453" v="17" actId="21"/>
+          <ac:chgData name="Ming-Chih Lin" userId="f1ba3ba5-e185-404b-b55f-b2be90e2bdc2" providerId="ADAL" clId="{4BD2A7FE-9E5B-4A17-9515-51BDB1FB0393}" dt="2020-06-04T06:59:18.478" v="84" actId="20577"/>
           <ac:spMkLst>
             <pc:docMk/>
             <pc:sldMk cId="557188385" sldId="320"/>
@@ -1293,14 +1428,14 @@
           </ac:spMkLst>
         </pc:spChg>
       </pc:sldChg>
-      <pc:sldChg chg="modSp new mod">
-        <pc:chgData name="Ming-Chih Lin" userId="f1ba3ba5-e185-404b-b55f-b2be90e2bdc2" providerId="ADAL" clId="{4BD2A7FE-9E5B-4A17-9515-51BDB1FB0393}" dt="2020-06-03T23:24:21.087" v="37" actId="5793"/>
+      <pc:sldChg chg="addSp delSp modSp new mod">
+        <pc:chgData name="Ming-Chih Lin" userId="f1ba3ba5-e185-404b-b55f-b2be90e2bdc2" providerId="ADAL" clId="{4BD2A7FE-9E5B-4A17-9515-51BDB1FB0393}" dt="2020-06-04T07:54:12.909" v="139" actId="1076"/>
         <pc:sldMkLst>
           <pc:docMk/>
           <pc:sldMk cId="3289215511" sldId="321"/>
         </pc:sldMkLst>
         <pc:spChg chg="mod">
-          <ac:chgData name="Ming-Chih Lin" userId="f1ba3ba5-e185-404b-b55f-b2be90e2bdc2" providerId="ADAL" clId="{4BD2A7FE-9E5B-4A17-9515-51BDB1FB0393}" dt="2020-06-03T23:24:21.087" v="37" actId="5793"/>
+          <ac:chgData name="Ming-Chih Lin" userId="f1ba3ba5-e185-404b-b55f-b2be90e2bdc2" providerId="ADAL" clId="{4BD2A7FE-9E5B-4A17-9515-51BDB1FB0393}" dt="2020-06-04T07:48:24.963" v="107" actId="14100"/>
           <ac:spMkLst>
             <pc:docMk/>
             <pc:sldMk cId="3289215511" sldId="321"/>
@@ -1315,13 +1450,45 @@
             <ac:spMk id="3" creationId="{755E7580-BFFD-427A-B86D-DA8168230F6B}"/>
           </ac:spMkLst>
         </pc:spChg>
-      </pc:sldChg>
-      <pc:sldChg chg="add modTransition">
-        <pc:chgData name="Ming-Chih Lin" userId="f1ba3ba5-e185-404b-b55f-b2be90e2bdc2" providerId="ADAL" clId="{4BD2A7FE-9E5B-4A17-9515-51BDB1FB0393}" dt="2020-06-02T02:18:49.299" v="23"/>
+        <pc:picChg chg="add del mod">
+          <ac:chgData name="Ming-Chih Lin" userId="f1ba3ba5-e185-404b-b55f-b2be90e2bdc2" providerId="ADAL" clId="{4BD2A7FE-9E5B-4A17-9515-51BDB1FB0393}" dt="2020-06-04T07:47:27.468" v="94" actId="478"/>
+          <ac:picMkLst>
+            <pc:docMk/>
+            <pc:sldMk cId="3289215511" sldId="321"/>
+            <ac:picMk id="4" creationId="{C43E9A5F-8B8E-4D8E-AFB0-A8A65F48BA5D}"/>
+          </ac:picMkLst>
+        </pc:picChg>
+        <pc:picChg chg="add mod">
+          <ac:chgData name="Ming-Chih Lin" userId="f1ba3ba5-e185-404b-b55f-b2be90e2bdc2" providerId="ADAL" clId="{4BD2A7FE-9E5B-4A17-9515-51BDB1FB0393}" dt="2020-06-04T07:54:12.909" v="139" actId="1076"/>
+          <ac:picMkLst>
+            <pc:docMk/>
+            <pc:sldMk cId="3289215511" sldId="321"/>
+            <ac:picMk id="5" creationId="{44810B7B-90C2-4931-8A18-684632BA8A7F}"/>
+          </ac:picMkLst>
+        </pc:picChg>
+      </pc:sldChg>
+      <pc:sldChg chg="addSp modSp add mod modTransition">
+        <pc:chgData name="Ming-Chih Lin" userId="f1ba3ba5-e185-404b-b55f-b2be90e2bdc2" providerId="ADAL" clId="{4BD2A7FE-9E5B-4A17-9515-51BDB1FB0393}" dt="2020-06-04T07:49:57.617" v="120" actId="20577"/>
         <pc:sldMkLst>
           <pc:docMk/>
           <pc:sldMk cId="2128641485" sldId="323"/>
         </pc:sldMkLst>
+        <pc:spChg chg="mod">
+          <ac:chgData name="Ming-Chih Lin" userId="f1ba3ba5-e185-404b-b55f-b2be90e2bdc2" providerId="ADAL" clId="{4BD2A7FE-9E5B-4A17-9515-51BDB1FB0393}" dt="2020-06-04T07:49:57.617" v="120" actId="20577"/>
+          <ac:spMkLst>
+            <pc:docMk/>
+            <pc:sldMk cId="2128641485" sldId="323"/>
+            <ac:spMk id="2" creationId="{EED6BDC6-775B-45C4-BA1F-335BCABEFD04}"/>
+          </ac:spMkLst>
+        </pc:spChg>
+        <pc:picChg chg="add mod">
+          <ac:chgData name="Ming-Chih Lin" userId="f1ba3ba5-e185-404b-b55f-b2be90e2bdc2" providerId="ADAL" clId="{4BD2A7FE-9E5B-4A17-9515-51BDB1FB0393}" dt="2020-06-04T07:49:45.497" v="116" actId="1076"/>
+          <ac:picMkLst>
+            <pc:docMk/>
+            <pc:sldMk cId="2128641485" sldId="323"/>
+            <ac:picMk id="4" creationId="{8F3B816C-CCEC-4A1E-9A48-A5F224630968}"/>
+          </ac:picMkLst>
+        </pc:picChg>
       </pc:sldChg>
       <pc:sldChg chg="add">
         <pc:chgData name="Ming-Chih Lin" userId="f1ba3ba5-e185-404b-b55f-b2be90e2bdc2" providerId="ADAL" clId="{4BD2A7FE-9E5B-4A17-9515-51BDB1FB0393}" dt="2020-06-02T02:29:23.451" v="26"/>
@@ -11356,101 +11523,6 @@
 </p:sld>
 </file>
 
-<file path=ppt/slides/slide10.xml><?xml version="1.0" encoding="utf-8"?>
-<p:sld xmlns:a="http://schemas.openxmlformats.org/drawingml/2006/main" xmlns:r="http://schemas.openxmlformats.org/officeDocument/2006/relationships" xmlns:p="http://schemas.openxmlformats.org/presentationml/2006/main">
-  <p:cSld>
-    <p:spTree>
-      <p:nvGrpSpPr>
-        <p:cNvPr id="1" name=""/>
-        <p:cNvGrpSpPr/>
-        <p:nvPr/>
-      </p:nvGrpSpPr>
-      <p:grpSpPr>
-        <a:xfrm>
-          <a:off x="0" y="0"/>
-          <a:ext cx="0" cy="0"/>
-          <a:chOff x="0" y="0"/>
-          <a:chExt cx="0" cy="0"/>
-        </a:xfrm>
-      </p:grpSpPr>
-      <p:sp>
-        <p:nvSpPr>
-          <p:cNvPr id="4" name="文字版面配置區 3">
-            <a:extLst>
-              <a:ext uri="{FF2B5EF4-FFF2-40B4-BE49-F238E27FC236}">
-                <a16:creationId xmlns:a16="http://schemas.microsoft.com/office/drawing/2014/main" id="{2FA54F75-D405-4104-B6BB-EA44A23A109A}"/>
-              </a:ext>
-            </a:extLst>
-          </p:cNvPr>
-          <p:cNvSpPr>
-            <a:spLocks noGrp="1"/>
-          </p:cNvSpPr>
-          <p:nvPr>
-            <p:ph type="body" sz="quarter" idx="10"/>
-          </p:nvPr>
-        </p:nvSpPr>
-        <p:spPr/>
-        <p:txBody>
-          <a:bodyPr/>
-          <a:lstStyle/>
-          <a:p>
-            <a:r>
-              <a:rPr lang="zh-TW" altLang="en-US" dirty="0"/>
-              <a:t>專題討論 </a:t>
-            </a:r>
-          </a:p>
-        </p:txBody>
-      </p:sp>
-      <p:sp>
-        <p:nvSpPr>
-          <p:cNvPr id="5" name="文字版面配置區 4">
-            <a:extLst>
-              <a:ext uri="{FF2B5EF4-FFF2-40B4-BE49-F238E27FC236}">
-                <a16:creationId xmlns:a16="http://schemas.microsoft.com/office/drawing/2014/main" id="{CEE2A55E-C73D-43FF-AA36-95C0FF95B7B1}"/>
-              </a:ext>
-            </a:extLst>
-          </p:cNvPr>
-          <p:cNvSpPr>
-            <a:spLocks noGrp="1"/>
-          </p:cNvSpPr>
-          <p:nvPr>
-            <p:ph type="body" sz="quarter" idx="12"/>
-          </p:nvPr>
-        </p:nvSpPr>
-        <p:spPr/>
-        <p:txBody>
-          <a:bodyPr/>
-          <a:lstStyle/>
-          <a:p>
-            <a:endParaRPr lang="zh-TW" altLang="en-US"/>
-          </a:p>
-        </p:txBody>
-      </p:sp>
-    </p:spTree>
-    <p:extLst>
-      <p:ext uri="{BB962C8B-B14F-4D97-AF65-F5344CB8AC3E}">
-        <p14:creationId xmlns:p14="http://schemas.microsoft.com/office/powerpoint/2010/main" val="929909194"/>
-      </p:ext>
-    </p:extLst>
-  </p:cSld>
-  <p:clrMapOvr>
-    <a:masterClrMapping/>
-  </p:clrMapOvr>
-  <mc:AlternateContent xmlns:mc="http://schemas.openxmlformats.org/markup-compatibility/2006" xmlns:p14="http://schemas.microsoft.com/office/powerpoint/2010/main">
-    <mc:Choice Requires="p14">
-      <p:transition p14:dur="250">
-        <p:fade/>
-      </p:transition>
-    </mc:Choice>
-    <mc:Fallback xmlns="">
-      <p:transition>
-        <p:fade/>
-      </p:transition>
-    </mc:Fallback>
-  </mc:AlternateContent>
-</p:sld>
-</file>
-
 <file path=ppt/slides/slide2.xml><?xml version="1.0" encoding="utf-8"?>
 <p:sld xmlns:a="http://schemas.openxmlformats.org/drawingml/2006/main" xmlns:r="http://schemas.openxmlformats.org/officeDocument/2006/relationships" xmlns:p="http://schemas.openxmlformats.org/presentationml/2006/main">
   <p:cSld>
@@ -11565,10 +11637,10 @@
       </p:grpSpPr>
       <p:sp>
         <p:nvSpPr>
-          <p:cNvPr id="5" name="內容版面配置區 4">
-            <a:extLst>
-              <a:ext uri="{FF2B5EF4-FFF2-40B4-BE49-F238E27FC236}">
-                <a16:creationId xmlns:a16="http://schemas.microsoft.com/office/drawing/2014/main" id="{74600EDD-6149-4100-A352-B0800C157F5B}"/>
+          <p:cNvPr id="2" name="內容版面配置區 1">
+            <a:extLst>
+              <a:ext uri="{FF2B5EF4-FFF2-40B4-BE49-F238E27FC236}">
+                <a16:creationId xmlns:a16="http://schemas.microsoft.com/office/drawing/2014/main" id="{581CD9B0-D2E7-4D32-9C81-937754DBDA21}"/>
               </a:ext>
             </a:extLst>
           </p:cNvPr>
@@ -11579,72 +11651,51 @@
             <p:ph idx="1"/>
           </p:nvPr>
         </p:nvSpPr>
-        <p:spPr/>
+        <p:spPr>
+          <a:xfrm>
+            <a:off x="609600" y="1371600"/>
+            <a:ext cx="5943600" cy="4762471"/>
+          </a:xfrm>
+        </p:spPr>
         <p:txBody>
           <a:bodyPr/>
           <a:lstStyle/>
           <a:p>
+            <a:pPr marL="0" indent="0">
+              <a:buNone/>
+            </a:pPr>
             <a:r>
               <a:rPr lang="zh-TW" altLang="en-US" dirty="0"/>
-              <a:t>物理模擬提供了大量的數據，使用者可以根據設計需要擷取部分數據並加以處理，最後轉換成適當的圖表以方便檢視。由於物理特徵的多樣性，可以用來呈現的圖表多達上百種。這些圖表有各自的優缺點，使用者必須自行決定用何種表達方式才能取得所要觀察的特性。</a:t>
+              <a:t>一般在完成模擬之後，工程師必須輸出圖表並擷取必要的資料，複製貼上到</a:t>
             </a:r>
             <a:r>
               <a:rPr lang="en-US" altLang="zh-TW" dirty="0"/>
-              <a:t>python</a:t>
+              <a:t>word</a:t>
             </a:r>
             <a:r>
               <a:rPr lang="zh-TW" altLang="en-US" dirty="0"/>
-              <a:t>的</a:t>
-            </a:r>
-            <a:r>
-              <a:rPr lang="en-US" altLang="zh-TW" dirty="0" err="1"/>
-              <a:t>numpy</a:t>
+              <a:t>或</a:t>
+            </a:r>
+            <a:r>
+              <a:rPr lang="en-US" altLang="zh-TW" dirty="0"/>
+              <a:t>ppt</a:t>
             </a:r>
             <a:r>
               <a:rPr lang="zh-TW" altLang="en-US" dirty="0"/>
-              <a:t>庫提供了強大的矩陣運算能力，其計算速度相當出色。</a:t>
-            </a:r>
-            <a:r>
-              <a:rPr lang="en-US" altLang="zh-TW" dirty="0"/>
-              <a:t>matplotlib</a:t>
-            </a:r>
-            <a:r>
-              <a:rPr lang="zh-TW" altLang="en-US" dirty="0"/>
-              <a:t>庫提供了上百種資料視覺化圖表，兩者相輔相成，是科學及工程運算不可或缺的工具。此外</a:t>
-            </a:r>
-            <a:r>
-              <a:rPr lang="en-US" altLang="zh-TW" dirty="0"/>
-              <a:t>python</a:t>
-            </a:r>
-            <a:r>
-              <a:rPr lang="zh-TW" altLang="en-US" dirty="0"/>
-              <a:t>用來做資料清洗及格式化輸出也相當好用。整體提供了一整套從資料前處理到報表輸出的完整工具。接下來我們就以幾個簡單的例子來說明如何利用</a:t>
-            </a:r>
-            <a:r>
-              <a:rPr lang="en-US" altLang="zh-TW" dirty="0"/>
-              <a:t>python</a:t>
-            </a:r>
-            <a:r>
-              <a:rPr lang="zh-TW" altLang="en-US" dirty="0"/>
-              <a:t>搭配</a:t>
-            </a:r>
-            <a:r>
-              <a:rPr lang="en-US" altLang="zh-TW" dirty="0"/>
-              <a:t>matplotlib</a:t>
-            </a:r>
-            <a:r>
-              <a:rPr lang="zh-TW" altLang="en-US" dirty="0"/>
-              <a:t>來完成資料視覺化的工作。</a:t>
-            </a:r>
+              <a:t>當中來產生報告，以提供給主管或客戶參考，這是一件吃力不討好的工作，資料一多整理起來更是苦不堪言，一旦設計改版，全部的工作又必須重來一次。如果將報告的生成工作自動化，便可以讓工程師可以從繁瑣的剪貼操作解脫，去從事更有價值的技術研究。</a:t>
+            </a:r>
+          </a:p>
+          <a:p>
+            <a:endParaRPr lang="zh-TW" altLang="en-US" dirty="0"/>
           </a:p>
         </p:txBody>
       </p:sp>
       <p:sp>
         <p:nvSpPr>
-          <p:cNvPr id="4" name="標題 3">
-            <a:extLst>
-              <a:ext uri="{FF2B5EF4-FFF2-40B4-BE49-F238E27FC236}">
-                <a16:creationId xmlns:a16="http://schemas.microsoft.com/office/drawing/2014/main" id="{17F59BFE-1F5B-4280-9DC2-96DED29C064D}"/>
+          <p:cNvPr id="3" name="標題 2">
+            <a:extLst>
+              <a:ext uri="{FF2B5EF4-FFF2-40B4-BE49-F238E27FC236}">
+                <a16:creationId xmlns:a16="http://schemas.microsoft.com/office/drawing/2014/main" id="{C35C514E-7503-483D-9589-A8DE8F93E299}"/>
               </a:ext>
             </a:extLst>
           </p:cNvPr>
@@ -11660,6 +11711,556 @@
           <a:bodyPr/>
           <a:lstStyle/>
           <a:p>
+            <a:r>
+              <a:rPr lang="zh-TW" altLang="en-US" dirty="0"/>
+              <a:t>模擬報告自動化</a:t>
+            </a:r>
+            <a:br>
+              <a:rPr lang="zh-TW" altLang="en-US" dirty="0"/>
+            </a:br>
+            <a:endParaRPr lang="zh-TW" altLang="en-US" dirty="0"/>
+          </a:p>
+        </p:txBody>
+      </p:sp>
+      <p:sp>
+        <p:nvSpPr>
+          <p:cNvPr id="5" name="矩形: 圓角 4">
+            <a:extLst>
+              <a:ext uri="{FF2B5EF4-FFF2-40B4-BE49-F238E27FC236}">
+                <a16:creationId xmlns:a16="http://schemas.microsoft.com/office/drawing/2014/main" id="{AD12E166-F00F-4C24-9FEA-31A837294A69}"/>
+              </a:ext>
+            </a:extLst>
+          </p:cNvPr>
+          <p:cNvSpPr/>
+          <p:nvPr/>
+        </p:nvSpPr>
+        <p:spPr>
+          <a:xfrm>
+            <a:off x="7061199" y="872066"/>
+            <a:ext cx="1888067" cy="845837"/>
+          </a:xfrm>
+          <a:prstGeom prst="roundRect">
+            <a:avLst/>
+          </a:prstGeom>
+          <a:effectLst>
+            <a:outerShdw blurRad="50800" dist="38100" dir="2700000" algn="tl" rotWithShape="0">
+              <a:prstClr val="black">
+                <a:alpha val="40000"/>
+              </a:prstClr>
+            </a:outerShdw>
+          </a:effectLst>
+        </p:spPr>
+        <p:style>
+          <a:lnRef idx="2">
+            <a:schemeClr val="accent1">
+              <a:shade val="50000"/>
+            </a:schemeClr>
+          </a:lnRef>
+          <a:fillRef idx="1">
+            <a:schemeClr val="accent1"/>
+          </a:fillRef>
+          <a:effectRef idx="0">
+            <a:schemeClr val="accent1"/>
+          </a:effectRef>
+          <a:fontRef idx="minor">
+            <a:schemeClr val="lt1"/>
+          </a:fontRef>
+        </p:style>
+        <p:txBody>
+          <a:bodyPr rtlCol="0" anchor="ctr"/>
+          <a:lstStyle/>
+          <a:p>
+            <a:pPr algn="ctr"/>
+            <a:r>
+              <a:rPr lang="en-US" altLang="zh-TW" dirty="0"/>
+              <a:t>AEDT</a:t>
+            </a:r>
+            <a:endParaRPr lang="zh-TW" altLang="en-US" dirty="0"/>
+          </a:p>
+        </p:txBody>
+      </p:sp>
+      <p:sp>
+        <p:nvSpPr>
+          <p:cNvPr id="6" name="矩形: 圓角 5">
+            <a:extLst>
+              <a:ext uri="{FF2B5EF4-FFF2-40B4-BE49-F238E27FC236}">
+                <a16:creationId xmlns:a16="http://schemas.microsoft.com/office/drawing/2014/main" id="{D80879E8-CD19-436D-A254-B7E6B4AD25D0}"/>
+              </a:ext>
+            </a:extLst>
+          </p:cNvPr>
+          <p:cNvSpPr/>
+          <p:nvPr/>
+        </p:nvSpPr>
+        <p:spPr>
+          <a:xfrm>
+            <a:off x="7061197" y="2397315"/>
+            <a:ext cx="1888067" cy="845837"/>
+          </a:xfrm>
+          <a:prstGeom prst="roundRect">
+            <a:avLst/>
+          </a:prstGeom>
+          <a:effectLst>
+            <a:outerShdw blurRad="50800" dist="38100" dir="2700000" algn="tl" rotWithShape="0">
+              <a:prstClr val="black">
+                <a:alpha val="40000"/>
+              </a:prstClr>
+            </a:outerShdw>
+          </a:effectLst>
+        </p:spPr>
+        <p:style>
+          <a:lnRef idx="2">
+            <a:schemeClr val="accent1">
+              <a:shade val="50000"/>
+            </a:schemeClr>
+          </a:lnRef>
+          <a:fillRef idx="1">
+            <a:schemeClr val="accent1"/>
+          </a:fillRef>
+          <a:effectRef idx="0">
+            <a:schemeClr val="accent1"/>
+          </a:effectRef>
+          <a:fontRef idx="minor">
+            <a:schemeClr val="lt1"/>
+          </a:fontRef>
+        </p:style>
+        <p:txBody>
+          <a:bodyPr rtlCol="0" anchor="ctr"/>
+          <a:lstStyle/>
+          <a:p>
+            <a:pPr algn="ctr"/>
+            <a:r>
+              <a:rPr lang="en-US" altLang="zh-TW" dirty="0"/>
+              <a:t>Script</a:t>
+            </a:r>
+            <a:endParaRPr lang="zh-TW" altLang="en-US" dirty="0"/>
+          </a:p>
+        </p:txBody>
+      </p:sp>
+      <p:sp>
+        <p:nvSpPr>
+          <p:cNvPr id="7" name="箭號: 弧形左彎 6">
+            <a:extLst>
+              <a:ext uri="{FF2B5EF4-FFF2-40B4-BE49-F238E27FC236}">
+                <a16:creationId xmlns:a16="http://schemas.microsoft.com/office/drawing/2014/main" id="{F3891008-FBD0-4740-9A61-26A131EEF511}"/>
+              </a:ext>
+            </a:extLst>
+          </p:cNvPr>
+          <p:cNvSpPr/>
+          <p:nvPr/>
+        </p:nvSpPr>
+        <p:spPr>
+          <a:xfrm>
+            <a:off x="9017000" y="1294984"/>
+            <a:ext cx="1066800" cy="1846149"/>
+          </a:xfrm>
+          <a:prstGeom prst="curvedLeftArrow">
+            <a:avLst/>
+          </a:prstGeom>
+          <a:effectLst>
+            <a:outerShdw blurRad="50800" dist="38100" dir="2700000" algn="tl" rotWithShape="0">
+              <a:prstClr val="black">
+                <a:alpha val="40000"/>
+              </a:prstClr>
+            </a:outerShdw>
+          </a:effectLst>
+        </p:spPr>
+        <p:style>
+          <a:lnRef idx="2">
+            <a:schemeClr val="accent1">
+              <a:shade val="50000"/>
+            </a:schemeClr>
+          </a:lnRef>
+          <a:fillRef idx="1">
+            <a:schemeClr val="accent1"/>
+          </a:fillRef>
+          <a:effectRef idx="0">
+            <a:schemeClr val="accent1"/>
+          </a:effectRef>
+          <a:fontRef idx="minor">
+            <a:schemeClr val="lt1"/>
+          </a:fontRef>
+        </p:style>
+        <p:txBody>
+          <a:bodyPr rtlCol="0" anchor="ctr"/>
+          <a:lstStyle/>
+          <a:p>
+            <a:pPr algn="ctr"/>
+            <a:endParaRPr lang="zh-TW" altLang="en-US">
+              <a:solidFill>
+                <a:schemeClr val="tx1"/>
+              </a:solidFill>
+            </a:endParaRPr>
+          </a:p>
+        </p:txBody>
+      </p:sp>
+      <p:sp>
+        <p:nvSpPr>
+          <p:cNvPr id="8" name="矩形 7">
+            <a:extLst>
+              <a:ext uri="{FF2B5EF4-FFF2-40B4-BE49-F238E27FC236}">
+                <a16:creationId xmlns:a16="http://schemas.microsoft.com/office/drawing/2014/main" id="{A86D7645-7260-4085-96DD-114B98123A43}"/>
+              </a:ext>
+            </a:extLst>
+          </p:cNvPr>
+          <p:cNvSpPr/>
+          <p:nvPr/>
+        </p:nvSpPr>
+        <p:spPr>
+          <a:xfrm>
+            <a:off x="9457261" y="1717902"/>
+            <a:ext cx="1524001" cy="876301"/>
+          </a:xfrm>
+          <a:prstGeom prst="rect">
+            <a:avLst/>
+          </a:prstGeom>
+          <a:solidFill>
+            <a:srgbClr val="00B0F0"/>
+          </a:solidFill>
+          <a:effectLst>
+            <a:outerShdw blurRad="50800" dist="38100" dir="2700000" algn="tl" rotWithShape="0">
+              <a:prstClr val="black">
+                <a:alpha val="40000"/>
+              </a:prstClr>
+            </a:outerShdw>
+          </a:effectLst>
+        </p:spPr>
+        <p:style>
+          <a:lnRef idx="2">
+            <a:schemeClr val="accent1">
+              <a:shade val="50000"/>
+            </a:schemeClr>
+          </a:lnRef>
+          <a:fillRef idx="1">
+            <a:schemeClr val="accent1"/>
+          </a:fillRef>
+          <a:effectRef idx="0">
+            <a:schemeClr val="accent1"/>
+          </a:effectRef>
+          <a:fontRef idx="minor">
+            <a:schemeClr val="lt1"/>
+          </a:fontRef>
+        </p:style>
+        <p:txBody>
+          <a:bodyPr rtlCol="0" anchor="ctr"/>
+          <a:lstStyle/>
+          <a:p>
+            <a:pPr algn="ctr"/>
+            <a:r>
+              <a:rPr lang="en-US" altLang="zh-TW" dirty="0"/>
+              <a:t>RAW Data</a:t>
+            </a:r>
+            <a:endParaRPr lang="zh-TW" altLang="en-US" dirty="0"/>
+          </a:p>
+        </p:txBody>
+      </p:sp>
+      <p:sp>
+        <p:nvSpPr>
+          <p:cNvPr id="9" name="矩形 8">
+            <a:extLst>
+              <a:ext uri="{FF2B5EF4-FFF2-40B4-BE49-F238E27FC236}">
+                <a16:creationId xmlns:a16="http://schemas.microsoft.com/office/drawing/2014/main" id="{860F231A-086C-4F47-B91F-5E28206E24FB}"/>
+              </a:ext>
+            </a:extLst>
+          </p:cNvPr>
+          <p:cNvSpPr/>
+          <p:nvPr/>
+        </p:nvSpPr>
+        <p:spPr>
+          <a:xfrm>
+            <a:off x="7061198" y="3967881"/>
+            <a:ext cx="1888067" cy="1916452"/>
+          </a:xfrm>
+          <a:prstGeom prst="rect">
+            <a:avLst/>
+          </a:prstGeom>
+          <a:solidFill>
+            <a:srgbClr val="00B0F0"/>
+          </a:solidFill>
+          <a:effectLst>
+            <a:outerShdw blurRad="50800" dist="38100" dir="2700000" algn="tl" rotWithShape="0">
+              <a:prstClr val="black">
+                <a:alpha val="40000"/>
+              </a:prstClr>
+            </a:outerShdw>
+          </a:effectLst>
+        </p:spPr>
+        <p:style>
+          <a:lnRef idx="2">
+            <a:schemeClr val="accent1">
+              <a:shade val="50000"/>
+            </a:schemeClr>
+          </a:lnRef>
+          <a:fillRef idx="1">
+            <a:schemeClr val="accent1"/>
+          </a:fillRef>
+          <a:effectRef idx="0">
+            <a:schemeClr val="accent1"/>
+          </a:effectRef>
+          <a:fontRef idx="minor">
+            <a:schemeClr val="lt1"/>
+          </a:fontRef>
+        </p:style>
+        <p:txBody>
+          <a:bodyPr rtlCol="0" anchor="ctr"/>
+          <a:lstStyle/>
+          <a:p>
+            <a:pPr algn="ctr"/>
+            <a:r>
+              <a:rPr lang="en-US" altLang="zh-TW" dirty="0"/>
+              <a:t>HTML</a:t>
+            </a:r>
+          </a:p>
+          <a:p>
+            <a:pPr algn="ctr"/>
+            <a:endParaRPr lang="en-US" altLang="zh-TW" dirty="0"/>
+          </a:p>
+          <a:p>
+            <a:pPr algn="ctr"/>
+            <a:r>
+              <a:rPr lang="en-US" altLang="zh-TW" dirty="0"/>
+              <a:t>+Text</a:t>
+            </a:r>
+          </a:p>
+          <a:p>
+            <a:pPr algn="ctr"/>
+            <a:r>
+              <a:rPr lang="en-US" altLang="zh-TW" dirty="0"/>
+              <a:t>+Table</a:t>
+            </a:r>
+          </a:p>
+          <a:p>
+            <a:pPr algn="ctr"/>
+            <a:r>
+              <a:rPr lang="en-US" altLang="zh-TW" dirty="0">
+                <a:solidFill>
+                  <a:srgbClr val="FF0000"/>
+                </a:solidFill>
+              </a:rPr>
+              <a:t>+Link to Figures</a:t>
+            </a:r>
+            <a:endParaRPr lang="zh-TW" altLang="en-US" dirty="0">
+              <a:solidFill>
+                <a:srgbClr val="FF0000"/>
+              </a:solidFill>
+            </a:endParaRPr>
+          </a:p>
+        </p:txBody>
+      </p:sp>
+      <p:sp>
+        <p:nvSpPr>
+          <p:cNvPr id="12" name="矩形 11">
+            <a:extLst>
+              <a:ext uri="{FF2B5EF4-FFF2-40B4-BE49-F238E27FC236}">
+                <a16:creationId xmlns:a16="http://schemas.microsoft.com/office/drawing/2014/main" id="{190FB171-8EA5-49D8-9447-35EEA3C5FB46}"/>
+              </a:ext>
+            </a:extLst>
+          </p:cNvPr>
+          <p:cNvSpPr/>
+          <p:nvPr/>
+        </p:nvSpPr>
+        <p:spPr>
+          <a:xfrm>
+            <a:off x="9457263" y="3967881"/>
+            <a:ext cx="1524000" cy="876301"/>
+          </a:xfrm>
+          <a:prstGeom prst="rect">
+            <a:avLst/>
+          </a:prstGeom>
+          <a:solidFill>
+            <a:srgbClr val="00B0F0"/>
+          </a:solidFill>
+          <a:effectLst>
+            <a:outerShdw blurRad="50800" dist="38100" dir="2700000" algn="tl" rotWithShape="0">
+              <a:prstClr val="black">
+                <a:alpha val="40000"/>
+              </a:prstClr>
+            </a:outerShdw>
+          </a:effectLst>
+        </p:spPr>
+        <p:style>
+          <a:lnRef idx="2">
+            <a:schemeClr val="accent1">
+              <a:shade val="50000"/>
+            </a:schemeClr>
+          </a:lnRef>
+          <a:fillRef idx="1">
+            <a:schemeClr val="accent1"/>
+          </a:fillRef>
+          <a:effectRef idx="0">
+            <a:schemeClr val="accent1"/>
+          </a:effectRef>
+          <a:fontRef idx="minor">
+            <a:schemeClr val="lt1"/>
+          </a:fontRef>
+        </p:style>
+        <p:txBody>
+          <a:bodyPr rtlCol="0" anchor="ctr"/>
+          <a:lstStyle/>
+          <a:p>
+            <a:pPr algn="ctr"/>
+            <a:r>
+              <a:rPr lang="en-US" altLang="zh-TW" dirty="0"/>
+              <a:t>Figures</a:t>
+            </a:r>
+            <a:endParaRPr lang="zh-TW" altLang="en-US" dirty="0"/>
+          </a:p>
+        </p:txBody>
+      </p:sp>
+      <p:cxnSp>
+        <p:nvCxnSpPr>
+          <p:cNvPr id="15" name="接點: 肘形 14">
+            <a:extLst>
+              <a:ext uri="{FF2B5EF4-FFF2-40B4-BE49-F238E27FC236}">
+                <a16:creationId xmlns:a16="http://schemas.microsoft.com/office/drawing/2014/main" id="{C324581B-3FC9-42C0-9F5E-4F8E4F56452D}"/>
+              </a:ext>
+            </a:extLst>
+          </p:cNvPr>
+          <p:cNvCxnSpPr>
+            <a:cxnSpLocks/>
+            <a:endCxn id="12" idx="2"/>
+          </p:cNvCxnSpPr>
+          <p:nvPr/>
+        </p:nvCxnSpPr>
+        <p:spPr>
+          <a:xfrm flipV="1">
+            <a:off x="8864600" y="4844182"/>
+            <a:ext cx="1354663" cy="642218"/>
+          </a:xfrm>
+          <a:prstGeom prst="bentConnector2">
+            <a:avLst/>
+          </a:prstGeom>
+          <a:ln w="76200">
+            <a:solidFill>
+              <a:srgbClr val="FF0000"/>
+            </a:solidFill>
+            <a:prstDash val="sysDash"/>
+            <a:tailEnd type="triangle"/>
+          </a:ln>
+          <a:effectLst>
+            <a:outerShdw blurRad="50800" dist="38100" dir="2700000" algn="tl" rotWithShape="0">
+              <a:prstClr val="black">
+                <a:alpha val="40000"/>
+              </a:prstClr>
+            </a:outerShdw>
+          </a:effectLst>
+        </p:spPr>
+        <p:style>
+          <a:lnRef idx="1">
+            <a:schemeClr val="accent1"/>
+          </a:lnRef>
+          <a:fillRef idx="0">
+            <a:schemeClr val="accent1"/>
+          </a:fillRef>
+          <a:effectRef idx="0">
+            <a:schemeClr val="accent1"/>
+          </a:effectRef>
+          <a:fontRef idx="minor">
+            <a:schemeClr val="tx1"/>
+          </a:fontRef>
+        </p:style>
+      </p:cxnSp>
+      <p:sp>
+        <p:nvSpPr>
+          <p:cNvPr id="20" name="箭號: 向下 19">
+            <a:extLst>
+              <a:ext uri="{FF2B5EF4-FFF2-40B4-BE49-F238E27FC236}">
+                <a16:creationId xmlns:a16="http://schemas.microsoft.com/office/drawing/2014/main" id="{B4959C3F-0D22-44A5-9C0D-FB6F19DBB850}"/>
+              </a:ext>
+            </a:extLst>
+          </p:cNvPr>
+          <p:cNvSpPr/>
+          <p:nvPr/>
+        </p:nvSpPr>
+        <p:spPr>
+          <a:xfrm>
+            <a:off x="7738531" y="3294986"/>
+            <a:ext cx="491067" cy="845837"/>
+          </a:xfrm>
+          <a:prstGeom prst="downArrow">
+            <a:avLst/>
+          </a:prstGeom>
+          <a:effectLst>
+            <a:outerShdw blurRad="50800" dist="38100" dir="2700000" algn="tl" rotWithShape="0">
+              <a:prstClr val="black">
+                <a:alpha val="40000"/>
+              </a:prstClr>
+            </a:outerShdw>
+          </a:effectLst>
+        </p:spPr>
+        <p:style>
+          <a:lnRef idx="2">
+            <a:schemeClr val="accent1">
+              <a:shade val="50000"/>
+            </a:schemeClr>
+          </a:lnRef>
+          <a:fillRef idx="1">
+            <a:schemeClr val="accent1"/>
+          </a:fillRef>
+          <a:effectRef idx="0">
+            <a:schemeClr val="accent1"/>
+          </a:effectRef>
+          <a:fontRef idx="minor">
+            <a:schemeClr val="lt1"/>
+          </a:fontRef>
+        </p:style>
+        <p:txBody>
+          <a:bodyPr rtlCol="0" anchor="ctr"/>
+          <a:lstStyle/>
+          <a:p>
+            <a:pPr algn="ctr"/>
+            <a:endParaRPr lang="zh-TW" altLang="en-US"/>
+          </a:p>
+        </p:txBody>
+      </p:sp>
+      <p:sp>
+        <p:nvSpPr>
+          <p:cNvPr id="21" name="箭號: 向下 20">
+            <a:extLst>
+              <a:ext uri="{FF2B5EF4-FFF2-40B4-BE49-F238E27FC236}">
+                <a16:creationId xmlns:a16="http://schemas.microsoft.com/office/drawing/2014/main" id="{BF6C849C-D46D-410A-AB13-ECA9A613336C}"/>
+              </a:ext>
+            </a:extLst>
+          </p:cNvPr>
+          <p:cNvSpPr/>
+          <p:nvPr/>
+        </p:nvSpPr>
+        <p:spPr>
+          <a:xfrm rot="17539853">
+            <a:off x="9079817" y="2843677"/>
+            <a:ext cx="491067" cy="1692053"/>
+          </a:xfrm>
+          <a:prstGeom prst="downArrow">
+            <a:avLst/>
+          </a:prstGeom>
+          <a:effectLst>
+            <a:outerShdw blurRad="50800" dist="38100" dir="2700000" algn="tl" rotWithShape="0">
+              <a:prstClr val="black">
+                <a:alpha val="40000"/>
+              </a:prstClr>
+            </a:outerShdw>
+          </a:effectLst>
+        </p:spPr>
+        <p:style>
+          <a:lnRef idx="2">
+            <a:schemeClr val="accent1">
+              <a:shade val="50000"/>
+            </a:schemeClr>
+          </a:lnRef>
+          <a:fillRef idx="1">
+            <a:schemeClr val="accent1"/>
+          </a:fillRef>
+          <a:effectRef idx="0">
+            <a:schemeClr val="accent1"/>
+          </a:effectRef>
+          <a:fontRef idx="minor">
+            <a:schemeClr val="lt1"/>
+          </a:fontRef>
+        </p:style>
+        <p:txBody>
+          <a:bodyPr rtlCol="0" anchor="ctr"/>
+          <a:lstStyle/>
+          <a:p>
+            <a:pPr algn="ctr"/>
             <a:endParaRPr lang="zh-TW" altLang="en-US"/>
           </a:p>
         </p:txBody>
@@ -11667,7 +12268,7 @@
     </p:spTree>
     <p:extLst>
       <p:ext uri="{BB962C8B-B14F-4D97-AF65-F5344CB8AC3E}">
-        <p14:creationId xmlns:p14="http://schemas.microsoft.com/office/powerpoint/2010/main" val="2259324599"/>
+        <p14:creationId xmlns:p14="http://schemas.microsoft.com/office/powerpoint/2010/main" val="1809218753"/>
       </p:ext>
     </p:extLst>
   </p:cSld>
@@ -11711,7 +12312,7 @@
           <p:cNvPr id="2" name="內容版面配置區 1">
             <a:extLst>
               <a:ext uri="{FF2B5EF4-FFF2-40B4-BE49-F238E27FC236}">
-                <a16:creationId xmlns:a16="http://schemas.microsoft.com/office/drawing/2014/main" id="{FC165719-0C99-49EA-99E3-292438917CCB}"/>
+                <a16:creationId xmlns:a16="http://schemas.microsoft.com/office/drawing/2014/main" id="{BD9A5FA0-E2E4-4115-AD18-A9CC564BCD48}"/>
               </a:ext>
             </a:extLst>
           </p:cNvPr>
@@ -11727,25 +12328,92 @@
           <a:bodyPr/>
           <a:lstStyle/>
           <a:p>
+            <a:pPr marL="0" indent="0">
+              <a:buNone/>
+            </a:pPr>
             <a:r>
               <a:rPr lang="zh-TW" altLang="en-US" dirty="0"/>
-              <a:t>科學數據需要透過圖表來呈現其行為或趨勢。</a:t>
+              <a:t>報告生成可以透過</a:t>
             </a:r>
             <a:r>
               <a:rPr lang="en-US" altLang="zh-TW" dirty="0"/>
-              <a:t>Matplotlib</a:t>
+              <a:t>html</a:t>
             </a:r>
             <a:r>
               <a:rPr lang="zh-TW" altLang="en-US" dirty="0"/>
-              <a:t>庫的函式可以讓使用者將大量的數值資料轉換成各式得圖表。圖表的格式極為豐富，請參考：</a:t>
-            </a:r>
-            <a:r>
-              <a:rPr lang="en-US" altLang="zh-TW" dirty="0">
-                <a:hlinkClick r:id="rId2"/>
-              </a:rPr>
-              <a:t>https://matplotlib.org/3.1.1/gallery/index.html</a:t>
-            </a:r>
+              <a:t>來完成，</a:t>
+            </a:r>
+            <a:r>
+              <a:rPr lang="en-US" altLang="zh-TW" dirty="0"/>
+              <a:t>html</a:t>
+            </a:r>
+            <a:r>
+              <a:rPr lang="zh-TW" altLang="en-US" dirty="0"/>
+              <a:t>提供了各式的標籤，我們可以透過標籤來格式化文件，產生不同的字型大小，顏色，表格等。透過標籤也可以連接圖片及影片檔。由於</a:t>
+            </a:r>
+            <a:r>
+              <a:rPr lang="en-US" altLang="zh-TW" dirty="0"/>
+              <a:t>html</a:t>
+            </a:r>
+            <a:r>
+              <a:rPr lang="zh-TW" altLang="en-US" dirty="0"/>
+              <a:t>是文字格式，只要了解標籤的使用方式，我們便可以輕易地完成報告的編排。之後透過瀏覽器便可以檢視報告，並輸出</a:t>
+            </a:r>
+            <a:r>
+              <a:rPr lang="en-US" altLang="zh-TW" dirty="0"/>
+              <a:t>pdf</a:t>
+            </a:r>
+            <a:r>
+              <a:rPr lang="zh-TW" altLang="en-US" dirty="0"/>
+              <a:t>檔。</a:t>
+            </a:r>
+          </a:p>
+          <a:p>
+            <a:pPr marL="0" indent="0">
+              <a:buNone/>
+            </a:pPr>
             <a:endParaRPr lang="en-US" altLang="zh-TW" dirty="0"/>
+          </a:p>
+          <a:p>
+            <a:pPr marL="0" indent="0">
+              <a:buNone/>
+            </a:pPr>
+            <a:r>
+              <a:rPr lang="zh-TW" altLang="en-US" dirty="0"/>
+              <a:t>另一種方式是輸出到</a:t>
+            </a:r>
+            <a:r>
+              <a:rPr lang="en-US" altLang="zh-TW" dirty="0"/>
+              <a:t>ppt</a:t>
+            </a:r>
+            <a:r>
+              <a:rPr lang="zh-TW" altLang="en-US" dirty="0"/>
+              <a:t>當中。由於</a:t>
+            </a:r>
+            <a:r>
+              <a:rPr lang="en-US" altLang="zh-TW" dirty="0" err="1"/>
+              <a:t>ironpython</a:t>
+            </a:r>
+            <a:r>
+              <a:rPr lang="zh-TW" altLang="en-US" dirty="0"/>
+              <a:t>基於微軟</a:t>
+            </a:r>
+            <a:r>
+              <a:rPr lang="en-US" altLang="zh-TW" dirty="0"/>
+              <a:t>.NET</a:t>
+            </a:r>
+            <a:r>
+              <a:rPr lang="zh-TW" altLang="en-US" dirty="0"/>
+              <a:t>框架，不需另外安裝庫即可以使用內建函式讀寫</a:t>
+            </a:r>
+            <a:r>
+              <a:rPr lang="en-US" altLang="zh-TW" dirty="0"/>
+              <a:t>Word, Excel, PowerPoint </a:t>
+            </a:r>
+            <a:r>
+              <a:rPr lang="zh-TW" altLang="en-US" dirty="0"/>
+              <a:t>等檔案。但是這部分的程式碼較為繁複，有興趣者可以上網查詢相關函式的使用方式。</a:t>
+            </a:r>
           </a:p>
           <a:p>
             <a:endParaRPr lang="zh-TW" altLang="en-US" dirty="0"/>
@@ -11757,7 +12425,7 @@
           <p:cNvPr id="3" name="標題 2">
             <a:extLst>
               <a:ext uri="{FF2B5EF4-FFF2-40B4-BE49-F238E27FC236}">
-                <a16:creationId xmlns:a16="http://schemas.microsoft.com/office/drawing/2014/main" id="{E7C3D928-2CE9-4266-A577-F5AA1DFC7CE3}"/>
+                <a16:creationId xmlns:a16="http://schemas.microsoft.com/office/drawing/2014/main" id="{70793CA1-E194-4E1C-A732-7C0DEBFF8070}"/>
               </a:ext>
             </a:extLst>
           </p:cNvPr>
@@ -11774,20 +12442,20 @@
           <a:lstStyle/>
           <a:p>
             <a:r>
-              <a:rPr lang="en-US" altLang="zh-TW" dirty="0"/>
-              <a:t>Matplotlib</a:t>
-            </a:r>
-            <a:r>
               <a:rPr lang="zh-TW" altLang="en-US" dirty="0"/>
-              <a:t>庫的用途為何？</a:t>
-            </a:r>
+              <a:t>如何整合圖片及數據甚或文字來產生報告？</a:t>
+            </a:r>
+            <a:br>
+              <a:rPr lang="zh-TW" altLang="en-US" dirty="0"/>
+            </a:br>
+            <a:endParaRPr lang="zh-TW" altLang="en-US" dirty="0"/>
           </a:p>
         </p:txBody>
       </p:sp>
     </p:spTree>
     <p:extLst>
       <p:ext uri="{BB962C8B-B14F-4D97-AF65-F5344CB8AC3E}">
-        <p14:creationId xmlns:p14="http://schemas.microsoft.com/office/powerpoint/2010/main" val="497064445"/>
+        <p14:creationId xmlns:p14="http://schemas.microsoft.com/office/powerpoint/2010/main" val="557188385"/>
       </p:ext>
     </p:extLst>
   </p:cSld>
@@ -11828,10 +12496,10 @@
       </p:grpSpPr>
       <p:sp>
         <p:nvSpPr>
-          <p:cNvPr id="2" name="內容版面配置區 1">
-            <a:extLst>
-              <a:ext uri="{FF2B5EF4-FFF2-40B4-BE49-F238E27FC236}">
-                <a16:creationId xmlns:a16="http://schemas.microsoft.com/office/drawing/2014/main" id="{581CD9B0-D2E7-4D32-9C81-937754DBDA21}"/>
+          <p:cNvPr id="5" name="內容版面配置區 4">
+            <a:extLst>
+              <a:ext uri="{FF2B5EF4-FFF2-40B4-BE49-F238E27FC236}">
+                <a16:creationId xmlns:a16="http://schemas.microsoft.com/office/drawing/2014/main" id="{74600EDD-6149-4100-A352-B0800C157F5B}"/>
               </a:ext>
             </a:extLst>
           </p:cNvPr>
@@ -11848,41 +12516,66 @@
           <a:lstStyle/>
           <a:p>
             <a:r>
+              <a:rPr lang="zh-TW" altLang="en-US" dirty="0"/>
+              <a:t>物理模擬提供了大量的數據，使用者可以根據設計需要擷取部分數據並加以處理，最後轉換成適當的圖表以方便檢視。由於物理特徵的多樣性，可以用來呈現的圖表多達上百種。這些圖表有各自的優缺點，使用者必須自行決定用何種表達方式才能取得所要觀察的特性。</a:t>
+            </a:r>
+            <a:r>
               <a:rPr lang="en-US" altLang="zh-TW" dirty="0"/>
-              <a:t>A. </a:t>
+              <a:t>python</a:t>
             </a:r>
             <a:r>
               <a:rPr lang="zh-TW" altLang="en-US" dirty="0"/>
-              <a:t>一般在完成模擬之後，工程師必須輸出圖表並擷取必要的資料，複製貼上到</a:t>
+              <a:t>的</a:t>
+            </a:r>
+            <a:r>
+              <a:rPr lang="en-US" altLang="zh-TW" dirty="0" err="1"/>
+              <a:t>numpy</a:t>
+            </a:r>
+            <a:r>
+              <a:rPr lang="zh-TW" altLang="en-US" dirty="0"/>
+              <a:t>庫提供了強大的矩陣運算能力，其計算速度相當出色。</a:t>
             </a:r>
             <a:r>
               <a:rPr lang="en-US" altLang="zh-TW" dirty="0"/>
-              <a:t>word</a:t>
+              <a:t>matplotlib</a:t>
             </a:r>
             <a:r>
               <a:rPr lang="zh-TW" altLang="en-US" dirty="0"/>
-              <a:t>或</a:t>
+              <a:t>庫提供了上百種資料視覺化圖表，兩者相輔相成，是科學及工程運算不可或缺的工具。此外</a:t>
             </a:r>
             <a:r>
               <a:rPr lang="en-US" altLang="zh-TW" dirty="0"/>
-              <a:t>ppt</a:t>
+              <a:t>python</a:t>
             </a:r>
             <a:r>
               <a:rPr lang="zh-TW" altLang="en-US" dirty="0"/>
-              <a:t>當中來產生報告，以提供給主管或客戶參考，這是一件吃力不討好的工作，資料一多整理起來更是苦不堪言，一旦設計改版，全部的工作又必須重來一次。如果將報告的生成工作自動化，便可以讓工程師可以從繁瑣的剪貼操作解脫，去從事更有價值的技術研究。</a:t>
-            </a:r>
-          </a:p>
-          <a:p>
-            <a:endParaRPr lang="zh-TW" altLang="en-US" dirty="0"/>
+              <a:t>用來做資料清洗及格式化輸出也相當好用。整體提供了一整套從資料前處理到報表輸出的完整工具。接下來我們就以幾個簡單的例子來說明如何利用</a:t>
+            </a:r>
+            <a:r>
+              <a:rPr lang="en-US" altLang="zh-TW" dirty="0"/>
+              <a:t>python</a:t>
+            </a:r>
+            <a:r>
+              <a:rPr lang="zh-TW" altLang="en-US" dirty="0"/>
+              <a:t>搭配</a:t>
+            </a:r>
+            <a:r>
+              <a:rPr lang="en-US" altLang="zh-TW" dirty="0"/>
+              <a:t>matplotlib</a:t>
+            </a:r>
+            <a:r>
+              <a:rPr lang="zh-TW" altLang="en-US" dirty="0"/>
+              <a:t>來完成資料視覺化的工作。</a:t>
+            </a:r>
           </a:p>
         </p:txBody>
       </p:sp>
       <p:sp>
         <p:nvSpPr>
-          <p:cNvPr id="3" name="標題 2">
-            <a:extLst>
-              <a:ext uri="{FF2B5EF4-FFF2-40B4-BE49-F238E27FC236}">
-                <a16:creationId xmlns:a16="http://schemas.microsoft.com/office/drawing/2014/main" id="{C35C514E-7503-483D-9589-A8DE8F93E299}"/>
+          <p:cNvPr id="4" name="標題 3">
+            <a:extLst>
+              <a:ext uri="{FF2B5EF4-FFF2-40B4-BE49-F238E27FC236}">
+                <a16:creationId xmlns:a16="http://schemas.microsoft.com/office/drawing/2014/main" id="{17F59BFE-1F5B-4280-9DC2-96DED29C064D}"/>
               </a:ext>
             </a:extLst>
           </p:cNvPr>
@@ -11898,29 +12591,14 @@
           <a:bodyPr/>
           <a:lstStyle/>
           <a:p>
-            <a:r>
-              <a:rPr lang="zh-TW" altLang="en-US" dirty="0"/>
-              <a:t>用</a:t>
-            </a:r>
-            <a:r>
-              <a:rPr lang="en-US" altLang="zh-TW" dirty="0"/>
-              <a:t>python</a:t>
-            </a:r>
-            <a:r>
-              <a:rPr lang="zh-TW" altLang="en-US" dirty="0"/>
-              <a:t>生成報告有何好處？</a:t>
-            </a:r>
-            <a:br>
-              <a:rPr lang="zh-TW" altLang="en-US" dirty="0"/>
-            </a:br>
-            <a:endParaRPr lang="zh-TW" altLang="en-US" dirty="0"/>
+            <a:endParaRPr lang="zh-TW" altLang="en-US"/>
           </a:p>
         </p:txBody>
       </p:sp>
     </p:spTree>
     <p:extLst>
       <p:ext uri="{BB962C8B-B14F-4D97-AF65-F5344CB8AC3E}">
-        <p14:creationId xmlns:p14="http://schemas.microsoft.com/office/powerpoint/2010/main" val="1809218753"/>
+        <p14:creationId xmlns:p14="http://schemas.microsoft.com/office/powerpoint/2010/main" val="2259324599"/>
       </p:ext>
     </p:extLst>
   </p:cSld>
@@ -11975,15 +12653,19 @@
             <p:ph idx="1"/>
           </p:nvPr>
         </p:nvSpPr>
-        <p:spPr/>
+        <p:spPr>
+          <a:xfrm>
+            <a:off x="609600" y="1371600"/>
+            <a:ext cx="6273800" cy="4762471"/>
+          </a:xfrm>
+        </p:spPr>
         <p:txBody>
           <a:bodyPr/>
           <a:lstStyle/>
           <a:p>
-            <a:r>
-              <a:rPr lang="en-US" altLang="zh-TW" dirty="0"/>
-              <a:t>QA. </a:t>
-            </a:r>
+            <a:pPr marL="0" indent="0">
+              <a:buNone/>
+            </a:pPr>
             <a:r>
               <a:rPr lang="zh-TW" altLang="en-US" dirty="0"/>
               <a:t>首先，</a:t>
@@ -12036,6 +12718,45 @@
               <a:rPr lang="zh-TW" altLang="en-US" dirty="0"/>
               <a:t>遠場圖。</a:t>
             </a:r>
+            <a:endParaRPr lang="en-US" altLang="zh-TW" dirty="0"/>
+          </a:p>
+          <a:p>
+            <a:pPr marL="0" indent="0">
+              <a:buNone/>
+            </a:pPr>
+            <a:endParaRPr lang="en-US" altLang="zh-TW" dirty="0"/>
+          </a:p>
+          <a:p>
+            <a:pPr marL="0" indent="0">
+              <a:buNone/>
+            </a:pPr>
+            <a:r>
+              <a:rPr lang="en-US" altLang="zh-TW" dirty="0"/>
+              <a:t>Matplotlib</a:t>
+            </a:r>
+            <a:r>
+              <a:rPr lang="zh-TW" altLang="en-US" dirty="0"/>
+              <a:t>庫的函式可以讓使用者將大量的數值資料轉換成各式得圖表。圖表的格式極為豐富，請參考：</a:t>
+            </a:r>
+            <a:r>
+              <a:rPr lang="en-US" altLang="zh-TW" dirty="0">
+                <a:hlinkClick r:id="rId2">
+                  <a:extLst>
+                    <a:ext uri="{A12FA001-AC4F-418D-AE19-62706E023703}">
+                      <ahyp:hlinkClr xmlns:ahyp="http://schemas.microsoft.com/office/drawing/2018/hyperlinkcolor" val="tx"/>
+                    </a:ext>
+                  </a:extLst>
+                </a:hlinkClick>
+              </a:rPr>
+              <a:t>https://matplotlib.org/3.1.1/gallery/index.html</a:t>
+            </a:r>
+            <a:endParaRPr lang="en-US" altLang="zh-TW" dirty="0"/>
+          </a:p>
+          <a:p>
+            <a:pPr marL="0" indent="0">
+              <a:buNone/>
+            </a:pPr>
+            <a:endParaRPr lang="zh-TW" altLang="en-US" dirty="0"/>
           </a:p>
           <a:p>
             <a:endParaRPr lang="zh-TW" altLang="en-US" dirty="0"/>
@@ -12065,7 +12786,7 @@
           <a:p>
             <a:r>
               <a:rPr lang="en-US" altLang="zh-TW" dirty="0"/>
-              <a:t>. AEDT</a:t>
+              <a:t>AEDT</a:t>
             </a:r>
             <a:r>
               <a:rPr lang="zh-TW" altLang="en-US" dirty="0"/>
@@ -12082,6 +12803,36 @@
           </a:p>
         </p:txBody>
       </p:sp>
+      <p:pic>
+        <p:nvPicPr>
+          <p:cNvPr id="6" name="圖片 5">
+            <a:extLst>
+              <a:ext uri="{FF2B5EF4-FFF2-40B4-BE49-F238E27FC236}">
+                <a16:creationId xmlns:a16="http://schemas.microsoft.com/office/drawing/2014/main" id="{6F6F0F4C-C854-48F4-8DD3-EF8D1629388B}"/>
+              </a:ext>
+            </a:extLst>
+          </p:cNvPr>
+          <p:cNvPicPr>
+            <a:picLocks noChangeAspect="1"/>
+          </p:cNvPicPr>
+          <p:nvPr/>
+        </p:nvPicPr>
+        <p:blipFill>
+          <a:blip r:embed="rId3"/>
+          <a:stretch>
+            <a:fillRect/>
+          </a:stretch>
+        </p:blipFill>
+        <p:spPr>
+          <a:xfrm>
+            <a:off x="7155228" y="1084714"/>
+            <a:ext cx="4584215" cy="4688571"/>
+          </a:xfrm>
+          <a:prstGeom prst="rect">
+            <a:avLst/>
+          </a:prstGeom>
+        </p:spPr>
+      </p:pic>
     </p:spTree>
     <p:extLst>
       <p:ext uri="{BB962C8B-B14F-4D97-AF65-F5344CB8AC3E}">
@@ -12129,7 +12880,7 @@
           <p:cNvPr id="2" name="內容版面配置區 1">
             <a:extLst>
               <a:ext uri="{FF2B5EF4-FFF2-40B4-BE49-F238E27FC236}">
-                <a16:creationId xmlns:a16="http://schemas.microsoft.com/office/drawing/2014/main" id="{BD9A5FA0-E2E4-4115-AD18-A9CC564BCD48}"/>
+                <a16:creationId xmlns:a16="http://schemas.microsoft.com/office/drawing/2014/main" id="{EED6BDC6-775B-45C4-BA1F-335BCABEFD04}"/>
               </a:ext>
             </a:extLst>
           </p:cNvPr>
@@ -12140,89 +12891,116 @@
             <p:ph idx="1"/>
           </p:nvPr>
         </p:nvSpPr>
-        <p:spPr/>
+        <p:spPr>
+          <a:xfrm>
+            <a:off x="609600" y="1371600"/>
+            <a:ext cx="5486400" cy="4762471"/>
+          </a:xfrm>
+        </p:spPr>
         <p:txBody>
           <a:bodyPr/>
           <a:lstStyle/>
           <a:p>
+            <a:pPr marL="0" indent="0">
+              <a:buNone/>
+            </a:pPr>
             <a:r>
               <a:rPr lang="en-US" altLang="zh-TW" dirty="0"/>
-              <a:t>Q. A. </a:t>
+              <a:t>Html</a:t>
             </a:r>
             <a:r>
               <a:rPr lang="zh-TW" altLang="en-US" dirty="0"/>
-              <a:t>報告生成可以透過</a:t>
+              <a:t>的標籤是由</a:t>
             </a:r>
             <a:r>
               <a:rPr lang="en-US" altLang="zh-TW" dirty="0"/>
-              <a:t>html</a:t>
+              <a:t>&lt;</a:t>
             </a:r>
             <a:r>
               <a:rPr lang="zh-TW" altLang="en-US" dirty="0"/>
-              <a:t>來完成，</a:t>
+              <a:t>標籤名</a:t>
             </a:r>
             <a:r>
               <a:rPr lang="en-US" altLang="zh-TW" dirty="0"/>
-              <a:t>html</a:t>
+              <a:t>&gt;&lt;/</a:t>
             </a:r>
             <a:r>
               <a:rPr lang="zh-TW" altLang="en-US" dirty="0"/>
-              <a:t>提供了各式的標籤，我們可以透過標籤來格式化文件，產生不同的字型大小，顏色，表格等。透過標籤也可以連接圖片及影片檔。由於</a:t>
+              <a:t>標籤名</a:t>
             </a:r>
             <a:r>
               <a:rPr lang="en-US" altLang="zh-TW" dirty="0"/>
-              <a:t>html</a:t>
+              <a:t>&gt;</a:t>
             </a:r>
             <a:r>
               <a:rPr lang="zh-TW" altLang="en-US" dirty="0"/>
-              <a:t>是文字格式，只要了解標籤的使用方式，我們便可以輕易地完成報告的編排。之後透過瀏覽器便可以檢視報告，並輸出</a:t>
+              <a:t>所組成。像是</a:t>
             </a:r>
             <a:r>
               <a:rPr lang="en-US" altLang="zh-TW" dirty="0"/>
-              <a:t>pdf</a:t>
+              <a:t>&lt;H1&gt;xxx&lt;/H1&gt;</a:t>
             </a:r>
             <a:r>
               <a:rPr lang="zh-TW" altLang="en-US" dirty="0"/>
-              <a:t>檔。</a:t>
-            </a:r>
-          </a:p>
-          <a:p>
+              <a:t>當中</a:t>
+            </a:r>
+            <a:r>
+              <a:rPr lang="en-US" altLang="zh-TW" dirty="0"/>
+              <a:t>xxx</a:t>
+            </a:r>
             <a:r>
               <a:rPr lang="zh-TW" altLang="en-US" dirty="0"/>
-              <a:t>另一種方式是輸出到</a:t>
+              <a:t>的輸出格式即是由標籤所控制。舉例來說</a:t>
             </a:r>
             <a:r>
               <a:rPr lang="en-US" altLang="zh-TW" dirty="0"/>
-              <a:t>ppt</a:t>
+              <a:t>H1</a:t>
             </a:r>
             <a:r>
               <a:rPr lang="zh-TW" altLang="en-US" dirty="0"/>
-              <a:t>當中。由於</a:t>
-            </a:r>
-            <a:r>
-              <a:rPr lang="en-US" altLang="zh-TW" dirty="0" err="1"/>
-              <a:t>ironpython</a:t>
+              <a:t>到</a:t>
+            </a:r>
+            <a:r>
+              <a:rPr lang="en-US" altLang="zh-TW" dirty="0"/>
+              <a:t>H6</a:t>
             </a:r>
             <a:r>
               <a:rPr lang="zh-TW" altLang="en-US" dirty="0"/>
-              <a:t>基於微軟</a:t>
-            </a:r>
-            <a:r>
-              <a:rPr lang="en-US" altLang="zh-TW" dirty="0"/>
-              <a:t>.NET</a:t>
-            </a:r>
-            <a:r>
-              <a:rPr lang="zh-TW" altLang="en-US" dirty="0"/>
-              <a:t>框架，不需另外安裝庫即可以使用內建函式讀寫</a:t>
-            </a:r>
-            <a:r>
-              <a:rPr lang="en-US" altLang="zh-TW" dirty="0"/>
-              <a:t>Word, Excel, PowerPoint </a:t>
-            </a:r>
-            <a:r>
-              <a:rPr lang="zh-TW" altLang="en-US" dirty="0"/>
-              <a:t>等檔案。但是這部分的程式碼較為繁複，有興趣者可以上網查詢相關函式的使用方式。</a:t>
-            </a:r>
+              <a:t>代表了不同標題文字的大小，可用來表示報告不同章節的副標題。所有的標籤定義可參考以下連結</a:t>
+            </a:r>
+            <a:endParaRPr lang="en-US" altLang="zh-TW" dirty="0"/>
+          </a:p>
+          <a:p>
+            <a:pPr marL="0" indent="0">
+              <a:buNone/>
+            </a:pPr>
+            <a:endParaRPr lang="en-US" altLang="zh-TW" dirty="0">
+              <a:hlinkClick r:id="rId2">
+                <a:extLst>
+                  <a:ext uri="{A12FA001-AC4F-418D-AE19-62706E023703}">
+                    <ahyp:hlinkClr xmlns:ahyp="http://schemas.microsoft.com/office/drawing/2018/hyperlinkcolor" val="tx"/>
+                  </a:ext>
+                </a:extLst>
+              </a:hlinkClick>
+            </a:endParaRPr>
+          </a:p>
+          <a:p>
+            <a:pPr marL="0" indent="0">
+              <a:buNone/>
+            </a:pPr>
+            <a:r>
+              <a:rPr lang="en-US" altLang="zh-TW" dirty="0">
+                <a:hlinkClick r:id="rId2">
+                  <a:extLst>
+                    <a:ext uri="{A12FA001-AC4F-418D-AE19-62706E023703}">
+                      <ahyp:hlinkClr xmlns:ahyp="http://schemas.microsoft.com/office/drawing/2018/hyperlinkcolor" val="tx"/>
+                    </a:ext>
+                  </a:extLst>
+                </a:hlinkClick>
+              </a:rPr>
+              <a:t>https://www.w3schools.com/tags/ref_byfunc.asp</a:t>
+            </a:r>
+            <a:endParaRPr lang="zh-TW" altLang="en-US" dirty="0"/>
           </a:p>
           <a:p>
             <a:endParaRPr lang="zh-TW" altLang="en-US" dirty="0"/>
@@ -12234,7 +13012,7 @@
           <p:cNvPr id="3" name="標題 2">
             <a:extLst>
               <a:ext uri="{FF2B5EF4-FFF2-40B4-BE49-F238E27FC236}">
-                <a16:creationId xmlns:a16="http://schemas.microsoft.com/office/drawing/2014/main" id="{70793CA1-E194-4E1C-A732-7C0DEBFF8070}"/>
+                <a16:creationId xmlns:a16="http://schemas.microsoft.com/office/drawing/2014/main" id="{658BB859-DDEC-4C62-9F85-AE2E8D282139}"/>
               </a:ext>
             </a:extLst>
           </p:cNvPr>
@@ -12252,7 +13030,15 @@
           <a:p>
             <a:r>
               <a:rPr lang="zh-TW" altLang="en-US" dirty="0"/>
-              <a:t>如何整合圖片及數據甚或文字來產生報告？</a:t>
+              <a:t>可以簡單的說明</a:t>
+            </a:r>
+            <a:r>
+              <a:rPr lang="en-US" altLang="zh-TW" dirty="0"/>
+              <a:t>html</a:t>
+            </a:r>
+            <a:r>
+              <a:rPr lang="zh-TW" altLang="en-US" dirty="0"/>
+              <a:t>標籤的使用方式嗎？</a:t>
             </a:r>
             <a:br>
               <a:rPr lang="zh-TW" altLang="en-US" dirty="0"/>
@@ -12261,10 +13047,40 @@
           </a:p>
         </p:txBody>
       </p:sp>
+      <p:pic>
+        <p:nvPicPr>
+          <p:cNvPr id="4" name="圖片 3">
+            <a:extLst>
+              <a:ext uri="{FF2B5EF4-FFF2-40B4-BE49-F238E27FC236}">
+                <a16:creationId xmlns:a16="http://schemas.microsoft.com/office/drawing/2014/main" id="{8F3B816C-CCEC-4A1E-9A48-A5F224630968}"/>
+              </a:ext>
+            </a:extLst>
+          </p:cNvPr>
+          <p:cNvPicPr>
+            <a:picLocks noChangeAspect="1"/>
+          </p:cNvPicPr>
+          <p:nvPr/>
+        </p:nvPicPr>
+        <p:blipFill>
+          <a:blip r:embed="rId3"/>
+          <a:stretch>
+            <a:fillRect/>
+          </a:stretch>
+        </p:blipFill>
+        <p:spPr>
+          <a:xfrm>
+            <a:off x="6311199" y="1052855"/>
+            <a:ext cx="5454953" cy="4639428"/>
+          </a:xfrm>
+          <a:prstGeom prst="rect">
+            <a:avLst/>
+          </a:prstGeom>
+        </p:spPr>
+      </p:pic>
     </p:spTree>
     <p:extLst>
       <p:ext uri="{BB962C8B-B14F-4D97-AF65-F5344CB8AC3E}">
-        <p14:creationId xmlns:p14="http://schemas.microsoft.com/office/powerpoint/2010/main" val="557188385"/>
+        <p14:creationId xmlns:p14="http://schemas.microsoft.com/office/powerpoint/2010/main" val="2128641485"/>
       </p:ext>
     </p:extLst>
   </p:cSld>
@@ -12308,7 +13124,7 @@
           <p:cNvPr id="2" name="內容版面配置區 1">
             <a:extLst>
               <a:ext uri="{FF2B5EF4-FFF2-40B4-BE49-F238E27FC236}">
-                <a16:creationId xmlns:a16="http://schemas.microsoft.com/office/drawing/2014/main" id="{EED6BDC6-775B-45C4-BA1F-335BCABEFD04}"/>
+                <a16:creationId xmlns:a16="http://schemas.microsoft.com/office/drawing/2014/main" id="{5ED8AD40-F106-48D5-8BC8-8ADD4FBFD239}"/>
               </a:ext>
             </a:extLst>
           </p:cNvPr>
@@ -12319,7 +13135,12 @@
             <p:ph idx="1"/>
           </p:nvPr>
         </p:nvSpPr>
-        <p:spPr/>
+        <p:spPr>
+          <a:xfrm>
+            <a:off x="609600" y="1371600"/>
+            <a:ext cx="6483006" cy="4762471"/>
+          </a:xfrm>
+        </p:spPr>
         <p:txBody>
           <a:bodyPr/>
           <a:lstStyle/>
@@ -12328,78 +13149,43 @@
               <a:buNone/>
             </a:pPr>
             <a:r>
+              <a:rPr lang="zh-TW" altLang="en-US" dirty="0"/>
+              <a:t>我們可以透過標籤來建立表格。如果表格欄位很多且又存在合併欄位的話，要正確排列表格的標籤需要花一番功夫。所幸已經有人想到了這個問題，並提供了解決方法。底下的連結提供了視覺化工具，可以讓使用者透過點選的方式，輕易的建立表格格式並輸出對應的</a:t>
+            </a:r>
+            <a:r>
               <a:rPr lang="en-US" altLang="zh-TW" dirty="0"/>
-              <a:t>Html</a:t>
+              <a:t>html</a:t>
             </a:r>
             <a:r>
               <a:rPr lang="zh-TW" altLang="en-US" dirty="0"/>
-              <a:t>的標籤是由</a:t>
+              <a:t>標籤。只要加以包裹成函式，便可以輕鬆的輸出表格的</a:t>
             </a:r>
             <a:r>
               <a:rPr lang="en-US" altLang="zh-TW" dirty="0"/>
-              <a:t>&lt;</a:t>
+              <a:t>html</a:t>
             </a:r>
             <a:r>
               <a:rPr lang="zh-TW" altLang="en-US" dirty="0"/>
-              <a:t>標籤名</a:t>
-            </a:r>
-            <a:r>
-              <a:rPr lang="en-US" altLang="zh-TW" dirty="0"/>
-              <a:t>&gt;&lt;/</a:t>
-            </a:r>
-            <a:r>
-              <a:rPr lang="zh-TW" altLang="en-US" dirty="0"/>
-              <a:t>標籤名</a:t>
-            </a:r>
-            <a:r>
-              <a:rPr lang="en-US" altLang="zh-TW" dirty="0"/>
-              <a:t>&gt;</a:t>
-            </a:r>
-            <a:r>
-              <a:rPr lang="zh-TW" altLang="en-US" dirty="0"/>
-              <a:t>所組成。像是</a:t>
-            </a:r>
-            <a:r>
-              <a:rPr lang="en-US" altLang="zh-TW" dirty="0"/>
-              <a:t>&lt;H1&gt;xxx&lt;/H1&gt;</a:t>
-            </a:r>
-            <a:r>
-              <a:rPr lang="zh-TW" altLang="en-US" dirty="0"/>
-              <a:t>當中</a:t>
-            </a:r>
-            <a:r>
-              <a:rPr lang="en-US" altLang="zh-TW" dirty="0"/>
-              <a:t>xxx</a:t>
-            </a:r>
-            <a:r>
-              <a:rPr lang="zh-TW" altLang="en-US" dirty="0"/>
-              <a:t>的輸出格式即是由標籤所控制。舉例來說</a:t>
-            </a:r>
-            <a:r>
-              <a:rPr lang="en-US" altLang="zh-TW" dirty="0"/>
-              <a:t>H1</a:t>
-            </a:r>
-            <a:r>
-              <a:rPr lang="zh-TW" altLang="en-US" dirty="0"/>
-              <a:t>到</a:t>
-            </a:r>
-            <a:r>
-              <a:rPr lang="en-US" altLang="zh-TW" dirty="0"/>
-              <a:t>H6</a:t>
-            </a:r>
-            <a:r>
-              <a:rPr lang="zh-TW" altLang="en-US" dirty="0"/>
-              <a:t>代表了不同標題文字的大小，可用來表示報告不同章節的副標題。所有的標籤定義可參考以下連結：</a:t>
-            </a:r>
+              <a:t>檔。</a:t>
+            </a:r>
+            <a:endParaRPr lang="en-US" altLang="zh-TW" dirty="0"/>
+          </a:p>
+          <a:p>
+            <a:pPr marL="0" indent="0">
+              <a:buNone/>
+            </a:pPr>
+            <a:endParaRPr lang="en-US" altLang="zh-TW" dirty="0"/>
+          </a:p>
+          <a:p>
+            <a:pPr marL="0" indent="0">
+              <a:buNone/>
+            </a:pPr>
             <a:r>
               <a:rPr lang="en-US" altLang="zh-TW" dirty="0">
                 <a:hlinkClick r:id="rId2"/>
               </a:rPr>
-              <a:t>https://www.w3schools.com/tags/ref_byfunc.asp</a:t>
-            </a:r>
-            <a:endParaRPr lang="zh-TW" altLang="en-US" dirty="0"/>
-          </a:p>
-          <a:p>
+              <a:t>https://www.tablesgenerator.com/html_tables#</a:t>
+            </a:r>
             <a:endParaRPr lang="zh-TW" altLang="en-US" dirty="0"/>
           </a:p>
         </p:txBody>
@@ -12409,7 +13195,7 @@
           <p:cNvPr id="3" name="標題 2">
             <a:extLst>
               <a:ext uri="{FF2B5EF4-FFF2-40B4-BE49-F238E27FC236}">
-                <a16:creationId xmlns:a16="http://schemas.microsoft.com/office/drawing/2014/main" id="{658BB859-DDEC-4C62-9F85-AE2E8D282139}"/>
+                <a16:creationId xmlns:a16="http://schemas.microsoft.com/office/drawing/2014/main" id="{755E7580-BFFD-427A-B86D-DA8168230F6B}"/>
               </a:ext>
             </a:extLst>
           </p:cNvPr>
@@ -12427,7 +13213,7 @@
           <a:p>
             <a:r>
               <a:rPr lang="zh-TW" altLang="en-US" dirty="0"/>
-              <a:t>可以簡單的說明</a:t>
+              <a:t>該如何在</a:t>
             </a:r>
             <a:r>
               <a:rPr lang="en-US" altLang="zh-TW" dirty="0"/>
@@ -12435,7 +13221,7 @@
             </a:r>
             <a:r>
               <a:rPr lang="zh-TW" altLang="en-US" dirty="0"/>
-              <a:t>標籤的使用方式嗎？</a:t>
+              <a:t>當中產生表格？</a:t>
             </a:r>
             <a:br>
               <a:rPr lang="zh-TW" altLang="en-US" dirty="0"/>
@@ -12444,10 +13230,40 @@
           </a:p>
         </p:txBody>
       </p:sp>
+      <p:pic>
+        <p:nvPicPr>
+          <p:cNvPr id="5" name="圖片 4">
+            <a:extLst>
+              <a:ext uri="{FF2B5EF4-FFF2-40B4-BE49-F238E27FC236}">
+                <a16:creationId xmlns:a16="http://schemas.microsoft.com/office/drawing/2014/main" id="{44810B7B-90C2-4931-8A18-684632BA8A7F}"/>
+              </a:ext>
+            </a:extLst>
+          </p:cNvPr>
+          <p:cNvPicPr>
+            <a:picLocks noChangeAspect="1"/>
+          </p:cNvPicPr>
+          <p:nvPr/>
+        </p:nvPicPr>
+        <p:blipFill>
+          <a:blip r:embed="rId3"/>
+          <a:stretch>
+            <a:fillRect/>
+          </a:stretch>
+        </p:blipFill>
+        <p:spPr>
+          <a:xfrm>
+            <a:off x="7168806" y="571499"/>
+            <a:ext cx="4709107" cy="5274930"/>
+          </a:xfrm>
+          <a:prstGeom prst="rect">
+            <a:avLst/>
+          </a:prstGeom>
+        </p:spPr>
+      </p:pic>
     </p:spTree>
     <p:extLst>
       <p:ext uri="{BB962C8B-B14F-4D97-AF65-F5344CB8AC3E}">
-        <p14:creationId xmlns:p14="http://schemas.microsoft.com/office/powerpoint/2010/main" val="2128641485"/>
+        <p14:creationId xmlns:p14="http://schemas.microsoft.com/office/powerpoint/2010/main" val="3289215511"/>
       </p:ext>
     </p:extLst>
   </p:cSld>
@@ -12488,10 +13304,10 @@
       </p:grpSpPr>
       <p:sp>
         <p:nvSpPr>
-          <p:cNvPr id="2" name="內容版面配置區 1">
-            <a:extLst>
-              <a:ext uri="{FF2B5EF4-FFF2-40B4-BE49-F238E27FC236}">
-                <a16:creationId xmlns:a16="http://schemas.microsoft.com/office/drawing/2014/main" id="{5ED8AD40-F106-48D5-8BC8-8ADD4FBFD239}"/>
+          <p:cNvPr id="4" name="文字版面配置區 3">
+            <a:extLst>
+              <a:ext uri="{FF2B5EF4-FFF2-40B4-BE49-F238E27FC236}">
+                <a16:creationId xmlns:a16="http://schemas.microsoft.com/office/drawing/2014/main" id="{2FA54F75-D405-4104-B6BB-EA44A23A109A}"/>
               </a:ext>
             </a:extLst>
           </p:cNvPr>
@@ -12499,7 +13315,7 @@
             <a:spLocks noGrp="1"/>
           </p:cNvSpPr>
           <p:nvPr>
-            <p:ph idx="1"/>
+            <p:ph type="body" sz="quarter" idx="10"/>
           </p:nvPr>
         </p:nvSpPr>
         <p:spPr/>
@@ -12507,42 +13323,19 @@
           <a:bodyPr/>
           <a:lstStyle/>
           <a:p>
-            <a:pPr marL="0" indent="0">
-              <a:buNone/>
-            </a:pPr>
-            <a:r>
-              <a:rPr lang="zh-TW" altLang="en-US"/>
-              <a:t>我們可以透過標籤</a:t>
-            </a:r>
             <a:r>
               <a:rPr lang="zh-TW" altLang="en-US" dirty="0"/>
-              <a:t>來建立表格。如果表格欄位很多且又存在合併欄位的話，要正確排列表格的標籤需要花一番功夫。所幸已經有人想到了這個問題，並提供了解決方法。底下的連結提供了視覺化工具，可以讓使用者透過點選的方式，輕易的建立表格格式並輸出對應的</a:t>
-            </a:r>
-            <a:r>
-              <a:rPr lang="en-US" altLang="zh-TW" dirty="0"/>
-              <a:t>html</a:t>
-            </a:r>
-            <a:r>
-              <a:rPr lang="zh-TW" altLang="en-US" dirty="0"/>
-              <a:t>標籤。只要加以包裹成函式，便可以輕鬆的輸出表格的</a:t>
-            </a:r>
-            <a:r>
-              <a:rPr lang="en-US" altLang="zh-TW" dirty="0"/>
-              <a:t>html</a:t>
-            </a:r>
-            <a:r>
-              <a:rPr lang="zh-TW" altLang="en-US" dirty="0"/>
-              <a:t>檔。</a:t>
+              <a:t>專題討論 </a:t>
             </a:r>
           </a:p>
         </p:txBody>
       </p:sp>
       <p:sp>
         <p:nvSpPr>
-          <p:cNvPr id="3" name="標題 2">
-            <a:extLst>
-              <a:ext uri="{FF2B5EF4-FFF2-40B4-BE49-F238E27FC236}">
-                <a16:creationId xmlns:a16="http://schemas.microsoft.com/office/drawing/2014/main" id="{755E7580-BFFD-427A-B86D-DA8168230F6B}"/>
+          <p:cNvPr id="5" name="文字版面配置區 4">
+            <a:extLst>
+              <a:ext uri="{FF2B5EF4-FFF2-40B4-BE49-F238E27FC236}">
+                <a16:creationId xmlns:a16="http://schemas.microsoft.com/office/drawing/2014/main" id="{CEE2A55E-C73D-43FF-AA36-95C0FF95B7B1}"/>
               </a:ext>
             </a:extLst>
           </p:cNvPr>
@@ -12550,7 +13343,7 @@
             <a:spLocks noGrp="1"/>
           </p:cNvSpPr>
           <p:nvPr>
-            <p:ph type="title"/>
+            <p:ph type="body" sz="quarter" idx="12"/>
           </p:nvPr>
         </p:nvSpPr>
         <p:spPr/>
@@ -12558,29 +13351,14 @@
           <a:bodyPr/>
           <a:lstStyle/>
           <a:p>
-            <a:r>
-              <a:rPr lang="zh-TW" altLang="en-US" dirty="0"/>
-              <a:t>該如何在</a:t>
-            </a:r>
-            <a:r>
-              <a:rPr lang="en-US" altLang="zh-TW" dirty="0"/>
-              <a:t>html</a:t>
-            </a:r>
-            <a:r>
-              <a:rPr lang="zh-TW" altLang="en-US" dirty="0"/>
-              <a:t>當中產生表格？</a:t>
-            </a:r>
-            <a:br>
-              <a:rPr lang="zh-TW" altLang="en-US" dirty="0"/>
-            </a:br>
-            <a:endParaRPr lang="zh-TW" altLang="en-US" dirty="0"/>
+            <a:endParaRPr lang="zh-TW" altLang="en-US"/>
           </a:p>
         </p:txBody>
       </p:sp>
     </p:spTree>
     <p:extLst>
       <p:ext uri="{BB962C8B-B14F-4D97-AF65-F5344CB8AC3E}">
-        <p14:creationId xmlns:p14="http://schemas.microsoft.com/office/powerpoint/2010/main" val="3289215511"/>
+        <p14:creationId xmlns:p14="http://schemas.microsoft.com/office/powerpoint/2010/main" val="929909194"/>
       </p:ext>
     </p:extLst>
   </p:cSld>

--- a/上課教材/Week7.pptx
+++ b/上課教材/Week7.pptx
@@ -13,7 +13,8 @@
     <p:sldId id="318" r:id="rId7"/>
     <p:sldId id="323" r:id="rId8"/>
     <p:sldId id="321" r:id="rId9"/>
-    <p:sldId id="259" r:id="rId10"/>
+    <p:sldId id="327" r:id="rId10"/>
+    <p:sldId id="328" r:id="rId11"/>
   </p:sldIdLst>
   <p:sldSz cx="12192000" cy="6858000"/>
   <p:notesSz cx="6858000" cy="9144000"/>
@@ -123,7 +124,7 @@
 <file path=ppt/revisionInfo.xml><?xml version="1.0" encoding="utf-8"?>
 <p1510:revInfo xmlns:a="http://schemas.openxmlformats.org/drawingml/2006/main" xmlns:r="http://schemas.openxmlformats.org/officeDocument/2006/relationships" xmlns:p1510="http://schemas.microsoft.com/office/powerpoint/2015/10/main">
   <p1510:revLst>
-    <p1510:client id="{4BD2A7FE-9E5B-4A17-9515-51BDB1FB0393}" v="72" dt="2020-06-04T08:23:07.212"/>
+    <p1510:client id="{4BD2A7FE-9E5B-4A17-9515-51BDB1FB0393}" v="91" dt="2020-06-09T00:10:48.623"/>
   </p1510:revLst>
 </p1510:revInfo>
 </file>
@@ -1167,7 +1168,7 @@
   <pc:docChgLst>
     <pc:chgData name="Ming-Chih Lin" userId="f1ba3ba5-e185-404b-b55f-b2be90e2bdc2" providerId="ADAL" clId="{4BD2A7FE-9E5B-4A17-9515-51BDB1FB0393}"/>
     <pc:docChg chg="undo custSel addSld delSld modSld sldOrd">
-      <pc:chgData name="Ming-Chih Lin" userId="f1ba3ba5-e185-404b-b55f-b2be90e2bdc2" providerId="ADAL" clId="{4BD2A7FE-9E5B-4A17-9515-51BDB1FB0393}" dt="2020-06-04T08:23:12.033" v="346" actId="14100"/>
+      <pc:chgData name="Ming-Chih Lin" userId="f1ba3ba5-e185-404b-b55f-b2be90e2bdc2" providerId="ADAL" clId="{4BD2A7FE-9E5B-4A17-9515-51BDB1FB0393}" dt="2020-06-09T00:10:48.623" v="458"/>
       <pc:docMkLst>
         <pc:docMk/>
       </pc:docMkLst>
@@ -1185,6 +1186,13 @@
             <ac:spMk id="2" creationId="{F00E360D-5F36-459A-8321-D0EA4C8C73FE}"/>
           </ac:spMkLst>
         </pc:spChg>
+      </pc:sldChg>
+      <pc:sldChg chg="del">
+        <pc:chgData name="Ming-Chih Lin" userId="f1ba3ba5-e185-404b-b55f-b2be90e2bdc2" providerId="ADAL" clId="{4BD2A7FE-9E5B-4A17-9515-51BDB1FB0393}" dt="2020-06-09T00:09:07.939" v="348" actId="47"/>
+        <pc:sldMkLst>
+          <pc:docMk/>
+          <pc:sldMk cId="929909194" sldId="259"/>
+        </pc:sldMkLst>
       </pc:sldChg>
       <pc:sldChg chg="del">
         <pc:chgData name="Ming-Chih Lin" userId="f1ba3ba5-e185-404b-b55f-b2be90e2bdc2" providerId="ADAL" clId="{4BD2A7FE-9E5B-4A17-9515-51BDB1FB0393}" dt="2020-06-02T02:29:48.748" v="27" actId="47"/>
@@ -1498,7 +1506,7 @@
         </pc:sldMkLst>
       </pc:sldChg>
       <pc:sldChg chg="addSp delSp modSp new mod modClrScheme chgLayout">
-        <pc:chgData name="Ming-Chih Lin" userId="f1ba3ba5-e185-404b-b55f-b2be90e2bdc2" providerId="ADAL" clId="{4BD2A7FE-9E5B-4A17-9515-51BDB1FB0393}" dt="2020-06-03T23:23:41.969" v="30"/>
+        <pc:chgData name="Ming-Chih Lin" userId="f1ba3ba5-e185-404b-b55f-b2be90e2bdc2" providerId="ADAL" clId="{4BD2A7FE-9E5B-4A17-9515-51BDB1FB0393}" dt="2020-06-09T00:10:48.623" v="458"/>
         <pc:sldMkLst>
           <pc:docMk/>
           <pc:sldMk cId="2259324599" sldId="326"/>
@@ -1520,7 +1528,7 @@
           </ac:spMkLst>
         </pc:spChg>
         <pc:spChg chg="add mod ord">
-          <ac:chgData name="Ming-Chih Lin" userId="f1ba3ba5-e185-404b-b55f-b2be90e2bdc2" providerId="ADAL" clId="{4BD2A7FE-9E5B-4A17-9515-51BDB1FB0393}" dt="2020-06-03T23:23:41.164" v="29" actId="700"/>
+          <ac:chgData name="Ming-Chih Lin" userId="f1ba3ba5-e185-404b-b55f-b2be90e2bdc2" providerId="ADAL" clId="{4BD2A7FE-9E5B-4A17-9515-51BDB1FB0393}" dt="2020-06-09T00:10:48.623" v="458"/>
           <ac:spMkLst>
             <pc:docMk/>
             <pc:sldMk cId="2259324599" sldId="326"/>
@@ -1528,13 +1536,42 @@
           </ac:spMkLst>
         </pc:spChg>
         <pc:spChg chg="add mod ord">
-          <ac:chgData name="Ming-Chih Lin" userId="f1ba3ba5-e185-404b-b55f-b2be90e2bdc2" providerId="ADAL" clId="{4BD2A7FE-9E5B-4A17-9515-51BDB1FB0393}" dt="2020-06-03T23:23:41.969" v="30"/>
+          <ac:chgData name="Ming-Chih Lin" userId="f1ba3ba5-e185-404b-b55f-b2be90e2bdc2" providerId="ADAL" clId="{4BD2A7FE-9E5B-4A17-9515-51BDB1FB0393}" dt="2020-06-09T00:10:37.067" v="435" actId="5793"/>
           <ac:spMkLst>
             <pc:docMk/>
             <pc:sldMk cId="2259324599" sldId="326"/>
             <ac:spMk id="5" creationId="{74600EDD-6149-4100-A352-B0800C157F5B}"/>
           </ac:spMkLst>
         </pc:spChg>
+      </pc:sldChg>
+      <pc:sldChg chg="modSp add mod">
+        <pc:chgData name="Ming-Chih Lin" userId="f1ba3ba5-e185-404b-b55f-b2be90e2bdc2" providerId="ADAL" clId="{4BD2A7FE-9E5B-4A17-9515-51BDB1FB0393}" dt="2020-06-09T00:10:14.185" v="431"/>
+        <pc:sldMkLst>
+          <pc:docMk/>
+          <pc:sldMk cId="2181700493" sldId="327"/>
+        </pc:sldMkLst>
+        <pc:spChg chg="mod">
+          <ac:chgData name="Ming-Chih Lin" userId="f1ba3ba5-e185-404b-b55f-b2be90e2bdc2" providerId="ADAL" clId="{4BD2A7FE-9E5B-4A17-9515-51BDB1FB0393}" dt="2020-06-09T00:10:14.185" v="431"/>
+          <ac:spMkLst>
+            <pc:docMk/>
+            <pc:sldMk cId="2181700493" sldId="327"/>
+            <ac:spMk id="4" creationId="{2FA54F75-D405-4104-B6BB-EA44A23A109A}"/>
+          </ac:spMkLst>
+        </pc:spChg>
+      </pc:sldChg>
+      <pc:sldChg chg="add">
+        <pc:chgData name="Ming-Chih Lin" userId="f1ba3ba5-e185-404b-b55f-b2be90e2bdc2" providerId="ADAL" clId="{4BD2A7FE-9E5B-4A17-9515-51BDB1FB0393}" dt="2020-06-09T00:09:06.383" v="347"/>
+        <pc:sldMkLst>
+          <pc:docMk/>
+          <pc:sldMk cId="2771393083" sldId="328"/>
+        </pc:sldMkLst>
+      </pc:sldChg>
+      <pc:sldChg chg="add del">
+        <pc:chgData name="Ming-Chih Lin" userId="f1ba3ba5-e185-404b-b55f-b2be90e2bdc2" providerId="ADAL" clId="{4BD2A7FE-9E5B-4A17-9515-51BDB1FB0393}" dt="2020-06-09T00:09:37.522" v="351"/>
+        <pc:sldMkLst>
+          <pc:docMk/>
+          <pc:sldMk cId="271607344" sldId="329"/>
+        </pc:sldMkLst>
       </pc:sldChg>
     </pc:docChg>
   </pc:docChgLst>
@@ -6356,7 +6393,7 @@
           <a:p>
             <a:fld id="{FA1E3ED8-1BB4-4BD2-AB23-359644E070C2}" type="datetimeFigureOut">
               <a:rPr lang="zh-TW" altLang="en-US" smtClean="0"/>
-              <a:t>2020/6/4</a:t>
+              <a:t>2020/6/9</a:t>
             </a:fld>
             <a:endParaRPr lang="zh-TW" altLang="en-US"/>
           </a:p>
@@ -11523,6 +11560,101 @@
 </p:sld>
 </file>
 
+<file path=ppt/slides/slide10.xml><?xml version="1.0" encoding="utf-8"?>
+<p:sld xmlns:a="http://schemas.openxmlformats.org/drawingml/2006/main" xmlns:r="http://schemas.openxmlformats.org/officeDocument/2006/relationships" xmlns:p="http://schemas.openxmlformats.org/presentationml/2006/main">
+  <p:cSld>
+    <p:spTree>
+      <p:nvGrpSpPr>
+        <p:cNvPr id="1" name=""/>
+        <p:cNvGrpSpPr/>
+        <p:nvPr/>
+      </p:nvGrpSpPr>
+      <p:grpSpPr>
+        <a:xfrm>
+          <a:off x="0" y="0"/>
+          <a:ext cx="0" cy="0"/>
+          <a:chOff x="0" y="0"/>
+          <a:chExt cx="0" cy="0"/>
+        </a:xfrm>
+      </p:grpSpPr>
+      <p:sp>
+        <p:nvSpPr>
+          <p:cNvPr id="4" name="文字版面配置區 3">
+            <a:extLst>
+              <a:ext uri="{FF2B5EF4-FFF2-40B4-BE49-F238E27FC236}">
+                <a16:creationId xmlns:a16="http://schemas.microsoft.com/office/drawing/2014/main" id="{2FA54F75-D405-4104-B6BB-EA44A23A109A}"/>
+              </a:ext>
+            </a:extLst>
+          </p:cNvPr>
+          <p:cNvSpPr>
+            <a:spLocks noGrp="1"/>
+          </p:cNvSpPr>
+          <p:nvPr>
+            <p:ph type="body" sz="quarter" idx="10"/>
+          </p:nvPr>
+        </p:nvSpPr>
+        <p:spPr/>
+        <p:txBody>
+          <a:bodyPr/>
+          <a:lstStyle/>
+          <a:p>
+            <a:r>
+              <a:rPr lang="zh-TW" altLang="en-US" dirty="0"/>
+              <a:t>專案問題解析</a:t>
+            </a:r>
+          </a:p>
+        </p:txBody>
+      </p:sp>
+      <p:sp>
+        <p:nvSpPr>
+          <p:cNvPr id="5" name="文字版面配置區 4">
+            <a:extLst>
+              <a:ext uri="{FF2B5EF4-FFF2-40B4-BE49-F238E27FC236}">
+                <a16:creationId xmlns:a16="http://schemas.microsoft.com/office/drawing/2014/main" id="{CEE2A55E-C73D-43FF-AA36-95C0FF95B7B1}"/>
+              </a:ext>
+            </a:extLst>
+          </p:cNvPr>
+          <p:cNvSpPr>
+            <a:spLocks noGrp="1"/>
+          </p:cNvSpPr>
+          <p:nvPr>
+            <p:ph type="body" sz="quarter" idx="12"/>
+          </p:nvPr>
+        </p:nvSpPr>
+        <p:spPr/>
+        <p:txBody>
+          <a:bodyPr/>
+          <a:lstStyle/>
+          <a:p>
+            <a:endParaRPr lang="zh-TW" altLang="en-US"/>
+          </a:p>
+        </p:txBody>
+      </p:sp>
+    </p:spTree>
+    <p:extLst>
+      <p:ext uri="{BB962C8B-B14F-4D97-AF65-F5344CB8AC3E}">
+        <p14:creationId xmlns:p14="http://schemas.microsoft.com/office/powerpoint/2010/main" val="2771393083"/>
+      </p:ext>
+    </p:extLst>
+  </p:cSld>
+  <p:clrMapOvr>
+    <a:masterClrMapping/>
+  </p:clrMapOvr>
+  <mc:AlternateContent xmlns:mc="http://schemas.openxmlformats.org/markup-compatibility/2006" xmlns:p14="http://schemas.microsoft.com/office/powerpoint/2010/main">
+    <mc:Choice Requires="p14">
+      <p:transition p14:dur="250">
+        <p:fade/>
+      </p:transition>
+    </mc:Choice>
+    <mc:Fallback xmlns="">
+      <p:transition>
+        <p:fade/>
+      </p:transition>
+    </mc:Fallback>
+  </mc:AlternateContent>
+</p:sld>
+</file>
+
 <file path=ppt/slides/slide2.xml><?xml version="1.0" encoding="utf-8"?>
 <p:sld xmlns:a="http://schemas.openxmlformats.org/drawingml/2006/main" xmlns:r="http://schemas.openxmlformats.org/officeDocument/2006/relationships" xmlns:p="http://schemas.openxmlformats.org/presentationml/2006/main">
   <p:cSld>
@@ -12515,10 +12647,22 @@
           <a:bodyPr/>
           <a:lstStyle/>
           <a:p>
+            <a:pPr marL="0" indent="0">
+              <a:buNone/>
+            </a:pPr>
             <a:r>
               <a:rPr lang="zh-TW" altLang="en-US" dirty="0"/>
               <a:t>物理模擬提供了大量的數據，使用者可以根據設計需要擷取部分數據並加以處理，最後轉換成適當的圖表以方便檢視。由於物理特徵的多樣性，可以用來呈現的圖表多達上百種。這些圖表有各自的優缺點，使用者必須自行決定用何種表達方式才能取得所要觀察的特性。</a:t>
             </a:r>
+            <a:endParaRPr lang="en-US" altLang="zh-TW" dirty="0"/>
+          </a:p>
+          <a:p>
+            <a:endParaRPr lang="en-US" altLang="zh-TW" dirty="0"/>
+          </a:p>
+          <a:p>
+            <a:pPr marL="0" indent="0">
+              <a:buNone/>
+            </a:pPr>
             <a:r>
               <a:rPr lang="en-US" altLang="zh-TW" dirty="0"/>
               <a:t>python</a:t>
@@ -12591,7 +12735,10 @@
           <a:bodyPr/>
           <a:lstStyle/>
           <a:p>
-            <a:endParaRPr lang="zh-TW" altLang="en-US"/>
+            <a:r>
+              <a:rPr lang="zh-TW" altLang="en-US"/>
+              <a:t>資料分析工程</a:t>
+            </a:r>
           </a:p>
         </p:txBody>
       </p:sp>
@@ -13318,14 +13465,37 @@
             <p:ph type="body" sz="quarter" idx="10"/>
           </p:nvPr>
         </p:nvSpPr>
-        <p:spPr/>
+        <p:spPr>
+          <a:xfrm>
+            <a:off x="6416675" y="2520950"/>
+            <a:ext cx="5394325" cy="2025650"/>
+          </a:xfrm>
+        </p:spPr>
         <p:txBody>
-          <a:bodyPr/>
+          <a:bodyPr>
+            <a:normAutofit/>
+          </a:bodyPr>
           <a:lstStyle/>
           <a:p>
             <a:r>
               <a:rPr lang="zh-TW" altLang="en-US" dirty="0"/>
-              <a:t>專題討論 </a:t>
+              <a:t>範例解說：將</a:t>
+            </a:r>
+            <a:r>
+              <a:rPr lang="en-US" altLang="zh-TW" dirty="0"/>
+              <a:t>CSV</a:t>
+            </a:r>
+            <a:r>
+              <a:rPr lang="zh-TW" altLang="en-US" dirty="0"/>
+              <a:t>輸出成圖檔並整合到</a:t>
+            </a:r>
+            <a:r>
+              <a:rPr lang="en-US" altLang="zh-TW" dirty="0"/>
+              <a:t>HTML</a:t>
+            </a:r>
+            <a:r>
+              <a:rPr lang="zh-TW" altLang="en-US" dirty="0"/>
+              <a:t>報告</a:t>
             </a:r>
           </a:p>
         </p:txBody>
@@ -13358,7 +13528,7 @@
     </p:spTree>
     <p:extLst>
       <p:ext uri="{BB962C8B-B14F-4D97-AF65-F5344CB8AC3E}">
-        <p14:creationId xmlns:p14="http://schemas.microsoft.com/office/powerpoint/2010/main" val="929909194"/>
+        <p14:creationId xmlns:p14="http://schemas.microsoft.com/office/powerpoint/2010/main" val="2181700493"/>
       </p:ext>
     </p:extLst>
   </p:cSld>

--- a/上課教材/Week7.pptx
+++ b/上課教材/Week7.pptx
@@ -6,15 +6,17 @@
   </p:sldMasterIdLst>
   <p:sldIdLst>
     <p:sldId id="257" r:id="rId2"/>
-    <p:sldId id="325" r:id="rId3"/>
-    <p:sldId id="319" r:id="rId4"/>
-    <p:sldId id="320" r:id="rId5"/>
-    <p:sldId id="326" r:id="rId6"/>
-    <p:sldId id="318" r:id="rId7"/>
-    <p:sldId id="323" r:id="rId8"/>
-    <p:sldId id="321" r:id="rId9"/>
-    <p:sldId id="327" r:id="rId10"/>
-    <p:sldId id="328" r:id="rId11"/>
+    <p:sldId id="331" r:id="rId3"/>
+    <p:sldId id="329" r:id="rId4"/>
+    <p:sldId id="330" r:id="rId5"/>
+    <p:sldId id="325" r:id="rId6"/>
+    <p:sldId id="319" r:id="rId7"/>
+    <p:sldId id="320" r:id="rId8"/>
+    <p:sldId id="318" r:id="rId9"/>
+    <p:sldId id="323" r:id="rId10"/>
+    <p:sldId id="321" r:id="rId11"/>
+    <p:sldId id="327" r:id="rId12"/>
+    <p:sldId id="328" r:id="rId13"/>
   </p:sldIdLst>
   <p:sldSz cx="12192000" cy="6858000"/>
   <p:notesSz cx="6858000" cy="9144000"/>
@@ -124,13 +126,1142 @@
 <file path=ppt/revisionInfo.xml><?xml version="1.0" encoding="utf-8"?>
 <p1510:revInfo xmlns:a="http://schemas.openxmlformats.org/drawingml/2006/main" xmlns:r="http://schemas.openxmlformats.org/officeDocument/2006/relationships" xmlns:p1510="http://schemas.microsoft.com/office/powerpoint/2015/10/main">
   <p1510:revLst>
-    <p1510:client id="{4BD2A7FE-9E5B-4A17-9515-51BDB1FB0393}" v="91" dt="2020-06-09T00:10:48.623"/>
+    <p1510:client id="{4BD2A7FE-9E5B-4A17-9515-51BDB1FB0393}" v="149" dt="2020-06-14T09:09:11.283"/>
   </p1510:revLst>
 </p1510:revInfo>
 </file>
 
 <file path=ppt/changesInfos/changesInfo1.xml><?xml version="1.0" encoding="utf-8"?>
 <pc:chgInfo xmlns:a="http://schemas.openxmlformats.org/drawingml/2006/main" xmlns:r="http://schemas.openxmlformats.org/officeDocument/2006/relationships" xmlns:ac="http://schemas.microsoft.com/office/drawing/2013/main/command" xmlns:pc="http://schemas.microsoft.com/office/powerpoint/2013/main/command">
+  <pc:docChgLst>
+    <pc:chgData name="Ming-Chih Lin" userId="f1ba3ba5-e185-404b-b55f-b2be90e2bdc2" providerId="ADAL" clId="{794224D3-789D-47BB-A0D2-62C663EDB1CA}"/>
+    <pc:docChg chg="undo custSel addSld delSld modSld sldOrd">
+      <pc:chgData name="Ming-Chih Lin" userId="f1ba3ba5-e185-404b-b55f-b2be90e2bdc2" providerId="ADAL" clId="{794224D3-789D-47BB-A0D2-62C663EDB1CA}" dt="2020-06-01T23:07:13.749" v="1270"/>
+      <pc:docMkLst>
+        <pc:docMk/>
+      </pc:docMkLst>
+      <pc:sldChg chg="delSp">
+        <pc:chgData name="Ming-Chih Lin" userId="f1ba3ba5-e185-404b-b55f-b2be90e2bdc2" providerId="ADAL" clId="{794224D3-789D-47BB-A0D2-62C663EDB1CA}" dt="2020-05-31T07:03:43.577" v="122" actId="478"/>
+        <pc:sldMkLst>
+          <pc:docMk/>
+          <pc:sldMk cId="1322618313" sldId="258"/>
+        </pc:sldMkLst>
+        <pc:spChg chg="del">
+          <ac:chgData name="Ming-Chih Lin" userId="f1ba3ba5-e185-404b-b55f-b2be90e2bdc2" providerId="ADAL" clId="{794224D3-789D-47BB-A0D2-62C663EDB1CA}" dt="2020-05-31T07:03:43.577" v="122" actId="478"/>
+          <ac:spMkLst>
+            <pc:docMk/>
+            <pc:sldMk cId="1322618313" sldId="258"/>
+            <ac:spMk id="2" creationId="{FBCCA4FE-507B-4375-9CA7-1938A59E84E8}"/>
+          </ac:spMkLst>
+        </pc:spChg>
+        <pc:spChg chg="del">
+          <ac:chgData name="Ming-Chih Lin" userId="f1ba3ba5-e185-404b-b55f-b2be90e2bdc2" providerId="ADAL" clId="{794224D3-789D-47BB-A0D2-62C663EDB1CA}" dt="2020-05-31T07:03:42.118" v="121" actId="478"/>
+          <ac:spMkLst>
+            <pc:docMk/>
+            <pc:sldMk cId="1322618313" sldId="258"/>
+            <ac:spMk id="3" creationId="{59C9E95B-21C0-4D96-ABCD-CD1BC19F6A0D}"/>
+          </ac:spMkLst>
+        </pc:spChg>
+      </pc:sldChg>
+      <pc:sldChg chg="add del">
+        <pc:chgData name="Ming-Chih Lin" userId="f1ba3ba5-e185-404b-b55f-b2be90e2bdc2" providerId="ADAL" clId="{794224D3-789D-47BB-A0D2-62C663EDB1CA}" dt="2020-05-31T07:37:25.174" v="598" actId="2696"/>
+        <pc:sldMkLst>
+          <pc:docMk/>
+          <pc:sldMk cId="929909194" sldId="259"/>
+        </pc:sldMkLst>
+      </pc:sldChg>
+      <pc:sldChg chg="add del">
+        <pc:chgData name="Ming-Chih Lin" userId="f1ba3ba5-e185-404b-b55f-b2be90e2bdc2" providerId="ADAL" clId="{794224D3-789D-47BB-A0D2-62C663EDB1CA}" dt="2020-05-31T07:37:23.395" v="597"/>
+        <pc:sldMkLst>
+          <pc:docMk/>
+          <pc:sldMk cId="1125878173" sldId="259"/>
+        </pc:sldMkLst>
+      </pc:sldChg>
+      <pc:sldChg chg="modSp mod ord">
+        <pc:chgData name="Ming-Chih Lin" userId="f1ba3ba5-e185-404b-b55f-b2be90e2bdc2" providerId="ADAL" clId="{794224D3-789D-47BB-A0D2-62C663EDB1CA}" dt="2020-05-31T07:08:12.333" v="191" actId="20577"/>
+        <pc:sldMkLst>
+          <pc:docMk/>
+          <pc:sldMk cId="1086438915" sldId="260"/>
+        </pc:sldMkLst>
+        <pc:spChg chg="mod">
+          <ac:chgData name="Ming-Chih Lin" userId="f1ba3ba5-e185-404b-b55f-b2be90e2bdc2" providerId="ADAL" clId="{794224D3-789D-47BB-A0D2-62C663EDB1CA}" dt="2020-05-31T07:08:12.333" v="191" actId="20577"/>
+          <ac:spMkLst>
+            <pc:docMk/>
+            <pc:sldMk cId="1086438915" sldId="260"/>
+            <ac:spMk id="2" creationId="{5F3943C5-BE9F-4BF4-A111-F83F5931DA07}"/>
+          </ac:spMkLst>
+        </pc:spChg>
+        <pc:spChg chg="mod">
+          <ac:chgData name="Ming-Chih Lin" userId="f1ba3ba5-e185-404b-b55f-b2be90e2bdc2" providerId="ADAL" clId="{794224D3-789D-47BB-A0D2-62C663EDB1CA}" dt="2020-05-31T07:04:57.706" v="128"/>
+          <ac:spMkLst>
+            <pc:docMk/>
+            <pc:sldMk cId="1086438915" sldId="260"/>
+            <ac:spMk id="3" creationId="{CC22D15C-4B6A-4C30-9E72-7AA476A720D1}"/>
+          </ac:spMkLst>
+        </pc:spChg>
+      </pc:sldChg>
+      <pc:sldChg chg="modSp mod ord">
+        <pc:chgData name="Ming-Chih Lin" userId="f1ba3ba5-e185-404b-b55f-b2be90e2bdc2" providerId="ADAL" clId="{794224D3-789D-47BB-A0D2-62C663EDB1CA}" dt="2020-05-31T07:17:48.944" v="343" actId="207"/>
+        <pc:sldMkLst>
+          <pc:docMk/>
+          <pc:sldMk cId="3291901244" sldId="261"/>
+        </pc:sldMkLst>
+        <pc:spChg chg="mod">
+          <ac:chgData name="Ming-Chih Lin" userId="f1ba3ba5-e185-404b-b55f-b2be90e2bdc2" providerId="ADAL" clId="{794224D3-789D-47BB-A0D2-62C663EDB1CA}" dt="2020-05-31T07:17:48.944" v="343" actId="207"/>
+          <ac:spMkLst>
+            <pc:docMk/>
+            <pc:sldMk cId="3291901244" sldId="261"/>
+            <ac:spMk id="2" creationId="{5F3943C5-BE9F-4BF4-A111-F83F5931DA07}"/>
+          </ac:spMkLst>
+        </pc:spChg>
+        <pc:spChg chg="mod">
+          <ac:chgData name="Ming-Chih Lin" userId="f1ba3ba5-e185-404b-b55f-b2be90e2bdc2" providerId="ADAL" clId="{794224D3-789D-47BB-A0D2-62C663EDB1CA}" dt="2020-05-31T07:05:58.569" v="141"/>
+          <ac:spMkLst>
+            <pc:docMk/>
+            <pc:sldMk cId="3291901244" sldId="261"/>
+            <ac:spMk id="3" creationId="{CC22D15C-4B6A-4C30-9E72-7AA476A720D1}"/>
+          </ac:spMkLst>
+        </pc:spChg>
+      </pc:sldChg>
+      <pc:sldChg chg="addSp modSp mod">
+        <pc:chgData name="Ming-Chih Lin" userId="f1ba3ba5-e185-404b-b55f-b2be90e2bdc2" providerId="ADAL" clId="{794224D3-789D-47BB-A0D2-62C663EDB1CA}" dt="2020-06-01T07:55:22.247" v="942"/>
+        <pc:sldMkLst>
+          <pc:docMk/>
+          <pc:sldMk cId="947049355" sldId="262"/>
+        </pc:sldMkLst>
+        <pc:spChg chg="mod">
+          <ac:chgData name="Ming-Chih Lin" userId="f1ba3ba5-e185-404b-b55f-b2be90e2bdc2" providerId="ADAL" clId="{794224D3-789D-47BB-A0D2-62C663EDB1CA}" dt="2020-06-01T07:55:22.247" v="942"/>
+          <ac:spMkLst>
+            <pc:docMk/>
+            <pc:sldMk cId="947049355" sldId="262"/>
+            <ac:spMk id="2" creationId="{5F3943C5-BE9F-4BF4-A111-F83F5931DA07}"/>
+          </ac:spMkLst>
+        </pc:spChg>
+        <pc:spChg chg="mod">
+          <ac:chgData name="Ming-Chih Lin" userId="f1ba3ba5-e185-404b-b55f-b2be90e2bdc2" providerId="ADAL" clId="{794224D3-789D-47BB-A0D2-62C663EDB1CA}" dt="2020-06-01T07:46:53.801" v="866"/>
+          <ac:spMkLst>
+            <pc:docMk/>
+            <pc:sldMk cId="947049355" sldId="262"/>
+            <ac:spMk id="3" creationId="{CC22D15C-4B6A-4C30-9E72-7AA476A720D1}"/>
+          </ac:spMkLst>
+        </pc:spChg>
+        <pc:picChg chg="add mod">
+          <ac:chgData name="Ming-Chih Lin" userId="f1ba3ba5-e185-404b-b55f-b2be90e2bdc2" providerId="ADAL" clId="{794224D3-789D-47BB-A0D2-62C663EDB1CA}" dt="2020-06-01T07:51:45.239" v="908" actId="1076"/>
+          <ac:picMkLst>
+            <pc:docMk/>
+            <pc:sldMk cId="947049355" sldId="262"/>
+            <ac:picMk id="1026" creationId="{82A19D6C-0800-4130-A6B0-82F6069AFCE2}"/>
+          </ac:picMkLst>
+        </pc:picChg>
+      </pc:sldChg>
+      <pc:sldChg chg="addSp modSp add mod">
+        <pc:chgData name="Ming-Chih Lin" userId="f1ba3ba5-e185-404b-b55f-b2be90e2bdc2" providerId="ADAL" clId="{794224D3-789D-47BB-A0D2-62C663EDB1CA}" dt="2020-06-01T07:51:35.895" v="906" actId="1076"/>
+        <pc:sldMkLst>
+          <pc:docMk/>
+          <pc:sldMk cId="3427989766" sldId="263"/>
+        </pc:sldMkLst>
+        <pc:spChg chg="mod">
+          <ac:chgData name="Ming-Chih Lin" userId="f1ba3ba5-e185-404b-b55f-b2be90e2bdc2" providerId="ADAL" clId="{794224D3-789D-47BB-A0D2-62C663EDB1CA}" dt="2020-06-01T07:51:31.067" v="902" actId="14100"/>
+          <ac:spMkLst>
+            <pc:docMk/>
+            <pc:sldMk cId="3427989766" sldId="263"/>
+            <ac:spMk id="2" creationId="{5F3943C5-BE9F-4BF4-A111-F83F5931DA07}"/>
+          </ac:spMkLst>
+        </pc:spChg>
+        <pc:spChg chg="mod">
+          <ac:chgData name="Ming-Chih Lin" userId="f1ba3ba5-e185-404b-b55f-b2be90e2bdc2" providerId="ADAL" clId="{794224D3-789D-47BB-A0D2-62C663EDB1CA}" dt="2020-06-01T07:47:21.386" v="869"/>
+          <ac:spMkLst>
+            <pc:docMk/>
+            <pc:sldMk cId="3427989766" sldId="263"/>
+            <ac:spMk id="3" creationId="{CC22D15C-4B6A-4C30-9E72-7AA476A720D1}"/>
+          </ac:spMkLst>
+        </pc:spChg>
+        <pc:picChg chg="add mod">
+          <ac:chgData name="Ming-Chih Lin" userId="f1ba3ba5-e185-404b-b55f-b2be90e2bdc2" providerId="ADAL" clId="{794224D3-789D-47BB-A0D2-62C663EDB1CA}" dt="2020-06-01T07:51:35.895" v="906" actId="1076"/>
+          <ac:picMkLst>
+            <pc:docMk/>
+            <pc:sldMk cId="3427989766" sldId="263"/>
+            <ac:picMk id="4" creationId="{C871F6D6-27BE-4062-8369-3DD35A0A62B5}"/>
+          </ac:picMkLst>
+        </pc:picChg>
+      </pc:sldChg>
+      <pc:sldChg chg="modSp add del mod">
+        <pc:chgData name="Ming-Chih Lin" userId="f1ba3ba5-e185-404b-b55f-b2be90e2bdc2" providerId="ADAL" clId="{794224D3-789D-47BB-A0D2-62C663EDB1CA}" dt="2020-05-31T07:13:38.584" v="317" actId="2696"/>
+        <pc:sldMkLst>
+          <pc:docMk/>
+          <pc:sldMk cId="853696311" sldId="264"/>
+        </pc:sldMkLst>
+        <pc:spChg chg="mod">
+          <ac:chgData name="Ming-Chih Lin" userId="f1ba3ba5-e185-404b-b55f-b2be90e2bdc2" providerId="ADAL" clId="{794224D3-789D-47BB-A0D2-62C663EDB1CA}" dt="2020-05-31T07:10:54.940" v="217" actId="20577"/>
+          <ac:spMkLst>
+            <pc:docMk/>
+            <pc:sldMk cId="853696311" sldId="264"/>
+            <ac:spMk id="2" creationId="{5F3943C5-BE9F-4BF4-A111-F83F5931DA07}"/>
+          </ac:spMkLst>
+        </pc:spChg>
+        <pc:spChg chg="mod">
+          <ac:chgData name="Ming-Chih Lin" userId="f1ba3ba5-e185-404b-b55f-b2be90e2bdc2" providerId="ADAL" clId="{794224D3-789D-47BB-A0D2-62C663EDB1CA}" dt="2020-05-31T07:10:29.489" v="209"/>
+          <ac:spMkLst>
+            <pc:docMk/>
+            <pc:sldMk cId="853696311" sldId="264"/>
+            <ac:spMk id="3" creationId="{CC22D15C-4B6A-4C30-9E72-7AA476A720D1}"/>
+          </ac:spMkLst>
+        </pc:spChg>
+      </pc:sldChg>
+      <pc:sldChg chg="add">
+        <pc:chgData name="Ming-Chih Lin" userId="f1ba3ba5-e185-404b-b55f-b2be90e2bdc2" providerId="ADAL" clId="{794224D3-789D-47BB-A0D2-62C663EDB1CA}" dt="2020-05-31T07:13:42.130" v="318"/>
+        <pc:sldMkLst>
+          <pc:docMk/>
+          <pc:sldMk cId="2336614475" sldId="264"/>
+        </pc:sldMkLst>
+      </pc:sldChg>
+      <pc:sldChg chg="addSp delSp modSp add del mod">
+        <pc:chgData name="Ming-Chih Lin" userId="f1ba3ba5-e185-404b-b55f-b2be90e2bdc2" providerId="ADAL" clId="{794224D3-789D-47BB-A0D2-62C663EDB1CA}" dt="2020-05-31T07:03:28.767" v="119" actId="2696"/>
+        <pc:sldMkLst>
+          <pc:docMk/>
+          <pc:sldMk cId="3055042205" sldId="264"/>
+        </pc:sldMkLst>
+        <pc:spChg chg="mod">
+          <ac:chgData name="Ming-Chih Lin" userId="f1ba3ba5-e185-404b-b55f-b2be90e2bdc2" providerId="ADAL" clId="{794224D3-789D-47BB-A0D2-62C663EDB1CA}" dt="2020-05-31T07:02:41.012" v="100" actId="20577"/>
+          <ac:spMkLst>
+            <pc:docMk/>
+            <pc:sldMk cId="3055042205" sldId="264"/>
+            <ac:spMk id="3" creationId="{CC22D15C-4B6A-4C30-9E72-7AA476A720D1}"/>
+          </ac:spMkLst>
+        </pc:spChg>
+        <pc:spChg chg="add del mod">
+          <ac:chgData name="Ming-Chih Lin" userId="f1ba3ba5-e185-404b-b55f-b2be90e2bdc2" providerId="ADAL" clId="{794224D3-789D-47BB-A0D2-62C663EDB1CA}" dt="2020-05-31T07:02:53.153" v="102"/>
+          <ac:spMkLst>
+            <pc:docMk/>
+            <pc:sldMk cId="3055042205" sldId="264"/>
+            <ac:spMk id="4" creationId="{7FBF3722-DB83-4B11-AD36-8F84A93A7418}"/>
+          </ac:spMkLst>
+        </pc:spChg>
+      </pc:sldChg>
+      <pc:sldChg chg="modSp add del mod">
+        <pc:chgData name="Ming-Chih Lin" userId="f1ba3ba5-e185-404b-b55f-b2be90e2bdc2" providerId="ADAL" clId="{794224D3-789D-47BB-A0D2-62C663EDB1CA}" dt="2020-05-31T07:03:28.767" v="119" actId="2696"/>
+        <pc:sldMkLst>
+          <pc:docMk/>
+          <pc:sldMk cId="21128113" sldId="265"/>
+        </pc:sldMkLst>
+        <pc:spChg chg="mod">
+          <ac:chgData name="Ming-Chih Lin" userId="f1ba3ba5-e185-404b-b55f-b2be90e2bdc2" providerId="ADAL" clId="{794224D3-789D-47BB-A0D2-62C663EDB1CA}" dt="2020-05-31T07:02:59.889" v="118" actId="20577"/>
+          <ac:spMkLst>
+            <pc:docMk/>
+            <pc:sldMk cId="21128113" sldId="265"/>
+            <ac:spMk id="3" creationId="{CC22D15C-4B6A-4C30-9E72-7AA476A720D1}"/>
+          </ac:spMkLst>
+        </pc:spChg>
+      </pc:sldChg>
+      <pc:sldChg chg="addSp delSp modSp add mod ord chgLayout">
+        <pc:chgData name="Ming-Chih Lin" userId="f1ba3ba5-e185-404b-b55f-b2be90e2bdc2" providerId="ADAL" clId="{794224D3-789D-47BB-A0D2-62C663EDB1CA}" dt="2020-06-01T07:44:20.522" v="849"/>
+        <pc:sldMkLst>
+          <pc:docMk/>
+          <pc:sldMk cId="679909818" sldId="265"/>
+        </pc:sldMkLst>
+        <pc:spChg chg="del mod">
+          <ac:chgData name="Ming-Chih Lin" userId="f1ba3ba5-e185-404b-b55f-b2be90e2bdc2" providerId="ADAL" clId="{794224D3-789D-47BB-A0D2-62C663EDB1CA}" dt="2020-06-01T07:43:59.439" v="840" actId="478"/>
+          <ac:spMkLst>
+            <pc:docMk/>
+            <pc:sldMk cId="679909818" sldId="265"/>
+            <ac:spMk id="2" creationId="{5F3943C5-BE9F-4BF4-A111-F83F5931DA07}"/>
+          </ac:spMkLst>
+        </pc:spChg>
+        <pc:spChg chg="mod ord">
+          <ac:chgData name="Ming-Chih Lin" userId="f1ba3ba5-e185-404b-b55f-b2be90e2bdc2" providerId="ADAL" clId="{794224D3-789D-47BB-A0D2-62C663EDB1CA}" dt="2020-06-01T07:44:02.779" v="841" actId="700"/>
+          <ac:spMkLst>
+            <pc:docMk/>
+            <pc:sldMk cId="679909818" sldId="265"/>
+            <ac:spMk id="3" creationId="{CC22D15C-4B6A-4C30-9E72-7AA476A720D1}"/>
+          </ac:spMkLst>
+        </pc:spChg>
+        <pc:spChg chg="add mod ord">
+          <ac:chgData name="Ming-Chih Lin" userId="f1ba3ba5-e185-404b-b55f-b2be90e2bdc2" providerId="ADAL" clId="{794224D3-789D-47BB-A0D2-62C663EDB1CA}" dt="2020-06-01T07:44:03.928" v="842"/>
+          <ac:spMkLst>
+            <pc:docMk/>
+            <pc:sldMk cId="679909818" sldId="265"/>
+            <ac:spMk id="4" creationId="{27ED805F-CF52-4A12-B033-57768935D442}"/>
+          </ac:spMkLst>
+        </pc:spChg>
+      </pc:sldChg>
+      <pc:sldChg chg="add del">
+        <pc:chgData name="Ming-Chih Lin" userId="f1ba3ba5-e185-404b-b55f-b2be90e2bdc2" providerId="ADAL" clId="{794224D3-789D-47BB-A0D2-62C663EDB1CA}" dt="2020-05-31T07:37:23.395" v="597"/>
+        <pc:sldMkLst>
+          <pc:docMk/>
+          <pc:sldMk cId="475970963" sldId="266"/>
+        </pc:sldMkLst>
+      </pc:sldChg>
+      <pc:sldChg chg="addSp delSp modSp new add del mod modClrScheme chgLayout">
+        <pc:chgData name="Ming-Chih Lin" userId="f1ba3ba5-e185-404b-b55f-b2be90e2bdc2" providerId="ADAL" clId="{794224D3-789D-47BB-A0D2-62C663EDB1CA}" dt="2020-05-31T07:49:54.878" v="797" actId="20577"/>
+        <pc:sldMkLst>
+          <pc:docMk/>
+          <pc:sldMk cId="1717474662" sldId="266"/>
+        </pc:sldMkLst>
+        <pc:spChg chg="del mod ord">
+          <ac:chgData name="Ming-Chih Lin" userId="f1ba3ba5-e185-404b-b55f-b2be90e2bdc2" providerId="ADAL" clId="{794224D3-789D-47BB-A0D2-62C663EDB1CA}" dt="2020-05-31T07:04:05.012" v="124" actId="700"/>
+          <ac:spMkLst>
+            <pc:docMk/>
+            <pc:sldMk cId="1717474662" sldId="266"/>
+            <ac:spMk id="2" creationId="{AE0D5DDC-3A1A-48C3-97C2-A7FC00325D86}"/>
+          </ac:spMkLst>
+        </pc:spChg>
+        <pc:spChg chg="del">
+          <ac:chgData name="Ming-Chih Lin" userId="f1ba3ba5-e185-404b-b55f-b2be90e2bdc2" providerId="ADAL" clId="{794224D3-789D-47BB-A0D2-62C663EDB1CA}" dt="2020-05-31T07:04:05.012" v="124" actId="700"/>
+          <ac:spMkLst>
+            <pc:docMk/>
+            <pc:sldMk cId="1717474662" sldId="266"/>
+            <ac:spMk id="3" creationId="{2BEB0F40-D8C2-47D0-B3B4-AB57B9B59D0B}"/>
+          </ac:spMkLst>
+        </pc:spChg>
+        <pc:spChg chg="add mod ord">
+          <ac:chgData name="Ming-Chih Lin" userId="f1ba3ba5-e185-404b-b55f-b2be90e2bdc2" providerId="ADAL" clId="{794224D3-789D-47BB-A0D2-62C663EDB1CA}" dt="2020-05-31T07:25:51.165" v="377"/>
+          <ac:spMkLst>
+            <pc:docMk/>
+            <pc:sldMk cId="1717474662" sldId="266"/>
+            <ac:spMk id="4" creationId="{51DDD2F0-454F-4B62-8FC8-8171F6BA137D}"/>
+          </ac:spMkLst>
+        </pc:spChg>
+        <pc:spChg chg="add mod ord">
+          <ac:chgData name="Ming-Chih Lin" userId="f1ba3ba5-e185-404b-b55f-b2be90e2bdc2" providerId="ADAL" clId="{794224D3-789D-47BB-A0D2-62C663EDB1CA}" dt="2020-05-31T07:49:54.878" v="797" actId="20577"/>
+          <ac:spMkLst>
+            <pc:docMk/>
+            <pc:sldMk cId="1717474662" sldId="266"/>
+            <ac:spMk id="5" creationId="{8B0B0ED6-7A59-42E9-B7BB-95B85355591E}"/>
+          </ac:spMkLst>
+        </pc:spChg>
+      </pc:sldChg>
+      <pc:sldChg chg="modSp add del mod ord">
+        <pc:chgData name="Ming-Chih Lin" userId="f1ba3ba5-e185-404b-b55f-b2be90e2bdc2" providerId="ADAL" clId="{794224D3-789D-47BB-A0D2-62C663EDB1CA}" dt="2020-06-01T07:57:41.256" v="976"/>
+        <pc:sldMkLst>
+          <pc:docMk/>
+          <pc:sldMk cId="751778690" sldId="267"/>
+        </pc:sldMkLst>
+        <pc:spChg chg="mod">
+          <ac:chgData name="Ming-Chih Lin" userId="f1ba3ba5-e185-404b-b55f-b2be90e2bdc2" providerId="ADAL" clId="{794224D3-789D-47BB-A0D2-62C663EDB1CA}" dt="2020-06-01T07:57:41.256" v="976"/>
+          <ac:spMkLst>
+            <pc:docMk/>
+            <pc:sldMk cId="751778690" sldId="267"/>
+            <ac:spMk id="4" creationId="{51DDD2F0-454F-4B62-8FC8-8171F6BA137D}"/>
+          </ac:spMkLst>
+        </pc:spChg>
+        <pc:spChg chg="mod">
+          <ac:chgData name="Ming-Chih Lin" userId="f1ba3ba5-e185-404b-b55f-b2be90e2bdc2" providerId="ADAL" clId="{794224D3-789D-47BB-A0D2-62C663EDB1CA}" dt="2020-05-31T07:31:42.155" v="576" actId="20577"/>
+          <ac:spMkLst>
+            <pc:docMk/>
+            <pc:sldMk cId="751778690" sldId="267"/>
+            <ac:spMk id="5" creationId="{8B0B0ED6-7A59-42E9-B7BB-95B85355591E}"/>
+          </ac:spMkLst>
+        </pc:spChg>
+      </pc:sldChg>
+      <pc:sldChg chg="add del">
+        <pc:chgData name="Ming-Chih Lin" userId="f1ba3ba5-e185-404b-b55f-b2be90e2bdc2" providerId="ADAL" clId="{794224D3-789D-47BB-A0D2-62C663EDB1CA}" dt="2020-05-31T07:37:23.395" v="597"/>
+        <pc:sldMkLst>
+          <pc:docMk/>
+          <pc:sldMk cId="4253109212" sldId="267"/>
+        </pc:sldMkLst>
+      </pc:sldChg>
+      <pc:sldChg chg="add del">
+        <pc:chgData name="Ming-Chih Lin" userId="f1ba3ba5-e185-404b-b55f-b2be90e2bdc2" providerId="ADAL" clId="{794224D3-789D-47BB-A0D2-62C663EDB1CA}" dt="2020-05-31T07:05:27.331" v="134"/>
+        <pc:sldMkLst>
+          <pc:docMk/>
+          <pc:sldMk cId="1178533642" sldId="268"/>
+        </pc:sldMkLst>
+      </pc:sldChg>
+      <pc:sldChg chg="modSp add mod">
+        <pc:chgData name="Ming-Chih Lin" userId="f1ba3ba5-e185-404b-b55f-b2be90e2bdc2" providerId="ADAL" clId="{794224D3-789D-47BB-A0D2-62C663EDB1CA}" dt="2020-05-31T07:17:54.807" v="344" actId="207"/>
+        <pc:sldMkLst>
+          <pc:docMk/>
+          <pc:sldMk cId="1480965944" sldId="268"/>
+        </pc:sldMkLst>
+        <pc:spChg chg="mod">
+          <ac:chgData name="Ming-Chih Lin" userId="f1ba3ba5-e185-404b-b55f-b2be90e2bdc2" providerId="ADAL" clId="{794224D3-789D-47BB-A0D2-62C663EDB1CA}" dt="2020-05-31T07:17:54.807" v="344" actId="207"/>
+          <ac:spMkLst>
+            <pc:docMk/>
+            <pc:sldMk cId="1480965944" sldId="268"/>
+            <ac:spMk id="2" creationId="{5F3943C5-BE9F-4BF4-A111-F83F5931DA07}"/>
+          </ac:spMkLst>
+        </pc:spChg>
+        <pc:spChg chg="mod">
+          <ac:chgData name="Ming-Chih Lin" userId="f1ba3ba5-e185-404b-b55f-b2be90e2bdc2" providerId="ADAL" clId="{794224D3-789D-47BB-A0D2-62C663EDB1CA}" dt="2020-05-31T07:06:42.921" v="153"/>
+          <ac:spMkLst>
+            <pc:docMk/>
+            <pc:sldMk cId="1480965944" sldId="268"/>
+            <ac:spMk id="3" creationId="{CC22D15C-4B6A-4C30-9E72-7AA476A720D1}"/>
+          </ac:spMkLst>
+        </pc:spChg>
+      </pc:sldChg>
+      <pc:sldChg chg="modSp add mod">
+        <pc:chgData name="Ming-Chih Lin" userId="f1ba3ba5-e185-404b-b55f-b2be90e2bdc2" providerId="ADAL" clId="{794224D3-789D-47BB-A0D2-62C663EDB1CA}" dt="2020-05-31T07:14:25.101" v="325" actId="20577"/>
+        <pc:sldMkLst>
+          <pc:docMk/>
+          <pc:sldMk cId="2517686270" sldId="269"/>
+        </pc:sldMkLst>
+        <pc:spChg chg="mod">
+          <ac:chgData name="Ming-Chih Lin" userId="f1ba3ba5-e185-404b-b55f-b2be90e2bdc2" providerId="ADAL" clId="{794224D3-789D-47BB-A0D2-62C663EDB1CA}" dt="2020-05-31T07:14:25.101" v="325" actId="20577"/>
+          <ac:spMkLst>
+            <pc:docMk/>
+            <pc:sldMk cId="2517686270" sldId="269"/>
+            <ac:spMk id="2" creationId="{5F3943C5-BE9F-4BF4-A111-F83F5931DA07}"/>
+          </ac:spMkLst>
+        </pc:spChg>
+        <pc:spChg chg="mod">
+          <ac:chgData name="Ming-Chih Lin" userId="f1ba3ba5-e185-404b-b55f-b2be90e2bdc2" providerId="ADAL" clId="{794224D3-789D-47BB-A0D2-62C663EDB1CA}" dt="2020-05-31T07:14:18.625" v="321"/>
+          <ac:spMkLst>
+            <pc:docMk/>
+            <pc:sldMk cId="2517686270" sldId="269"/>
+            <ac:spMk id="3" creationId="{CC22D15C-4B6A-4C30-9E72-7AA476A720D1}"/>
+          </ac:spMkLst>
+        </pc:spChg>
+      </pc:sldChg>
+      <pc:sldChg chg="addSp delSp modSp new mod modClrScheme chgLayout">
+        <pc:chgData name="Ming-Chih Lin" userId="f1ba3ba5-e185-404b-b55f-b2be90e2bdc2" providerId="ADAL" clId="{794224D3-789D-47BB-A0D2-62C663EDB1CA}" dt="2020-05-31T07:09:25.040" v="200" actId="20577"/>
+        <pc:sldMkLst>
+          <pc:docMk/>
+          <pc:sldMk cId="1580561292" sldId="270"/>
+        </pc:sldMkLst>
+        <pc:spChg chg="del mod ord">
+          <ac:chgData name="Ming-Chih Lin" userId="f1ba3ba5-e185-404b-b55f-b2be90e2bdc2" providerId="ADAL" clId="{794224D3-789D-47BB-A0D2-62C663EDB1CA}" dt="2020-05-31T07:09:04.591" v="193" actId="700"/>
+          <ac:spMkLst>
+            <pc:docMk/>
+            <pc:sldMk cId="1580561292" sldId="270"/>
+            <ac:spMk id="2" creationId="{832D08FC-FCC4-4697-B9F4-2DD4854CA90F}"/>
+          </ac:spMkLst>
+        </pc:spChg>
+        <pc:spChg chg="del">
+          <ac:chgData name="Ming-Chih Lin" userId="f1ba3ba5-e185-404b-b55f-b2be90e2bdc2" providerId="ADAL" clId="{794224D3-789D-47BB-A0D2-62C663EDB1CA}" dt="2020-05-31T07:09:04.591" v="193" actId="700"/>
+          <ac:spMkLst>
+            <pc:docMk/>
+            <pc:sldMk cId="1580561292" sldId="270"/>
+            <ac:spMk id="3" creationId="{58497190-F866-4E05-8D89-9D9393FE8A6B}"/>
+          </ac:spMkLst>
+        </pc:spChg>
+        <pc:spChg chg="add mod ord">
+          <ac:chgData name="Ming-Chih Lin" userId="f1ba3ba5-e185-404b-b55f-b2be90e2bdc2" providerId="ADAL" clId="{794224D3-789D-47BB-A0D2-62C663EDB1CA}" dt="2020-05-31T07:09:09.957" v="196"/>
+          <ac:spMkLst>
+            <pc:docMk/>
+            <pc:sldMk cId="1580561292" sldId="270"/>
+            <ac:spMk id="4" creationId="{B68597D7-C456-4791-B517-661F12F17554}"/>
+          </ac:spMkLst>
+        </pc:spChg>
+        <pc:spChg chg="add mod ord">
+          <ac:chgData name="Ming-Chih Lin" userId="f1ba3ba5-e185-404b-b55f-b2be90e2bdc2" providerId="ADAL" clId="{794224D3-789D-47BB-A0D2-62C663EDB1CA}" dt="2020-05-31T07:09:25.040" v="200" actId="20577"/>
+          <ac:spMkLst>
+            <pc:docMk/>
+            <pc:sldMk cId="1580561292" sldId="270"/>
+            <ac:spMk id="5" creationId="{A7067C16-CC57-469B-A123-29FCF8BAE70C}"/>
+          </ac:spMkLst>
+        </pc:spChg>
+      </pc:sldChg>
+      <pc:sldChg chg="add">
+        <pc:chgData name="Ming-Chih Lin" userId="f1ba3ba5-e185-404b-b55f-b2be90e2bdc2" providerId="ADAL" clId="{794224D3-789D-47BB-A0D2-62C663EDB1CA}" dt="2020-05-31T07:13:42.130" v="318"/>
+        <pc:sldMkLst>
+          <pc:docMk/>
+          <pc:sldMk cId="2984231426" sldId="271"/>
+        </pc:sldMkLst>
+      </pc:sldChg>
+      <pc:sldChg chg="modSp new del mod">
+        <pc:chgData name="Ming-Chih Lin" userId="f1ba3ba5-e185-404b-b55f-b2be90e2bdc2" providerId="ADAL" clId="{794224D3-789D-47BB-A0D2-62C663EDB1CA}" dt="2020-05-31T07:13:38.584" v="317" actId="2696"/>
+        <pc:sldMkLst>
+          <pc:docMk/>
+          <pc:sldMk cId="3023771603" sldId="271"/>
+        </pc:sldMkLst>
+        <pc:spChg chg="mod">
+          <ac:chgData name="Ming-Chih Lin" userId="f1ba3ba5-e185-404b-b55f-b2be90e2bdc2" providerId="ADAL" clId="{794224D3-789D-47BB-A0D2-62C663EDB1CA}" dt="2020-05-31T07:09:51.889" v="206" actId="5793"/>
+          <ac:spMkLst>
+            <pc:docMk/>
+            <pc:sldMk cId="3023771603" sldId="271"/>
+            <ac:spMk id="2" creationId="{CF66E4CC-5385-41E9-B512-1FCF9A63B10A}"/>
+          </ac:spMkLst>
+        </pc:spChg>
+        <pc:spChg chg="mod">
+          <ac:chgData name="Ming-Chih Lin" userId="f1ba3ba5-e185-404b-b55f-b2be90e2bdc2" providerId="ADAL" clId="{794224D3-789D-47BB-A0D2-62C663EDB1CA}" dt="2020-05-31T07:09:47.974" v="204"/>
+          <ac:spMkLst>
+            <pc:docMk/>
+            <pc:sldMk cId="3023771603" sldId="271"/>
+            <ac:spMk id="3" creationId="{B9BA11D4-5DA0-4953-8C53-1201BD9A3419}"/>
+          </ac:spMkLst>
+        </pc:spChg>
+      </pc:sldChg>
+      <pc:sldChg chg="modSp add mod">
+        <pc:chgData name="Ming-Chih Lin" userId="f1ba3ba5-e185-404b-b55f-b2be90e2bdc2" providerId="ADAL" clId="{794224D3-789D-47BB-A0D2-62C663EDB1CA}" dt="2020-05-31T07:12:02.212" v="299" actId="20577"/>
+        <pc:sldMkLst>
+          <pc:docMk/>
+          <pc:sldMk cId="2189207556" sldId="272"/>
+        </pc:sldMkLst>
+        <pc:spChg chg="mod">
+          <ac:chgData name="Ming-Chih Lin" userId="f1ba3ba5-e185-404b-b55f-b2be90e2bdc2" providerId="ADAL" clId="{794224D3-789D-47BB-A0D2-62C663EDB1CA}" dt="2020-05-31T07:12:02.212" v="299" actId="20577"/>
+          <ac:spMkLst>
+            <pc:docMk/>
+            <pc:sldMk cId="2189207556" sldId="272"/>
+            <ac:spMk id="4" creationId="{2FA54F75-D405-4104-B6BB-EA44A23A109A}"/>
+          </ac:spMkLst>
+        </pc:spChg>
+      </pc:sldChg>
+      <pc:sldChg chg="modSp add mod">
+        <pc:chgData name="Ming-Chih Lin" userId="f1ba3ba5-e185-404b-b55f-b2be90e2bdc2" providerId="ADAL" clId="{794224D3-789D-47BB-A0D2-62C663EDB1CA}" dt="2020-05-31T07:16:16.580" v="331" actId="5793"/>
+        <pc:sldMkLst>
+          <pc:docMk/>
+          <pc:sldMk cId="2963169921" sldId="273"/>
+        </pc:sldMkLst>
+        <pc:spChg chg="mod">
+          <ac:chgData name="Ming-Chih Lin" userId="f1ba3ba5-e185-404b-b55f-b2be90e2bdc2" providerId="ADAL" clId="{794224D3-789D-47BB-A0D2-62C663EDB1CA}" dt="2020-05-31T07:16:16.580" v="331" actId="5793"/>
+          <ac:spMkLst>
+            <pc:docMk/>
+            <pc:sldMk cId="2963169921" sldId="273"/>
+            <ac:spMk id="2" creationId="{5F3943C5-BE9F-4BF4-A111-F83F5931DA07}"/>
+          </ac:spMkLst>
+        </pc:spChg>
+        <pc:spChg chg="mod">
+          <ac:chgData name="Ming-Chih Lin" userId="f1ba3ba5-e185-404b-b55f-b2be90e2bdc2" providerId="ADAL" clId="{794224D3-789D-47BB-A0D2-62C663EDB1CA}" dt="2020-05-31T07:16:01.039" v="328"/>
+          <ac:spMkLst>
+            <pc:docMk/>
+            <pc:sldMk cId="2963169921" sldId="273"/>
+            <ac:spMk id="3" creationId="{CC22D15C-4B6A-4C30-9E72-7AA476A720D1}"/>
+          </ac:spMkLst>
+        </pc:spChg>
+      </pc:sldChg>
+      <pc:sldChg chg="add del">
+        <pc:chgData name="Ming-Chih Lin" userId="f1ba3ba5-e185-404b-b55f-b2be90e2bdc2" providerId="ADAL" clId="{794224D3-789D-47BB-A0D2-62C663EDB1CA}" dt="2020-05-31T07:12:14.324" v="303"/>
+        <pc:sldMkLst>
+          <pc:docMk/>
+          <pc:sldMk cId="3766197102" sldId="273"/>
+        </pc:sldMkLst>
+      </pc:sldChg>
+      <pc:sldChg chg="add del">
+        <pc:chgData name="Ming-Chih Lin" userId="f1ba3ba5-e185-404b-b55f-b2be90e2bdc2" providerId="ADAL" clId="{794224D3-789D-47BB-A0D2-62C663EDB1CA}" dt="2020-05-31T07:12:14.066" v="302"/>
+        <pc:sldMkLst>
+          <pc:docMk/>
+          <pc:sldMk cId="2337234796" sldId="274"/>
+        </pc:sldMkLst>
+      </pc:sldChg>
+      <pc:sldChg chg="add del">
+        <pc:chgData name="Ming-Chih Lin" userId="f1ba3ba5-e185-404b-b55f-b2be90e2bdc2" providerId="ADAL" clId="{794224D3-789D-47BB-A0D2-62C663EDB1CA}" dt="2020-05-31T07:34:31.330" v="593" actId="47"/>
+        <pc:sldMkLst>
+          <pc:docMk/>
+          <pc:sldMk cId="4234616907" sldId="274"/>
+        </pc:sldMkLst>
+      </pc:sldChg>
+      <pc:sldChg chg="modSp add mod ord">
+        <pc:chgData name="Ming-Chih Lin" userId="f1ba3ba5-e185-404b-b55f-b2be90e2bdc2" providerId="ADAL" clId="{794224D3-789D-47BB-A0D2-62C663EDB1CA}" dt="2020-05-31T07:17:59.630" v="345" actId="207"/>
+        <pc:sldMkLst>
+          <pc:docMk/>
+          <pc:sldMk cId="252655923" sldId="275"/>
+        </pc:sldMkLst>
+        <pc:spChg chg="mod">
+          <ac:chgData name="Ming-Chih Lin" userId="f1ba3ba5-e185-404b-b55f-b2be90e2bdc2" providerId="ADAL" clId="{794224D3-789D-47BB-A0D2-62C663EDB1CA}" dt="2020-05-31T07:17:59.630" v="345" actId="207"/>
+          <ac:spMkLst>
+            <pc:docMk/>
+            <pc:sldMk cId="252655923" sldId="275"/>
+            <ac:spMk id="2" creationId="{5F3943C5-BE9F-4BF4-A111-F83F5931DA07}"/>
+          </ac:spMkLst>
+        </pc:spChg>
+        <pc:spChg chg="mod">
+          <ac:chgData name="Ming-Chih Lin" userId="f1ba3ba5-e185-404b-b55f-b2be90e2bdc2" providerId="ADAL" clId="{794224D3-789D-47BB-A0D2-62C663EDB1CA}" dt="2020-05-31T07:12:33.653" v="311"/>
+          <ac:spMkLst>
+            <pc:docMk/>
+            <pc:sldMk cId="252655923" sldId="275"/>
+            <ac:spMk id="3" creationId="{CC22D15C-4B6A-4C30-9E72-7AA476A720D1}"/>
+          </ac:spMkLst>
+        </pc:spChg>
+      </pc:sldChg>
+      <pc:sldChg chg="add del">
+        <pc:chgData name="Ming-Chih Lin" userId="f1ba3ba5-e185-404b-b55f-b2be90e2bdc2" providerId="ADAL" clId="{794224D3-789D-47BB-A0D2-62C663EDB1CA}" dt="2020-05-31T07:34:31.330" v="593" actId="47"/>
+        <pc:sldMkLst>
+          <pc:docMk/>
+          <pc:sldMk cId="3026838377" sldId="276"/>
+        </pc:sldMkLst>
+      </pc:sldChg>
+      <pc:sldChg chg="add del">
+        <pc:chgData name="Ming-Chih Lin" userId="f1ba3ba5-e185-404b-b55f-b2be90e2bdc2" providerId="ADAL" clId="{794224D3-789D-47BB-A0D2-62C663EDB1CA}" dt="2020-05-31T07:34:31.330" v="593" actId="47"/>
+        <pc:sldMkLst>
+          <pc:docMk/>
+          <pc:sldMk cId="1683860319" sldId="277"/>
+        </pc:sldMkLst>
+      </pc:sldChg>
+      <pc:sldChg chg="add del">
+        <pc:chgData name="Ming-Chih Lin" userId="f1ba3ba5-e185-404b-b55f-b2be90e2bdc2" providerId="ADAL" clId="{794224D3-789D-47BB-A0D2-62C663EDB1CA}" dt="2020-05-31T07:34:31.330" v="593" actId="47"/>
+        <pc:sldMkLst>
+          <pc:docMk/>
+          <pc:sldMk cId="1033793258" sldId="278"/>
+        </pc:sldMkLst>
+      </pc:sldChg>
+      <pc:sldChg chg="modSp new del mod">
+        <pc:chgData name="Ming-Chih Lin" userId="f1ba3ba5-e185-404b-b55f-b2be90e2bdc2" providerId="ADAL" clId="{794224D3-789D-47BB-A0D2-62C663EDB1CA}" dt="2020-05-31T07:43:16.808" v="694" actId="47"/>
+        <pc:sldMkLst>
+          <pc:docMk/>
+          <pc:sldMk cId="1085316097" sldId="279"/>
+        </pc:sldMkLst>
+        <pc:spChg chg="mod">
+          <ac:chgData name="Ming-Chih Lin" userId="f1ba3ba5-e185-404b-b55f-b2be90e2bdc2" providerId="ADAL" clId="{794224D3-789D-47BB-A0D2-62C663EDB1CA}" dt="2020-05-31T07:19:33.222" v="359" actId="20577"/>
+          <ac:spMkLst>
+            <pc:docMk/>
+            <pc:sldMk cId="1085316097" sldId="279"/>
+            <ac:spMk id="2" creationId="{2E29C453-15B9-4E40-99ED-2E64169A78E3}"/>
+          </ac:spMkLst>
+        </pc:spChg>
+        <pc:spChg chg="mod">
+          <ac:chgData name="Ming-Chih Lin" userId="f1ba3ba5-e185-404b-b55f-b2be90e2bdc2" providerId="ADAL" clId="{794224D3-789D-47BB-A0D2-62C663EDB1CA}" dt="2020-05-31T07:18:58.230" v="350"/>
+          <ac:spMkLst>
+            <pc:docMk/>
+            <pc:sldMk cId="1085316097" sldId="279"/>
+            <ac:spMk id="3" creationId="{F0FF7A3E-5548-44AE-B3D4-441902BDF1E4}"/>
+          </ac:spMkLst>
+        </pc:spChg>
+      </pc:sldChg>
+      <pc:sldChg chg="new del">
+        <pc:chgData name="Ming-Chih Lin" userId="f1ba3ba5-e185-404b-b55f-b2be90e2bdc2" providerId="ADAL" clId="{794224D3-789D-47BB-A0D2-62C663EDB1CA}" dt="2020-05-31T07:34:33.986" v="594" actId="47"/>
+        <pc:sldMkLst>
+          <pc:docMk/>
+          <pc:sldMk cId="1950221314" sldId="280"/>
+        </pc:sldMkLst>
+      </pc:sldChg>
+      <pc:sldChg chg="addSp modSp new mod">
+        <pc:chgData name="Ming-Chih Lin" userId="f1ba3ba5-e185-404b-b55f-b2be90e2bdc2" providerId="ADAL" clId="{794224D3-789D-47BB-A0D2-62C663EDB1CA}" dt="2020-06-01T08:00:24.402" v="1007"/>
+        <pc:sldMkLst>
+          <pc:docMk/>
+          <pc:sldMk cId="666544265" sldId="281"/>
+        </pc:sldMkLst>
+        <pc:spChg chg="mod">
+          <ac:chgData name="Ming-Chih Lin" userId="f1ba3ba5-e185-404b-b55f-b2be90e2bdc2" providerId="ADAL" clId="{794224D3-789D-47BB-A0D2-62C663EDB1CA}" dt="2020-06-01T08:00:24.402" v="1007"/>
+          <ac:spMkLst>
+            <pc:docMk/>
+            <pc:sldMk cId="666544265" sldId="281"/>
+            <ac:spMk id="2" creationId="{6EDA7C28-6504-464B-80E9-F7235148F841}"/>
+          </ac:spMkLst>
+        </pc:spChg>
+        <pc:spChg chg="mod">
+          <ac:chgData name="Ming-Chih Lin" userId="f1ba3ba5-e185-404b-b55f-b2be90e2bdc2" providerId="ADAL" clId="{794224D3-789D-47BB-A0D2-62C663EDB1CA}" dt="2020-06-01T08:00:21.544" v="1001" actId="20577"/>
+          <ac:spMkLst>
+            <pc:docMk/>
+            <pc:sldMk cId="666544265" sldId="281"/>
+            <ac:spMk id="3" creationId="{14276987-1FE8-4CBE-9CB2-2A5C69C5D627}"/>
+          </ac:spMkLst>
+        </pc:spChg>
+        <pc:picChg chg="add mod">
+          <ac:chgData name="Ming-Chih Lin" userId="f1ba3ba5-e185-404b-b55f-b2be90e2bdc2" providerId="ADAL" clId="{794224D3-789D-47BB-A0D2-62C663EDB1CA}" dt="2020-06-01T08:00:12.612" v="1000" actId="14100"/>
+          <ac:picMkLst>
+            <pc:docMk/>
+            <pc:sldMk cId="666544265" sldId="281"/>
+            <ac:picMk id="4" creationId="{B50902C2-2892-480E-8C48-2CA4CCE66524}"/>
+          </ac:picMkLst>
+        </pc:picChg>
+      </pc:sldChg>
+      <pc:sldChg chg="modSp new mod">
+        <pc:chgData name="Ming-Chih Lin" userId="f1ba3ba5-e185-404b-b55f-b2be90e2bdc2" providerId="ADAL" clId="{794224D3-789D-47BB-A0D2-62C663EDB1CA}" dt="2020-06-01T23:07:13.749" v="1270"/>
+        <pc:sldMkLst>
+          <pc:docMk/>
+          <pc:sldMk cId="3344907558" sldId="282"/>
+        </pc:sldMkLst>
+        <pc:spChg chg="mod">
+          <ac:chgData name="Ming-Chih Lin" userId="f1ba3ba5-e185-404b-b55f-b2be90e2bdc2" providerId="ADAL" clId="{794224D3-789D-47BB-A0D2-62C663EDB1CA}" dt="2020-06-01T23:07:13.749" v="1270"/>
+          <ac:spMkLst>
+            <pc:docMk/>
+            <pc:sldMk cId="3344907558" sldId="282"/>
+            <ac:spMk id="2" creationId="{A7C2D190-D47F-4A50-A76B-32331DEAE02D}"/>
+          </ac:spMkLst>
+        </pc:spChg>
+        <pc:spChg chg="mod">
+          <ac:chgData name="Ming-Chih Lin" userId="f1ba3ba5-e185-404b-b55f-b2be90e2bdc2" providerId="ADAL" clId="{794224D3-789D-47BB-A0D2-62C663EDB1CA}" dt="2020-05-31T07:21:34.308" v="372"/>
+          <ac:spMkLst>
+            <pc:docMk/>
+            <pc:sldMk cId="3344907558" sldId="282"/>
+            <ac:spMk id="3" creationId="{4B98CB43-2487-40FE-B18F-82313D1F9A77}"/>
+          </ac:spMkLst>
+        </pc:spChg>
+      </pc:sldChg>
+      <pc:sldChg chg="add del">
+        <pc:chgData name="Ming-Chih Lin" userId="f1ba3ba5-e185-404b-b55f-b2be90e2bdc2" providerId="ADAL" clId="{794224D3-789D-47BB-A0D2-62C663EDB1CA}" dt="2020-05-31T07:37:23.395" v="597"/>
+        <pc:sldMkLst>
+          <pc:docMk/>
+          <pc:sldMk cId="1992929127" sldId="283"/>
+        </pc:sldMkLst>
+      </pc:sldChg>
+      <pc:sldChg chg="modSp new add del mod">
+        <pc:chgData name="Ming-Chih Lin" userId="f1ba3ba5-e185-404b-b55f-b2be90e2bdc2" providerId="ADAL" clId="{794224D3-789D-47BB-A0D2-62C663EDB1CA}" dt="2020-05-31T07:37:25.174" v="598" actId="2696"/>
+        <pc:sldMkLst>
+          <pc:docMk/>
+          <pc:sldMk cId="4282441724" sldId="283"/>
+        </pc:sldMkLst>
+        <pc:spChg chg="mod">
+          <ac:chgData name="Ming-Chih Lin" userId="f1ba3ba5-e185-404b-b55f-b2be90e2bdc2" providerId="ADAL" clId="{794224D3-789D-47BB-A0D2-62C663EDB1CA}" dt="2020-05-31T07:28:07.862" v="394" actId="20577"/>
+          <ac:spMkLst>
+            <pc:docMk/>
+            <pc:sldMk cId="4282441724" sldId="283"/>
+            <ac:spMk id="2" creationId="{02A1E2E6-DFB6-4C76-973C-7FC0AA967CCF}"/>
+          </ac:spMkLst>
+        </pc:spChg>
+        <pc:spChg chg="mod">
+          <ac:chgData name="Ming-Chih Lin" userId="f1ba3ba5-e185-404b-b55f-b2be90e2bdc2" providerId="ADAL" clId="{794224D3-789D-47BB-A0D2-62C663EDB1CA}" dt="2020-05-31T07:28:05.885" v="393"/>
+          <ac:spMkLst>
+            <pc:docMk/>
+            <pc:sldMk cId="4282441724" sldId="283"/>
+            <ac:spMk id="3" creationId="{E1706A94-9322-4DB7-B41B-7F7FDDB0AC02}"/>
+          </ac:spMkLst>
+        </pc:spChg>
+      </pc:sldChg>
+      <pc:sldChg chg="addSp modSp add mod">
+        <pc:chgData name="Ming-Chih Lin" userId="f1ba3ba5-e185-404b-b55f-b2be90e2bdc2" providerId="ADAL" clId="{794224D3-789D-47BB-A0D2-62C663EDB1CA}" dt="2020-06-01T07:52:43.534" v="919" actId="1076"/>
+        <pc:sldMkLst>
+          <pc:docMk/>
+          <pc:sldMk cId="2651586421" sldId="284"/>
+        </pc:sldMkLst>
+        <pc:spChg chg="mod">
+          <ac:chgData name="Ming-Chih Lin" userId="f1ba3ba5-e185-404b-b55f-b2be90e2bdc2" providerId="ADAL" clId="{794224D3-789D-47BB-A0D2-62C663EDB1CA}" dt="2020-06-01T07:52:04.093" v="911" actId="20577"/>
+          <ac:spMkLst>
+            <pc:docMk/>
+            <pc:sldMk cId="2651586421" sldId="284"/>
+            <ac:spMk id="2" creationId="{5F3943C5-BE9F-4BF4-A111-F83F5931DA07}"/>
+          </ac:spMkLst>
+        </pc:spChg>
+        <pc:spChg chg="mod">
+          <ac:chgData name="Ming-Chih Lin" userId="f1ba3ba5-e185-404b-b55f-b2be90e2bdc2" providerId="ADAL" clId="{794224D3-789D-47BB-A0D2-62C663EDB1CA}" dt="2020-05-31T07:30:46.059" v="519" actId="20577"/>
+          <ac:spMkLst>
+            <pc:docMk/>
+            <pc:sldMk cId="2651586421" sldId="284"/>
+            <ac:spMk id="3" creationId="{CC22D15C-4B6A-4C30-9E72-7AA476A720D1}"/>
+          </ac:spMkLst>
+        </pc:spChg>
+        <pc:picChg chg="add mod">
+          <ac:chgData name="Ming-Chih Lin" userId="f1ba3ba5-e185-404b-b55f-b2be90e2bdc2" providerId="ADAL" clId="{794224D3-789D-47BB-A0D2-62C663EDB1CA}" dt="2020-06-01T07:52:43.534" v="919" actId="1076"/>
+          <ac:picMkLst>
+            <pc:docMk/>
+            <pc:sldMk cId="2651586421" sldId="284"/>
+            <ac:picMk id="4" creationId="{D5D4B023-4CA5-4555-A90F-87E1A9E2DBDB}"/>
+          </ac:picMkLst>
+        </pc:picChg>
+      </pc:sldChg>
+      <pc:sldChg chg="addSp modSp new mod">
+        <pc:chgData name="Ming-Chih Lin" userId="f1ba3ba5-e185-404b-b55f-b2be90e2bdc2" providerId="ADAL" clId="{794224D3-789D-47BB-A0D2-62C663EDB1CA}" dt="2020-06-01T07:54:49.432" v="931" actId="14100"/>
+        <pc:sldMkLst>
+          <pc:docMk/>
+          <pc:sldMk cId="3195449515" sldId="285"/>
+        </pc:sldMkLst>
+        <pc:spChg chg="mod">
+          <ac:chgData name="Ming-Chih Lin" userId="f1ba3ba5-e185-404b-b55f-b2be90e2bdc2" providerId="ADAL" clId="{794224D3-789D-47BB-A0D2-62C663EDB1CA}" dt="2020-06-01T07:54:49.432" v="931" actId="14100"/>
+          <ac:spMkLst>
+            <pc:docMk/>
+            <pc:sldMk cId="3195449515" sldId="285"/>
+            <ac:spMk id="2" creationId="{2FEECCDF-359C-4756-942E-0B27A9C3AE42}"/>
+          </ac:spMkLst>
+        </pc:spChg>
+        <pc:spChg chg="mod">
+          <ac:chgData name="Ming-Chih Lin" userId="f1ba3ba5-e185-404b-b55f-b2be90e2bdc2" providerId="ADAL" clId="{794224D3-789D-47BB-A0D2-62C663EDB1CA}" dt="2020-05-31T07:30:08.391" v="480" actId="20577"/>
+          <ac:spMkLst>
+            <pc:docMk/>
+            <pc:sldMk cId="3195449515" sldId="285"/>
+            <ac:spMk id="3" creationId="{80AC94B3-D669-4FE4-814E-F60AE2CE6E69}"/>
+          </ac:spMkLst>
+        </pc:spChg>
+        <pc:picChg chg="add mod">
+          <ac:chgData name="Ming-Chih Lin" userId="f1ba3ba5-e185-404b-b55f-b2be90e2bdc2" providerId="ADAL" clId="{794224D3-789D-47BB-A0D2-62C663EDB1CA}" dt="2020-06-01T07:54:46.313" v="930" actId="1076"/>
+          <ac:picMkLst>
+            <pc:docMk/>
+            <pc:sldMk cId="3195449515" sldId="285"/>
+            <ac:picMk id="4" creationId="{CB731608-086F-45D0-9B0F-B575F6326DBE}"/>
+          </ac:picMkLst>
+        </pc:picChg>
+      </pc:sldChg>
+      <pc:sldChg chg="modSp new add del mod">
+        <pc:chgData name="Ming-Chih Lin" userId="f1ba3ba5-e185-404b-b55f-b2be90e2bdc2" providerId="ADAL" clId="{794224D3-789D-47BB-A0D2-62C663EDB1CA}" dt="2020-05-31T07:37:25.174" v="598" actId="2696"/>
+        <pc:sldMkLst>
+          <pc:docMk/>
+          <pc:sldMk cId="1489283586" sldId="286"/>
+        </pc:sldMkLst>
+        <pc:spChg chg="mod">
+          <ac:chgData name="Ming-Chih Lin" userId="f1ba3ba5-e185-404b-b55f-b2be90e2bdc2" providerId="ADAL" clId="{794224D3-789D-47BB-A0D2-62C663EDB1CA}" dt="2020-05-31T07:31:27.496" v="565"/>
+          <ac:spMkLst>
+            <pc:docMk/>
+            <pc:sldMk cId="1489283586" sldId="286"/>
+            <ac:spMk id="3" creationId="{F9CBD9A1-D6C6-4802-A546-4850BDBE39C1}"/>
+          </ac:spMkLst>
+        </pc:spChg>
+      </pc:sldChg>
+      <pc:sldChg chg="add del">
+        <pc:chgData name="Ming-Chih Lin" userId="f1ba3ba5-e185-404b-b55f-b2be90e2bdc2" providerId="ADAL" clId="{794224D3-789D-47BB-A0D2-62C663EDB1CA}" dt="2020-05-31T07:37:23.395" v="597"/>
+        <pc:sldMkLst>
+          <pc:docMk/>
+          <pc:sldMk cId="2559555116" sldId="286"/>
+        </pc:sldMkLst>
+      </pc:sldChg>
+      <pc:sldChg chg="addSp delSp modSp new add del mod modClrScheme chgLayout">
+        <pc:chgData name="Ming-Chih Lin" userId="f1ba3ba5-e185-404b-b55f-b2be90e2bdc2" providerId="ADAL" clId="{794224D3-789D-47BB-A0D2-62C663EDB1CA}" dt="2020-05-31T07:37:35.653" v="599" actId="2696"/>
+        <pc:sldMkLst>
+          <pc:docMk/>
+          <pc:sldMk cId="1439738458" sldId="287"/>
+        </pc:sldMkLst>
+        <pc:spChg chg="del">
+          <ac:chgData name="Ming-Chih Lin" userId="f1ba3ba5-e185-404b-b55f-b2be90e2bdc2" providerId="ADAL" clId="{794224D3-789D-47BB-A0D2-62C663EDB1CA}" dt="2020-05-31T07:32:39.695" v="578" actId="700"/>
+          <ac:spMkLst>
+            <pc:docMk/>
+            <pc:sldMk cId="1439738458" sldId="287"/>
+            <ac:spMk id="2" creationId="{5D871499-CF0E-485D-BBD5-499449DEC70C}"/>
+          </ac:spMkLst>
+        </pc:spChg>
+        <pc:spChg chg="del">
+          <ac:chgData name="Ming-Chih Lin" userId="f1ba3ba5-e185-404b-b55f-b2be90e2bdc2" providerId="ADAL" clId="{794224D3-789D-47BB-A0D2-62C663EDB1CA}" dt="2020-05-31T07:32:39.695" v="578" actId="700"/>
+          <ac:spMkLst>
+            <pc:docMk/>
+            <pc:sldMk cId="1439738458" sldId="287"/>
+            <ac:spMk id="3" creationId="{513AC28C-C19B-4F53-9437-10D9E59988DD}"/>
+          </ac:spMkLst>
+        </pc:spChg>
+        <pc:spChg chg="add del mod ord">
+          <ac:chgData name="Ming-Chih Lin" userId="f1ba3ba5-e185-404b-b55f-b2be90e2bdc2" providerId="ADAL" clId="{794224D3-789D-47BB-A0D2-62C663EDB1CA}" dt="2020-05-31T07:32:43.120" v="579" actId="700"/>
+          <ac:spMkLst>
+            <pc:docMk/>
+            <pc:sldMk cId="1439738458" sldId="287"/>
+            <ac:spMk id="4" creationId="{74433EF5-6AEE-49BA-8AA0-7A637F91576E}"/>
+          </ac:spMkLst>
+        </pc:spChg>
+        <pc:spChg chg="add mod ord">
+          <ac:chgData name="Ming-Chih Lin" userId="f1ba3ba5-e185-404b-b55f-b2be90e2bdc2" providerId="ADAL" clId="{794224D3-789D-47BB-A0D2-62C663EDB1CA}" dt="2020-05-31T07:32:55.848" v="583"/>
+          <ac:spMkLst>
+            <pc:docMk/>
+            <pc:sldMk cId="1439738458" sldId="287"/>
+            <ac:spMk id="5" creationId="{175DFBF9-F290-4C69-9CB9-3C90AC949AA8}"/>
+          </ac:spMkLst>
+        </pc:spChg>
+        <pc:spChg chg="add mod ord">
+          <ac:chgData name="Ming-Chih Lin" userId="f1ba3ba5-e185-404b-b55f-b2be90e2bdc2" providerId="ADAL" clId="{794224D3-789D-47BB-A0D2-62C663EDB1CA}" dt="2020-05-31T07:33:11.796" v="588" actId="207"/>
+          <ac:spMkLst>
+            <pc:docMk/>
+            <pc:sldMk cId="1439738458" sldId="287"/>
+            <ac:spMk id="6" creationId="{69EEF7C9-AC49-4A83-81D4-B576673CF2D3}"/>
+          </ac:spMkLst>
+        </pc:spChg>
+      </pc:sldChg>
+      <pc:sldChg chg="add">
+        <pc:chgData name="Ming-Chih Lin" userId="f1ba3ba5-e185-404b-b55f-b2be90e2bdc2" providerId="ADAL" clId="{794224D3-789D-47BB-A0D2-62C663EDB1CA}" dt="2020-05-31T07:37:39.450" v="600"/>
+        <pc:sldMkLst>
+          <pc:docMk/>
+          <pc:sldMk cId="2068811213" sldId="287"/>
+        </pc:sldMkLst>
+      </pc:sldChg>
+      <pc:sldChg chg="add del">
+        <pc:chgData name="Ming-Chih Lin" userId="f1ba3ba5-e185-404b-b55f-b2be90e2bdc2" providerId="ADAL" clId="{794224D3-789D-47BB-A0D2-62C663EDB1CA}" dt="2020-05-31T07:37:23.395" v="597"/>
+        <pc:sldMkLst>
+          <pc:docMk/>
+          <pc:sldMk cId="3370046481" sldId="287"/>
+        </pc:sldMkLst>
+      </pc:sldChg>
+      <pc:sldChg chg="addSp delSp modSp new mod modClrScheme chgLayout">
+        <pc:chgData name="Ming-Chih Lin" userId="f1ba3ba5-e185-404b-b55f-b2be90e2bdc2" providerId="ADAL" clId="{794224D3-789D-47BB-A0D2-62C663EDB1CA}" dt="2020-06-01T08:04:32.622" v="1263" actId="700"/>
+        <pc:sldMkLst>
+          <pc:docMk/>
+          <pc:sldMk cId="2773999239" sldId="288"/>
+        </pc:sldMkLst>
+        <pc:spChg chg="add mod ord">
+          <ac:chgData name="Ming-Chih Lin" userId="f1ba3ba5-e185-404b-b55f-b2be90e2bdc2" providerId="ADAL" clId="{794224D3-789D-47BB-A0D2-62C663EDB1CA}" dt="2020-06-01T08:04:32.622" v="1263" actId="700"/>
+          <ac:spMkLst>
+            <pc:docMk/>
+            <pc:sldMk cId="2773999239" sldId="288"/>
+            <ac:spMk id="2" creationId="{9AB95A1D-731F-4754-8CC5-5B2A6DACC14C}"/>
+          </ac:spMkLst>
+        </pc:spChg>
+        <pc:spChg chg="del">
+          <ac:chgData name="Ming-Chih Lin" userId="f1ba3ba5-e185-404b-b55f-b2be90e2bdc2" providerId="ADAL" clId="{794224D3-789D-47BB-A0D2-62C663EDB1CA}" dt="2020-05-31T07:39:09.479" v="602" actId="700"/>
+          <ac:spMkLst>
+            <pc:docMk/>
+            <pc:sldMk cId="2773999239" sldId="288"/>
+            <ac:spMk id="2" creationId="{EF1E43BE-8379-4A2F-927F-5F6B071A2544}"/>
+          </ac:spMkLst>
+        </pc:spChg>
+        <pc:spChg chg="del">
+          <ac:chgData name="Ming-Chih Lin" userId="f1ba3ba5-e185-404b-b55f-b2be90e2bdc2" providerId="ADAL" clId="{794224D3-789D-47BB-A0D2-62C663EDB1CA}" dt="2020-05-31T07:39:09.479" v="602" actId="700"/>
+          <ac:spMkLst>
+            <pc:docMk/>
+            <pc:sldMk cId="2773999239" sldId="288"/>
+            <ac:spMk id="3" creationId="{4FDD6798-61A8-4C71-AE43-603F39194A39}"/>
+          </ac:spMkLst>
+        </pc:spChg>
+        <pc:spChg chg="add del mod ord">
+          <ac:chgData name="Ming-Chih Lin" userId="f1ba3ba5-e185-404b-b55f-b2be90e2bdc2" providerId="ADAL" clId="{794224D3-789D-47BB-A0D2-62C663EDB1CA}" dt="2020-05-31T07:39:12.301" v="603" actId="700"/>
+          <ac:spMkLst>
+            <pc:docMk/>
+            <pc:sldMk cId="2773999239" sldId="288"/>
+            <ac:spMk id="4" creationId="{B4A07BC9-FF89-4CE6-8C2A-80F60F3C0DAA}"/>
+          </ac:spMkLst>
+        </pc:spChg>
+        <pc:spChg chg="add mod ord">
+          <ac:chgData name="Ming-Chih Lin" userId="f1ba3ba5-e185-404b-b55f-b2be90e2bdc2" providerId="ADAL" clId="{794224D3-789D-47BB-A0D2-62C663EDB1CA}" dt="2020-06-01T08:04:32.622" v="1263" actId="700"/>
+          <ac:spMkLst>
+            <pc:docMk/>
+            <pc:sldMk cId="2773999239" sldId="288"/>
+            <ac:spMk id="5" creationId="{D9BE9DE2-8245-4CD7-8644-BCDBABA8D1A8}"/>
+          </ac:spMkLst>
+        </pc:spChg>
+        <pc:spChg chg="add del mod ord">
+          <ac:chgData name="Ming-Chih Lin" userId="f1ba3ba5-e185-404b-b55f-b2be90e2bdc2" providerId="ADAL" clId="{794224D3-789D-47BB-A0D2-62C663EDB1CA}" dt="2020-06-01T08:04:32.622" v="1263" actId="700"/>
+          <ac:spMkLst>
+            <pc:docMk/>
+            <pc:sldMk cId="2773999239" sldId="288"/>
+            <ac:spMk id="6" creationId="{8B34D29B-0E23-429E-8BAC-0695EC085EEE}"/>
+          </ac:spMkLst>
+        </pc:spChg>
+      </pc:sldChg>
+      <pc:sldChg chg="addSp delSp modSp new mod modClrScheme chgLayout">
+        <pc:chgData name="Ming-Chih Lin" userId="f1ba3ba5-e185-404b-b55f-b2be90e2bdc2" providerId="ADAL" clId="{794224D3-789D-47BB-A0D2-62C663EDB1CA}" dt="2020-06-01T08:04:36.960" v="1264" actId="700"/>
+        <pc:sldMkLst>
+          <pc:docMk/>
+          <pc:sldMk cId="1061609012" sldId="289"/>
+        </pc:sldMkLst>
+        <pc:spChg chg="add mod ord">
+          <ac:chgData name="Ming-Chih Lin" userId="f1ba3ba5-e185-404b-b55f-b2be90e2bdc2" providerId="ADAL" clId="{794224D3-789D-47BB-A0D2-62C663EDB1CA}" dt="2020-06-01T08:04:36.960" v="1264" actId="700"/>
+          <ac:spMkLst>
+            <pc:docMk/>
+            <pc:sldMk cId="1061609012" sldId="289"/>
+            <ac:spMk id="2" creationId="{39ECB457-4D4F-4A33-A3B9-6B135073BD8A}"/>
+          </ac:spMkLst>
+        </pc:spChg>
+        <pc:spChg chg="del">
+          <ac:chgData name="Ming-Chih Lin" userId="f1ba3ba5-e185-404b-b55f-b2be90e2bdc2" providerId="ADAL" clId="{794224D3-789D-47BB-A0D2-62C663EDB1CA}" dt="2020-05-31T07:39:58.497" v="639" actId="700"/>
+          <ac:spMkLst>
+            <pc:docMk/>
+            <pc:sldMk cId="1061609012" sldId="289"/>
+            <ac:spMk id="2" creationId="{BA164DD3-FCAA-4C87-8EC6-826F37B6CB92}"/>
+          </ac:spMkLst>
+        </pc:spChg>
+        <pc:spChg chg="del">
+          <ac:chgData name="Ming-Chih Lin" userId="f1ba3ba5-e185-404b-b55f-b2be90e2bdc2" providerId="ADAL" clId="{794224D3-789D-47BB-A0D2-62C663EDB1CA}" dt="2020-05-31T07:39:58.497" v="639" actId="700"/>
+          <ac:spMkLst>
+            <pc:docMk/>
+            <pc:sldMk cId="1061609012" sldId="289"/>
+            <ac:spMk id="3" creationId="{360C4EC4-099B-4A51-8DE1-3942B46FEEC8}"/>
+          </ac:spMkLst>
+        </pc:spChg>
+        <pc:spChg chg="add mod ord">
+          <ac:chgData name="Ming-Chih Lin" userId="f1ba3ba5-e185-404b-b55f-b2be90e2bdc2" providerId="ADAL" clId="{794224D3-789D-47BB-A0D2-62C663EDB1CA}" dt="2020-06-01T08:04:36.960" v="1264" actId="700"/>
+          <ac:spMkLst>
+            <pc:docMk/>
+            <pc:sldMk cId="1061609012" sldId="289"/>
+            <ac:spMk id="4" creationId="{A96425F9-195D-4693-9E6E-3A6A87237F5E}"/>
+          </ac:spMkLst>
+        </pc:spChg>
+      </pc:sldChg>
+      <pc:sldChg chg="modSp new mod">
+        <pc:chgData name="Ming-Chih Lin" userId="f1ba3ba5-e185-404b-b55f-b2be90e2bdc2" providerId="ADAL" clId="{794224D3-789D-47BB-A0D2-62C663EDB1CA}" dt="2020-05-31T07:42:39.327" v="693"/>
+        <pc:sldMkLst>
+          <pc:docMk/>
+          <pc:sldMk cId="1663756997" sldId="290"/>
+        </pc:sldMkLst>
+        <pc:spChg chg="mod">
+          <ac:chgData name="Ming-Chih Lin" userId="f1ba3ba5-e185-404b-b55f-b2be90e2bdc2" providerId="ADAL" clId="{794224D3-789D-47BB-A0D2-62C663EDB1CA}" dt="2020-05-31T07:42:39.327" v="693"/>
+          <ac:spMkLst>
+            <pc:docMk/>
+            <pc:sldMk cId="1663756997" sldId="290"/>
+            <ac:spMk id="3" creationId="{FDA2CCF4-8156-43AA-A2A5-BCE09F7AF6E8}"/>
+          </ac:spMkLst>
+        </pc:spChg>
+      </pc:sldChg>
+      <pc:sldChg chg="modSp new mod ord">
+        <pc:chgData name="Ming-Chih Lin" userId="f1ba3ba5-e185-404b-b55f-b2be90e2bdc2" providerId="ADAL" clId="{794224D3-789D-47BB-A0D2-62C663EDB1CA}" dt="2020-06-01T07:57:49.832" v="978"/>
+        <pc:sldMkLst>
+          <pc:docMk/>
+          <pc:sldMk cId="4146132641" sldId="291"/>
+        </pc:sldMkLst>
+        <pc:spChg chg="mod">
+          <ac:chgData name="Ming-Chih Lin" userId="f1ba3ba5-e185-404b-b55f-b2be90e2bdc2" providerId="ADAL" clId="{794224D3-789D-47BB-A0D2-62C663EDB1CA}" dt="2020-05-31T07:45:08.481" v="743"/>
+          <ac:spMkLst>
+            <pc:docMk/>
+            <pc:sldMk cId="4146132641" sldId="291"/>
+            <ac:spMk id="3" creationId="{EE67A29E-9388-4D5B-87CB-A07D3E8DBFB4}"/>
+          </ac:spMkLst>
+        </pc:spChg>
+      </pc:sldChg>
+      <pc:sldChg chg="modSp new mod">
+        <pc:chgData name="Ming-Chih Lin" userId="f1ba3ba5-e185-404b-b55f-b2be90e2bdc2" providerId="ADAL" clId="{794224D3-789D-47BB-A0D2-62C663EDB1CA}" dt="2020-06-01T08:02:58.705" v="1262"/>
+        <pc:sldMkLst>
+          <pc:docMk/>
+          <pc:sldMk cId="2609797397" sldId="292"/>
+        </pc:sldMkLst>
+        <pc:spChg chg="mod">
+          <ac:chgData name="Ming-Chih Lin" userId="f1ba3ba5-e185-404b-b55f-b2be90e2bdc2" providerId="ADAL" clId="{794224D3-789D-47BB-A0D2-62C663EDB1CA}" dt="2020-06-01T08:02:58.705" v="1262"/>
+          <ac:spMkLst>
+            <pc:docMk/>
+            <pc:sldMk cId="2609797397" sldId="292"/>
+            <ac:spMk id="2" creationId="{C6F078A4-E99D-4092-8AC3-B9698C576328}"/>
+          </ac:spMkLst>
+        </pc:spChg>
+        <pc:spChg chg="mod">
+          <ac:chgData name="Ming-Chih Lin" userId="f1ba3ba5-e185-404b-b55f-b2be90e2bdc2" providerId="ADAL" clId="{794224D3-789D-47BB-A0D2-62C663EDB1CA}" dt="2020-05-31T07:47:01.220" v="792"/>
+          <ac:spMkLst>
+            <pc:docMk/>
+            <pc:sldMk cId="2609797397" sldId="292"/>
+            <ac:spMk id="3" creationId="{035077E8-9769-4239-B6FF-C9B606BA0011}"/>
+          </ac:spMkLst>
+        </pc:spChg>
+      </pc:sldChg>
+      <pc:sldChg chg="modSp new mod">
+        <pc:chgData name="Ming-Chih Lin" userId="f1ba3ba5-e185-404b-b55f-b2be90e2bdc2" providerId="ADAL" clId="{794224D3-789D-47BB-A0D2-62C663EDB1CA}" dt="2020-05-31T07:51:10.725" v="829" actId="20577"/>
+        <pc:sldMkLst>
+          <pc:docMk/>
+          <pc:sldMk cId="289535632" sldId="293"/>
+        </pc:sldMkLst>
+        <pc:spChg chg="mod">
+          <ac:chgData name="Ming-Chih Lin" userId="f1ba3ba5-e185-404b-b55f-b2be90e2bdc2" providerId="ADAL" clId="{794224D3-789D-47BB-A0D2-62C663EDB1CA}" dt="2020-05-31T07:51:10.725" v="829" actId="20577"/>
+          <ac:spMkLst>
+            <pc:docMk/>
+            <pc:sldMk cId="289535632" sldId="293"/>
+            <ac:spMk id="3" creationId="{675709DF-CC06-48CE-B524-EE9F568647E0}"/>
+          </ac:spMkLst>
+        </pc:spChg>
+      </pc:sldChg>
+      <pc:sldChg chg="modSp new mod">
+        <pc:chgData name="Ming-Chih Lin" userId="f1ba3ba5-e185-404b-b55f-b2be90e2bdc2" providerId="ADAL" clId="{794224D3-789D-47BB-A0D2-62C663EDB1CA}" dt="2020-06-01T07:44:55.720" v="853"/>
+        <pc:sldMkLst>
+          <pc:docMk/>
+          <pc:sldMk cId="64240318" sldId="294"/>
+        </pc:sldMkLst>
+        <pc:spChg chg="mod">
+          <ac:chgData name="Ming-Chih Lin" userId="f1ba3ba5-e185-404b-b55f-b2be90e2bdc2" providerId="ADAL" clId="{794224D3-789D-47BB-A0D2-62C663EDB1CA}" dt="2020-06-01T07:44:54.951" v="852" actId="21"/>
+          <ac:spMkLst>
+            <pc:docMk/>
+            <pc:sldMk cId="64240318" sldId="294"/>
+            <ac:spMk id="2" creationId="{6798ECCD-BF38-4125-A2D9-1FBB0828F79C}"/>
+          </ac:spMkLst>
+        </pc:spChg>
+        <pc:spChg chg="mod">
+          <ac:chgData name="Ming-Chih Lin" userId="f1ba3ba5-e185-404b-b55f-b2be90e2bdc2" providerId="ADAL" clId="{794224D3-789D-47BB-A0D2-62C663EDB1CA}" dt="2020-06-01T07:44:55.720" v="853"/>
+          <ac:spMkLst>
+            <pc:docMk/>
+            <pc:sldMk cId="64240318" sldId="294"/>
+            <ac:spMk id="3" creationId="{21DC9115-EA07-4E43-B229-3DDAC0EF5CB9}"/>
+          </ac:spMkLst>
+        </pc:spChg>
+      </pc:sldChg>
+      <pc:sldChg chg="modSp new">
+        <pc:chgData name="Ming-Chih Lin" userId="f1ba3ba5-e185-404b-b55f-b2be90e2bdc2" providerId="ADAL" clId="{794224D3-789D-47BB-A0D2-62C663EDB1CA}" dt="2020-06-01T07:45:22.900" v="856"/>
+        <pc:sldMkLst>
+          <pc:docMk/>
+          <pc:sldMk cId="3800941536" sldId="295"/>
+        </pc:sldMkLst>
+        <pc:spChg chg="mod">
+          <ac:chgData name="Ming-Chih Lin" userId="f1ba3ba5-e185-404b-b55f-b2be90e2bdc2" providerId="ADAL" clId="{794224D3-789D-47BB-A0D2-62C663EDB1CA}" dt="2020-06-01T07:45:22.900" v="856"/>
+          <ac:spMkLst>
+            <pc:docMk/>
+            <pc:sldMk cId="3800941536" sldId="295"/>
+            <ac:spMk id="2" creationId="{1217C976-378C-48C3-900B-3FE82C45F783}"/>
+          </ac:spMkLst>
+        </pc:spChg>
+        <pc:spChg chg="mod">
+          <ac:chgData name="Ming-Chih Lin" userId="f1ba3ba5-e185-404b-b55f-b2be90e2bdc2" providerId="ADAL" clId="{794224D3-789D-47BB-A0D2-62C663EDB1CA}" dt="2020-06-01T07:45:11.402" v="855"/>
+          <ac:spMkLst>
+            <pc:docMk/>
+            <pc:sldMk cId="3800941536" sldId="295"/>
+            <ac:spMk id="3" creationId="{B74F9DDA-5D21-4474-B5A9-0D53658E6B5E}"/>
+          </ac:spMkLst>
+        </pc:spChg>
+      </pc:sldChg>
+      <pc:sldChg chg="modSp new">
+        <pc:chgData name="Ming-Chih Lin" userId="f1ba3ba5-e185-404b-b55f-b2be90e2bdc2" providerId="ADAL" clId="{794224D3-789D-47BB-A0D2-62C663EDB1CA}" dt="2020-06-01T07:45:47.506" v="859"/>
+        <pc:sldMkLst>
+          <pc:docMk/>
+          <pc:sldMk cId="71803066" sldId="296"/>
+        </pc:sldMkLst>
+        <pc:spChg chg="mod">
+          <ac:chgData name="Ming-Chih Lin" userId="f1ba3ba5-e185-404b-b55f-b2be90e2bdc2" providerId="ADAL" clId="{794224D3-789D-47BB-A0D2-62C663EDB1CA}" dt="2020-06-01T07:45:47.506" v="859"/>
+          <ac:spMkLst>
+            <pc:docMk/>
+            <pc:sldMk cId="71803066" sldId="296"/>
+            <ac:spMk id="2" creationId="{49291F46-BDC7-46BE-AFD5-8495C3C3E5C1}"/>
+          </ac:spMkLst>
+        </pc:spChg>
+        <pc:spChg chg="mod">
+          <ac:chgData name="Ming-Chih Lin" userId="f1ba3ba5-e185-404b-b55f-b2be90e2bdc2" providerId="ADAL" clId="{794224D3-789D-47BB-A0D2-62C663EDB1CA}" dt="2020-06-01T07:45:34.552" v="858"/>
+          <ac:spMkLst>
+            <pc:docMk/>
+            <pc:sldMk cId="71803066" sldId="296"/>
+            <ac:spMk id="3" creationId="{C8C03A03-E1F0-43C9-B0BD-2ABDF2CB329D}"/>
+          </ac:spMkLst>
+        </pc:spChg>
+      </pc:sldChg>
+      <pc:sldChg chg="modSp new">
+        <pc:chgData name="Ming-Chih Lin" userId="f1ba3ba5-e185-404b-b55f-b2be90e2bdc2" providerId="ADAL" clId="{794224D3-789D-47BB-A0D2-62C663EDB1CA}" dt="2020-06-01T07:46:03.193" v="861"/>
+        <pc:sldMkLst>
+          <pc:docMk/>
+          <pc:sldMk cId="3823943526" sldId="297"/>
+        </pc:sldMkLst>
+        <pc:spChg chg="mod">
+          <ac:chgData name="Ming-Chih Lin" userId="f1ba3ba5-e185-404b-b55f-b2be90e2bdc2" providerId="ADAL" clId="{794224D3-789D-47BB-A0D2-62C663EDB1CA}" dt="2020-06-01T07:46:03.193" v="861"/>
+          <ac:spMkLst>
+            <pc:docMk/>
+            <pc:sldMk cId="3823943526" sldId="297"/>
+            <ac:spMk id="2" creationId="{1F7495A2-3CAF-4C5B-8D98-69F0DC66F037}"/>
+          </ac:spMkLst>
+        </pc:spChg>
+        <pc:spChg chg="mod">
+          <ac:chgData name="Ming-Chih Lin" userId="f1ba3ba5-e185-404b-b55f-b2be90e2bdc2" providerId="ADAL" clId="{794224D3-789D-47BB-A0D2-62C663EDB1CA}" dt="2020-06-01T07:45:55.457" v="860"/>
+          <ac:spMkLst>
+            <pc:docMk/>
+            <pc:sldMk cId="3823943526" sldId="297"/>
+            <ac:spMk id="3" creationId="{38DC13CC-BA4B-476C-84B1-232A460D5A2F}"/>
+          </ac:spMkLst>
+        </pc:spChg>
+      </pc:sldChg>
+      <pc:sldChg chg="new del">
+        <pc:chgData name="Ming-Chih Lin" userId="f1ba3ba5-e185-404b-b55f-b2be90e2bdc2" providerId="ADAL" clId="{794224D3-789D-47BB-A0D2-62C663EDB1CA}" dt="2020-06-01T07:46:29.319" v="862" actId="47"/>
+        <pc:sldMkLst>
+          <pc:docMk/>
+          <pc:sldMk cId="3393092084" sldId="298"/>
+        </pc:sldMkLst>
+      </pc:sldChg>
+    </pc:docChg>
+  </pc:docChgLst>
+  <pc:docChgLst>
+    <pc:chgData name="Ming-Chih" userId="f1ba3ba5-e185-404b-b55f-b2be90e2bdc2" providerId="ADAL" clId="{4BD2A7FE-9E5B-4A17-9515-51BDB1FB0393}"/>
+    <pc:docChg chg="addSld delSld modSld">
+      <pc:chgData name="Ming-Chih" userId="f1ba3ba5-e185-404b-b55f-b2be90e2bdc2" providerId="ADAL" clId="{4BD2A7FE-9E5B-4A17-9515-51BDB1FB0393}" dt="2020-06-14T09:12:19.759" v="79" actId="2696"/>
+      <pc:docMkLst>
+        <pc:docMk/>
+      </pc:docMkLst>
+      <pc:sldChg chg="addSp delSp">
+        <pc:chgData name="Ming-Chih" userId="f1ba3ba5-e185-404b-b55f-b2be90e2bdc2" providerId="ADAL" clId="{4BD2A7FE-9E5B-4A17-9515-51BDB1FB0393}" dt="2020-06-14T09:08:10.867" v="1"/>
+        <pc:sldMkLst>
+          <pc:docMk/>
+          <pc:sldMk cId="121079834" sldId="330"/>
+        </pc:sldMkLst>
+        <pc:spChg chg="add del">
+          <ac:chgData name="Ming-Chih" userId="f1ba3ba5-e185-404b-b55f-b2be90e2bdc2" providerId="ADAL" clId="{4BD2A7FE-9E5B-4A17-9515-51BDB1FB0393}" dt="2020-06-14T09:08:10.867" v="1"/>
+          <ac:spMkLst>
+            <pc:docMk/>
+            <pc:sldMk cId="121079834" sldId="330"/>
+            <ac:spMk id="2" creationId="{5DE1D880-ED57-473E-BBC8-FD2F68EE11C4}"/>
+          </ac:spMkLst>
+        </pc:spChg>
+      </pc:sldChg>
+      <pc:sldChg chg="addSp delSp modSp new del mod">
+        <pc:chgData name="Ming-Chih" userId="f1ba3ba5-e185-404b-b55f-b2be90e2bdc2" providerId="ADAL" clId="{4BD2A7FE-9E5B-4A17-9515-51BDB1FB0393}" dt="2020-06-14T09:12:19.759" v="79" actId="2696"/>
+        <pc:sldMkLst>
+          <pc:docMk/>
+          <pc:sldMk cId="2710146048" sldId="332"/>
+        </pc:sldMkLst>
+        <pc:spChg chg="add del mod">
+          <ac:chgData name="Ming-Chih" userId="f1ba3ba5-e185-404b-b55f-b2be90e2bdc2" providerId="ADAL" clId="{4BD2A7FE-9E5B-4A17-9515-51BDB1FB0393}" dt="2020-06-14T09:09:11.282" v="78"/>
+          <ac:spMkLst>
+            <pc:docMk/>
+            <pc:sldMk cId="2710146048" sldId="332"/>
+            <ac:spMk id="2" creationId="{724B9590-E0BA-4A2E-AB6A-4DF73E06B67B}"/>
+          </ac:spMkLst>
+        </pc:spChg>
+        <pc:spChg chg="mod">
+          <ac:chgData name="Ming-Chih" userId="f1ba3ba5-e185-404b-b55f-b2be90e2bdc2" providerId="ADAL" clId="{4BD2A7FE-9E5B-4A17-9515-51BDB1FB0393}" dt="2020-06-14T09:08:20.332" v="7"/>
+          <ac:spMkLst>
+            <pc:docMk/>
+            <pc:sldMk cId="2710146048" sldId="332"/>
+            <ac:spMk id="3" creationId="{28D42294-6CA6-4A66-89B6-1159276CF33B}"/>
+          </ac:spMkLst>
+        </pc:spChg>
+        <pc:spChg chg="add del mod">
+          <ac:chgData name="Ming-Chih" userId="f1ba3ba5-e185-404b-b55f-b2be90e2bdc2" providerId="ADAL" clId="{4BD2A7FE-9E5B-4A17-9515-51BDB1FB0393}" dt="2020-06-14T09:08:14.703" v="4"/>
+          <ac:spMkLst>
+            <pc:docMk/>
+            <pc:sldMk cId="2710146048" sldId="332"/>
+            <ac:spMk id="4" creationId="{716E3EB4-951E-4AE7-ACDF-51E0F47DA37C}"/>
+          </ac:spMkLst>
+        </pc:spChg>
+      </pc:sldChg>
+    </pc:docChg>
+  </pc:docChgLst>
   <pc:docChgLst>
     <pc:chgData name="Ming-Chih Lin" userId="f1ba3ba5-e185-404b-b55f-b2be90e2bdc2" providerId="ADAL" clId="{98E402EA-33D0-F641-AF53-006C6173E080}"/>
     <pc:docChg chg="undo custSel modSld">
@@ -152,6 +1283,1658 @@
             <ac:spMk id="2" creationId="{5F3943C5-BE9F-4BF4-A111-F83F5931DA07}"/>
           </ac:spMkLst>
         </pc:spChg>
+      </pc:sldChg>
+    </pc:docChg>
+  </pc:docChgLst>
+  <pc:docChgLst>
+    <pc:chgData name="Ming-Chih Lin" userId="f1ba3ba5-e185-404b-b55f-b2be90e2bdc2" providerId="ADAL" clId="{A2F4D413-9D68-4A8C-9D49-8D8D17D6E9EA}"/>
+    <pc:docChg chg="custSel delSld modSld">
+      <pc:chgData name="Ming-Chih Lin" userId="f1ba3ba5-e185-404b-b55f-b2be90e2bdc2" providerId="ADAL" clId="{A2F4D413-9D68-4A8C-9D49-8D8D17D6E9EA}" dt="2020-06-02T00:29:06.813" v="41"/>
+      <pc:docMkLst>
+        <pc:docMk/>
+      </pc:docMkLst>
+      <pc:sldChg chg="del">
+        <pc:chgData name="Ming-Chih Lin" userId="f1ba3ba5-e185-404b-b55f-b2be90e2bdc2" providerId="ADAL" clId="{A2F4D413-9D68-4A8C-9D49-8D8D17D6E9EA}" dt="2020-06-02T00:27:07.254" v="22" actId="47"/>
+        <pc:sldMkLst>
+          <pc:docMk/>
+          <pc:sldMk cId="2189207556" sldId="272"/>
+        </pc:sldMkLst>
+      </pc:sldChg>
+      <pc:sldChg chg="modSp mod">
+        <pc:chgData name="Ming-Chih Lin" userId="f1ba3ba5-e185-404b-b55f-b2be90e2bdc2" providerId="ADAL" clId="{A2F4D413-9D68-4A8C-9D49-8D8D17D6E9EA}" dt="2020-06-02T00:29:06.813" v="41"/>
+        <pc:sldMkLst>
+          <pc:docMk/>
+          <pc:sldMk cId="1266417032" sldId="312"/>
+        </pc:sldMkLst>
+        <pc:spChg chg="mod">
+          <ac:chgData name="Ming-Chih Lin" userId="f1ba3ba5-e185-404b-b55f-b2be90e2bdc2" providerId="ADAL" clId="{A2F4D413-9D68-4A8C-9D49-8D8D17D6E9EA}" dt="2020-06-02T00:29:06.813" v="41"/>
+          <ac:spMkLst>
+            <pc:docMk/>
+            <pc:sldMk cId="1266417032" sldId="312"/>
+            <ac:spMk id="4" creationId="{1854605A-57A1-476A-82F9-537D284E62C2}"/>
+          </ac:spMkLst>
+        </pc:spChg>
+      </pc:sldChg>
+      <pc:sldChg chg="modSp mod">
+        <pc:chgData name="Ming-Chih Lin" userId="f1ba3ba5-e185-404b-b55f-b2be90e2bdc2" providerId="ADAL" clId="{A2F4D413-9D68-4A8C-9D49-8D8D17D6E9EA}" dt="2020-06-02T00:26:55.108" v="21"/>
+        <pc:sldMkLst>
+          <pc:docMk/>
+          <pc:sldMk cId="19629556" sldId="316"/>
+        </pc:sldMkLst>
+        <pc:spChg chg="mod">
+          <ac:chgData name="Ming-Chih Lin" userId="f1ba3ba5-e185-404b-b55f-b2be90e2bdc2" providerId="ADAL" clId="{A2F4D413-9D68-4A8C-9D49-8D8D17D6E9EA}" dt="2020-06-02T00:26:55.108" v="21"/>
+          <ac:spMkLst>
+            <pc:docMk/>
+            <pc:sldMk cId="19629556" sldId="316"/>
+            <ac:spMk id="4" creationId="{2FA54F75-D405-4104-B6BB-EA44A23A109A}"/>
+          </ac:spMkLst>
+        </pc:spChg>
+      </pc:sldChg>
+      <pc:sldChg chg="delSp mod">
+        <pc:chgData name="Ming-Chih Lin" userId="f1ba3ba5-e185-404b-b55f-b2be90e2bdc2" providerId="ADAL" clId="{A2F4D413-9D68-4A8C-9D49-8D8D17D6E9EA}" dt="2020-06-02T00:26:42.606" v="2" actId="478"/>
+        <pc:sldMkLst>
+          <pc:docMk/>
+          <pc:sldMk cId="497064445" sldId="317"/>
+        </pc:sldMkLst>
+        <pc:spChg chg="del">
+          <ac:chgData name="Ming-Chih Lin" userId="f1ba3ba5-e185-404b-b55f-b2be90e2bdc2" providerId="ADAL" clId="{A2F4D413-9D68-4A8C-9D49-8D8D17D6E9EA}" dt="2020-06-02T00:26:41.610" v="1" actId="478"/>
+          <ac:spMkLst>
+            <pc:docMk/>
+            <pc:sldMk cId="497064445" sldId="317"/>
+            <ac:spMk id="4" creationId="{FBC0A41D-585A-4773-9922-1FC0601CBFD6}"/>
+          </ac:spMkLst>
+        </pc:spChg>
+        <pc:spChg chg="del">
+          <ac:chgData name="Ming-Chih Lin" userId="f1ba3ba5-e185-404b-b55f-b2be90e2bdc2" providerId="ADAL" clId="{A2F4D413-9D68-4A8C-9D49-8D8D17D6E9EA}" dt="2020-06-02T00:26:42.606" v="2" actId="478"/>
+          <ac:spMkLst>
+            <pc:docMk/>
+            <pc:sldMk cId="497064445" sldId="317"/>
+            <ac:spMk id="5" creationId="{24954B47-98FC-417E-9FE5-CB4B5835EA5D}"/>
+          </ac:spMkLst>
+        </pc:spChg>
+        <pc:picChg chg="del">
+          <ac:chgData name="Ming-Chih Lin" userId="f1ba3ba5-e185-404b-b55f-b2be90e2bdc2" providerId="ADAL" clId="{A2F4D413-9D68-4A8C-9D49-8D8D17D6E9EA}" dt="2020-06-02T00:26:40.141" v="0" actId="478"/>
+          <ac:picMkLst>
+            <pc:docMk/>
+            <pc:sldMk cId="497064445" sldId="317"/>
+            <ac:picMk id="2" creationId="{24B42EE7-EE76-400D-B513-614BD7A34C4E}"/>
+          </ac:picMkLst>
+        </pc:picChg>
+      </pc:sldChg>
+    </pc:docChg>
+  </pc:docChgLst>
+  <pc:docChgLst>
+    <pc:chgData name="Ming-Chih Lin" userId="f1ba3ba5-e185-404b-b55f-b2be90e2bdc2" providerId="ADAL" clId="{4BD2A7FE-9E5B-4A17-9515-51BDB1FB0393}"/>
+    <pc:docChg chg="undo custSel addSld delSld modSld sldOrd">
+      <pc:chgData name="Ming-Chih Lin" userId="f1ba3ba5-e185-404b-b55f-b2be90e2bdc2" providerId="ADAL" clId="{4BD2A7FE-9E5B-4A17-9515-51BDB1FB0393}" dt="2020-06-12T05:35:38.825" v="1250" actId="47"/>
+      <pc:docMkLst>
+        <pc:docMk/>
+      </pc:docMkLst>
+      <pc:sldChg chg="modSp mod">
+        <pc:chgData name="Ming-Chih Lin" userId="f1ba3ba5-e185-404b-b55f-b2be90e2bdc2" providerId="ADAL" clId="{4BD2A7FE-9E5B-4A17-9515-51BDB1FB0393}" dt="2020-06-02T02:27:18.369" v="24"/>
+        <pc:sldMkLst>
+          <pc:docMk/>
+          <pc:sldMk cId="3437513085" sldId="257"/>
+        </pc:sldMkLst>
+        <pc:spChg chg="mod">
+          <ac:chgData name="Ming-Chih Lin" userId="f1ba3ba5-e185-404b-b55f-b2be90e2bdc2" providerId="ADAL" clId="{4BD2A7FE-9E5B-4A17-9515-51BDB1FB0393}" dt="2020-06-02T02:27:18.369" v="24"/>
+          <ac:spMkLst>
+            <pc:docMk/>
+            <pc:sldMk cId="3437513085" sldId="257"/>
+            <ac:spMk id="2" creationId="{F00E360D-5F36-459A-8321-D0EA4C8C73FE}"/>
+          </ac:spMkLst>
+        </pc:spChg>
+      </pc:sldChg>
+      <pc:sldChg chg="del">
+        <pc:chgData name="Ming-Chih Lin" userId="f1ba3ba5-e185-404b-b55f-b2be90e2bdc2" providerId="ADAL" clId="{4BD2A7FE-9E5B-4A17-9515-51BDB1FB0393}" dt="2020-06-09T00:09:07.939" v="348" actId="47"/>
+        <pc:sldMkLst>
+          <pc:docMk/>
+          <pc:sldMk cId="929909194" sldId="259"/>
+        </pc:sldMkLst>
+      </pc:sldChg>
+      <pc:sldChg chg="del">
+        <pc:chgData name="Ming-Chih Lin" userId="f1ba3ba5-e185-404b-b55f-b2be90e2bdc2" providerId="ADAL" clId="{4BD2A7FE-9E5B-4A17-9515-51BDB1FB0393}" dt="2020-06-02T02:29:48.748" v="27" actId="47"/>
+        <pc:sldMkLst>
+          <pc:docMk/>
+          <pc:sldMk cId="1266417032" sldId="312"/>
+        </pc:sldMkLst>
+      </pc:sldChg>
+      <pc:sldChg chg="del">
+        <pc:chgData name="Ming-Chih Lin" userId="f1ba3ba5-e185-404b-b55f-b2be90e2bdc2" providerId="ADAL" clId="{4BD2A7FE-9E5B-4A17-9515-51BDB1FB0393}" dt="2020-06-02T02:29:21.580" v="25" actId="47"/>
+        <pc:sldMkLst>
+          <pc:docMk/>
+          <pc:sldMk cId="19629556" sldId="316"/>
+        </pc:sldMkLst>
+      </pc:sldChg>
+      <pc:sldChg chg="addSp modSp del mod chgLayout">
+        <pc:chgData name="Ming-Chih Lin" userId="f1ba3ba5-e185-404b-b55f-b2be90e2bdc2" providerId="ADAL" clId="{4BD2A7FE-9E5B-4A17-9515-51BDB1FB0393}" dt="2020-06-04T07:50:36.778" v="122" actId="47"/>
+        <pc:sldMkLst>
+          <pc:docMk/>
+          <pc:sldMk cId="497064445" sldId="317"/>
+        </pc:sldMkLst>
+        <pc:spChg chg="add mod ord">
+          <ac:chgData name="Ming-Chih Lin" userId="f1ba3ba5-e185-404b-b55f-b2be90e2bdc2" providerId="ADAL" clId="{4BD2A7FE-9E5B-4A17-9515-51BDB1FB0393}" dt="2020-06-04T07:50:34.680" v="121" actId="21"/>
+          <ac:spMkLst>
+            <pc:docMk/>
+            <pc:sldMk cId="497064445" sldId="317"/>
+            <ac:spMk id="2" creationId="{FC165719-0C99-49EA-99E3-292438917CCB}"/>
+          </ac:spMkLst>
+        </pc:spChg>
+        <pc:spChg chg="mod ord">
+          <ac:chgData name="Ming-Chih Lin" userId="f1ba3ba5-e185-404b-b55f-b2be90e2bdc2" providerId="ADAL" clId="{4BD2A7FE-9E5B-4A17-9515-51BDB1FB0393}" dt="2020-06-02T02:03:24.980" v="5"/>
+          <ac:spMkLst>
+            <pc:docMk/>
+            <pc:sldMk cId="497064445" sldId="317"/>
+            <ac:spMk id="3" creationId="{E7C3D928-2CE9-4266-A577-F5AA1DFC7CE3}"/>
+          </ac:spMkLst>
+        </pc:spChg>
+      </pc:sldChg>
+      <pc:sldChg chg="addSp delSp modSp mod ord chgLayout">
+        <pc:chgData name="Ming-Chih Lin" userId="f1ba3ba5-e185-404b-b55f-b2be90e2bdc2" providerId="ADAL" clId="{4BD2A7FE-9E5B-4A17-9515-51BDB1FB0393}" dt="2020-06-04T07:53:07.899" v="138" actId="1076"/>
+        <pc:sldMkLst>
+          <pc:docMk/>
+          <pc:sldMk cId="1705629521" sldId="318"/>
+        </pc:sldMkLst>
+        <pc:spChg chg="add mod ord">
+          <ac:chgData name="Ming-Chih Lin" userId="f1ba3ba5-e185-404b-b55f-b2be90e2bdc2" providerId="ADAL" clId="{4BD2A7FE-9E5B-4A17-9515-51BDB1FB0393}" dt="2020-06-04T07:53:05.991" v="137" actId="14100"/>
+          <ac:spMkLst>
+            <pc:docMk/>
+            <pc:sldMk cId="1705629521" sldId="318"/>
+            <ac:spMk id="2" creationId="{F4A3E6A3-96AB-4068-8023-96B66AB076B9}"/>
+          </ac:spMkLst>
+        </pc:spChg>
+        <pc:spChg chg="mod ord">
+          <ac:chgData name="Ming-Chih Lin" userId="f1ba3ba5-e185-404b-b55f-b2be90e2bdc2" providerId="ADAL" clId="{4BD2A7FE-9E5B-4A17-9515-51BDB1FB0393}" dt="2020-06-04T06:58:57.988" v="78" actId="20577"/>
+          <ac:spMkLst>
+            <pc:docMk/>
+            <pc:sldMk cId="1705629521" sldId="318"/>
+            <ac:spMk id="3" creationId="{E7C3D928-2CE9-4266-A577-F5AA1DFC7CE3}"/>
+          </ac:spMkLst>
+        </pc:spChg>
+        <pc:picChg chg="add del">
+          <ac:chgData name="Ming-Chih Lin" userId="f1ba3ba5-e185-404b-b55f-b2be90e2bdc2" providerId="ADAL" clId="{4BD2A7FE-9E5B-4A17-9515-51BDB1FB0393}" dt="2020-06-04T07:52:23.108" v="130"/>
+          <ac:picMkLst>
+            <pc:docMk/>
+            <pc:sldMk cId="1705629521" sldId="318"/>
+            <ac:picMk id="4" creationId="{FFD7989A-0DDA-429A-91D7-5F81BB6FE67B}"/>
+          </ac:picMkLst>
+        </pc:picChg>
+        <pc:picChg chg="add del">
+          <ac:chgData name="Ming-Chih Lin" userId="f1ba3ba5-e185-404b-b55f-b2be90e2bdc2" providerId="ADAL" clId="{4BD2A7FE-9E5B-4A17-9515-51BDB1FB0393}" dt="2020-06-04T07:52:48.787" v="132" actId="478"/>
+          <ac:picMkLst>
+            <pc:docMk/>
+            <pc:sldMk cId="1705629521" sldId="318"/>
+            <ac:picMk id="5" creationId="{BE1057B7-E785-43B8-9F57-94C7A0C31EAD}"/>
+          </ac:picMkLst>
+        </pc:picChg>
+        <pc:picChg chg="add mod">
+          <ac:chgData name="Ming-Chih Lin" userId="f1ba3ba5-e185-404b-b55f-b2be90e2bdc2" providerId="ADAL" clId="{4BD2A7FE-9E5B-4A17-9515-51BDB1FB0393}" dt="2020-06-04T07:53:07.899" v="138" actId="1076"/>
+          <ac:picMkLst>
+            <pc:docMk/>
+            <pc:sldMk cId="1705629521" sldId="318"/>
+            <ac:picMk id="6" creationId="{6F6F0F4C-C854-48F4-8DD3-EF8D1629388B}"/>
+          </ac:picMkLst>
+        </pc:picChg>
+      </pc:sldChg>
+      <pc:sldChg chg="addSp delSp modSp new mod ord">
+        <pc:chgData name="Ming-Chih Lin" userId="f1ba3ba5-e185-404b-b55f-b2be90e2bdc2" providerId="ADAL" clId="{4BD2A7FE-9E5B-4A17-9515-51BDB1FB0393}" dt="2020-06-04T08:23:12.033" v="346" actId="14100"/>
+        <pc:sldMkLst>
+          <pc:docMk/>
+          <pc:sldMk cId="1809218753" sldId="319"/>
+        </pc:sldMkLst>
+        <pc:spChg chg="mod">
+          <ac:chgData name="Ming-Chih Lin" userId="f1ba3ba5-e185-404b-b55f-b2be90e2bdc2" providerId="ADAL" clId="{4BD2A7FE-9E5B-4A17-9515-51BDB1FB0393}" dt="2020-06-04T08:15:35.192" v="175" actId="14100"/>
+          <ac:spMkLst>
+            <pc:docMk/>
+            <pc:sldMk cId="1809218753" sldId="319"/>
+            <ac:spMk id="2" creationId="{581CD9B0-D2E7-4D32-9C81-937754DBDA21}"/>
+          </ac:spMkLst>
+        </pc:spChg>
+        <pc:spChg chg="mod">
+          <ac:chgData name="Ming-Chih Lin" userId="f1ba3ba5-e185-404b-b55f-b2be90e2bdc2" providerId="ADAL" clId="{4BD2A7FE-9E5B-4A17-9515-51BDB1FB0393}" dt="2020-06-04T06:58:25.650" v="74" actId="20577"/>
+          <ac:spMkLst>
+            <pc:docMk/>
+            <pc:sldMk cId="1809218753" sldId="319"/>
+            <ac:spMk id="3" creationId="{C35C514E-7503-483D-9589-A8DE8F93E299}"/>
+          </ac:spMkLst>
+        </pc:spChg>
+        <pc:spChg chg="add mod">
+          <ac:chgData name="Ming-Chih Lin" userId="f1ba3ba5-e185-404b-b55f-b2be90e2bdc2" providerId="ADAL" clId="{4BD2A7FE-9E5B-4A17-9515-51BDB1FB0393}" dt="2020-06-04T08:22:34.359" v="339" actId="14861"/>
+          <ac:spMkLst>
+            <pc:docMk/>
+            <pc:sldMk cId="1809218753" sldId="319"/>
+            <ac:spMk id="5" creationId="{AD12E166-F00F-4C24-9FEA-31A837294A69}"/>
+          </ac:spMkLst>
+        </pc:spChg>
+        <pc:spChg chg="add mod">
+          <ac:chgData name="Ming-Chih Lin" userId="f1ba3ba5-e185-404b-b55f-b2be90e2bdc2" providerId="ADAL" clId="{4BD2A7FE-9E5B-4A17-9515-51BDB1FB0393}" dt="2020-06-04T08:22:49.686" v="342" actId="20577"/>
+          <ac:spMkLst>
+            <pc:docMk/>
+            <pc:sldMk cId="1809218753" sldId="319"/>
+            <ac:spMk id="6" creationId="{D80879E8-CD19-436D-A254-B7E6B4AD25D0}"/>
+          </ac:spMkLst>
+        </pc:spChg>
+        <pc:spChg chg="add mod">
+          <ac:chgData name="Ming-Chih Lin" userId="f1ba3ba5-e185-404b-b55f-b2be90e2bdc2" providerId="ADAL" clId="{4BD2A7FE-9E5B-4A17-9515-51BDB1FB0393}" dt="2020-06-04T08:22:34.359" v="339" actId="14861"/>
+          <ac:spMkLst>
+            <pc:docMk/>
+            <pc:sldMk cId="1809218753" sldId="319"/>
+            <ac:spMk id="7" creationId="{F3891008-FBD0-4740-9A61-26A131EEF511}"/>
+          </ac:spMkLst>
+        </pc:spChg>
+        <pc:spChg chg="add mod">
+          <ac:chgData name="Ming-Chih Lin" userId="f1ba3ba5-e185-404b-b55f-b2be90e2bdc2" providerId="ADAL" clId="{4BD2A7FE-9E5B-4A17-9515-51BDB1FB0393}" dt="2020-06-04T08:22:43.516" v="341" actId="14100"/>
+          <ac:spMkLst>
+            <pc:docMk/>
+            <pc:sldMk cId="1809218753" sldId="319"/>
+            <ac:spMk id="8" creationId="{A86D7645-7260-4085-96DD-114B98123A43}"/>
+          </ac:spMkLst>
+        </pc:spChg>
+        <pc:spChg chg="add mod">
+          <ac:chgData name="Ming-Chih Lin" userId="f1ba3ba5-e185-404b-b55f-b2be90e2bdc2" providerId="ADAL" clId="{4BD2A7FE-9E5B-4A17-9515-51BDB1FB0393}" dt="2020-06-04T08:23:07.211" v="345" actId="207"/>
+          <ac:spMkLst>
+            <pc:docMk/>
+            <pc:sldMk cId="1809218753" sldId="319"/>
+            <ac:spMk id="9" creationId="{860F231A-086C-4F47-B91F-5E28206E24FB}"/>
+          </ac:spMkLst>
+        </pc:spChg>
+        <pc:spChg chg="add del mod">
+          <ac:chgData name="Ming-Chih Lin" userId="f1ba3ba5-e185-404b-b55f-b2be90e2bdc2" providerId="ADAL" clId="{4BD2A7FE-9E5B-4A17-9515-51BDB1FB0393}" dt="2020-06-04T08:18:21.508" v="251" actId="478"/>
+          <ac:spMkLst>
+            <pc:docMk/>
+            <pc:sldMk cId="1809218753" sldId="319"/>
+            <ac:spMk id="10" creationId="{8EDB3CC8-E109-4CC7-A014-91609EC4211C}"/>
+          </ac:spMkLst>
+        </pc:spChg>
+        <pc:spChg chg="add del mod">
+          <ac:chgData name="Ming-Chih Lin" userId="f1ba3ba5-e185-404b-b55f-b2be90e2bdc2" providerId="ADAL" clId="{4BD2A7FE-9E5B-4A17-9515-51BDB1FB0393}" dt="2020-06-04T08:18:23.812" v="252" actId="478"/>
+          <ac:spMkLst>
+            <pc:docMk/>
+            <pc:sldMk cId="1809218753" sldId="319"/>
+            <ac:spMk id="11" creationId="{F35C4AF8-0C4D-43BB-8647-7E5A10D002D3}"/>
+          </ac:spMkLst>
+        </pc:spChg>
+        <pc:spChg chg="add mod">
+          <ac:chgData name="Ming-Chih Lin" userId="f1ba3ba5-e185-404b-b55f-b2be90e2bdc2" providerId="ADAL" clId="{4BD2A7FE-9E5B-4A17-9515-51BDB1FB0393}" dt="2020-06-04T08:22:34.359" v="339" actId="14861"/>
+          <ac:spMkLst>
+            <pc:docMk/>
+            <pc:sldMk cId="1809218753" sldId="319"/>
+            <ac:spMk id="12" creationId="{190FB171-8EA5-49D8-9447-35EEA3C5FB46}"/>
+          </ac:spMkLst>
+        </pc:spChg>
+        <pc:spChg chg="add del mod">
+          <ac:chgData name="Ming-Chih Lin" userId="f1ba3ba5-e185-404b-b55f-b2be90e2bdc2" providerId="ADAL" clId="{4BD2A7FE-9E5B-4A17-9515-51BDB1FB0393}" dt="2020-06-04T08:20:01.387" v="315" actId="478"/>
+          <ac:spMkLst>
+            <pc:docMk/>
+            <pc:sldMk cId="1809218753" sldId="319"/>
+            <ac:spMk id="13" creationId="{9F4E7AE6-3CDB-42ED-ACA6-000D098A5BDF}"/>
+          </ac:spMkLst>
+        </pc:spChg>
+        <pc:spChg chg="add del">
+          <ac:chgData name="Ming-Chih Lin" userId="f1ba3ba5-e185-404b-b55f-b2be90e2bdc2" providerId="ADAL" clId="{4BD2A7FE-9E5B-4A17-9515-51BDB1FB0393}" dt="2020-06-04T08:21:31.334" v="328" actId="478"/>
+          <ac:spMkLst>
+            <pc:docMk/>
+            <pc:sldMk cId="1809218753" sldId="319"/>
+            <ac:spMk id="19" creationId="{E68A62BD-D373-4B44-BFFD-4A710F0BD3D3}"/>
+          </ac:spMkLst>
+        </pc:spChg>
+        <pc:spChg chg="add mod">
+          <ac:chgData name="Ming-Chih Lin" userId="f1ba3ba5-e185-404b-b55f-b2be90e2bdc2" providerId="ADAL" clId="{4BD2A7FE-9E5B-4A17-9515-51BDB1FB0393}" dt="2020-06-04T08:22:34.359" v="339" actId="14861"/>
+          <ac:spMkLst>
+            <pc:docMk/>
+            <pc:sldMk cId="1809218753" sldId="319"/>
+            <ac:spMk id="20" creationId="{B4959C3F-0D22-44A5-9C0D-FB6F19DBB850}"/>
+          </ac:spMkLst>
+        </pc:spChg>
+        <pc:spChg chg="add mod">
+          <ac:chgData name="Ming-Chih Lin" userId="f1ba3ba5-e185-404b-b55f-b2be90e2bdc2" providerId="ADAL" clId="{4BD2A7FE-9E5B-4A17-9515-51BDB1FB0393}" dt="2020-06-04T08:22:34.359" v="339" actId="14861"/>
+          <ac:spMkLst>
+            <pc:docMk/>
+            <pc:sldMk cId="1809218753" sldId="319"/>
+            <ac:spMk id="21" creationId="{BF6C849C-D46D-410A-AB13-ECA9A613336C}"/>
+          </ac:spMkLst>
+        </pc:spChg>
+        <pc:graphicFrameChg chg="add del mod modGraphic">
+          <ac:chgData name="Ming-Chih Lin" userId="f1ba3ba5-e185-404b-b55f-b2be90e2bdc2" providerId="ADAL" clId="{4BD2A7FE-9E5B-4A17-9515-51BDB1FB0393}" dt="2020-06-04T08:15:28.264" v="174" actId="478"/>
+          <ac:graphicFrameMkLst>
+            <pc:docMk/>
+            <pc:sldMk cId="1809218753" sldId="319"/>
+            <ac:graphicFrameMk id="4" creationId="{EAFA61A6-8C5B-4C23-B342-635F7BB59F61}"/>
+          </ac:graphicFrameMkLst>
+        </pc:graphicFrameChg>
+        <pc:cxnChg chg="add mod">
+          <ac:chgData name="Ming-Chih Lin" userId="f1ba3ba5-e185-404b-b55f-b2be90e2bdc2" providerId="ADAL" clId="{4BD2A7FE-9E5B-4A17-9515-51BDB1FB0393}" dt="2020-06-04T08:23:12.033" v="346" actId="14100"/>
+          <ac:cxnSpMkLst>
+            <pc:docMk/>
+            <pc:sldMk cId="1809218753" sldId="319"/>
+            <ac:cxnSpMk id="15" creationId="{C324581B-3FC9-42C0-9F5E-4F8E4F56452D}"/>
+          </ac:cxnSpMkLst>
+        </pc:cxnChg>
+      </pc:sldChg>
+      <pc:sldChg chg="modSp new mod ord">
+        <pc:chgData name="Ming-Chih Lin" userId="f1ba3ba5-e185-404b-b55f-b2be90e2bdc2" providerId="ADAL" clId="{4BD2A7FE-9E5B-4A17-9515-51BDB1FB0393}" dt="2020-06-04T08:14:05.914" v="143"/>
+        <pc:sldMkLst>
+          <pc:docMk/>
+          <pc:sldMk cId="557188385" sldId="320"/>
+        </pc:sldMkLst>
+        <pc:spChg chg="mod">
+          <ac:chgData name="Ming-Chih Lin" userId="f1ba3ba5-e185-404b-b55f-b2be90e2bdc2" providerId="ADAL" clId="{4BD2A7FE-9E5B-4A17-9515-51BDB1FB0393}" dt="2020-06-04T06:59:18.478" v="84" actId="20577"/>
+          <ac:spMkLst>
+            <pc:docMk/>
+            <pc:sldMk cId="557188385" sldId="320"/>
+            <ac:spMk id="2" creationId="{BD9A5FA0-E2E4-4115-AD18-A9CC564BCD48}"/>
+          </ac:spMkLst>
+        </pc:spChg>
+        <pc:spChg chg="mod">
+          <ac:chgData name="Ming-Chih Lin" userId="f1ba3ba5-e185-404b-b55f-b2be90e2bdc2" providerId="ADAL" clId="{4BD2A7FE-9E5B-4A17-9515-51BDB1FB0393}" dt="2020-06-02T02:07:35.016" v="18"/>
+          <ac:spMkLst>
+            <pc:docMk/>
+            <pc:sldMk cId="557188385" sldId="320"/>
+            <ac:spMk id="3" creationId="{70793CA1-E194-4E1C-A732-7C0DEBFF8070}"/>
+          </ac:spMkLst>
+        </pc:spChg>
+      </pc:sldChg>
+      <pc:sldChg chg="addSp delSp modSp new mod">
+        <pc:chgData name="Ming-Chih Lin" userId="f1ba3ba5-e185-404b-b55f-b2be90e2bdc2" providerId="ADAL" clId="{4BD2A7FE-9E5B-4A17-9515-51BDB1FB0393}" dt="2020-06-04T07:54:12.909" v="139" actId="1076"/>
+        <pc:sldMkLst>
+          <pc:docMk/>
+          <pc:sldMk cId="3289215511" sldId="321"/>
+        </pc:sldMkLst>
+        <pc:spChg chg="mod">
+          <ac:chgData name="Ming-Chih Lin" userId="f1ba3ba5-e185-404b-b55f-b2be90e2bdc2" providerId="ADAL" clId="{4BD2A7FE-9E5B-4A17-9515-51BDB1FB0393}" dt="2020-06-04T07:48:24.963" v="107" actId="14100"/>
+          <ac:spMkLst>
+            <pc:docMk/>
+            <pc:sldMk cId="3289215511" sldId="321"/>
+            <ac:spMk id="2" creationId="{5ED8AD40-F106-48D5-8BC8-8ADD4FBFD239}"/>
+          </ac:spMkLst>
+        </pc:spChg>
+        <pc:spChg chg="mod">
+          <ac:chgData name="Ming-Chih Lin" userId="f1ba3ba5-e185-404b-b55f-b2be90e2bdc2" providerId="ADAL" clId="{4BD2A7FE-9E5B-4A17-9515-51BDB1FB0393}" dt="2020-06-02T02:08:10.249" v="22"/>
+          <ac:spMkLst>
+            <pc:docMk/>
+            <pc:sldMk cId="3289215511" sldId="321"/>
+            <ac:spMk id="3" creationId="{755E7580-BFFD-427A-B86D-DA8168230F6B}"/>
+          </ac:spMkLst>
+        </pc:spChg>
+        <pc:picChg chg="add del mod">
+          <ac:chgData name="Ming-Chih Lin" userId="f1ba3ba5-e185-404b-b55f-b2be90e2bdc2" providerId="ADAL" clId="{4BD2A7FE-9E5B-4A17-9515-51BDB1FB0393}" dt="2020-06-04T07:47:27.468" v="94" actId="478"/>
+          <ac:picMkLst>
+            <pc:docMk/>
+            <pc:sldMk cId="3289215511" sldId="321"/>
+            <ac:picMk id="4" creationId="{C43E9A5F-8B8E-4D8E-AFB0-A8A65F48BA5D}"/>
+          </ac:picMkLst>
+        </pc:picChg>
+        <pc:picChg chg="add mod">
+          <ac:chgData name="Ming-Chih Lin" userId="f1ba3ba5-e185-404b-b55f-b2be90e2bdc2" providerId="ADAL" clId="{4BD2A7FE-9E5B-4A17-9515-51BDB1FB0393}" dt="2020-06-04T07:54:12.909" v="139" actId="1076"/>
+          <ac:picMkLst>
+            <pc:docMk/>
+            <pc:sldMk cId="3289215511" sldId="321"/>
+            <ac:picMk id="5" creationId="{44810B7B-90C2-4931-8A18-684632BA8A7F}"/>
+          </ac:picMkLst>
+        </pc:picChg>
+      </pc:sldChg>
+      <pc:sldChg chg="addSp modSp add mod modTransition">
+        <pc:chgData name="Ming-Chih Lin" userId="f1ba3ba5-e185-404b-b55f-b2be90e2bdc2" providerId="ADAL" clId="{4BD2A7FE-9E5B-4A17-9515-51BDB1FB0393}" dt="2020-06-04T07:49:57.617" v="120" actId="20577"/>
+        <pc:sldMkLst>
+          <pc:docMk/>
+          <pc:sldMk cId="2128641485" sldId="323"/>
+        </pc:sldMkLst>
+        <pc:spChg chg="mod">
+          <ac:chgData name="Ming-Chih Lin" userId="f1ba3ba5-e185-404b-b55f-b2be90e2bdc2" providerId="ADAL" clId="{4BD2A7FE-9E5B-4A17-9515-51BDB1FB0393}" dt="2020-06-04T07:49:57.617" v="120" actId="20577"/>
+          <ac:spMkLst>
+            <pc:docMk/>
+            <pc:sldMk cId="2128641485" sldId="323"/>
+            <ac:spMk id="2" creationId="{EED6BDC6-775B-45C4-BA1F-335BCABEFD04}"/>
+          </ac:spMkLst>
+        </pc:spChg>
+        <pc:picChg chg="add mod">
+          <ac:chgData name="Ming-Chih Lin" userId="f1ba3ba5-e185-404b-b55f-b2be90e2bdc2" providerId="ADAL" clId="{4BD2A7FE-9E5B-4A17-9515-51BDB1FB0393}" dt="2020-06-04T07:49:45.497" v="116" actId="1076"/>
+          <ac:picMkLst>
+            <pc:docMk/>
+            <pc:sldMk cId="2128641485" sldId="323"/>
+            <ac:picMk id="4" creationId="{8F3B816C-CCEC-4A1E-9A48-A5F224630968}"/>
+          </ac:picMkLst>
+        </pc:picChg>
+      </pc:sldChg>
+      <pc:sldChg chg="add">
+        <pc:chgData name="Ming-Chih Lin" userId="f1ba3ba5-e185-404b-b55f-b2be90e2bdc2" providerId="ADAL" clId="{4BD2A7FE-9E5B-4A17-9515-51BDB1FB0393}" dt="2020-06-02T02:29:23.451" v="26"/>
+        <pc:sldMkLst>
+          <pc:docMk/>
+          <pc:sldMk cId="2484227852" sldId="325"/>
+        </pc:sldMkLst>
+      </pc:sldChg>
+      <pc:sldChg chg="addSp delSp modSp new del mod modClrScheme chgLayout">
+        <pc:chgData name="Ming-Chih Lin" userId="f1ba3ba5-e185-404b-b55f-b2be90e2bdc2" providerId="ADAL" clId="{4BD2A7FE-9E5B-4A17-9515-51BDB1FB0393}" dt="2020-06-12T04:34:06.276" v="466" actId="47"/>
+        <pc:sldMkLst>
+          <pc:docMk/>
+          <pc:sldMk cId="2259324599" sldId="326"/>
+        </pc:sldMkLst>
+        <pc:spChg chg="del mod ord">
+          <ac:chgData name="Ming-Chih Lin" userId="f1ba3ba5-e185-404b-b55f-b2be90e2bdc2" providerId="ADAL" clId="{4BD2A7FE-9E5B-4A17-9515-51BDB1FB0393}" dt="2020-06-03T23:23:41.164" v="29" actId="700"/>
+          <ac:spMkLst>
+            <pc:docMk/>
+            <pc:sldMk cId="2259324599" sldId="326"/>
+            <ac:spMk id="2" creationId="{B0E3E57C-4D2E-454E-BAB1-391617E2F28C}"/>
+          </ac:spMkLst>
+        </pc:spChg>
+        <pc:spChg chg="del">
+          <ac:chgData name="Ming-Chih Lin" userId="f1ba3ba5-e185-404b-b55f-b2be90e2bdc2" providerId="ADAL" clId="{4BD2A7FE-9E5B-4A17-9515-51BDB1FB0393}" dt="2020-06-03T23:23:41.164" v="29" actId="700"/>
+          <ac:spMkLst>
+            <pc:docMk/>
+            <pc:sldMk cId="2259324599" sldId="326"/>
+            <ac:spMk id="3" creationId="{A3D9FC80-4EFC-4CA2-B82D-4BA2DF02A740}"/>
+          </ac:spMkLst>
+        </pc:spChg>
+        <pc:spChg chg="add mod ord">
+          <ac:chgData name="Ming-Chih Lin" userId="f1ba3ba5-e185-404b-b55f-b2be90e2bdc2" providerId="ADAL" clId="{4BD2A7FE-9E5B-4A17-9515-51BDB1FB0393}" dt="2020-06-09T00:10:48.623" v="458"/>
+          <ac:spMkLst>
+            <pc:docMk/>
+            <pc:sldMk cId="2259324599" sldId="326"/>
+            <ac:spMk id="4" creationId="{17F59BFE-1F5B-4280-9DC2-96DED29C064D}"/>
+          </ac:spMkLst>
+        </pc:spChg>
+        <pc:spChg chg="add mod ord">
+          <ac:chgData name="Ming-Chih Lin" userId="f1ba3ba5-e185-404b-b55f-b2be90e2bdc2" providerId="ADAL" clId="{4BD2A7FE-9E5B-4A17-9515-51BDB1FB0393}" dt="2020-06-12T04:33:09.641" v="465" actId="6549"/>
+          <ac:spMkLst>
+            <pc:docMk/>
+            <pc:sldMk cId="2259324599" sldId="326"/>
+            <ac:spMk id="5" creationId="{74600EDD-6149-4100-A352-B0800C157F5B}"/>
+          </ac:spMkLst>
+        </pc:spChg>
+      </pc:sldChg>
+      <pc:sldChg chg="modSp add mod">
+        <pc:chgData name="Ming-Chih Lin" userId="f1ba3ba5-e185-404b-b55f-b2be90e2bdc2" providerId="ADAL" clId="{4BD2A7FE-9E5B-4A17-9515-51BDB1FB0393}" dt="2020-06-09T00:10:14.185" v="431"/>
+        <pc:sldMkLst>
+          <pc:docMk/>
+          <pc:sldMk cId="2181700493" sldId="327"/>
+        </pc:sldMkLst>
+        <pc:spChg chg="mod">
+          <ac:chgData name="Ming-Chih Lin" userId="f1ba3ba5-e185-404b-b55f-b2be90e2bdc2" providerId="ADAL" clId="{4BD2A7FE-9E5B-4A17-9515-51BDB1FB0393}" dt="2020-06-09T00:10:14.185" v="431"/>
+          <ac:spMkLst>
+            <pc:docMk/>
+            <pc:sldMk cId="2181700493" sldId="327"/>
+            <ac:spMk id="4" creationId="{2FA54F75-D405-4104-B6BB-EA44A23A109A}"/>
+          </ac:spMkLst>
+        </pc:spChg>
+      </pc:sldChg>
+      <pc:sldChg chg="add">
+        <pc:chgData name="Ming-Chih Lin" userId="f1ba3ba5-e185-404b-b55f-b2be90e2bdc2" providerId="ADAL" clId="{4BD2A7FE-9E5B-4A17-9515-51BDB1FB0393}" dt="2020-06-09T00:09:06.383" v="347"/>
+        <pc:sldMkLst>
+          <pc:docMk/>
+          <pc:sldMk cId="2771393083" sldId="328"/>
+        </pc:sldMkLst>
+      </pc:sldChg>
+      <pc:sldChg chg="add del">
+        <pc:chgData name="Ming-Chih Lin" userId="f1ba3ba5-e185-404b-b55f-b2be90e2bdc2" providerId="ADAL" clId="{4BD2A7FE-9E5B-4A17-9515-51BDB1FB0393}" dt="2020-06-09T00:09:37.522" v="351"/>
+        <pc:sldMkLst>
+          <pc:docMk/>
+          <pc:sldMk cId="271607344" sldId="329"/>
+        </pc:sldMkLst>
+      </pc:sldChg>
+      <pc:sldChg chg="modSp new mod">
+        <pc:chgData name="Ming-Chih Lin" userId="f1ba3ba5-e185-404b-b55f-b2be90e2bdc2" providerId="ADAL" clId="{4BD2A7FE-9E5B-4A17-9515-51BDB1FB0393}" dt="2020-06-12T04:37:46.320" v="484" actId="20577"/>
+        <pc:sldMkLst>
+          <pc:docMk/>
+          <pc:sldMk cId="483212407" sldId="329"/>
+        </pc:sldMkLst>
+        <pc:spChg chg="mod">
+          <ac:chgData name="Ming-Chih Lin" userId="f1ba3ba5-e185-404b-b55f-b2be90e2bdc2" providerId="ADAL" clId="{4BD2A7FE-9E5B-4A17-9515-51BDB1FB0393}" dt="2020-06-12T04:37:46.320" v="484" actId="20577"/>
+          <ac:spMkLst>
+            <pc:docMk/>
+            <pc:sldMk cId="483212407" sldId="329"/>
+            <ac:spMk id="2" creationId="{C4725D65-49BE-4376-9793-ABDB25057DB6}"/>
+          </ac:spMkLst>
+        </pc:spChg>
+      </pc:sldChg>
+      <pc:sldChg chg="addSp delSp modSp new mod modClrScheme chgLayout">
+        <pc:chgData name="Ming-Chih Lin" userId="f1ba3ba5-e185-404b-b55f-b2be90e2bdc2" providerId="ADAL" clId="{4BD2A7FE-9E5B-4A17-9515-51BDB1FB0393}" dt="2020-06-12T04:48:15.616" v="647" actId="1076"/>
+        <pc:sldMkLst>
+          <pc:docMk/>
+          <pc:sldMk cId="121079834" sldId="330"/>
+        </pc:sldMkLst>
+        <pc:spChg chg="del mod ord">
+          <ac:chgData name="Ming-Chih Lin" userId="f1ba3ba5-e185-404b-b55f-b2be90e2bdc2" providerId="ADAL" clId="{4BD2A7FE-9E5B-4A17-9515-51BDB1FB0393}" dt="2020-06-12T04:37:09.094" v="477" actId="700"/>
+          <ac:spMkLst>
+            <pc:docMk/>
+            <pc:sldMk cId="121079834" sldId="330"/>
+            <ac:spMk id="2" creationId="{0873FEEC-5728-4E85-9B74-AEA7873B4EDB}"/>
+          </ac:spMkLst>
+        </pc:spChg>
+        <pc:spChg chg="del">
+          <ac:chgData name="Ming-Chih Lin" userId="f1ba3ba5-e185-404b-b55f-b2be90e2bdc2" providerId="ADAL" clId="{4BD2A7FE-9E5B-4A17-9515-51BDB1FB0393}" dt="2020-06-12T04:37:09.094" v="477" actId="700"/>
+          <ac:spMkLst>
+            <pc:docMk/>
+            <pc:sldMk cId="121079834" sldId="330"/>
+            <ac:spMk id="3" creationId="{0875C9FC-B5C4-45C8-9B49-615A74A94596}"/>
+          </ac:spMkLst>
+        </pc:spChg>
+        <pc:spChg chg="add mod ord">
+          <ac:chgData name="Ming-Chih Lin" userId="f1ba3ba5-e185-404b-b55f-b2be90e2bdc2" providerId="ADAL" clId="{4BD2A7FE-9E5B-4A17-9515-51BDB1FB0393}" dt="2020-06-12T04:38:24.424" v="507" actId="20577"/>
+          <ac:spMkLst>
+            <pc:docMk/>
+            <pc:sldMk cId="121079834" sldId="330"/>
+            <ac:spMk id="4" creationId="{A806B1BB-9EC8-48D7-AE14-06964075082D}"/>
+          </ac:spMkLst>
+        </pc:spChg>
+        <pc:spChg chg="add mod ord">
+          <ac:chgData name="Ming-Chih Lin" userId="f1ba3ba5-e185-404b-b55f-b2be90e2bdc2" providerId="ADAL" clId="{4BD2A7FE-9E5B-4A17-9515-51BDB1FB0393}" dt="2020-06-12T04:46:54.201" v="644" actId="20577"/>
+          <ac:spMkLst>
+            <pc:docMk/>
+            <pc:sldMk cId="121079834" sldId="330"/>
+            <ac:spMk id="5" creationId="{555E4D44-5086-4D2D-B631-8C23FEDDFAE6}"/>
+          </ac:spMkLst>
+        </pc:spChg>
+        <pc:picChg chg="add mod">
+          <ac:chgData name="Ming-Chih Lin" userId="f1ba3ba5-e185-404b-b55f-b2be90e2bdc2" providerId="ADAL" clId="{4BD2A7FE-9E5B-4A17-9515-51BDB1FB0393}" dt="2020-06-12T04:48:15.616" v="647" actId="1076"/>
+          <ac:picMkLst>
+            <pc:docMk/>
+            <pc:sldMk cId="121079834" sldId="330"/>
+            <ac:picMk id="6" creationId="{FD815F72-36FA-466B-BACC-93DEFC73A8A3}"/>
+          </ac:picMkLst>
+        </pc:picChg>
+      </pc:sldChg>
+      <pc:sldChg chg="addSp delSp modSp new add del mod modClrScheme chgLayout">
+        <pc:chgData name="Ming-Chih Lin" userId="f1ba3ba5-e185-404b-b55f-b2be90e2bdc2" providerId="ADAL" clId="{4BD2A7FE-9E5B-4A17-9515-51BDB1FB0393}" dt="2020-06-12T05:34:38.216" v="1248" actId="5793"/>
+        <pc:sldMkLst>
+          <pc:docMk/>
+          <pc:sldMk cId="2855433404" sldId="331"/>
+        </pc:sldMkLst>
+        <pc:spChg chg="del">
+          <ac:chgData name="Ming-Chih Lin" userId="f1ba3ba5-e185-404b-b55f-b2be90e2bdc2" providerId="ADAL" clId="{4BD2A7FE-9E5B-4A17-9515-51BDB1FB0393}" dt="2020-06-12T04:49:05.210" v="649" actId="700"/>
+          <ac:spMkLst>
+            <pc:docMk/>
+            <pc:sldMk cId="2855433404" sldId="331"/>
+            <ac:spMk id="2" creationId="{83DA5693-B7CF-42F0-9B2F-911A269FBCD9}"/>
+          </ac:spMkLst>
+        </pc:spChg>
+        <pc:spChg chg="del">
+          <ac:chgData name="Ming-Chih Lin" userId="f1ba3ba5-e185-404b-b55f-b2be90e2bdc2" providerId="ADAL" clId="{4BD2A7FE-9E5B-4A17-9515-51BDB1FB0393}" dt="2020-06-12T04:49:05.210" v="649" actId="700"/>
+          <ac:spMkLst>
+            <pc:docMk/>
+            <pc:sldMk cId="2855433404" sldId="331"/>
+            <ac:spMk id="3" creationId="{61935FEA-4BE6-4245-BA0C-1DDE0678472C}"/>
+          </ac:spMkLst>
+        </pc:spChg>
+        <pc:spChg chg="add mod ord">
+          <ac:chgData name="Ming-Chih Lin" userId="f1ba3ba5-e185-404b-b55f-b2be90e2bdc2" providerId="ADAL" clId="{4BD2A7FE-9E5B-4A17-9515-51BDB1FB0393}" dt="2020-06-12T04:49:52.839" v="726" actId="700"/>
+          <ac:spMkLst>
+            <pc:docMk/>
+            <pc:sldMk cId="2855433404" sldId="331"/>
+            <ac:spMk id="4" creationId="{E56A67D2-3C21-4AA8-A155-9450A7C9881C}"/>
+          </ac:spMkLst>
+        </pc:spChg>
+        <pc:spChg chg="add mod ord">
+          <ac:chgData name="Ming-Chih Lin" userId="f1ba3ba5-e185-404b-b55f-b2be90e2bdc2" providerId="ADAL" clId="{4BD2A7FE-9E5B-4A17-9515-51BDB1FB0393}" dt="2020-06-12T05:34:38.216" v="1248" actId="5793"/>
+          <ac:spMkLst>
+            <pc:docMk/>
+            <pc:sldMk cId="2855433404" sldId="331"/>
+            <ac:spMk id="5" creationId="{90105B52-4360-492E-93DB-FC00F98E5B79}"/>
+          </ac:spMkLst>
+        </pc:spChg>
+        <pc:picChg chg="add del mod">
+          <ac:chgData name="Ming-Chih Lin" userId="f1ba3ba5-e185-404b-b55f-b2be90e2bdc2" providerId="ADAL" clId="{4BD2A7FE-9E5B-4A17-9515-51BDB1FB0393}" dt="2020-06-12T04:56:45.392" v="929" actId="478"/>
+          <ac:picMkLst>
+            <pc:docMk/>
+            <pc:sldMk cId="2855433404" sldId="331"/>
+            <ac:picMk id="6" creationId="{024A94FD-A431-4D21-9712-5D0581E1E837}"/>
+          </ac:picMkLst>
+        </pc:picChg>
+        <pc:picChg chg="add mod">
+          <ac:chgData name="Ming-Chih Lin" userId="f1ba3ba5-e185-404b-b55f-b2be90e2bdc2" providerId="ADAL" clId="{4BD2A7FE-9E5B-4A17-9515-51BDB1FB0393}" dt="2020-06-12T05:31:31.806" v="1241" actId="14100"/>
+          <ac:picMkLst>
+            <pc:docMk/>
+            <pc:sldMk cId="2855433404" sldId="331"/>
+            <ac:picMk id="7" creationId="{BC2B8580-851A-4B9D-B160-3C1CECFC38F1}"/>
+          </ac:picMkLst>
+        </pc:picChg>
+      </pc:sldChg>
+      <pc:sldChg chg="new del">
+        <pc:chgData name="Ming-Chih Lin" userId="f1ba3ba5-e185-404b-b55f-b2be90e2bdc2" providerId="ADAL" clId="{4BD2A7FE-9E5B-4A17-9515-51BDB1FB0393}" dt="2020-06-12T05:35:38.825" v="1250" actId="47"/>
+        <pc:sldMkLst>
+          <pc:docMk/>
+          <pc:sldMk cId="576604237" sldId="332"/>
+        </pc:sldMkLst>
+      </pc:sldChg>
+    </pc:docChg>
+  </pc:docChgLst>
+  <pc:docChgLst>
+    <pc:chgData name="Ming-Chih Lin" userId="f1ba3ba5-e185-404b-b55f-b2be90e2bdc2" providerId="ADAL" clId="{F1FA031A-4D31-4AEE-8DCB-44C85EA436EB}"/>
+    <pc:docChg chg="undo custSel addSld delSld modSld sldOrd">
+      <pc:chgData name="Ming-Chih Lin" userId="f1ba3ba5-e185-404b-b55f-b2be90e2bdc2" providerId="ADAL" clId="{F1FA031A-4D31-4AEE-8DCB-44C85EA436EB}" dt="2020-06-02T00:07:33.244" v="1133" actId="47"/>
+      <pc:docMkLst>
+        <pc:docMk/>
+      </pc:docMkLst>
+      <pc:sldChg chg="del">
+        <pc:chgData name="Ming-Chih Lin" userId="f1ba3ba5-e185-404b-b55f-b2be90e2bdc2" providerId="ADAL" clId="{F1FA031A-4D31-4AEE-8DCB-44C85EA436EB}" dt="2020-06-01T23:15:08.393" v="370" actId="47"/>
+        <pc:sldMkLst>
+          <pc:docMk/>
+          <pc:sldMk cId="1698449368" sldId="256"/>
+        </pc:sldMkLst>
+      </pc:sldChg>
+      <pc:sldChg chg="modSp mod">
+        <pc:chgData name="Ming-Chih Lin" userId="f1ba3ba5-e185-404b-b55f-b2be90e2bdc2" providerId="ADAL" clId="{F1FA031A-4D31-4AEE-8DCB-44C85EA436EB}" dt="2020-06-01T23:08:41.309" v="3" actId="20577"/>
+        <pc:sldMkLst>
+          <pc:docMk/>
+          <pc:sldMk cId="3437513085" sldId="257"/>
+        </pc:sldMkLst>
+        <pc:spChg chg="mod">
+          <ac:chgData name="Ming-Chih Lin" userId="f1ba3ba5-e185-404b-b55f-b2be90e2bdc2" providerId="ADAL" clId="{F1FA031A-4D31-4AEE-8DCB-44C85EA436EB}" dt="2020-06-01T23:08:41.309" v="3" actId="20577"/>
+          <ac:spMkLst>
+            <pc:docMk/>
+            <pc:sldMk cId="3437513085" sldId="257"/>
+            <ac:spMk id="2" creationId="{F00E360D-5F36-459A-8321-D0EA4C8C73FE}"/>
+          </ac:spMkLst>
+        </pc:spChg>
+      </pc:sldChg>
+      <pc:sldChg chg="del">
+        <pc:chgData name="Ming-Chih Lin" userId="f1ba3ba5-e185-404b-b55f-b2be90e2bdc2" providerId="ADAL" clId="{F1FA031A-4D31-4AEE-8DCB-44C85EA436EB}" dt="2020-06-01T23:15:08.393" v="370" actId="47"/>
+        <pc:sldMkLst>
+          <pc:docMk/>
+          <pc:sldMk cId="1322618313" sldId="258"/>
+        </pc:sldMkLst>
+      </pc:sldChg>
+      <pc:sldChg chg="del">
+        <pc:chgData name="Ming-Chih Lin" userId="f1ba3ba5-e185-404b-b55f-b2be90e2bdc2" providerId="ADAL" clId="{F1FA031A-4D31-4AEE-8DCB-44C85EA436EB}" dt="2020-06-01T23:15:08.393" v="370" actId="47"/>
+        <pc:sldMkLst>
+          <pc:docMk/>
+          <pc:sldMk cId="1086438915" sldId="260"/>
+        </pc:sldMkLst>
+      </pc:sldChg>
+      <pc:sldChg chg="del">
+        <pc:chgData name="Ming-Chih Lin" userId="f1ba3ba5-e185-404b-b55f-b2be90e2bdc2" providerId="ADAL" clId="{F1FA031A-4D31-4AEE-8DCB-44C85EA436EB}" dt="2020-06-01T23:15:08.393" v="370" actId="47"/>
+        <pc:sldMkLst>
+          <pc:docMk/>
+          <pc:sldMk cId="3291901244" sldId="261"/>
+        </pc:sldMkLst>
+      </pc:sldChg>
+      <pc:sldChg chg="del">
+        <pc:chgData name="Ming-Chih Lin" userId="f1ba3ba5-e185-404b-b55f-b2be90e2bdc2" providerId="ADAL" clId="{F1FA031A-4D31-4AEE-8DCB-44C85EA436EB}" dt="2020-06-01T23:15:08.393" v="370" actId="47"/>
+        <pc:sldMkLst>
+          <pc:docMk/>
+          <pc:sldMk cId="947049355" sldId="262"/>
+        </pc:sldMkLst>
+      </pc:sldChg>
+      <pc:sldChg chg="del">
+        <pc:chgData name="Ming-Chih Lin" userId="f1ba3ba5-e185-404b-b55f-b2be90e2bdc2" providerId="ADAL" clId="{F1FA031A-4D31-4AEE-8DCB-44C85EA436EB}" dt="2020-06-01T23:15:08.393" v="370" actId="47"/>
+        <pc:sldMkLst>
+          <pc:docMk/>
+          <pc:sldMk cId="3427989766" sldId="263"/>
+        </pc:sldMkLst>
+      </pc:sldChg>
+      <pc:sldChg chg="del">
+        <pc:chgData name="Ming-Chih Lin" userId="f1ba3ba5-e185-404b-b55f-b2be90e2bdc2" providerId="ADAL" clId="{F1FA031A-4D31-4AEE-8DCB-44C85EA436EB}" dt="2020-06-01T23:15:08.393" v="370" actId="47"/>
+        <pc:sldMkLst>
+          <pc:docMk/>
+          <pc:sldMk cId="2336614475" sldId="264"/>
+        </pc:sldMkLst>
+      </pc:sldChg>
+      <pc:sldChg chg="del">
+        <pc:chgData name="Ming-Chih Lin" userId="f1ba3ba5-e185-404b-b55f-b2be90e2bdc2" providerId="ADAL" clId="{F1FA031A-4D31-4AEE-8DCB-44C85EA436EB}" dt="2020-06-01T23:15:08.393" v="370" actId="47"/>
+        <pc:sldMkLst>
+          <pc:docMk/>
+          <pc:sldMk cId="679909818" sldId="265"/>
+        </pc:sldMkLst>
+      </pc:sldChg>
+      <pc:sldChg chg="del">
+        <pc:chgData name="Ming-Chih Lin" userId="f1ba3ba5-e185-404b-b55f-b2be90e2bdc2" providerId="ADAL" clId="{F1FA031A-4D31-4AEE-8DCB-44C85EA436EB}" dt="2020-06-01T23:16:29.231" v="438" actId="47"/>
+        <pc:sldMkLst>
+          <pc:docMk/>
+          <pc:sldMk cId="1717474662" sldId="266"/>
+        </pc:sldMkLst>
+      </pc:sldChg>
+      <pc:sldChg chg="del">
+        <pc:chgData name="Ming-Chih Lin" userId="f1ba3ba5-e185-404b-b55f-b2be90e2bdc2" providerId="ADAL" clId="{F1FA031A-4D31-4AEE-8DCB-44C85EA436EB}" dt="2020-06-01T23:16:29.231" v="438" actId="47"/>
+        <pc:sldMkLst>
+          <pc:docMk/>
+          <pc:sldMk cId="751778690" sldId="267"/>
+        </pc:sldMkLst>
+      </pc:sldChg>
+      <pc:sldChg chg="del">
+        <pc:chgData name="Ming-Chih Lin" userId="f1ba3ba5-e185-404b-b55f-b2be90e2bdc2" providerId="ADAL" clId="{F1FA031A-4D31-4AEE-8DCB-44C85EA436EB}" dt="2020-06-01T23:15:08.393" v="370" actId="47"/>
+        <pc:sldMkLst>
+          <pc:docMk/>
+          <pc:sldMk cId="1480965944" sldId="268"/>
+        </pc:sldMkLst>
+      </pc:sldChg>
+      <pc:sldChg chg="del">
+        <pc:chgData name="Ming-Chih Lin" userId="f1ba3ba5-e185-404b-b55f-b2be90e2bdc2" providerId="ADAL" clId="{F1FA031A-4D31-4AEE-8DCB-44C85EA436EB}" dt="2020-06-01T23:15:08.393" v="370" actId="47"/>
+        <pc:sldMkLst>
+          <pc:docMk/>
+          <pc:sldMk cId="2517686270" sldId="269"/>
+        </pc:sldMkLst>
+      </pc:sldChg>
+      <pc:sldChg chg="del">
+        <pc:chgData name="Ming-Chih Lin" userId="f1ba3ba5-e185-404b-b55f-b2be90e2bdc2" providerId="ADAL" clId="{F1FA031A-4D31-4AEE-8DCB-44C85EA436EB}" dt="2020-06-01T23:15:08.393" v="370" actId="47"/>
+        <pc:sldMkLst>
+          <pc:docMk/>
+          <pc:sldMk cId="1580561292" sldId="270"/>
+        </pc:sldMkLst>
+      </pc:sldChg>
+      <pc:sldChg chg="del">
+        <pc:chgData name="Ming-Chih Lin" userId="f1ba3ba5-e185-404b-b55f-b2be90e2bdc2" providerId="ADAL" clId="{F1FA031A-4D31-4AEE-8DCB-44C85EA436EB}" dt="2020-06-01T23:15:08.393" v="370" actId="47"/>
+        <pc:sldMkLst>
+          <pc:docMk/>
+          <pc:sldMk cId="2984231426" sldId="271"/>
+        </pc:sldMkLst>
+      </pc:sldChg>
+      <pc:sldChg chg="modSp mod">
+        <pc:chgData name="Ming-Chih Lin" userId="f1ba3ba5-e185-404b-b55f-b2be90e2bdc2" providerId="ADAL" clId="{F1FA031A-4D31-4AEE-8DCB-44C85EA436EB}" dt="2020-06-01T23:15:24.433" v="386"/>
+        <pc:sldMkLst>
+          <pc:docMk/>
+          <pc:sldMk cId="2189207556" sldId="272"/>
+        </pc:sldMkLst>
+        <pc:spChg chg="mod">
+          <ac:chgData name="Ming-Chih Lin" userId="f1ba3ba5-e185-404b-b55f-b2be90e2bdc2" providerId="ADAL" clId="{F1FA031A-4D31-4AEE-8DCB-44C85EA436EB}" dt="2020-06-01T23:15:24.433" v="386"/>
+          <ac:spMkLst>
+            <pc:docMk/>
+            <pc:sldMk cId="2189207556" sldId="272"/>
+            <ac:spMk id="4" creationId="{2FA54F75-D405-4104-B6BB-EA44A23A109A}"/>
+          </ac:spMkLst>
+        </pc:spChg>
+      </pc:sldChg>
+      <pc:sldChg chg="del">
+        <pc:chgData name="Ming-Chih Lin" userId="f1ba3ba5-e185-404b-b55f-b2be90e2bdc2" providerId="ADAL" clId="{F1FA031A-4D31-4AEE-8DCB-44C85EA436EB}" dt="2020-06-01T23:15:08.393" v="370" actId="47"/>
+        <pc:sldMkLst>
+          <pc:docMk/>
+          <pc:sldMk cId="2963169921" sldId="273"/>
+        </pc:sldMkLst>
+      </pc:sldChg>
+      <pc:sldChg chg="del">
+        <pc:chgData name="Ming-Chih Lin" userId="f1ba3ba5-e185-404b-b55f-b2be90e2bdc2" providerId="ADAL" clId="{F1FA031A-4D31-4AEE-8DCB-44C85EA436EB}" dt="2020-06-01T23:15:08.393" v="370" actId="47"/>
+        <pc:sldMkLst>
+          <pc:docMk/>
+          <pc:sldMk cId="252655923" sldId="275"/>
+        </pc:sldMkLst>
+      </pc:sldChg>
+      <pc:sldChg chg="del">
+        <pc:chgData name="Ming-Chih Lin" userId="f1ba3ba5-e185-404b-b55f-b2be90e2bdc2" providerId="ADAL" clId="{F1FA031A-4D31-4AEE-8DCB-44C85EA436EB}" dt="2020-06-01T23:15:08.393" v="370" actId="47"/>
+        <pc:sldMkLst>
+          <pc:docMk/>
+          <pc:sldMk cId="666544265" sldId="281"/>
+        </pc:sldMkLst>
+      </pc:sldChg>
+      <pc:sldChg chg="del">
+        <pc:chgData name="Ming-Chih Lin" userId="f1ba3ba5-e185-404b-b55f-b2be90e2bdc2" providerId="ADAL" clId="{F1FA031A-4D31-4AEE-8DCB-44C85EA436EB}" dt="2020-06-01T23:15:08.393" v="370" actId="47"/>
+        <pc:sldMkLst>
+          <pc:docMk/>
+          <pc:sldMk cId="3344907558" sldId="282"/>
+        </pc:sldMkLst>
+      </pc:sldChg>
+      <pc:sldChg chg="del">
+        <pc:chgData name="Ming-Chih Lin" userId="f1ba3ba5-e185-404b-b55f-b2be90e2bdc2" providerId="ADAL" clId="{F1FA031A-4D31-4AEE-8DCB-44C85EA436EB}" dt="2020-06-01T23:16:29.231" v="438" actId="47"/>
+        <pc:sldMkLst>
+          <pc:docMk/>
+          <pc:sldMk cId="4282441724" sldId="283"/>
+        </pc:sldMkLst>
+      </pc:sldChg>
+      <pc:sldChg chg="del">
+        <pc:chgData name="Ming-Chih Lin" userId="f1ba3ba5-e185-404b-b55f-b2be90e2bdc2" providerId="ADAL" clId="{F1FA031A-4D31-4AEE-8DCB-44C85EA436EB}" dt="2020-06-01T23:15:08.393" v="370" actId="47"/>
+        <pc:sldMkLst>
+          <pc:docMk/>
+          <pc:sldMk cId="2651586421" sldId="284"/>
+        </pc:sldMkLst>
+      </pc:sldChg>
+      <pc:sldChg chg="del">
+        <pc:chgData name="Ming-Chih Lin" userId="f1ba3ba5-e185-404b-b55f-b2be90e2bdc2" providerId="ADAL" clId="{F1FA031A-4D31-4AEE-8DCB-44C85EA436EB}" dt="2020-06-01T23:15:08.393" v="370" actId="47"/>
+        <pc:sldMkLst>
+          <pc:docMk/>
+          <pc:sldMk cId="3195449515" sldId="285"/>
+        </pc:sldMkLst>
+      </pc:sldChg>
+      <pc:sldChg chg="del">
+        <pc:chgData name="Ming-Chih Lin" userId="f1ba3ba5-e185-404b-b55f-b2be90e2bdc2" providerId="ADAL" clId="{F1FA031A-4D31-4AEE-8DCB-44C85EA436EB}" dt="2020-06-01T23:16:29.231" v="438" actId="47"/>
+        <pc:sldMkLst>
+          <pc:docMk/>
+          <pc:sldMk cId="1489283586" sldId="286"/>
+        </pc:sldMkLst>
+      </pc:sldChg>
+      <pc:sldChg chg="del">
+        <pc:chgData name="Ming-Chih Lin" userId="f1ba3ba5-e185-404b-b55f-b2be90e2bdc2" providerId="ADAL" clId="{F1FA031A-4D31-4AEE-8DCB-44C85EA436EB}" dt="2020-06-01T23:12:04.010" v="173" actId="47"/>
+        <pc:sldMkLst>
+          <pc:docMk/>
+          <pc:sldMk cId="2068811213" sldId="287"/>
+        </pc:sldMkLst>
+      </pc:sldChg>
+      <pc:sldChg chg="modSp mod">
+        <pc:chgData name="Ming-Chih Lin" userId="f1ba3ba5-e185-404b-b55f-b2be90e2bdc2" providerId="ADAL" clId="{F1FA031A-4D31-4AEE-8DCB-44C85EA436EB}" dt="2020-06-01T23:13:24.905" v="277"/>
+        <pc:sldMkLst>
+          <pc:docMk/>
+          <pc:sldMk cId="2773999239" sldId="288"/>
+        </pc:sldMkLst>
+        <pc:spChg chg="mod">
+          <ac:chgData name="Ming-Chih Lin" userId="f1ba3ba5-e185-404b-b55f-b2be90e2bdc2" providerId="ADAL" clId="{F1FA031A-4D31-4AEE-8DCB-44C85EA436EB}" dt="2020-06-01T23:13:24.905" v="277"/>
+          <ac:spMkLst>
+            <pc:docMk/>
+            <pc:sldMk cId="2773999239" sldId="288"/>
+            <ac:spMk id="5" creationId="{D9BE9DE2-8245-4CD7-8644-BCDBABA8D1A8}"/>
+          </ac:spMkLst>
+        </pc:spChg>
+      </pc:sldChg>
+      <pc:sldChg chg="modSp mod">
+        <pc:chgData name="Ming-Chih Lin" userId="f1ba3ba5-e185-404b-b55f-b2be90e2bdc2" providerId="ADAL" clId="{F1FA031A-4D31-4AEE-8DCB-44C85EA436EB}" dt="2020-06-01T23:11:56.151" v="172"/>
+        <pc:sldMkLst>
+          <pc:docMk/>
+          <pc:sldMk cId="1061609012" sldId="289"/>
+        </pc:sldMkLst>
+        <pc:spChg chg="mod">
+          <ac:chgData name="Ming-Chih Lin" userId="f1ba3ba5-e185-404b-b55f-b2be90e2bdc2" providerId="ADAL" clId="{F1FA031A-4D31-4AEE-8DCB-44C85EA436EB}" dt="2020-06-01T23:11:56.151" v="172"/>
+          <ac:spMkLst>
+            <pc:docMk/>
+            <pc:sldMk cId="1061609012" sldId="289"/>
+            <ac:spMk id="4" creationId="{A96425F9-195D-4693-9E6E-3A6A87237F5E}"/>
+          </ac:spMkLst>
+        </pc:spChg>
+      </pc:sldChg>
+      <pc:sldChg chg="modSp mod">
+        <pc:chgData name="Ming-Chih Lin" userId="f1ba3ba5-e185-404b-b55f-b2be90e2bdc2" providerId="ADAL" clId="{F1FA031A-4D31-4AEE-8DCB-44C85EA436EB}" dt="2020-06-01T23:22:46.379" v="630"/>
+        <pc:sldMkLst>
+          <pc:docMk/>
+          <pc:sldMk cId="1663756997" sldId="290"/>
+        </pc:sldMkLst>
+        <pc:spChg chg="mod">
+          <ac:chgData name="Ming-Chih Lin" userId="f1ba3ba5-e185-404b-b55f-b2be90e2bdc2" providerId="ADAL" clId="{F1FA031A-4D31-4AEE-8DCB-44C85EA436EB}" dt="2020-06-01T23:22:46.379" v="630"/>
+          <ac:spMkLst>
+            <pc:docMk/>
+            <pc:sldMk cId="1663756997" sldId="290"/>
+            <ac:spMk id="3" creationId="{FDA2CCF4-8156-43AA-A2A5-BCE09F7AF6E8}"/>
+          </ac:spMkLst>
+        </pc:spChg>
+      </pc:sldChg>
+      <pc:sldChg chg="del">
+        <pc:chgData name="Ming-Chih Lin" userId="f1ba3ba5-e185-404b-b55f-b2be90e2bdc2" providerId="ADAL" clId="{F1FA031A-4D31-4AEE-8DCB-44C85EA436EB}" dt="2020-06-01T23:16:29.231" v="438" actId="47"/>
+        <pc:sldMkLst>
+          <pc:docMk/>
+          <pc:sldMk cId="4146132641" sldId="291"/>
+        </pc:sldMkLst>
+      </pc:sldChg>
+      <pc:sldChg chg="del">
+        <pc:chgData name="Ming-Chih Lin" userId="f1ba3ba5-e185-404b-b55f-b2be90e2bdc2" providerId="ADAL" clId="{F1FA031A-4D31-4AEE-8DCB-44C85EA436EB}" dt="2020-06-01T23:16:29.231" v="438" actId="47"/>
+        <pc:sldMkLst>
+          <pc:docMk/>
+          <pc:sldMk cId="2609797397" sldId="292"/>
+        </pc:sldMkLst>
+      </pc:sldChg>
+      <pc:sldChg chg="del">
+        <pc:chgData name="Ming-Chih Lin" userId="f1ba3ba5-e185-404b-b55f-b2be90e2bdc2" providerId="ADAL" clId="{F1FA031A-4D31-4AEE-8DCB-44C85EA436EB}" dt="2020-06-01T23:16:29.231" v="438" actId="47"/>
+        <pc:sldMkLst>
+          <pc:docMk/>
+          <pc:sldMk cId="289535632" sldId="293"/>
+        </pc:sldMkLst>
+      </pc:sldChg>
+      <pc:sldChg chg="del">
+        <pc:chgData name="Ming-Chih Lin" userId="f1ba3ba5-e185-404b-b55f-b2be90e2bdc2" providerId="ADAL" clId="{F1FA031A-4D31-4AEE-8DCB-44C85EA436EB}" dt="2020-06-01T23:15:08.393" v="370" actId="47"/>
+        <pc:sldMkLst>
+          <pc:docMk/>
+          <pc:sldMk cId="64240318" sldId="294"/>
+        </pc:sldMkLst>
+      </pc:sldChg>
+      <pc:sldChg chg="del">
+        <pc:chgData name="Ming-Chih Lin" userId="f1ba3ba5-e185-404b-b55f-b2be90e2bdc2" providerId="ADAL" clId="{F1FA031A-4D31-4AEE-8DCB-44C85EA436EB}" dt="2020-06-01T23:15:08.393" v="370" actId="47"/>
+        <pc:sldMkLst>
+          <pc:docMk/>
+          <pc:sldMk cId="3800941536" sldId="295"/>
+        </pc:sldMkLst>
+      </pc:sldChg>
+      <pc:sldChg chg="del">
+        <pc:chgData name="Ming-Chih Lin" userId="f1ba3ba5-e185-404b-b55f-b2be90e2bdc2" providerId="ADAL" clId="{F1FA031A-4D31-4AEE-8DCB-44C85EA436EB}" dt="2020-06-01T23:15:08.393" v="370" actId="47"/>
+        <pc:sldMkLst>
+          <pc:docMk/>
+          <pc:sldMk cId="71803066" sldId="296"/>
+        </pc:sldMkLst>
+      </pc:sldChg>
+      <pc:sldChg chg="del">
+        <pc:chgData name="Ming-Chih Lin" userId="f1ba3ba5-e185-404b-b55f-b2be90e2bdc2" providerId="ADAL" clId="{F1FA031A-4D31-4AEE-8DCB-44C85EA436EB}" dt="2020-06-01T23:15:08.393" v="370" actId="47"/>
+        <pc:sldMkLst>
+          <pc:docMk/>
+          <pc:sldMk cId="3823943526" sldId="297"/>
+        </pc:sldMkLst>
+      </pc:sldChg>
+      <pc:sldChg chg="modSp new mod">
+        <pc:chgData name="Ming-Chih Lin" userId="f1ba3ba5-e185-404b-b55f-b2be90e2bdc2" providerId="ADAL" clId="{F1FA031A-4D31-4AEE-8DCB-44C85EA436EB}" dt="2020-06-01T23:09:56.216" v="75"/>
+        <pc:sldMkLst>
+          <pc:docMk/>
+          <pc:sldMk cId="888648973" sldId="298"/>
+        </pc:sldMkLst>
+        <pc:spChg chg="mod">
+          <ac:chgData name="Ming-Chih Lin" userId="f1ba3ba5-e185-404b-b55f-b2be90e2bdc2" providerId="ADAL" clId="{F1FA031A-4D31-4AEE-8DCB-44C85EA436EB}" dt="2020-06-01T23:09:56.216" v="75"/>
+          <ac:spMkLst>
+            <pc:docMk/>
+            <pc:sldMk cId="888648973" sldId="298"/>
+            <ac:spMk id="2" creationId="{A8BA54D6-C8F9-4AAC-8CAA-D399FA342724}"/>
+          </ac:spMkLst>
+        </pc:spChg>
+      </pc:sldChg>
+      <pc:sldChg chg="modSp add mod">
+        <pc:chgData name="Ming-Chih Lin" userId="f1ba3ba5-e185-404b-b55f-b2be90e2bdc2" providerId="ADAL" clId="{F1FA031A-4D31-4AEE-8DCB-44C85EA436EB}" dt="2020-06-01T23:14:32.055" v="369"/>
+        <pc:sldMkLst>
+          <pc:docMk/>
+          <pc:sldMk cId="101432508" sldId="299"/>
+        </pc:sldMkLst>
+        <pc:spChg chg="mod">
+          <ac:chgData name="Ming-Chih Lin" userId="f1ba3ba5-e185-404b-b55f-b2be90e2bdc2" providerId="ADAL" clId="{F1FA031A-4D31-4AEE-8DCB-44C85EA436EB}" dt="2020-06-01T23:14:32.055" v="369"/>
+          <ac:spMkLst>
+            <pc:docMk/>
+            <pc:sldMk cId="101432508" sldId="299"/>
+            <ac:spMk id="3" creationId="{FDA2CCF4-8156-43AA-A2A5-BCE09F7AF6E8}"/>
+          </ac:spMkLst>
+        </pc:spChg>
+      </pc:sldChg>
+      <pc:sldChg chg="addSp delSp modSp new mod modClrScheme chgLayout">
+        <pc:chgData name="Ming-Chih Lin" userId="f1ba3ba5-e185-404b-b55f-b2be90e2bdc2" providerId="ADAL" clId="{F1FA031A-4D31-4AEE-8DCB-44C85EA436EB}" dt="2020-06-01T23:18:37.024" v="538"/>
+        <pc:sldMkLst>
+          <pc:docMk/>
+          <pc:sldMk cId="1415465906" sldId="300"/>
+        </pc:sldMkLst>
+        <pc:spChg chg="del mod ord">
+          <ac:chgData name="Ming-Chih Lin" userId="f1ba3ba5-e185-404b-b55f-b2be90e2bdc2" providerId="ADAL" clId="{F1FA031A-4D31-4AEE-8DCB-44C85EA436EB}" dt="2020-06-01T23:15:32.824" v="388" actId="700"/>
+          <ac:spMkLst>
+            <pc:docMk/>
+            <pc:sldMk cId="1415465906" sldId="300"/>
+            <ac:spMk id="2" creationId="{2A4DBE0D-A8A4-4F12-858B-E8F5C1DC52BA}"/>
+          </ac:spMkLst>
+        </pc:spChg>
+        <pc:spChg chg="del">
+          <ac:chgData name="Ming-Chih Lin" userId="f1ba3ba5-e185-404b-b55f-b2be90e2bdc2" providerId="ADAL" clId="{F1FA031A-4D31-4AEE-8DCB-44C85EA436EB}" dt="2020-06-01T23:15:32.824" v="388" actId="700"/>
+          <ac:spMkLst>
+            <pc:docMk/>
+            <pc:sldMk cId="1415465906" sldId="300"/>
+            <ac:spMk id="3" creationId="{AFC4772C-804D-474C-89D9-7ADC6AAA7865}"/>
+          </ac:spMkLst>
+        </pc:spChg>
+        <pc:spChg chg="add mod ord">
+          <ac:chgData name="Ming-Chih Lin" userId="f1ba3ba5-e185-404b-b55f-b2be90e2bdc2" providerId="ADAL" clId="{F1FA031A-4D31-4AEE-8DCB-44C85EA436EB}" dt="2020-06-01T23:18:37.024" v="538"/>
+          <ac:spMkLst>
+            <pc:docMk/>
+            <pc:sldMk cId="1415465906" sldId="300"/>
+            <ac:spMk id="4" creationId="{42223639-7737-4ADF-9CCC-84644374FFB5}"/>
+          </ac:spMkLst>
+        </pc:spChg>
+        <pc:spChg chg="add mod ord">
+          <ac:chgData name="Ming-Chih Lin" userId="f1ba3ba5-e185-404b-b55f-b2be90e2bdc2" providerId="ADAL" clId="{F1FA031A-4D31-4AEE-8DCB-44C85EA436EB}" dt="2020-06-01T23:15:32.824" v="388" actId="700"/>
+          <ac:spMkLst>
+            <pc:docMk/>
+            <pc:sldMk cId="1415465906" sldId="300"/>
+            <ac:spMk id="5" creationId="{B37260B8-3B0D-40A3-8B25-1D9D532C9BED}"/>
+          </ac:spMkLst>
+        </pc:spChg>
+      </pc:sldChg>
+      <pc:sldChg chg="modSp add mod">
+        <pc:chgData name="Ming-Chih Lin" userId="f1ba3ba5-e185-404b-b55f-b2be90e2bdc2" providerId="ADAL" clId="{F1FA031A-4D31-4AEE-8DCB-44C85EA436EB}" dt="2020-06-01T23:26:30.522" v="688" actId="20577"/>
+        <pc:sldMkLst>
+          <pc:docMk/>
+          <pc:sldMk cId="1171545912" sldId="301"/>
+        </pc:sldMkLst>
+        <pc:spChg chg="mod">
+          <ac:chgData name="Ming-Chih Lin" userId="f1ba3ba5-e185-404b-b55f-b2be90e2bdc2" providerId="ADAL" clId="{F1FA031A-4D31-4AEE-8DCB-44C85EA436EB}" dt="2020-06-01T23:19:32.230" v="541"/>
+          <ac:spMkLst>
+            <pc:docMk/>
+            <pc:sldMk cId="1171545912" sldId="301"/>
+            <ac:spMk id="4" creationId="{42223639-7737-4ADF-9CCC-84644374FFB5}"/>
+          </ac:spMkLst>
+        </pc:spChg>
+        <pc:spChg chg="mod">
+          <ac:chgData name="Ming-Chih Lin" userId="f1ba3ba5-e185-404b-b55f-b2be90e2bdc2" providerId="ADAL" clId="{F1FA031A-4D31-4AEE-8DCB-44C85EA436EB}" dt="2020-06-01T23:26:30.522" v="688" actId="20577"/>
+          <ac:spMkLst>
+            <pc:docMk/>
+            <pc:sldMk cId="1171545912" sldId="301"/>
+            <ac:spMk id="5" creationId="{B37260B8-3B0D-40A3-8B25-1D9D532C9BED}"/>
+          </ac:spMkLst>
+        </pc:spChg>
+      </pc:sldChg>
+      <pc:sldChg chg="modSp add mod">
+        <pc:chgData name="Ming-Chih Lin" userId="f1ba3ba5-e185-404b-b55f-b2be90e2bdc2" providerId="ADAL" clId="{F1FA031A-4D31-4AEE-8DCB-44C85EA436EB}" dt="2020-06-01T23:27:59.481" v="710" actId="20577"/>
+        <pc:sldMkLst>
+          <pc:docMk/>
+          <pc:sldMk cId="2002684050" sldId="302"/>
+        </pc:sldMkLst>
+        <pc:spChg chg="mod">
+          <ac:chgData name="Ming-Chih Lin" userId="f1ba3ba5-e185-404b-b55f-b2be90e2bdc2" providerId="ADAL" clId="{F1FA031A-4D31-4AEE-8DCB-44C85EA436EB}" dt="2020-06-01T23:27:59.481" v="710" actId="20577"/>
+          <ac:spMkLst>
+            <pc:docMk/>
+            <pc:sldMk cId="2002684050" sldId="302"/>
+            <ac:spMk id="4" creationId="{42223639-7737-4ADF-9CCC-84644374FFB5}"/>
+          </ac:spMkLst>
+        </pc:spChg>
+        <pc:spChg chg="mod">
+          <ac:chgData name="Ming-Chih Lin" userId="f1ba3ba5-e185-404b-b55f-b2be90e2bdc2" providerId="ADAL" clId="{F1FA031A-4D31-4AEE-8DCB-44C85EA436EB}" dt="2020-06-01T23:21:42.958" v="586" actId="21"/>
+          <ac:spMkLst>
+            <pc:docMk/>
+            <pc:sldMk cId="2002684050" sldId="302"/>
+            <ac:spMk id="5" creationId="{B37260B8-3B0D-40A3-8B25-1D9D532C9BED}"/>
+          </ac:spMkLst>
+        </pc:spChg>
+      </pc:sldChg>
+      <pc:sldChg chg="addSp delSp modSp add del mod ord">
+        <pc:chgData name="Ming-Chih Lin" userId="f1ba3ba5-e185-404b-b55f-b2be90e2bdc2" providerId="ADAL" clId="{F1FA031A-4D31-4AEE-8DCB-44C85EA436EB}" dt="2020-06-01T23:27:56.183" v="708" actId="47"/>
+        <pc:sldMkLst>
+          <pc:docMk/>
+          <pc:sldMk cId="4107279448" sldId="303"/>
+        </pc:sldMkLst>
+        <pc:spChg chg="add del mod">
+          <ac:chgData name="Ming-Chih Lin" userId="f1ba3ba5-e185-404b-b55f-b2be90e2bdc2" providerId="ADAL" clId="{F1FA031A-4D31-4AEE-8DCB-44C85EA436EB}" dt="2020-06-01T23:23:56.344" v="655"/>
+          <ac:spMkLst>
+            <pc:docMk/>
+            <pc:sldMk cId="4107279448" sldId="303"/>
+            <ac:spMk id="2" creationId="{A47E8DDF-F70A-4E2D-8C01-9E501A43A6F7}"/>
+          </ac:spMkLst>
+        </pc:spChg>
+        <pc:spChg chg="mod">
+          <ac:chgData name="Ming-Chih Lin" userId="f1ba3ba5-e185-404b-b55f-b2be90e2bdc2" providerId="ADAL" clId="{F1FA031A-4D31-4AEE-8DCB-44C85EA436EB}" dt="2020-06-01T23:26:57.506" v="696" actId="20577"/>
+          <ac:spMkLst>
+            <pc:docMk/>
+            <pc:sldMk cId="4107279448" sldId="303"/>
+            <ac:spMk id="4" creationId="{42223639-7737-4ADF-9CCC-84644374FFB5}"/>
+          </ac:spMkLst>
+        </pc:spChg>
+      </pc:sldChg>
+      <pc:sldChg chg="modSp add mod">
+        <pc:chgData name="Ming-Chih Lin" userId="f1ba3ba5-e185-404b-b55f-b2be90e2bdc2" providerId="ADAL" clId="{F1FA031A-4D31-4AEE-8DCB-44C85EA436EB}" dt="2020-06-01T23:28:13.818" v="713" actId="6549"/>
+        <pc:sldMkLst>
+          <pc:docMk/>
+          <pc:sldMk cId="3346354504" sldId="304"/>
+        </pc:sldMkLst>
+        <pc:spChg chg="mod">
+          <ac:chgData name="Ming-Chih Lin" userId="f1ba3ba5-e185-404b-b55f-b2be90e2bdc2" providerId="ADAL" clId="{F1FA031A-4D31-4AEE-8DCB-44C85EA436EB}" dt="2020-06-01T23:28:13.818" v="713" actId="6549"/>
+          <ac:spMkLst>
+            <pc:docMk/>
+            <pc:sldMk cId="3346354504" sldId="304"/>
+            <ac:spMk id="4" creationId="{42223639-7737-4ADF-9CCC-84644374FFB5}"/>
+          </ac:spMkLst>
+        </pc:spChg>
+      </pc:sldChg>
+      <pc:sldChg chg="modSp add mod">
+        <pc:chgData name="Ming-Chih Lin" userId="f1ba3ba5-e185-404b-b55f-b2be90e2bdc2" providerId="ADAL" clId="{F1FA031A-4D31-4AEE-8DCB-44C85EA436EB}" dt="2020-06-01T23:28:27.201" v="714"/>
+        <pc:sldMkLst>
+          <pc:docMk/>
+          <pc:sldMk cId="1699586139" sldId="305"/>
+        </pc:sldMkLst>
+        <pc:spChg chg="mod">
+          <ac:chgData name="Ming-Chih Lin" userId="f1ba3ba5-e185-404b-b55f-b2be90e2bdc2" providerId="ADAL" clId="{F1FA031A-4D31-4AEE-8DCB-44C85EA436EB}" dt="2020-06-01T23:28:27.201" v="714"/>
+          <ac:spMkLst>
+            <pc:docMk/>
+            <pc:sldMk cId="1699586139" sldId="305"/>
+            <ac:spMk id="4" creationId="{42223639-7737-4ADF-9CCC-84644374FFB5}"/>
+          </ac:spMkLst>
+        </pc:spChg>
+      </pc:sldChg>
+      <pc:sldChg chg="modSp add mod">
+        <pc:chgData name="Ming-Chih Lin" userId="f1ba3ba5-e185-404b-b55f-b2be90e2bdc2" providerId="ADAL" clId="{F1FA031A-4D31-4AEE-8DCB-44C85EA436EB}" dt="2020-06-01T23:27:17.368" v="703" actId="20577"/>
+        <pc:sldMkLst>
+          <pc:docMk/>
+          <pc:sldMk cId="1220209127" sldId="306"/>
+        </pc:sldMkLst>
+        <pc:spChg chg="mod">
+          <ac:chgData name="Ming-Chih Lin" userId="f1ba3ba5-e185-404b-b55f-b2be90e2bdc2" providerId="ADAL" clId="{F1FA031A-4D31-4AEE-8DCB-44C85EA436EB}" dt="2020-06-01T23:27:17.368" v="703" actId="20577"/>
+          <ac:spMkLst>
+            <pc:docMk/>
+            <pc:sldMk cId="1220209127" sldId="306"/>
+            <ac:spMk id="4" creationId="{42223639-7737-4ADF-9CCC-84644374FFB5}"/>
+          </ac:spMkLst>
+        </pc:spChg>
+      </pc:sldChg>
+      <pc:sldChg chg="modSp add mod">
+        <pc:chgData name="Ming-Chih Lin" userId="f1ba3ba5-e185-404b-b55f-b2be90e2bdc2" providerId="ADAL" clId="{F1FA031A-4D31-4AEE-8DCB-44C85EA436EB}" dt="2020-06-01T23:28:43.758" v="715"/>
+        <pc:sldMkLst>
+          <pc:docMk/>
+          <pc:sldMk cId="236770104" sldId="307"/>
+        </pc:sldMkLst>
+        <pc:spChg chg="mod">
+          <ac:chgData name="Ming-Chih Lin" userId="f1ba3ba5-e185-404b-b55f-b2be90e2bdc2" providerId="ADAL" clId="{F1FA031A-4D31-4AEE-8DCB-44C85EA436EB}" dt="2020-06-01T23:28:43.758" v="715"/>
+          <ac:spMkLst>
+            <pc:docMk/>
+            <pc:sldMk cId="236770104" sldId="307"/>
+            <ac:spMk id="4" creationId="{42223639-7737-4ADF-9CCC-84644374FFB5}"/>
+          </ac:spMkLst>
+        </pc:spChg>
+      </pc:sldChg>
+      <pc:sldChg chg="modSp new del mod">
+        <pc:chgData name="Ming-Chih Lin" userId="f1ba3ba5-e185-404b-b55f-b2be90e2bdc2" providerId="ADAL" clId="{F1FA031A-4D31-4AEE-8DCB-44C85EA436EB}" dt="2020-06-01T23:41:30.159" v="1000" actId="47"/>
+        <pc:sldMkLst>
+          <pc:docMk/>
+          <pc:sldMk cId="3757030699" sldId="308"/>
+        </pc:sldMkLst>
+        <pc:spChg chg="mod">
+          <ac:chgData name="Ming-Chih Lin" userId="f1ba3ba5-e185-404b-b55f-b2be90e2bdc2" providerId="ADAL" clId="{F1FA031A-4D31-4AEE-8DCB-44C85EA436EB}" dt="2020-06-01T23:40:38.630" v="999"/>
+          <ac:spMkLst>
+            <pc:docMk/>
+            <pc:sldMk cId="3757030699" sldId="308"/>
+            <ac:spMk id="2" creationId="{9EAB2091-9337-42B7-AC34-E09D04AC6790}"/>
+          </ac:spMkLst>
+        </pc:spChg>
+        <pc:spChg chg="mod">
+          <ac:chgData name="Ming-Chih Lin" userId="f1ba3ba5-e185-404b-b55f-b2be90e2bdc2" providerId="ADAL" clId="{F1FA031A-4D31-4AEE-8DCB-44C85EA436EB}" dt="2020-06-01T23:31:21.972" v="779"/>
+          <ac:spMkLst>
+            <pc:docMk/>
+            <pc:sldMk cId="3757030699" sldId="308"/>
+            <ac:spMk id="3" creationId="{E7C3D928-2CE9-4266-A577-F5AA1DFC7CE3}"/>
+          </ac:spMkLst>
+        </pc:spChg>
+      </pc:sldChg>
+      <pc:sldChg chg="modSp add mod">
+        <pc:chgData name="Ming-Chih Lin" userId="f1ba3ba5-e185-404b-b55f-b2be90e2bdc2" providerId="ADAL" clId="{F1FA031A-4D31-4AEE-8DCB-44C85EA436EB}" dt="2020-06-01T23:16:11.863" v="435"/>
+        <pc:sldMkLst>
+          <pc:docMk/>
+          <pc:sldMk cId="2022201700" sldId="309"/>
+        </pc:sldMkLst>
+        <pc:spChg chg="mod">
+          <ac:chgData name="Ming-Chih Lin" userId="f1ba3ba5-e185-404b-b55f-b2be90e2bdc2" providerId="ADAL" clId="{F1FA031A-4D31-4AEE-8DCB-44C85EA436EB}" dt="2020-06-01T23:16:11.863" v="435"/>
+          <ac:spMkLst>
+            <pc:docMk/>
+            <pc:sldMk cId="2022201700" sldId="309"/>
+            <ac:spMk id="4" creationId="{2FA54F75-D405-4104-B6BB-EA44A23A109A}"/>
+          </ac:spMkLst>
+        </pc:spChg>
+      </pc:sldChg>
+      <pc:sldChg chg="addSp delSp modSp add mod ord">
+        <pc:chgData name="Ming-Chih Lin" userId="f1ba3ba5-e185-404b-b55f-b2be90e2bdc2" providerId="ADAL" clId="{F1FA031A-4D31-4AEE-8DCB-44C85EA436EB}" dt="2020-06-02T00:07:30.065" v="1132" actId="1076"/>
+        <pc:sldMkLst>
+          <pc:docMk/>
+          <pc:sldMk cId="1680955994" sldId="310"/>
+        </pc:sldMkLst>
+        <pc:spChg chg="del mod">
+          <ac:chgData name="Ming-Chih Lin" userId="f1ba3ba5-e185-404b-b55f-b2be90e2bdc2" providerId="ADAL" clId="{F1FA031A-4D31-4AEE-8DCB-44C85EA436EB}" dt="2020-06-01T23:46:50.152" v="1041" actId="478"/>
+          <ac:spMkLst>
+            <pc:docMk/>
+            <pc:sldMk cId="1680955994" sldId="310"/>
+            <ac:spMk id="2" creationId="{9EAB2091-9337-42B7-AC34-E09D04AC6790}"/>
+          </ac:spMkLst>
+        </pc:spChg>
+        <pc:spChg chg="mod">
+          <ac:chgData name="Ming-Chih Lin" userId="f1ba3ba5-e185-404b-b55f-b2be90e2bdc2" providerId="ADAL" clId="{F1FA031A-4D31-4AEE-8DCB-44C85EA436EB}" dt="2020-06-01T23:48:46.017" v="1050"/>
+          <ac:spMkLst>
+            <pc:docMk/>
+            <pc:sldMk cId="1680955994" sldId="310"/>
+            <ac:spMk id="3" creationId="{E7C3D928-2CE9-4266-A577-F5AA1DFC7CE3}"/>
+          </ac:spMkLst>
+        </pc:spChg>
+        <pc:spChg chg="add del mod">
+          <ac:chgData name="Ming-Chih Lin" userId="f1ba3ba5-e185-404b-b55f-b2be90e2bdc2" providerId="ADAL" clId="{F1FA031A-4D31-4AEE-8DCB-44C85EA436EB}" dt="2020-06-01T23:46:24.822" v="1040"/>
+          <ac:spMkLst>
+            <pc:docMk/>
+            <pc:sldMk cId="1680955994" sldId="310"/>
+            <ac:spMk id="4" creationId="{DFA67099-C7C6-4EF8-9522-C5EF93E8AFF6}"/>
+          </ac:spMkLst>
+        </pc:spChg>
+        <pc:spChg chg="add del mod">
+          <ac:chgData name="Ming-Chih Lin" userId="f1ba3ba5-e185-404b-b55f-b2be90e2bdc2" providerId="ADAL" clId="{F1FA031A-4D31-4AEE-8DCB-44C85EA436EB}" dt="2020-06-01T23:48:44.122" v="1049" actId="478"/>
+          <ac:spMkLst>
+            <pc:docMk/>
+            <pc:sldMk cId="1680955994" sldId="310"/>
+            <ac:spMk id="6" creationId="{C6523A91-946D-454F-9415-87B2845420E5}"/>
+          </ac:spMkLst>
+        </pc:spChg>
+        <pc:picChg chg="add del mod">
+          <ac:chgData name="Ming-Chih Lin" userId="f1ba3ba5-e185-404b-b55f-b2be90e2bdc2" providerId="ADAL" clId="{F1FA031A-4D31-4AEE-8DCB-44C85EA436EB}" dt="2020-06-02T00:07:21.630" v="1129" actId="478"/>
+          <ac:picMkLst>
+            <pc:docMk/>
+            <pc:sldMk cId="1680955994" sldId="310"/>
+            <ac:picMk id="7" creationId="{04167772-23D8-46EF-86E8-9F55289031D5}"/>
+          </ac:picMkLst>
+        </pc:picChg>
+        <pc:picChg chg="add del">
+          <ac:chgData name="Ming-Chih Lin" userId="f1ba3ba5-e185-404b-b55f-b2be90e2bdc2" providerId="ADAL" clId="{F1FA031A-4D31-4AEE-8DCB-44C85EA436EB}" dt="2020-06-02T00:05:20.886" v="1055"/>
+          <ac:picMkLst>
+            <pc:docMk/>
+            <pc:sldMk cId="1680955994" sldId="310"/>
+            <ac:picMk id="8" creationId="{86E0C46E-16C0-4B9D-98F5-753D5EB5E5C0}"/>
+          </ac:picMkLst>
+        </pc:picChg>
+        <pc:picChg chg="add mod">
+          <ac:chgData name="Ming-Chih Lin" userId="f1ba3ba5-e185-404b-b55f-b2be90e2bdc2" providerId="ADAL" clId="{F1FA031A-4D31-4AEE-8DCB-44C85EA436EB}" dt="2020-06-02T00:07:30.065" v="1132" actId="1076"/>
+          <ac:picMkLst>
+            <pc:docMk/>
+            <pc:sldMk cId="1680955994" sldId="310"/>
+            <ac:picMk id="9" creationId="{A8797093-BD72-4872-BB27-2A60EE738B76}"/>
+          </ac:picMkLst>
+        </pc:picChg>
+      </pc:sldChg>
+      <pc:sldChg chg="modSp add del mod">
+        <pc:chgData name="Ming-Chih Lin" userId="f1ba3ba5-e185-404b-b55f-b2be90e2bdc2" providerId="ADAL" clId="{F1FA031A-4D31-4AEE-8DCB-44C85EA436EB}" dt="2020-06-01T23:41:30.159" v="1000" actId="47"/>
+        <pc:sldMkLst>
+          <pc:docMk/>
+          <pc:sldMk cId="3863980547" sldId="311"/>
+        </pc:sldMkLst>
+        <pc:spChg chg="mod">
+          <ac:chgData name="Ming-Chih Lin" userId="f1ba3ba5-e185-404b-b55f-b2be90e2bdc2" providerId="ADAL" clId="{F1FA031A-4D31-4AEE-8DCB-44C85EA436EB}" dt="2020-06-01T23:34:25.883" v="974" actId="20577"/>
+          <ac:spMkLst>
+            <pc:docMk/>
+            <pc:sldMk cId="3863980547" sldId="311"/>
+            <ac:spMk id="3" creationId="{E7C3D928-2CE9-4266-A577-F5AA1DFC7CE3}"/>
+          </ac:spMkLst>
+        </pc:spChg>
+      </pc:sldChg>
+      <pc:sldChg chg="addSp delSp modSp new mod modClrScheme chgLayout">
+        <pc:chgData name="Ming-Chih Lin" userId="f1ba3ba5-e185-404b-b55f-b2be90e2bdc2" providerId="ADAL" clId="{F1FA031A-4D31-4AEE-8DCB-44C85EA436EB}" dt="2020-06-02T00:07:11.358" v="1128" actId="20577"/>
+        <pc:sldMkLst>
+          <pc:docMk/>
+          <pc:sldMk cId="1266417032" sldId="312"/>
+        </pc:sldMkLst>
+        <pc:spChg chg="del">
+          <ac:chgData name="Ming-Chih Lin" userId="f1ba3ba5-e185-404b-b55f-b2be90e2bdc2" providerId="ADAL" clId="{F1FA031A-4D31-4AEE-8DCB-44C85EA436EB}" dt="2020-06-01T23:16:35.525" v="440" actId="700"/>
+          <ac:spMkLst>
+            <pc:docMk/>
+            <pc:sldMk cId="1266417032" sldId="312"/>
+            <ac:spMk id="2" creationId="{A62D4AC1-C50C-4058-B2A5-D69AA87B4258}"/>
+          </ac:spMkLst>
+        </pc:spChg>
+        <pc:spChg chg="del">
+          <ac:chgData name="Ming-Chih Lin" userId="f1ba3ba5-e185-404b-b55f-b2be90e2bdc2" providerId="ADAL" clId="{F1FA031A-4D31-4AEE-8DCB-44C85EA436EB}" dt="2020-06-01T23:16:35.525" v="440" actId="700"/>
+          <ac:spMkLst>
+            <pc:docMk/>
+            <pc:sldMk cId="1266417032" sldId="312"/>
+            <ac:spMk id="3" creationId="{24369F45-8D56-4C99-9BA5-CE752D1914AC}"/>
+          </ac:spMkLst>
+        </pc:spChg>
+        <pc:spChg chg="add mod ord">
+          <ac:chgData name="Ming-Chih Lin" userId="f1ba3ba5-e185-404b-b55f-b2be90e2bdc2" providerId="ADAL" clId="{F1FA031A-4D31-4AEE-8DCB-44C85EA436EB}" dt="2020-06-02T00:05:56.161" v="1059" actId="700"/>
+          <ac:spMkLst>
+            <pc:docMk/>
+            <pc:sldMk cId="1266417032" sldId="312"/>
+            <ac:spMk id="4" creationId="{1854605A-57A1-476A-82F9-537D284E62C2}"/>
+          </ac:spMkLst>
+        </pc:spChg>
+        <pc:spChg chg="add mod ord">
+          <ac:chgData name="Ming-Chih Lin" userId="f1ba3ba5-e185-404b-b55f-b2be90e2bdc2" providerId="ADAL" clId="{F1FA031A-4D31-4AEE-8DCB-44C85EA436EB}" dt="2020-06-02T00:07:11.358" v="1128" actId="20577"/>
+          <ac:spMkLst>
+            <pc:docMk/>
+            <pc:sldMk cId="1266417032" sldId="312"/>
+            <ac:spMk id="5" creationId="{221EB24A-D4DB-45CB-BE7B-D41F7B493329}"/>
+          </ac:spMkLst>
+        </pc:spChg>
+      </pc:sldChg>
+      <pc:sldChg chg="modSp add mod">
+        <pc:chgData name="Ming-Chih Lin" userId="f1ba3ba5-e185-404b-b55f-b2be90e2bdc2" providerId="ADAL" clId="{F1FA031A-4D31-4AEE-8DCB-44C85EA436EB}" dt="2020-06-01T23:29:05.962" v="718" actId="20577"/>
+        <pc:sldMkLst>
+          <pc:docMk/>
+          <pc:sldMk cId="1608459360" sldId="313"/>
+        </pc:sldMkLst>
+        <pc:spChg chg="mod">
+          <ac:chgData name="Ming-Chih Lin" userId="f1ba3ba5-e185-404b-b55f-b2be90e2bdc2" providerId="ADAL" clId="{F1FA031A-4D31-4AEE-8DCB-44C85EA436EB}" dt="2020-06-01T23:29:05.962" v="718" actId="20577"/>
+          <ac:spMkLst>
+            <pc:docMk/>
+            <pc:sldMk cId="1608459360" sldId="313"/>
+            <ac:spMk id="4" creationId="{42223639-7737-4ADF-9CCC-84644374FFB5}"/>
+          </ac:spMkLst>
+        </pc:spChg>
+      </pc:sldChg>
+      <pc:sldChg chg="add del">
+        <pc:chgData name="Ming-Chih Lin" userId="f1ba3ba5-e185-404b-b55f-b2be90e2bdc2" providerId="ADAL" clId="{F1FA031A-4D31-4AEE-8DCB-44C85EA436EB}" dt="2020-06-01T23:30:27.215" v="721" actId="47"/>
+        <pc:sldMkLst>
+          <pc:docMk/>
+          <pc:sldMk cId="3592365506" sldId="314"/>
+        </pc:sldMkLst>
+      </pc:sldChg>
+      <pc:sldChg chg="modSp new mod">
+        <pc:chgData name="Ming-Chih Lin" userId="f1ba3ba5-e185-404b-b55f-b2be90e2bdc2" providerId="ADAL" clId="{F1FA031A-4D31-4AEE-8DCB-44C85EA436EB}" dt="2020-06-01T23:30:49.844" v="761"/>
+        <pc:sldMkLst>
+          <pc:docMk/>
+          <pc:sldMk cId="3053501639" sldId="315"/>
+        </pc:sldMkLst>
+        <pc:spChg chg="mod">
+          <ac:chgData name="Ming-Chih Lin" userId="f1ba3ba5-e185-404b-b55f-b2be90e2bdc2" providerId="ADAL" clId="{F1FA031A-4D31-4AEE-8DCB-44C85EA436EB}" dt="2020-06-01T23:30:49.844" v="761"/>
+          <ac:spMkLst>
+            <pc:docMk/>
+            <pc:sldMk cId="3053501639" sldId="315"/>
+            <ac:spMk id="3" creationId="{2DC53AD1-5967-4F57-9A42-A7D2F1A9323D}"/>
+          </ac:spMkLst>
+        </pc:spChg>
+      </pc:sldChg>
+      <pc:sldChg chg="modSp add del mod">
+        <pc:chgData name="Ming-Chih Lin" userId="f1ba3ba5-e185-404b-b55f-b2be90e2bdc2" providerId="ADAL" clId="{F1FA031A-4D31-4AEE-8DCB-44C85EA436EB}" dt="2020-06-01T23:41:30.159" v="1000" actId="47"/>
+        <pc:sldMkLst>
+          <pc:docMk/>
+          <pc:sldMk cId="612939432" sldId="316"/>
+        </pc:sldMkLst>
+        <pc:spChg chg="mod">
+          <ac:chgData name="Ming-Chih Lin" userId="f1ba3ba5-e185-404b-b55f-b2be90e2bdc2" providerId="ADAL" clId="{F1FA031A-4D31-4AEE-8DCB-44C85EA436EB}" dt="2020-06-01T23:32:42.102" v="850" actId="20577"/>
+          <ac:spMkLst>
+            <pc:docMk/>
+            <pc:sldMk cId="612939432" sldId="316"/>
+            <ac:spMk id="3" creationId="{E7C3D928-2CE9-4266-A577-F5AA1DFC7CE3}"/>
+          </ac:spMkLst>
+        </pc:spChg>
+      </pc:sldChg>
+      <pc:sldChg chg="addSp delSp modSp new add del mod">
+        <pc:chgData name="Ming-Chih Lin" userId="f1ba3ba5-e185-404b-b55f-b2be90e2bdc2" providerId="ADAL" clId="{F1FA031A-4D31-4AEE-8DCB-44C85EA436EB}" dt="2020-06-02T00:07:33.244" v="1133" actId="47"/>
+        <pc:sldMkLst>
+          <pc:docMk/>
+          <pc:sldMk cId="1830674388" sldId="316"/>
+        </pc:sldMkLst>
+        <pc:picChg chg="add del mod">
+          <ac:chgData name="Ming-Chih Lin" userId="f1ba3ba5-e185-404b-b55f-b2be90e2bdc2" providerId="ADAL" clId="{F1FA031A-4D31-4AEE-8DCB-44C85EA436EB}" dt="2020-06-02T00:07:23.378" v="1130" actId="21"/>
+          <ac:picMkLst>
+            <pc:docMk/>
+            <pc:sldMk cId="1830674388" sldId="316"/>
+            <ac:picMk id="4" creationId="{3482E1DE-C7E8-4B64-A3F8-917B68200E56}"/>
+          </ac:picMkLst>
+        </pc:picChg>
+      </pc:sldChg>
+      <pc:sldChg chg="modSp add del mod">
+        <pc:chgData name="Ming-Chih Lin" userId="f1ba3ba5-e185-404b-b55f-b2be90e2bdc2" providerId="ADAL" clId="{F1FA031A-4D31-4AEE-8DCB-44C85EA436EB}" dt="2020-06-01T23:41:30.159" v="1000" actId="47"/>
+        <pc:sldMkLst>
+          <pc:docMk/>
+          <pc:sldMk cId="1022163412" sldId="317"/>
+        </pc:sldMkLst>
+        <pc:spChg chg="mod">
+          <ac:chgData name="Ming-Chih Lin" userId="f1ba3ba5-e185-404b-b55f-b2be90e2bdc2" providerId="ADAL" clId="{F1FA031A-4D31-4AEE-8DCB-44C85EA436EB}" dt="2020-06-01T23:32:53.706" v="863" actId="20577"/>
+          <ac:spMkLst>
+            <pc:docMk/>
+            <pc:sldMk cId="1022163412" sldId="317"/>
+            <ac:spMk id="3" creationId="{E7C3D928-2CE9-4266-A577-F5AA1DFC7CE3}"/>
+          </ac:spMkLst>
+        </pc:spChg>
+      </pc:sldChg>
+      <pc:sldChg chg="modSp add del mod">
+        <pc:chgData name="Ming-Chih Lin" userId="f1ba3ba5-e185-404b-b55f-b2be90e2bdc2" providerId="ADAL" clId="{F1FA031A-4D31-4AEE-8DCB-44C85EA436EB}" dt="2020-06-01T23:41:30.159" v="1000" actId="47"/>
+        <pc:sldMkLst>
+          <pc:docMk/>
+          <pc:sldMk cId="4171406706" sldId="318"/>
+        </pc:sldMkLst>
+        <pc:spChg chg="mod">
+          <ac:chgData name="Ming-Chih Lin" userId="f1ba3ba5-e185-404b-b55f-b2be90e2bdc2" providerId="ADAL" clId="{F1FA031A-4D31-4AEE-8DCB-44C85EA436EB}" dt="2020-06-01T23:32:59.354" v="873" actId="20577"/>
+          <ac:spMkLst>
+            <pc:docMk/>
+            <pc:sldMk cId="4171406706" sldId="318"/>
+            <ac:spMk id="3" creationId="{E7C3D928-2CE9-4266-A577-F5AA1DFC7CE3}"/>
+          </ac:spMkLst>
+        </pc:spChg>
+      </pc:sldChg>
+      <pc:sldChg chg="modSp add del mod ord">
+        <pc:chgData name="Ming-Chih Lin" userId="f1ba3ba5-e185-404b-b55f-b2be90e2bdc2" providerId="ADAL" clId="{F1FA031A-4D31-4AEE-8DCB-44C85EA436EB}" dt="2020-06-01T23:41:30.159" v="1000" actId="47"/>
+        <pc:sldMkLst>
+          <pc:docMk/>
+          <pc:sldMk cId="3934403956" sldId="319"/>
+        </pc:sldMkLst>
+        <pc:spChg chg="mod">
+          <ac:chgData name="Ming-Chih Lin" userId="f1ba3ba5-e185-404b-b55f-b2be90e2bdc2" providerId="ADAL" clId="{F1FA031A-4D31-4AEE-8DCB-44C85EA436EB}" dt="2020-06-01T23:33:40.850" v="940" actId="20577"/>
+          <ac:spMkLst>
+            <pc:docMk/>
+            <pc:sldMk cId="3934403956" sldId="319"/>
+            <ac:spMk id="3" creationId="{E7C3D928-2CE9-4266-A577-F5AA1DFC7CE3}"/>
+          </ac:spMkLst>
+        </pc:spChg>
+      </pc:sldChg>
+      <pc:sldChg chg="modSp add del mod ord">
+        <pc:chgData name="Ming-Chih Lin" userId="f1ba3ba5-e185-404b-b55f-b2be90e2bdc2" providerId="ADAL" clId="{F1FA031A-4D31-4AEE-8DCB-44C85EA436EB}" dt="2020-06-01T23:41:30.159" v="1000" actId="47"/>
+        <pc:sldMkLst>
+          <pc:docMk/>
+          <pc:sldMk cId="816830408" sldId="320"/>
+        </pc:sldMkLst>
+        <pc:spChg chg="mod">
+          <ac:chgData name="Ming-Chih Lin" userId="f1ba3ba5-e185-404b-b55f-b2be90e2bdc2" providerId="ADAL" clId="{F1FA031A-4D31-4AEE-8DCB-44C85EA436EB}" dt="2020-06-01T23:33:58.268" v="959"/>
+          <ac:spMkLst>
+            <pc:docMk/>
+            <pc:sldMk cId="816830408" sldId="320"/>
+            <ac:spMk id="3" creationId="{E7C3D928-2CE9-4266-A577-F5AA1DFC7CE3}"/>
+          </ac:spMkLst>
+        </pc:spChg>
+      </pc:sldChg>
+      <pc:sldChg chg="modSp new del mod">
+        <pc:chgData name="Ming-Chih Lin" userId="f1ba3ba5-e185-404b-b55f-b2be90e2bdc2" providerId="ADAL" clId="{F1FA031A-4D31-4AEE-8DCB-44C85EA436EB}" dt="2020-06-01T23:41:30.159" v="1000" actId="47"/>
+        <pc:sldMkLst>
+          <pc:docMk/>
+          <pc:sldMk cId="137822786" sldId="321"/>
+        </pc:sldMkLst>
+        <pc:spChg chg="mod">
+          <ac:chgData name="Ming-Chih Lin" userId="f1ba3ba5-e185-404b-b55f-b2be90e2bdc2" providerId="ADAL" clId="{F1FA031A-4D31-4AEE-8DCB-44C85EA436EB}" dt="2020-06-01T23:34:47.171" v="993"/>
+          <ac:spMkLst>
+            <pc:docMk/>
+            <pc:sldMk cId="137822786" sldId="321"/>
+            <ac:spMk id="3" creationId="{89E19C31-D323-4099-B1F9-A39ED7CC546B}"/>
+          </ac:spMkLst>
+        </pc:spChg>
+      </pc:sldChg>
+    </pc:docChg>
+  </pc:docChgLst>
+  <pc:docChgLst>
+    <pc:chgData name="Ming-Chih Lin" userId="f1ba3ba5-e185-404b-b55f-b2be90e2bdc2" providerId="ADAL" clId="{091A637F-8D54-4E54-83E0-103516D33677}"/>
+    <pc:docChg chg="modSld">
+      <pc:chgData name="Ming-Chih Lin" userId="f1ba3ba5-e185-404b-b55f-b2be90e2bdc2" providerId="ADAL" clId="{091A637F-8D54-4E54-83E0-103516D33677}" dt="2020-06-02T00:22:26.420" v="18" actId="207"/>
+      <pc:docMkLst>
+        <pc:docMk/>
+      </pc:docMkLst>
+      <pc:sldChg chg="modSp mod">
+        <pc:chgData name="Ming-Chih Lin" userId="f1ba3ba5-e185-404b-b55f-b2be90e2bdc2" providerId="ADAL" clId="{091A637F-8D54-4E54-83E0-103516D33677}" dt="2020-06-02T00:17:12.400" v="4" actId="20577"/>
+        <pc:sldMkLst>
+          <pc:docMk/>
+          <pc:sldMk cId="3437513085" sldId="257"/>
+        </pc:sldMkLst>
+        <pc:spChg chg="mod">
+          <ac:chgData name="Ming-Chih Lin" userId="f1ba3ba5-e185-404b-b55f-b2be90e2bdc2" providerId="ADAL" clId="{091A637F-8D54-4E54-83E0-103516D33677}" dt="2020-06-02T00:17:12.400" v="4" actId="20577"/>
+          <ac:spMkLst>
+            <pc:docMk/>
+            <pc:sldMk cId="3437513085" sldId="257"/>
+            <ac:spMk id="2" creationId="{F00E360D-5F36-459A-8321-D0EA4C8C73FE}"/>
+          </ac:spMkLst>
+        </pc:spChg>
+      </pc:sldChg>
+      <pc:sldChg chg="addSp modSp mod">
+        <pc:chgData name="Ming-Chih Lin" userId="f1ba3ba5-e185-404b-b55f-b2be90e2bdc2" providerId="ADAL" clId="{091A637F-8D54-4E54-83E0-103516D33677}" dt="2020-06-02T00:22:26.420" v="18" actId="207"/>
+        <pc:sldMkLst>
+          <pc:docMk/>
+          <pc:sldMk cId="497064445" sldId="317"/>
+        </pc:sldMkLst>
+        <pc:spChg chg="mod">
+          <ac:chgData name="Ming-Chih Lin" userId="f1ba3ba5-e185-404b-b55f-b2be90e2bdc2" providerId="ADAL" clId="{091A637F-8D54-4E54-83E0-103516D33677}" dt="2020-06-02T00:22:26.420" v="18" actId="207"/>
+          <ac:spMkLst>
+            <pc:docMk/>
+            <pc:sldMk cId="497064445" sldId="317"/>
+            <ac:spMk id="3" creationId="{E7C3D928-2CE9-4266-A577-F5AA1DFC7CE3}"/>
+          </ac:spMkLst>
+        </pc:spChg>
+        <pc:spChg chg="add mod">
+          <ac:chgData name="Ming-Chih Lin" userId="f1ba3ba5-e185-404b-b55f-b2be90e2bdc2" providerId="ADAL" clId="{091A637F-8D54-4E54-83E0-103516D33677}" dt="2020-06-02T00:20:10.507" v="17" actId="14100"/>
+          <ac:spMkLst>
+            <pc:docMk/>
+            <pc:sldMk cId="497064445" sldId="317"/>
+            <ac:spMk id="4" creationId="{FBC0A41D-585A-4773-9922-1FC0601CBFD6}"/>
+          </ac:spMkLst>
+        </pc:spChg>
+        <pc:spChg chg="add mod">
+          <ac:chgData name="Ming-Chih Lin" userId="f1ba3ba5-e185-404b-b55f-b2be90e2bdc2" providerId="ADAL" clId="{091A637F-8D54-4E54-83E0-103516D33677}" dt="2020-06-02T00:19:37.002" v="14" actId="1076"/>
+          <ac:spMkLst>
+            <pc:docMk/>
+            <pc:sldMk cId="497064445" sldId="317"/>
+            <ac:spMk id="5" creationId="{24954B47-98FC-417E-9FE5-CB4B5835EA5D}"/>
+          </ac:spMkLst>
+        </pc:spChg>
+      </pc:sldChg>
+    </pc:docChg>
+  </pc:docChgLst>
+  <pc:docChgLst>
+    <pc:chgData name="Ming-Chih Lin" userId="f1ba3ba5-e185-404b-b55f-b2be90e2bdc2" providerId="ADAL" clId="{73C49393-00F6-48C7-99DB-5262FA837701}"/>
+    <pc:docChg chg="custSel addSld delSld modSld">
+      <pc:chgData name="Ming-Chih Lin" userId="f1ba3ba5-e185-404b-b55f-b2be90e2bdc2" providerId="ADAL" clId="{73C49393-00F6-48C7-99DB-5262FA837701}" dt="2020-06-02T00:14:48.542" v="90"/>
+      <pc:docMkLst>
+        <pc:docMk/>
+      </pc:docMkLst>
+      <pc:sldChg chg="addSp delSp modSp mod">
+        <pc:chgData name="Ming-Chih Lin" userId="f1ba3ba5-e185-404b-b55f-b2be90e2bdc2" providerId="ADAL" clId="{73C49393-00F6-48C7-99DB-5262FA837701}" dt="2020-06-02T00:09:55.262" v="3" actId="14100"/>
+        <pc:sldMkLst>
+          <pc:docMk/>
+          <pc:sldMk cId="3437513085" sldId="257"/>
+        </pc:sldMkLst>
+        <pc:spChg chg="mod">
+          <ac:chgData name="Ming-Chih Lin" userId="f1ba3ba5-e185-404b-b55f-b2be90e2bdc2" providerId="ADAL" clId="{73C49393-00F6-48C7-99DB-5262FA837701}" dt="2020-06-02T00:09:55.262" v="3" actId="14100"/>
+          <ac:spMkLst>
+            <pc:docMk/>
+            <pc:sldMk cId="3437513085" sldId="257"/>
+            <ac:spMk id="2" creationId="{F00E360D-5F36-459A-8321-D0EA4C8C73FE}"/>
+          </ac:spMkLst>
+        </pc:spChg>
+        <pc:graphicFrameChg chg="add del mod">
+          <ac:chgData name="Ming-Chih Lin" userId="f1ba3ba5-e185-404b-b55f-b2be90e2bdc2" providerId="ADAL" clId="{73C49393-00F6-48C7-99DB-5262FA837701}" dt="2020-06-02T00:09:49.623" v="1"/>
+          <ac:graphicFrameMkLst>
+            <pc:docMk/>
+            <pc:sldMk cId="3437513085" sldId="257"/>
+            <ac:graphicFrameMk id="4" creationId="{5049B3AE-5EA2-4052-9B86-DD46687ECD81}"/>
+          </ac:graphicFrameMkLst>
+        </pc:graphicFrameChg>
+      </pc:sldChg>
+      <pc:sldChg chg="del">
+        <pc:chgData name="Ming-Chih Lin" userId="f1ba3ba5-e185-404b-b55f-b2be90e2bdc2" providerId="ADAL" clId="{73C49393-00F6-48C7-99DB-5262FA837701}" dt="2020-06-02T00:11:20.397" v="13" actId="47"/>
+        <pc:sldMkLst>
+          <pc:docMk/>
+          <pc:sldMk cId="2773999239" sldId="288"/>
+        </pc:sldMkLst>
+      </pc:sldChg>
+      <pc:sldChg chg="del">
+        <pc:chgData name="Ming-Chih Lin" userId="f1ba3ba5-e185-404b-b55f-b2be90e2bdc2" providerId="ADAL" clId="{73C49393-00F6-48C7-99DB-5262FA837701}" dt="2020-06-02T00:11:20.397" v="13" actId="47"/>
+        <pc:sldMkLst>
+          <pc:docMk/>
+          <pc:sldMk cId="1061609012" sldId="289"/>
+        </pc:sldMkLst>
+      </pc:sldChg>
+      <pc:sldChg chg="del">
+        <pc:chgData name="Ming-Chih Lin" userId="f1ba3ba5-e185-404b-b55f-b2be90e2bdc2" providerId="ADAL" clId="{73C49393-00F6-48C7-99DB-5262FA837701}" dt="2020-06-02T00:11:20.397" v="13" actId="47"/>
+        <pc:sldMkLst>
+          <pc:docMk/>
+          <pc:sldMk cId="1663756997" sldId="290"/>
+        </pc:sldMkLst>
+      </pc:sldChg>
+      <pc:sldChg chg="del">
+        <pc:chgData name="Ming-Chih Lin" userId="f1ba3ba5-e185-404b-b55f-b2be90e2bdc2" providerId="ADAL" clId="{73C49393-00F6-48C7-99DB-5262FA837701}" dt="2020-06-02T00:10:19.448" v="5" actId="47"/>
+        <pc:sldMkLst>
+          <pc:docMk/>
+          <pc:sldMk cId="888648973" sldId="298"/>
+        </pc:sldMkLst>
+      </pc:sldChg>
+      <pc:sldChg chg="del">
+        <pc:chgData name="Ming-Chih Lin" userId="f1ba3ba5-e185-404b-b55f-b2be90e2bdc2" providerId="ADAL" clId="{73C49393-00F6-48C7-99DB-5262FA837701}" dt="2020-06-02T00:11:20.397" v="13" actId="47"/>
+        <pc:sldMkLst>
+          <pc:docMk/>
+          <pc:sldMk cId="101432508" sldId="299"/>
+        </pc:sldMkLst>
+      </pc:sldChg>
+      <pc:sldChg chg="del">
+        <pc:chgData name="Ming-Chih Lin" userId="f1ba3ba5-e185-404b-b55f-b2be90e2bdc2" providerId="ADAL" clId="{73C49393-00F6-48C7-99DB-5262FA837701}" dt="2020-06-02T00:12:16.208" v="16" actId="47"/>
+        <pc:sldMkLst>
+          <pc:docMk/>
+          <pc:sldMk cId="1415465906" sldId="300"/>
+        </pc:sldMkLst>
+      </pc:sldChg>
+      <pc:sldChg chg="del">
+        <pc:chgData name="Ming-Chih Lin" userId="f1ba3ba5-e185-404b-b55f-b2be90e2bdc2" providerId="ADAL" clId="{73C49393-00F6-48C7-99DB-5262FA837701}" dt="2020-06-02T00:12:16.208" v="16" actId="47"/>
+        <pc:sldMkLst>
+          <pc:docMk/>
+          <pc:sldMk cId="1171545912" sldId="301"/>
+        </pc:sldMkLst>
+      </pc:sldChg>
+      <pc:sldChg chg="del">
+        <pc:chgData name="Ming-Chih Lin" userId="f1ba3ba5-e185-404b-b55f-b2be90e2bdc2" providerId="ADAL" clId="{73C49393-00F6-48C7-99DB-5262FA837701}" dt="2020-06-02T00:12:16.208" v="16" actId="47"/>
+        <pc:sldMkLst>
+          <pc:docMk/>
+          <pc:sldMk cId="2002684050" sldId="302"/>
+        </pc:sldMkLst>
+      </pc:sldChg>
+      <pc:sldChg chg="del">
+        <pc:chgData name="Ming-Chih Lin" userId="f1ba3ba5-e185-404b-b55f-b2be90e2bdc2" providerId="ADAL" clId="{73C49393-00F6-48C7-99DB-5262FA837701}" dt="2020-06-02T00:12:16.208" v="16" actId="47"/>
+        <pc:sldMkLst>
+          <pc:docMk/>
+          <pc:sldMk cId="3346354504" sldId="304"/>
+        </pc:sldMkLst>
+      </pc:sldChg>
+      <pc:sldChg chg="del">
+        <pc:chgData name="Ming-Chih Lin" userId="f1ba3ba5-e185-404b-b55f-b2be90e2bdc2" providerId="ADAL" clId="{73C49393-00F6-48C7-99DB-5262FA837701}" dt="2020-06-02T00:12:16.208" v="16" actId="47"/>
+        <pc:sldMkLst>
+          <pc:docMk/>
+          <pc:sldMk cId="1699586139" sldId="305"/>
+        </pc:sldMkLst>
+      </pc:sldChg>
+      <pc:sldChg chg="del">
+        <pc:chgData name="Ming-Chih Lin" userId="f1ba3ba5-e185-404b-b55f-b2be90e2bdc2" providerId="ADAL" clId="{73C49393-00F6-48C7-99DB-5262FA837701}" dt="2020-06-02T00:12:16.208" v="16" actId="47"/>
+        <pc:sldMkLst>
+          <pc:docMk/>
+          <pc:sldMk cId="1220209127" sldId="306"/>
+        </pc:sldMkLst>
+      </pc:sldChg>
+      <pc:sldChg chg="del">
+        <pc:chgData name="Ming-Chih Lin" userId="f1ba3ba5-e185-404b-b55f-b2be90e2bdc2" providerId="ADAL" clId="{73C49393-00F6-48C7-99DB-5262FA837701}" dt="2020-06-02T00:12:16.208" v="16" actId="47"/>
+        <pc:sldMkLst>
+          <pc:docMk/>
+          <pc:sldMk cId="236770104" sldId="307"/>
+        </pc:sldMkLst>
+      </pc:sldChg>
+      <pc:sldChg chg="del">
+        <pc:chgData name="Ming-Chih Lin" userId="f1ba3ba5-e185-404b-b55f-b2be90e2bdc2" providerId="ADAL" clId="{73C49393-00F6-48C7-99DB-5262FA837701}" dt="2020-06-02T00:11:59.394" v="14" actId="47"/>
+        <pc:sldMkLst>
+          <pc:docMk/>
+          <pc:sldMk cId="2022201700" sldId="309"/>
+        </pc:sldMkLst>
+      </pc:sldChg>
+      <pc:sldChg chg="del">
+        <pc:chgData name="Ming-Chih Lin" userId="f1ba3ba5-e185-404b-b55f-b2be90e2bdc2" providerId="ADAL" clId="{73C49393-00F6-48C7-99DB-5262FA837701}" dt="2020-06-02T00:11:59.980" v="15" actId="47"/>
+        <pc:sldMkLst>
+          <pc:docMk/>
+          <pc:sldMk cId="1680955994" sldId="310"/>
+        </pc:sldMkLst>
+      </pc:sldChg>
+      <pc:sldChg chg="del">
+        <pc:chgData name="Ming-Chih Lin" userId="f1ba3ba5-e185-404b-b55f-b2be90e2bdc2" providerId="ADAL" clId="{73C49393-00F6-48C7-99DB-5262FA837701}" dt="2020-06-02T00:12:16.208" v="16" actId="47"/>
+        <pc:sldMkLst>
+          <pc:docMk/>
+          <pc:sldMk cId="1608459360" sldId="313"/>
+        </pc:sldMkLst>
+      </pc:sldChg>
+      <pc:sldChg chg="del">
+        <pc:chgData name="Ming-Chih Lin" userId="f1ba3ba5-e185-404b-b55f-b2be90e2bdc2" providerId="ADAL" clId="{73C49393-00F6-48C7-99DB-5262FA837701}" dt="2020-06-02T00:12:16.208" v="16" actId="47"/>
+        <pc:sldMkLst>
+          <pc:docMk/>
+          <pc:sldMk cId="3053501639" sldId="315"/>
+        </pc:sldMkLst>
+      </pc:sldChg>
+      <pc:sldChg chg="add">
+        <pc:chgData name="Ming-Chih Lin" userId="f1ba3ba5-e185-404b-b55f-b2be90e2bdc2" providerId="ADAL" clId="{73C49393-00F6-48C7-99DB-5262FA837701}" dt="2020-06-02T00:10:18.221" v="4"/>
+        <pc:sldMkLst>
+          <pc:docMk/>
+          <pc:sldMk cId="19629556" sldId="316"/>
+        </pc:sldMkLst>
+      </pc:sldChg>
+      <pc:sldChg chg="addSp delSp modSp add mod">
+        <pc:chgData name="Ming-Chih Lin" userId="f1ba3ba5-e185-404b-b55f-b2be90e2bdc2" providerId="ADAL" clId="{73C49393-00F6-48C7-99DB-5262FA837701}" dt="2020-06-02T00:11:09.974" v="12" actId="1076"/>
+        <pc:sldMkLst>
+          <pc:docMk/>
+          <pc:sldMk cId="497064445" sldId="317"/>
+        </pc:sldMkLst>
+        <pc:picChg chg="add mod">
+          <ac:chgData name="Ming-Chih Lin" userId="f1ba3ba5-e185-404b-b55f-b2be90e2bdc2" providerId="ADAL" clId="{73C49393-00F6-48C7-99DB-5262FA837701}" dt="2020-06-02T00:11:09.974" v="12" actId="1076"/>
+          <ac:picMkLst>
+            <pc:docMk/>
+            <pc:sldMk cId="497064445" sldId="317"/>
+            <ac:picMk id="2" creationId="{24B42EE7-EE76-400D-B513-614BD7A34C4E}"/>
+          </ac:picMkLst>
+        </pc:picChg>
+        <pc:picChg chg="del">
+          <ac:chgData name="Ming-Chih Lin" userId="f1ba3ba5-e185-404b-b55f-b2be90e2bdc2" providerId="ADAL" clId="{73C49393-00F6-48C7-99DB-5262FA837701}" dt="2020-06-02T00:11:00.632" v="6" actId="478"/>
+          <ac:picMkLst>
+            <pc:docMk/>
+            <pc:sldMk cId="497064445" sldId="317"/>
+            <ac:picMk id="9" creationId="{A8797093-BD72-4872-BB27-2A60EE738B76}"/>
+          </ac:picMkLst>
+        </pc:picChg>
+      </pc:sldChg>
+      <pc:sldChg chg="delSp modSp add mod">
+        <pc:chgData name="Ming-Chih Lin" userId="f1ba3ba5-e185-404b-b55f-b2be90e2bdc2" providerId="ADAL" clId="{73C49393-00F6-48C7-99DB-5262FA837701}" dt="2020-06-02T00:14:48.542" v="90"/>
+        <pc:sldMkLst>
+          <pc:docMk/>
+          <pc:sldMk cId="1705629521" sldId="318"/>
+        </pc:sldMkLst>
+        <pc:spChg chg="mod">
+          <ac:chgData name="Ming-Chih Lin" userId="f1ba3ba5-e185-404b-b55f-b2be90e2bdc2" providerId="ADAL" clId="{73C49393-00F6-48C7-99DB-5262FA837701}" dt="2020-06-02T00:14:48.542" v="90"/>
+          <ac:spMkLst>
+            <pc:docMk/>
+            <pc:sldMk cId="1705629521" sldId="318"/>
+            <ac:spMk id="3" creationId="{E7C3D928-2CE9-4266-A577-F5AA1DFC7CE3}"/>
+          </ac:spMkLst>
+        </pc:spChg>
+        <pc:picChg chg="del">
+          <ac:chgData name="Ming-Chih Lin" userId="f1ba3ba5-e185-404b-b55f-b2be90e2bdc2" providerId="ADAL" clId="{73C49393-00F6-48C7-99DB-5262FA837701}" dt="2020-06-02T00:13:26.758" v="34" actId="478"/>
+          <ac:picMkLst>
+            <pc:docMk/>
+            <pc:sldMk cId="1705629521" sldId="318"/>
+            <ac:picMk id="2" creationId="{24B42EE7-EE76-400D-B513-614BD7A34C4E}"/>
+          </ac:picMkLst>
+        </pc:picChg>
       </pc:sldChg>
     </pc:docChg>
   </pc:docChgLst>
@@ -176,2608 +2959,6 @@
             <ac:spMk id="2" creationId="{F00E360D-5F36-459A-8321-D0EA4C8C73FE}"/>
           </ac:spMkLst>
         </pc:spChg>
-      </pc:sldChg>
-    </pc:docChg>
-  </pc:docChgLst>
-  <pc:docChgLst>
-    <pc:chgData name="Ming-Chih Lin" userId="f1ba3ba5-e185-404b-b55f-b2be90e2bdc2" providerId="ADAL" clId="{F1FA031A-4D31-4AEE-8DCB-44C85EA436EB}"/>
-    <pc:docChg chg="undo custSel addSld delSld modSld sldOrd">
-      <pc:chgData name="Ming-Chih Lin" userId="f1ba3ba5-e185-404b-b55f-b2be90e2bdc2" providerId="ADAL" clId="{F1FA031A-4D31-4AEE-8DCB-44C85EA436EB}" dt="2020-06-02T00:07:33.244" v="1133" actId="47"/>
-      <pc:docMkLst>
-        <pc:docMk/>
-      </pc:docMkLst>
-      <pc:sldChg chg="del">
-        <pc:chgData name="Ming-Chih Lin" userId="f1ba3ba5-e185-404b-b55f-b2be90e2bdc2" providerId="ADAL" clId="{F1FA031A-4D31-4AEE-8DCB-44C85EA436EB}" dt="2020-06-01T23:15:08.393" v="370" actId="47"/>
-        <pc:sldMkLst>
-          <pc:docMk/>
-          <pc:sldMk cId="1698449368" sldId="256"/>
-        </pc:sldMkLst>
-      </pc:sldChg>
-      <pc:sldChg chg="modSp mod">
-        <pc:chgData name="Ming-Chih Lin" userId="f1ba3ba5-e185-404b-b55f-b2be90e2bdc2" providerId="ADAL" clId="{F1FA031A-4D31-4AEE-8DCB-44C85EA436EB}" dt="2020-06-01T23:08:41.309" v="3" actId="20577"/>
-        <pc:sldMkLst>
-          <pc:docMk/>
-          <pc:sldMk cId="3437513085" sldId="257"/>
-        </pc:sldMkLst>
-        <pc:spChg chg="mod">
-          <ac:chgData name="Ming-Chih Lin" userId="f1ba3ba5-e185-404b-b55f-b2be90e2bdc2" providerId="ADAL" clId="{F1FA031A-4D31-4AEE-8DCB-44C85EA436EB}" dt="2020-06-01T23:08:41.309" v="3" actId="20577"/>
-          <ac:spMkLst>
-            <pc:docMk/>
-            <pc:sldMk cId="3437513085" sldId="257"/>
-            <ac:spMk id="2" creationId="{F00E360D-5F36-459A-8321-D0EA4C8C73FE}"/>
-          </ac:spMkLst>
-        </pc:spChg>
-      </pc:sldChg>
-      <pc:sldChg chg="del">
-        <pc:chgData name="Ming-Chih Lin" userId="f1ba3ba5-e185-404b-b55f-b2be90e2bdc2" providerId="ADAL" clId="{F1FA031A-4D31-4AEE-8DCB-44C85EA436EB}" dt="2020-06-01T23:15:08.393" v="370" actId="47"/>
-        <pc:sldMkLst>
-          <pc:docMk/>
-          <pc:sldMk cId="1322618313" sldId="258"/>
-        </pc:sldMkLst>
-      </pc:sldChg>
-      <pc:sldChg chg="del">
-        <pc:chgData name="Ming-Chih Lin" userId="f1ba3ba5-e185-404b-b55f-b2be90e2bdc2" providerId="ADAL" clId="{F1FA031A-4D31-4AEE-8DCB-44C85EA436EB}" dt="2020-06-01T23:15:08.393" v="370" actId="47"/>
-        <pc:sldMkLst>
-          <pc:docMk/>
-          <pc:sldMk cId="1086438915" sldId="260"/>
-        </pc:sldMkLst>
-      </pc:sldChg>
-      <pc:sldChg chg="del">
-        <pc:chgData name="Ming-Chih Lin" userId="f1ba3ba5-e185-404b-b55f-b2be90e2bdc2" providerId="ADAL" clId="{F1FA031A-4D31-4AEE-8DCB-44C85EA436EB}" dt="2020-06-01T23:15:08.393" v="370" actId="47"/>
-        <pc:sldMkLst>
-          <pc:docMk/>
-          <pc:sldMk cId="3291901244" sldId="261"/>
-        </pc:sldMkLst>
-      </pc:sldChg>
-      <pc:sldChg chg="del">
-        <pc:chgData name="Ming-Chih Lin" userId="f1ba3ba5-e185-404b-b55f-b2be90e2bdc2" providerId="ADAL" clId="{F1FA031A-4D31-4AEE-8DCB-44C85EA436EB}" dt="2020-06-01T23:15:08.393" v="370" actId="47"/>
-        <pc:sldMkLst>
-          <pc:docMk/>
-          <pc:sldMk cId="947049355" sldId="262"/>
-        </pc:sldMkLst>
-      </pc:sldChg>
-      <pc:sldChg chg="del">
-        <pc:chgData name="Ming-Chih Lin" userId="f1ba3ba5-e185-404b-b55f-b2be90e2bdc2" providerId="ADAL" clId="{F1FA031A-4D31-4AEE-8DCB-44C85EA436EB}" dt="2020-06-01T23:15:08.393" v="370" actId="47"/>
-        <pc:sldMkLst>
-          <pc:docMk/>
-          <pc:sldMk cId="3427989766" sldId="263"/>
-        </pc:sldMkLst>
-      </pc:sldChg>
-      <pc:sldChg chg="del">
-        <pc:chgData name="Ming-Chih Lin" userId="f1ba3ba5-e185-404b-b55f-b2be90e2bdc2" providerId="ADAL" clId="{F1FA031A-4D31-4AEE-8DCB-44C85EA436EB}" dt="2020-06-01T23:15:08.393" v="370" actId="47"/>
-        <pc:sldMkLst>
-          <pc:docMk/>
-          <pc:sldMk cId="2336614475" sldId="264"/>
-        </pc:sldMkLst>
-      </pc:sldChg>
-      <pc:sldChg chg="del">
-        <pc:chgData name="Ming-Chih Lin" userId="f1ba3ba5-e185-404b-b55f-b2be90e2bdc2" providerId="ADAL" clId="{F1FA031A-4D31-4AEE-8DCB-44C85EA436EB}" dt="2020-06-01T23:15:08.393" v="370" actId="47"/>
-        <pc:sldMkLst>
-          <pc:docMk/>
-          <pc:sldMk cId="679909818" sldId="265"/>
-        </pc:sldMkLst>
-      </pc:sldChg>
-      <pc:sldChg chg="del">
-        <pc:chgData name="Ming-Chih Lin" userId="f1ba3ba5-e185-404b-b55f-b2be90e2bdc2" providerId="ADAL" clId="{F1FA031A-4D31-4AEE-8DCB-44C85EA436EB}" dt="2020-06-01T23:16:29.231" v="438" actId="47"/>
-        <pc:sldMkLst>
-          <pc:docMk/>
-          <pc:sldMk cId="1717474662" sldId="266"/>
-        </pc:sldMkLst>
-      </pc:sldChg>
-      <pc:sldChg chg="del">
-        <pc:chgData name="Ming-Chih Lin" userId="f1ba3ba5-e185-404b-b55f-b2be90e2bdc2" providerId="ADAL" clId="{F1FA031A-4D31-4AEE-8DCB-44C85EA436EB}" dt="2020-06-01T23:16:29.231" v="438" actId="47"/>
-        <pc:sldMkLst>
-          <pc:docMk/>
-          <pc:sldMk cId="751778690" sldId="267"/>
-        </pc:sldMkLst>
-      </pc:sldChg>
-      <pc:sldChg chg="del">
-        <pc:chgData name="Ming-Chih Lin" userId="f1ba3ba5-e185-404b-b55f-b2be90e2bdc2" providerId="ADAL" clId="{F1FA031A-4D31-4AEE-8DCB-44C85EA436EB}" dt="2020-06-01T23:15:08.393" v="370" actId="47"/>
-        <pc:sldMkLst>
-          <pc:docMk/>
-          <pc:sldMk cId="1480965944" sldId="268"/>
-        </pc:sldMkLst>
-      </pc:sldChg>
-      <pc:sldChg chg="del">
-        <pc:chgData name="Ming-Chih Lin" userId="f1ba3ba5-e185-404b-b55f-b2be90e2bdc2" providerId="ADAL" clId="{F1FA031A-4D31-4AEE-8DCB-44C85EA436EB}" dt="2020-06-01T23:15:08.393" v="370" actId="47"/>
-        <pc:sldMkLst>
-          <pc:docMk/>
-          <pc:sldMk cId="2517686270" sldId="269"/>
-        </pc:sldMkLst>
-      </pc:sldChg>
-      <pc:sldChg chg="del">
-        <pc:chgData name="Ming-Chih Lin" userId="f1ba3ba5-e185-404b-b55f-b2be90e2bdc2" providerId="ADAL" clId="{F1FA031A-4D31-4AEE-8DCB-44C85EA436EB}" dt="2020-06-01T23:15:08.393" v="370" actId="47"/>
-        <pc:sldMkLst>
-          <pc:docMk/>
-          <pc:sldMk cId="1580561292" sldId="270"/>
-        </pc:sldMkLst>
-      </pc:sldChg>
-      <pc:sldChg chg="del">
-        <pc:chgData name="Ming-Chih Lin" userId="f1ba3ba5-e185-404b-b55f-b2be90e2bdc2" providerId="ADAL" clId="{F1FA031A-4D31-4AEE-8DCB-44C85EA436EB}" dt="2020-06-01T23:15:08.393" v="370" actId="47"/>
-        <pc:sldMkLst>
-          <pc:docMk/>
-          <pc:sldMk cId="2984231426" sldId="271"/>
-        </pc:sldMkLst>
-      </pc:sldChg>
-      <pc:sldChg chg="modSp mod">
-        <pc:chgData name="Ming-Chih Lin" userId="f1ba3ba5-e185-404b-b55f-b2be90e2bdc2" providerId="ADAL" clId="{F1FA031A-4D31-4AEE-8DCB-44C85EA436EB}" dt="2020-06-01T23:15:24.433" v="386"/>
-        <pc:sldMkLst>
-          <pc:docMk/>
-          <pc:sldMk cId="2189207556" sldId="272"/>
-        </pc:sldMkLst>
-        <pc:spChg chg="mod">
-          <ac:chgData name="Ming-Chih Lin" userId="f1ba3ba5-e185-404b-b55f-b2be90e2bdc2" providerId="ADAL" clId="{F1FA031A-4D31-4AEE-8DCB-44C85EA436EB}" dt="2020-06-01T23:15:24.433" v="386"/>
-          <ac:spMkLst>
-            <pc:docMk/>
-            <pc:sldMk cId="2189207556" sldId="272"/>
-            <ac:spMk id="4" creationId="{2FA54F75-D405-4104-B6BB-EA44A23A109A}"/>
-          </ac:spMkLst>
-        </pc:spChg>
-      </pc:sldChg>
-      <pc:sldChg chg="del">
-        <pc:chgData name="Ming-Chih Lin" userId="f1ba3ba5-e185-404b-b55f-b2be90e2bdc2" providerId="ADAL" clId="{F1FA031A-4D31-4AEE-8DCB-44C85EA436EB}" dt="2020-06-01T23:15:08.393" v="370" actId="47"/>
-        <pc:sldMkLst>
-          <pc:docMk/>
-          <pc:sldMk cId="2963169921" sldId="273"/>
-        </pc:sldMkLst>
-      </pc:sldChg>
-      <pc:sldChg chg="del">
-        <pc:chgData name="Ming-Chih Lin" userId="f1ba3ba5-e185-404b-b55f-b2be90e2bdc2" providerId="ADAL" clId="{F1FA031A-4D31-4AEE-8DCB-44C85EA436EB}" dt="2020-06-01T23:15:08.393" v="370" actId="47"/>
-        <pc:sldMkLst>
-          <pc:docMk/>
-          <pc:sldMk cId="252655923" sldId="275"/>
-        </pc:sldMkLst>
-      </pc:sldChg>
-      <pc:sldChg chg="del">
-        <pc:chgData name="Ming-Chih Lin" userId="f1ba3ba5-e185-404b-b55f-b2be90e2bdc2" providerId="ADAL" clId="{F1FA031A-4D31-4AEE-8DCB-44C85EA436EB}" dt="2020-06-01T23:15:08.393" v="370" actId="47"/>
-        <pc:sldMkLst>
-          <pc:docMk/>
-          <pc:sldMk cId="666544265" sldId="281"/>
-        </pc:sldMkLst>
-      </pc:sldChg>
-      <pc:sldChg chg="del">
-        <pc:chgData name="Ming-Chih Lin" userId="f1ba3ba5-e185-404b-b55f-b2be90e2bdc2" providerId="ADAL" clId="{F1FA031A-4D31-4AEE-8DCB-44C85EA436EB}" dt="2020-06-01T23:15:08.393" v="370" actId="47"/>
-        <pc:sldMkLst>
-          <pc:docMk/>
-          <pc:sldMk cId="3344907558" sldId="282"/>
-        </pc:sldMkLst>
-      </pc:sldChg>
-      <pc:sldChg chg="del">
-        <pc:chgData name="Ming-Chih Lin" userId="f1ba3ba5-e185-404b-b55f-b2be90e2bdc2" providerId="ADAL" clId="{F1FA031A-4D31-4AEE-8DCB-44C85EA436EB}" dt="2020-06-01T23:16:29.231" v="438" actId="47"/>
-        <pc:sldMkLst>
-          <pc:docMk/>
-          <pc:sldMk cId="4282441724" sldId="283"/>
-        </pc:sldMkLst>
-      </pc:sldChg>
-      <pc:sldChg chg="del">
-        <pc:chgData name="Ming-Chih Lin" userId="f1ba3ba5-e185-404b-b55f-b2be90e2bdc2" providerId="ADAL" clId="{F1FA031A-4D31-4AEE-8DCB-44C85EA436EB}" dt="2020-06-01T23:15:08.393" v="370" actId="47"/>
-        <pc:sldMkLst>
-          <pc:docMk/>
-          <pc:sldMk cId="2651586421" sldId="284"/>
-        </pc:sldMkLst>
-      </pc:sldChg>
-      <pc:sldChg chg="del">
-        <pc:chgData name="Ming-Chih Lin" userId="f1ba3ba5-e185-404b-b55f-b2be90e2bdc2" providerId="ADAL" clId="{F1FA031A-4D31-4AEE-8DCB-44C85EA436EB}" dt="2020-06-01T23:15:08.393" v="370" actId="47"/>
-        <pc:sldMkLst>
-          <pc:docMk/>
-          <pc:sldMk cId="3195449515" sldId="285"/>
-        </pc:sldMkLst>
-      </pc:sldChg>
-      <pc:sldChg chg="del">
-        <pc:chgData name="Ming-Chih Lin" userId="f1ba3ba5-e185-404b-b55f-b2be90e2bdc2" providerId="ADAL" clId="{F1FA031A-4D31-4AEE-8DCB-44C85EA436EB}" dt="2020-06-01T23:16:29.231" v="438" actId="47"/>
-        <pc:sldMkLst>
-          <pc:docMk/>
-          <pc:sldMk cId="1489283586" sldId="286"/>
-        </pc:sldMkLst>
-      </pc:sldChg>
-      <pc:sldChg chg="del">
-        <pc:chgData name="Ming-Chih Lin" userId="f1ba3ba5-e185-404b-b55f-b2be90e2bdc2" providerId="ADAL" clId="{F1FA031A-4D31-4AEE-8DCB-44C85EA436EB}" dt="2020-06-01T23:12:04.010" v="173" actId="47"/>
-        <pc:sldMkLst>
-          <pc:docMk/>
-          <pc:sldMk cId="2068811213" sldId="287"/>
-        </pc:sldMkLst>
-      </pc:sldChg>
-      <pc:sldChg chg="modSp mod">
-        <pc:chgData name="Ming-Chih Lin" userId="f1ba3ba5-e185-404b-b55f-b2be90e2bdc2" providerId="ADAL" clId="{F1FA031A-4D31-4AEE-8DCB-44C85EA436EB}" dt="2020-06-01T23:13:24.905" v="277"/>
-        <pc:sldMkLst>
-          <pc:docMk/>
-          <pc:sldMk cId="2773999239" sldId="288"/>
-        </pc:sldMkLst>
-        <pc:spChg chg="mod">
-          <ac:chgData name="Ming-Chih Lin" userId="f1ba3ba5-e185-404b-b55f-b2be90e2bdc2" providerId="ADAL" clId="{F1FA031A-4D31-4AEE-8DCB-44C85EA436EB}" dt="2020-06-01T23:13:24.905" v="277"/>
-          <ac:spMkLst>
-            <pc:docMk/>
-            <pc:sldMk cId="2773999239" sldId="288"/>
-            <ac:spMk id="5" creationId="{D9BE9DE2-8245-4CD7-8644-BCDBABA8D1A8}"/>
-          </ac:spMkLst>
-        </pc:spChg>
-      </pc:sldChg>
-      <pc:sldChg chg="modSp mod">
-        <pc:chgData name="Ming-Chih Lin" userId="f1ba3ba5-e185-404b-b55f-b2be90e2bdc2" providerId="ADAL" clId="{F1FA031A-4D31-4AEE-8DCB-44C85EA436EB}" dt="2020-06-01T23:11:56.151" v="172"/>
-        <pc:sldMkLst>
-          <pc:docMk/>
-          <pc:sldMk cId="1061609012" sldId="289"/>
-        </pc:sldMkLst>
-        <pc:spChg chg="mod">
-          <ac:chgData name="Ming-Chih Lin" userId="f1ba3ba5-e185-404b-b55f-b2be90e2bdc2" providerId="ADAL" clId="{F1FA031A-4D31-4AEE-8DCB-44C85EA436EB}" dt="2020-06-01T23:11:56.151" v="172"/>
-          <ac:spMkLst>
-            <pc:docMk/>
-            <pc:sldMk cId="1061609012" sldId="289"/>
-            <ac:spMk id="4" creationId="{A96425F9-195D-4693-9E6E-3A6A87237F5E}"/>
-          </ac:spMkLst>
-        </pc:spChg>
-      </pc:sldChg>
-      <pc:sldChg chg="modSp mod">
-        <pc:chgData name="Ming-Chih Lin" userId="f1ba3ba5-e185-404b-b55f-b2be90e2bdc2" providerId="ADAL" clId="{F1FA031A-4D31-4AEE-8DCB-44C85EA436EB}" dt="2020-06-01T23:22:46.379" v="630"/>
-        <pc:sldMkLst>
-          <pc:docMk/>
-          <pc:sldMk cId="1663756997" sldId="290"/>
-        </pc:sldMkLst>
-        <pc:spChg chg="mod">
-          <ac:chgData name="Ming-Chih Lin" userId="f1ba3ba5-e185-404b-b55f-b2be90e2bdc2" providerId="ADAL" clId="{F1FA031A-4D31-4AEE-8DCB-44C85EA436EB}" dt="2020-06-01T23:22:46.379" v="630"/>
-          <ac:spMkLst>
-            <pc:docMk/>
-            <pc:sldMk cId="1663756997" sldId="290"/>
-            <ac:spMk id="3" creationId="{FDA2CCF4-8156-43AA-A2A5-BCE09F7AF6E8}"/>
-          </ac:spMkLst>
-        </pc:spChg>
-      </pc:sldChg>
-      <pc:sldChg chg="del">
-        <pc:chgData name="Ming-Chih Lin" userId="f1ba3ba5-e185-404b-b55f-b2be90e2bdc2" providerId="ADAL" clId="{F1FA031A-4D31-4AEE-8DCB-44C85EA436EB}" dt="2020-06-01T23:16:29.231" v="438" actId="47"/>
-        <pc:sldMkLst>
-          <pc:docMk/>
-          <pc:sldMk cId="4146132641" sldId="291"/>
-        </pc:sldMkLst>
-      </pc:sldChg>
-      <pc:sldChg chg="del">
-        <pc:chgData name="Ming-Chih Lin" userId="f1ba3ba5-e185-404b-b55f-b2be90e2bdc2" providerId="ADAL" clId="{F1FA031A-4D31-4AEE-8DCB-44C85EA436EB}" dt="2020-06-01T23:16:29.231" v="438" actId="47"/>
-        <pc:sldMkLst>
-          <pc:docMk/>
-          <pc:sldMk cId="2609797397" sldId="292"/>
-        </pc:sldMkLst>
-      </pc:sldChg>
-      <pc:sldChg chg="del">
-        <pc:chgData name="Ming-Chih Lin" userId="f1ba3ba5-e185-404b-b55f-b2be90e2bdc2" providerId="ADAL" clId="{F1FA031A-4D31-4AEE-8DCB-44C85EA436EB}" dt="2020-06-01T23:16:29.231" v="438" actId="47"/>
-        <pc:sldMkLst>
-          <pc:docMk/>
-          <pc:sldMk cId="289535632" sldId="293"/>
-        </pc:sldMkLst>
-      </pc:sldChg>
-      <pc:sldChg chg="del">
-        <pc:chgData name="Ming-Chih Lin" userId="f1ba3ba5-e185-404b-b55f-b2be90e2bdc2" providerId="ADAL" clId="{F1FA031A-4D31-4AEE-8DCB-44C85EA436EB}" dt="2020-06-01T23:15:08.393" v="370" actId="47"/>
-        <pc:sldMkLst>
-          <pc:docMk/>
-          <pc:sldMk cId="64240318" sldId="294"/>
-        </pc:sldMkLst>
-      </pc:sldChg>
-      <pc:sldChg chg="del">
-        <pc:chgData name="Ming-Chih Lin" userId="f1ba3ba5-e185-404b-b55f-b2be90e2bdc2" providerId="ADAL" clId="{F1FA031A-4D31-4AEE-8DCB-44C85EA436EB}" dt="2020-06-01T23:15:08.393" v="370" actId="47"/>
-        <pc:sldMkLst>
-          <pc:docMk/>
-          <pc:sldMk cId="3800941536" sldId="295"/>
-        </pc:sldMkLst>
-      </pc:sldChg>
-      <pc:sldChg chg="del">
-        <pc:chgData name="Ming-Chih Lin" userId="f1ba3ba5-e185-404b-b55f-b2be90e2bdc2" providerId="ADAL" clId="{F1FA031A-4D31-4AEE-8DCB-44C85EA436EB}" dt="2020-06-01T23:15:08.393" v="370" actId="47"/>
-        <pc:sldMkLst>
-          <pc:docMk/>
-          <pc:sldMk cId="71803066" sldId="296"/>
-        </pc:sldMkLst>
-      </pc:sldChg>
-      <pc:sldChg chg="del">
-        <pc:chgData name="Ming-Chih Lin" userId="f1ba3ba5-e185-404b-b55f-b2be90e2bdc2" providerId="ADAL" clId="{F1FA031A-4D31-4AEE-8DCB-44C85EA436EB}" dt="2020-06-01T23:15:08.393" v="370" actId="47"/>
-        <pc:sldMkLst>
-          <pc:docMk/>
-          <pc:sldMk cId="3823943526" sldId="297"/>
-        </pc:sldMkLst>
-      </pc:sldChg>
-      <pc:sldChg chg="modSp new mod">
-        <pc:chgData name="Ming-Chih Lin" userId="f1ba3ba5-e185-404b-b55f-b2be90e2bdc2" providerId="ADAL" clId="{F1FA031A-4D31-4AEE-8DCB-44C85EA436EB}" dt="2020-06-01T23:09:56.216" v="75"/>
-        <pc:sldMkLst>
-          <pc:docMk/>
-          <pc:sldMk cId="888648973" sldId="298"/>
-        </pc:sldMkLst>
-        <pc:spChg chg="mod">
-          <ac:chgData name="Ming-Chih Lin" userId="f1ba3ba5-e185-404b-b55f-b2be90e2bdc2" providerId="ADAL" clId="{F1FA031A-4D31-4AEE-8DCB-44C85EA436EB}" dt="2020-06-01T23:09:56.216" v="75"/>
-          <ac:spMkLst>
-            <pc:docMk/>
-            <pc:sldMk cId="888648973" sldId="298"/>
-            <ac:spMk id="2" creationId="{A8BA54D6-C8F9-4AAC-8CAA-D399FA342724}"/>
-          </ac:spMkLst>
-        </pc:spChg>
-      </pc:sldChg>
-      <pc:sldChg chg="modSp add mod">
-        <pc:chgData name="Ming-Chih Lin" userId="f1ba3ba5-e185-404b-b55f-b2be90e2bdc2" providerId="ADAL" clId="{F1FA031A-4D31-4AEE-8DCB-44C85EA436EB}" dt="2020-06-01T23:14:32.055" v="369"/>
-        <pc:sldMkLst>
-          <pc:docMk/>
-          <pc:sldMk cId="101432508" sldId="299"/>
-        </pc:sldMkLst>
-        <pc:spChg chg="mod">
-          <ac:chgData name="Ming-Chih Lin" userId="f1ba3ba5-e185-404b-b55f-b2be90e2bdc2" providerId="ADAL" clId="{F1FA031A-4D31-4AEE-8DCB-44C85EA436EB}" dt="2020-06-01T23:14:32.055" v="369"/>
-          <ac:spMkLst>
-            <pc:docMk/>
-            <pc:sldMk cId="101432508" sldId="299"/>
-            <ac:spMk id="3" creationId="{FDA2CCF4-8156-43AA-A2A5-BCE09F7AF6E8}"/>
-          </ac:spMkLst>
-        </pc:spChg>
-      </pc:sldChg>
-      <pc:sldChg chg="addSp delSp modSp new mod modClrScheme chgLayout">
-        <pc:chgData name="Ming-Chih Lin" userId="f1ba3ba5-e185-404b-b55f-b2be90e2bdc2" providerId="ADAL" clId="{F1FA031A-4D31-4AEE-8DCB-44C85EA436EB}" dt="2020-06-01T23:18:37.024" v="538"/>
-        <pc:sldMkLst>
-          <pc:docMk/>
-          <pc:sldMk cId="1415465906" sldId="300"/>
-        </pc:sldMkLst>
-        <pc:spChg chg="del mod ord">
-          <ac:chgData name="Ming-Chih Lin" userId="f1ba3ba5-e185-404b-b55f-b2be90e2bdc2" providerId="ADAL" clId="{F1FA031A-4D31-4AEE-8DCB-44C85EA436EB}" dt="2020-06-01T23:15:32.824" v="388" actId="700"/>
-          <ac:spMkLst>
-            <pc:docMk/>
-            <pc:sldMk cId="1415465906" sldId="300"/>
-            <ac:spMk id="2" creationId="{2A4DBE0D-A8A4-4F12-858B-E8F5C1DC52BA}"/>
-          </ac:spMkLst>
-        </pc:spChg>
-        <pc:spChg chg="del">
-          <ac:chgData name="Ming-Chih Lin" userId="f1ba3ba5-e185-404b-b55f-b2be90e2bdc2" providerId="ADAL" clId="{F1FA031A-4D31-4AEE-8DCB-44C85EA436EB}" dt="2020-06-01T23:15:32.824" v="388" actId="700"/>
-          <ac:spMkLst>
-            <pc:docMk/>
-            <pc:sldMk cId="1415465906" sldId="300"/>
-            <ac:spMk id="3" creationId="{AFC4772C-804D-474C-89D9-7ADC6AAA7865}"/>
-          </ac:spMkLst>
-        </pc:spChg>
-        <pc:spChg chg="add mod ord">
-          <ac:chgData name="Ming-Chih Lin" userId="f1ba3ba5-e185-404b-b55f-b2be90e2bdc2" providerId="ADAL" clId="{F1FA031A-4D31-4AEE-8DCB-44C85EA436EB}" dt="2020-06-01T23:18:37.024" v="538"/>
-          <ac:spMkLst>
-            <pc:docMk/>
-            <pc:sldMk cId="1415465906" sldId="300"/>
-            <ac:spMk id="4" creationId="{42223639-7737-4ADF-9CCC-84644374FFB5}"/>
-          </ac:spMkLst>
-        </pc:spChg>
-        <pc:spChg chg="add mod ord">
-          <ac:chgData name="Ming-Chih Lin" userId="f1ba3ba5-e185-404b-b55f-b2be90e2bdc2" providerId="ADAL" clId="{F1FA031A-4D31-4AEE-8DCB-44C85EA436EB}" dt="2020-06-01T23:15:32.824" v="388" actId="700"/>
-          <ac:spMkLst>
-            <pc:docMk/>
-            <pc:sldMk cId="1415465906" sldId="300"/>
-            <ac:spMk id="5" creationId="{B37260B8-3B0D-40A3-8B25-1D9D532C9BED}"/>
-          </ac:spMkLst>
-        </pc:spChg>
-      </pc:sldChg>
-      <pc:sldChg chg="modSp add mod">
-        <pc:chgData name="Ming-Chih Lin" userId="f1ba3ba5-e185-404b-b55f-b2be90e2bdc2" providerId="ADAL" clId="{F1FA031A-4D31-4AEE-8DCB-44C85EA436EB}" dt="2020-06-01T23:26:30.522" v="688" actId="20577"/>
-        <pc:sldMkLst>
-          <pc:docMk/>
-          <pc:sldMk cId="1171545912" sldId="301"/>
-        </pc:sldMkLst>
-        <pc:spChg chg="mod">
-          <ac:chgData name="Ming-Chih Lin" userId="f1ba3ba5-e185-404b-b55f-b2be90e2bdc2" providerId="ADAL" clId="{F1FA031A-4D31-4AEE-8DCB-44C85EA436EB}" dt="2020-06-01T23:19:32.230" v="541"/>
-          <ac:spMkLst>
-            <pc:docMk/>
-            <pc:sldMk cId="1171545912" sldId="301"/>
-            <ac:spMk id="4" creationId="{42223639-7737-4ADF-9CCC-84644374FFB5}"/>
-          </ac:spMkLst>
-        </pc:spChg>
-        <pc:spChg chg="mod">
-          <ac:chgData name="Ming-Chih Lin" userId="f1ba3ba5-e185-404b-b55f-b2be90e2bdc2" providerId="ADAL" clId="{F1FA031A-4D31-4AEE-8DCB-44C85EA436EB}" dt="2020-06-01T23:26:30.522" v="688" actId="20577"/>
-          <ac:spMkLst>
-            <pc:docMk/>
-            <pc:sldMk cId="1171545912" sldId="301"/>
-            <ac:spMk id="5" creationId="{B37260B8-3B0D-40A3-8B25-1D9D532C9BED}"/>
-          </ac:spMkLst>
-        </pc:spChg>
-      </pc:sldChg>
-      <pc:sldChg chg="modSp add mod">
-        <pc:chgData name="Ming-Chih Lin" userId="f1ba3ba5-e185-404b-b55f-b2be90e2bdc2" providerId="ADAL" clId="{F1FA031A-4D31-4AEE-8DCB-44C85EA436EB}" dt="2020-06-01T23:27:59.481" v="710" actId="20577"/>
-        <pc:sldMkLst>
-          <pc:docMk/>
-          <pc:sldMk cId="2002684050" sldId="302"/>
-        </pc:sldMkLst>
-        <pc:spChg chg="mod">
-          <ac:chgData name="Ming-Chih Lin" userId="f1ba3ba5-e185-404b-b55f-b2be90e2bdc2" providerId="ADAL" clId="{F1FA031A-4D31-4AEE-8DCB-44C85EA436EB}" dt="2020-06-01T23:27:59.481" v="710" actId="20577"/>
-          <ac:spMkLst>
-            <pc:docMk/>
-            <pc:sldMk cId="2002684050" sldId="302"/>
-            <ac:spMk id="4" creationId="{42223639-7737-4ADF-9CCC-84644374FFB5}"/>
-          </ac:spMkLst>
-        </pc:spChg>
-        <pc:spChg chg="mod">
-          <ac:chgData name="Ming-Chih Lin" userId="f1ba3ba5-e185-404b-b55f-b2be90e2bdc2" providerId="ADAL" clId="{F1FA031A-4D31-4AEE-8DCB-44C85EA436EB}" dt="2020-06-01T23:21:42.958" v="586" actId="21"/>
-          <ac:spMkLst>
-            <pc:docMk/>
-            <pc:sldMk cId="2002684050" sldId="302"/>
-            <ac:spMk id="5" creationId="{B37260B8-3B0D-40A3-8B25-1D9D532C9BED}"/>
-          </ac:spMkLst>
-        </pc:spChg>
-      </pc:sldChg>
-      <pc:sldChg chg="addSp delSp modSp add del mod ord">
-        <pc:chgData name="Ming-Chih Lin" userId="f1ba3ba5-e185-404b-b55f-b2be90e2bdc2" providerId="ADAL" clId="{F1FA031A-4D31-4AEE-8DCB-44C85EA436EB}" dt="2020-06-01T23:27:56.183" v="708" actId="47"/>
-        <pc:sldMkLst>
-          <pc:docMk/>
-          <pc:sldMk cId="4107279448" sldId="303"/>
-        </pc:sldMkLst>
-        <pc:spChg chg="add del mod">
-          <ac:chgData name="Ming-Chih Lin" userId="f1ba3ba5-e185-404b-b55f-b2be90e2bdc2" providerId="ADAL" clId="{F1FA031A-4D31-4AEE-8DCB-44C85EA436EB}" dt="2020-06-01T23:23:56.344" v="655"/>
-          <ac:spMkLst>
-            <pc:docMk/>
-            <pc:sldMk cId="4107279448" sldId="303"/>
-            <ac:spMk id="2" creationId="{A47E8DDF-F70A-4E2D-8C01-9E501A43A6F7}"/>
-          </ac:spMkLst>
-        </pc:spChg>
-        <pc:spChg chg="mod">
-          <ac:chgData name="Ming-Chih Lin" userId="f1ba3ba5-e185-404b-b55f-b2be90e2bdc2" providerId="ADAL" clId="{F1FA031A-4D31-4AEE-8DCB-44C85EA436EB}" dt="2020-06-01T23:26:57.506" v="696" actId="20577"/>
-          <ac:spMkLst>
-            <pc:docMk/>
-            <pc:sldMk cId="4107279448" sldId="303"/>
-            <ac:spMk id="4" creationId="{42223639-7737-4ADF-9CCC-84644374FFB5}"/>
-          </ac:spMkLst>
-        </pc:spChg>
-      </pc:sldChg>
-      <pc:sldChg chg="modSp add mod">
-        <pc:chgData name="Ming-Chih Lin" userId="f1ba3ba5-e185-404b-b55f-b2be90e2bdc2" providerId="ADAL" clId="{F1FA031A-4D31-4AEE-8DCB-44C85EA436EB}" dt="2020-06-01T23:28:13.818" v="713" actId="6549"/>
-        <pc:sldMkLst>
-          <pc:docMk/>
-          <pc:sldMk cId="3346354504" sldId="304"/>
-        </pc:sldMkLst>
-        <pc:spChg chg="mod">
-          <ac:chgData name="Ming-Chih Lin" userId="f1ba3ba5-e185-404b-b55f-b2be90e2bdc2" providerId="ADAL" clId="{F1FA031A-4D31-4AEE-8DCB-44C85EA436EB}" dt="2020-06-01T23:28:13.818" v="713" actId="6549"/>
-          <ac:spMkLst>
-            <pc:docMk/>
-            <pc:sldMk cId="3346354504" sldId="304"/>
-            <ac:spMk id="4" creationId="{42223639-7737-4ADF-9CCC-84644374FFB5}"/>
-          </ac:spMkLst>
-        </pc:spChg>
-      </pc:sldChg>
-      <pc:sldChg chg="modSp add mod">
-        <pc:chgData name="Ming-Chih Lin" userId="f1ba3ba5-e185-404b-b55f-b2be90e2bdc2" providerId="ADAL" clId="{F1FA031A-4D31-4AEE-8DCB-44C85EA436EB}" dt="2020-06-01T23:28:27.201" v="714"/>
-        <pc:sldMkLst>
-          <pc:docMk/>
-          <pc:sldMk cId="1699586139" sldId="305"/>
-        </pc:sldMkLst>
-        <pc:spChg chg="mod">
-          <ac:chgData name="Ming-Chih Lin" userId="f1ba3ba5-e185-404b-b55f-b2be90e2bdc2" providerId="ADAL" clId="{F1FA031A-4D31-4AEE-8DCB-44C85EA436EB}" dt="2020-06-01T23:28:27.201" v="714"/>
-          <ac:spMkLst>
-            <pc:docMk/>
-            <pc:sldMk cId="1699586139" sldId="305"/>
-            <ac:spMk id="4" creationId="{42223639-7737-4ADF-9CCC-84644374FFB5}"/>
-          </ac:spMkLst>
-        </pc:spChg>
-      </pc:sldChg>
-      <pc:sldChg chg="modSp add mod">
-        <pc:chgData name="Ming-Chih Lin" userId="f1ba3ba5-e185-404b-b55f-b2be90e2bdc2" providerId="ADAL" clId="{F1FA031A-4D31-4AEE-8DCB-44C85EA436EB}" dt="2020-06-01T23:27:17.368" v="703" actId="20577"/>
-        <pc:sldMkLst>
-          <pc:docMk/>
-          <pc:sldMk cId="1220209127" sldId="306"/>
-        </pc:sldMkLst>
-        <pc:spChg chg="mod">
-          <ac:chgData name="Ming-Chih Lin" userId="f1ba3ba5-e185-404b-b55f-b2be90e2bdc2" providerId="ADAL" clId="{F1FA031A-4D31-4AEE-8DCB-44C85EA436EB}" dt="2020-06-01T23:27:17.368" v="703" actId="20577"/>
-          <ac:spMkLst>
-            <pc:docMk/>
-            <pc:sldMk cId="1220209127" sldId="306"/>
-            <ac:spMk id="4" creationId="{42223639-7737-4ADF-9CCC-84644374FFB5}"/>
-          </ac:spMkLst>
-        </pc:spChg>
-      </pc:sldChg>
-      <pc:sldChg chg="modSp add mod">
-        <pc:chgData name="Ming-Chih Lin" userId="f1ba3ba5-e185-404b-b55f-b2be90e2bdc2" providerId="ADAL" clId="{F1FA031A-4D31-4AEE-8DCB-44C85EA436EB}" dt="2020-06-01T23:28:43.758" v="715"/>
-        <pc:sldMkLst>
-          <pc:docMk/>
-          <pc:sldMk cId="236770104" sldId="307"/>
-        </pc:sldMkLst>
-        <pc:spChg chg="mod">
-          <ac:chgData name="Ming-Chih Lin" userId="f1ba3ba5-e185-404b-b55f-b2be90e2bdc2" providerId="ADAL" clId="{F1FA031A-4D31-4AEE-8DCB-44C85EA436EB}" dt="2020-06-01T23:28:43.758" v="715"/>
-          <ac:spMkLst>
-            <pc:docMk/>
-            <pc:sldMk cId="236770104" sldId="307"/>
-            <ac:spMk id="4" creationId="{42223639-7737-4ADF-9CCC-84644374FFB5}"/>
-          </ac:spMkLst>
-        </pc:spChg>
-      </pc:sldChg>
-      <pc:sldChg chg="modSp new del mod">
-        <pc:chgData name="Ming-Chih Lin" userId="f1ba3ba5-e185-404b-b55f-b2be90e2bdc2" providerId="ADAL" clId="{F1FA031A-4D31-4AEE-8DCB-44C85EA436EB}" dt="2020-06-01T23:41:30.159" v="1000" actId="47"/>
-        <pc:sldMkLst>
-          <pc:docMk/>
-          <pc:sldMk cId="3757030699" sldId="308"/>
-        </pc:sldMkLst>
-        <pc:spChg chg="mod">
-          <ac:chgData name="Ming-Chih Lin" userId="f1ba3ba5-e185-404b-b55f-b2be90e2bdc2" providerId="ADAL" clId="{F1FA031A-4D31-4AEE-8DCB-44C85EA436EB}" dt="2020-06-01T23:40:38.630" v="999"/>
-          <ac:spMkLst>
-            <pc:docMk/>
-            <pc:sldMk cId="3757030699" sldId="308"/>
-            <ac:spMk id="2" creationId="{9EAB2091-9337-42B7-AC34-E09D04AC6790}"/>
-          </ac:spMkLst>
-        </pc:spChg>
-        <pc:spChg chg="mod">
-          <ac:chgData name="Ming-Chih Lin" userId="f1ba3ba5-e185-404b-b55f-b2be90e2bdc2" providerId="ADAL" clId="{F1FA031A-4D31-4AEE-8DCB-44C85EA436EB}" dt="2020-06-01T23:31:21.972" v="779"/>
-          <ac:spMkLst>
-            <pc:docMk/>
-            <pc:sldMk cId="3757030699" sldId="308"/>
-            <ac:spMk id="3" creationId="{E7C3D928-2CE9-4266-A577-F5AA1DFC7CE3}"/>
-          </ac:spMkLst>
-        </pc:spChg>
-      </pc:sldChg>
-      <pc:sldChg chg="modSp add mod">
-        <pc:chgData name="Ming-Chih Lin" userId="f1ba3ba5-e185-404b-b55f-b2be90e2bdc2" providerId="ADAL" clId="{F1FA031A-4D31-4AEE-8DCB-44C85EA436EB}" dt="2020-06-01T23:16:11.863" v="435"/>
-        <pc:sldMkLst>
-          <pc:docMk/>
-          <pc:sldMk cId="2022201700" sldId="309"/>
-        </pc:sldMkLst>
-        <pc:spChg chg="mod">
-          <ac:chgData name="Ming-Chih Lin" userId="f1ba3ba5-e185-404b-b55f-b2be90e2bdc2" providerId="ADAL" clId="{F1FA031A-4D31-4AEE-8DCB-44C85EA436EB}" dt="2020-06-01T23:16:11.863" v="435"/>
-          <ac:spMkLst>
-            <pc:docMk/>
-            <pc:sldMk cId="2022201700" sldId="309"/>
-            <ac:spMk id="4" creationId="{2FA54F75-D405-4104-B6BB-EA44A23A109A}"/>
-          </ac:spMkLst>
-        </pc:spChg>
-      </pc:sldChg>
-      <pc:sldChg chg="addSp delSp modSp add mod ord">
-        <pc:chgData name="Ming-Chih Lin" userId="f1ba3ba5-e185-404b-b55f-b2be90e2bdc2" providerId="ADAL" clId="{F1FA031A-4D31-4AEE-8DCB-44C85EA436EB}" dt="2020-06-02T00:07:30.065" v="1132" actId="1076"/>
-        <pc:sldMkLst>
-          <pc:docMk/>
-          <pc:sldMk cId="1680955994" sldId="310"/>
-        </pc:sldMkLst>
-        <pc:spChg chg="del mod">
-          <ac:chgData name="Ming-Chih Lin" userId="f1ba3ba5-e185-404b-b55f-b2be90e2bdc2" providerId="ADAL" clId="{F1FA031A-4D31-4AEE-8DCB-44C85EA436EB}" dt="2020-06-01T23:46:50.152" v="1041" actId="478"/>
-          <ac:spMkLst>
-            <pc:docMk/>
-            <pc:sldMk cId="1680955994" sldId="310"/>
-            <ac:spMk id="2" creationId="{9EAB2091-9337-42B7-AC34-E09D04AC6790}"/>
-          </ac:spMkLst>
-        </pc:spChg>
-        <pc:spChg chg="mod">
-          <ac:chgData name="Ming-Chih Lin" userId="f1ba3ba5-e185-404b-b55f-b2be90e2bdc2" providerId="ADAL" clId="{F1FA031A-4D31-4AEE-8DCB-44C85EA436EB}" dt="2020-06-01T23:48:46.017" v="1050"/>
-          <ac:spMkLst>
-            <pc:docMk/>
-            <pc:sldMk cId="1680955994" sldId="310"/>
-            <ac:spMk id="3" creationId="{E7C3D928-2CE9-4266-A577-F5AA1DFC7CE3}"/>
-          </ac:spMkLst>
-        </pc:spChg>
-        <pc:spChg chg="add del mod">
-          <ac:chgData name="Ming-Chih Lin" userId="f1ba3ba5-e185-404b-b55f-b2be90e2bdc2" providerId="ADAL" clId="{F1FA031A-4D31-4AEE-8DCB-44C85EA436EB}" dt="2020-06-01T23:46:24.822" v="1040"/>
-          <ac:spMkLst>
-            <pc:docMk/>
-            <pc:sldMk cId="1680955994" sldId="310"/>
-            <ac:spMk id="4" creationId="{DFA67099-C7C6-4EF8-9522-C5EF93E8AFF6}"/>
-          </ac:spMkLst>
-        </pc:spChg>
-        <pc:spChg chg="add del mod">
-          <ac:chgData name="Ming-Chih Lin" userId="f1ba3ba5-e185-404b-b55f-b2be90e2bdc2" providerId="ADAL" clId="{F1FA031A-4D31-4AEE-8DCB-44C85EA436EB}" dt="2020-06-01T23:48:44.122" v="1049" actId="478"/>
-          <ac:spMkLst>
-            <pc:docMk/>
-            <pc:sldMk cId="1680955994" sldId="310"/>
-            <ac:spMk id="6" creationId="{C6523A91-946D-454F-9415-87B2845420E5}"/>
-          </ac:spMkLst>
-        </pc:spChg>
-        <pc:picChg chg="add del mod">
-          <ac:chgData name="Ming-Chih Lin" userId="f1ba3ba5-e185-404b-b55f-b2be90e2bdc2" providerId="ADAL" clId="{F1FA031A-4D31-4AEE-8DCB-44C85EA436EB}" dt="2020-06-02T00:07:21.630" v="1129" actId="478"/>
-          <ac:picMkLst>
-            <pc:docMk/>
-            <pc:sldMk cId="1680955994" sldId="310"/>
-            <ac:picMk id="7" creationId="{04167772-23D8-46EF-86E8-9F55289031D5}"/>
-          </ac:picMkLst>
-        </pc:picChg>
-        <pc:picChg chg="add del">
-          <ac:chgData name="Ming-Chih Lin" userId="f1ba3ba5-e185-404b-b55f-b2be90e2bdc2" providerId="ADAL" clId="{F1FA031A-4D31-4AEE-8DCB-44C85EA436EB}" dt="2020-06-02T00:05:20.886" v="1055"/>
-          <ac:picMkLst>
-            <pc:docMk/>
-            <pc:sldMk cId="1680955994" sldId="310"/>
-            <ac:picMk id="8" creationId="{86E0C46E-16C0-4B9D-98F5-753D5EB5E5C0}"/>
-          </ac:picMkLst>
-        </pc:picChg>
-        <pc:picChg chg="add mod">
-          <ac:chgData name="Ming-Chih Lin" userId="f1ba3ba5-e185-404b-b55f-b2be90e2bdc2" providerId="ADAL" clId="{F1FA031A-4D31-4AEE-8DCB-44C85EA436EB}" dt="2020-06-02T00:07:30.065" v="1132" actId="1076"/>
-          <ac:picMkLst>
-            <pc:docMk/>
-            <pc:sldMk cId="1680955994" sldId="310"/>
-            <ac:picMk id="9" creationId="{A8797093-BD72-4872-BB27-2A60EE738B76}"/>
-          </ac:picMkLst>
-        </pc:picChg>
-      </pc:sldChg>
-      <pc:sldChg chg="modSp add del mod">
-        <pc:chgData name="Ming-Chih Lin" userId="f1ba3ba5-e185-404b-b55f-b2be90e2bdc2" providerId="ADAL" clId="{F1FA031A-4D31-4AEE-8DCB-44C85EA436EB}" dt="2020-06-01T23:41:30.159" v="1000" actId="47"/>
-        <pc:sldMkLst>
-          <pc:docMk/>
-          <pc:sldMk cId="3863980547" sldId="311"/>
-        </pc:sldMkLst>
-        <pc:spChg chg="mod">
-          <ac:chgData name="Ming-Chih Lin" userId="f1ba3ba5-e185-404b-b55f-b2be90e2bdc2" providerId="ADAL" clId="{F1FA031A-4D31-4AEE-8DCB-44C85EA436EB}" dt="2020-06-01T23:34:25.883" v="974" actId="20577"/>
-          <ac:spMkLst>
-            <pc:docMk/>
-            <pc:sldMk cId="3863980547" sldId="311"/>
-            <ac:spMk id="3" creationId="{E7C3D928-2CE9-4266-A577-F5AA1DFC7CE3}"/>
-          </ac:spMkLst>
-        </pc:spChg>
-      </pc:sldChg>
-      <pc:sldChg chg="addSp delSp modSp new mod modClrScheme chgLayout">
-        <pc:chgData name="Ming-Chih Lin" userId="f1ba3ba5-e185-404b-b55f-b2be90e2bdc2" providerId="ADAL" clId="{F1FA031A-4D31-4AEE-8DCB-44C85EA436EB}" dt="2020-06-02T00:07:11.358" v="1128" actId="20577"/>
-        <pc:sldMkLst>
-          <pc:docMk/>
-          <pc:sldMk cId="1266417032" sldId="312"/>
-        </pc:sldMkLst>
-        <pc:spChg chg="del">
-          <ac:chgData name="Ming-Chih Lin" userId="f1ba3ba5-e185-404b-b55f-b2be90e2bdc2" providerId="ADAL" clId="{F1FA031A-4D31-4AEE-8DCB-44C85EA436EB}" dt="2020-06-01T23:16:35.525" v="440" actId="700"/>
-          <ac:spMkLst>
-            <pc:docMk/>
-            <pc:sldMk cId="1266417032" sldId="312"/>
-            <ac:spMk id="2" creationId="{A62D4AC1-C50C-4058-B2A5-D69AA87B4258}"/>
-          </ac:spMkLst>
-        </pc:spChg>
-        <pc:spChg chg="del">
-          <ac:chgData name="Ming-Chih Lin" userId="f1ba3ba5-e185-404b-b55f-b2be90e2bdc2" providerId="ADAL" clId="{F1FA031A-4D31-4AEE-8DCB-44C85EA436EB}" dt="2020-06-01T23:16:35.525" v="440" actId="700"/>
-          <ac:spMkLst>
-            <pc:docMk/>
-            <pc:sldMk cId="1266417032" sldId="312"/>
-            <ac:spMk id="3" creationId="{24369F45-8D56-4C99-9BA5-CE752D1914AC}"/>
-          </ac:spMkLst>
-        </pc:spChg>
-        <pc:spChg chg="add mod ord">
-          <ac:chgData name="Ming-Chih Lin" userId="f1ba3ba5-e185-404b-b55f-b2be90e2bdc2" providerId="ADAL" clId="{F1FA031A-4D31-4AEE-8DCB-44C85EA436EB}" dt="2020-06-02T00:05:56.161" v="1059" actId="700"/>
-          <ac:spMkLst>
-            <pc:docMk/>
-            <pc:sldMk cId="1266417032" sldId="312"/>
-            <ac:spMk id="4" creationId="{1854605A-57A1-476A-82F9-537D284E62C2}"/>
-          </ac:spMkLst>
-        </pc:spChg>
-        <pc:spChg chg="add mod ord">
-          <ac:chgData name="Ming-Chih Lin" userId="f1ba3ba5-e185-404b-b55f-b2be90e2bdc2" providerId="ADAL" clId="{F1FA031A-4D31-4AEE-8DCB-44C85EA436EB}" dt="2020-06-02T00:07:11.358" v="1128" actId="20577"/>
-          <ac:spMkLst>
-            <pc:docMk/>
-            <pc:sldMk cId="1266417032" sldId="312"/>
-            <ac:spMk id="5" creationId="{221EB24A-D4DB-45CB-BE7B-D41F7B493329}"/>
-          </ac:spMkLst>
-        </pc:spChg>
-      </pc:sldChg>
-      <pc:sldChg chg="modSp add mod">
-        <pc:chgData name="Ming-Chih Lin" userId="f1ba3ba5-e185-404b-b55f-b2be90e2bdc2" providerId="ADAL" clId="{F1FA031A-4D31-4AEE-8DCB-44C85EA436EB}" dt="2020-06-01T23:29:05.962" v="718" actId="20577"/>
-        <pc:sldMkLst>
-          <pc:docMk/>
-          <pc:sldMk cId="1608459360" sldId="313"/>
-        </pc:sldMkLst>
-        <pc:spChg chg="mod">
-          <ac:chgData name="Ming-Chih Lin" userId="f1ba3ba5-e185-404b-b55f-b2be90e2bdc2" providerId="ADAL" clId="{F1FA031A-4D31-4AEE-8DCB-44C85EA436EB}" dt="2020-06-01T23:29:05.962" v="718" actId="20577"/>
-          <ac:spMkLst>
-            <pc:docMk/>
-            <pc:sldMk cId="1608459360" sldId="313"/>
-            <ac:spMk id="4" creationId="{42223639-7737-4ADF-9CCC-84644374FFB5}"/>
-          </ac:spMkLst>
-        </pc:spChg>
-      </pc:sldChg>
-      <pc:sldChg chg="add del">
-        <pc:chgData name="Ming-Chih Lin" userId="f1ba3ba5-e185-404b-b55f-b2be90e2bdc2" providerId="ADAL" clId="{F1FA031A-4D31-4AEE-8DCB-44C85EA436EB}" dt="2020-06-01T23:30:27.215" v="721" actId="47"/>
-        <pc:sldMkLst>
-          <pc:docMk/>
-          <pc:sldMk cId="3592365506" sldId="314"/>
-        </pc:sldMkLst>
-      </pc:sldChg>
-      <pc:sldChg chg="modSp new mod">
-        <pc:chgData name="Ming-Chih Lin" userId="f1ba3ba5-e185-404b-b55f-b2be90e2bdc2" providerId="ADAL" clId="{F1FA031A-4D31-4AEE-8DCB-44C85EA436EB}" dt="2020-06-01T23:30:49.844" v="761"/>
-        <pc:sldMkLst>
-          <pc:docMk/>
-          <pc:sldMk cId="3053501639" sldId="315"/>
-        </pc:sldMkLst>
-        <pc:spChg chg="mod">
-          <ac:chgData name="Ming-Chih Lin" userId="f1ba3ba5-e185-404b-b55f-b2be90e2bdc2" providerId="ADAL" clId="{F1FA031A-4D31-4AEE-8DCB-44C85EA436EB}" dt="2020-06-01T23:30:49.844" v="761"/>
-          <ac:spMkLst>
-            <pc:docMk/>
-            <pc:sldMk cId="3053501639" sldId="315"/>
-            <ac:spMk id="3" creationId="{2DC53AD1-5967-4F57-9A42-A7D2F1A9323D}"/>
-          </ac:spMkLst>
-        </pc:spChg>
-      </pc:sldChg>
-      <pc:sldChg chg="modSp add del mod">
-        <pc:chgData name="Ming-Chih Lin" userId="f1ba3ba5-e185-404b-b55f-b2be90e2bdc2" providerId="ADAL" clId="{F1FA031A-4D31-4AEE-8DCB-44C85EA436EB}" dt="2020-06-01T23:41:30.159" v="1000" actId="47"/>
-        <pc:sldMkLst>
-          <pc:docMk/>
-          <pc:sldMk cId="612939432" sldId="316"/>
-        </pc:sldMkLst>
-        <pc:spChg chg="mod">
-          <ac:chgData name="Ming-Chih Lin" userId="f1ba3ba5-e185-404b-b55f-b2be90e2bdc2" providerId="ADAL" clId="{F1FA031A-4D31-4AEE-8DCB-44C85EA436EB}" dt="2020-06-01T23:32:42.102" v="850" actId="20577"/>
-          <ac:spMkLst>
-            <pc:docMk/>
-            <pc:sldMk cId="612939432" sldId="316"/>
-            <ac:spMk id="3" creationId="{E7C3D928-2CE9-4266-A577-F5AA1DFC7CE3}"/>
-          </ac:spMkLst>
-        </pc:spChg>
-      </pc:sldChg>
-      <pc:sldChg chg="addSp delSp modSp new add del mod">
-        <pc:chgData name="Ming-Chih Lin" userId="f1ba3ba5-e185-404b-b55f-b2be90e2bdc2" providerId="ADAL" clId="{F1FA031A-4D31-4AEE-8DCB-44C85EA436EB}" dt="2020-06-02T00:07:33.244" v="1133" actId="47"/>
-        <pc:sldMkLst>
-          <pc:docMk/>
-          <pc:sldMk cId="1830674388" sldId="316"/>
-        </pc:sldMkLst>
-        <pc:picChg chg="add del mod">
-          <ac:chgData name="Ming-Chih Lin" userId="f1ba3ba5-e185-404b-b55f-b2be90e2bdc2" providerId="ADAL" clId="{F1FA031A-4D31-4AEE-8DCB-44C85EA436EB}" dt="2020-06-02T00:07:23.378" v="1130" actId="21"/>
-          <ac:picMkLst>
-            <pc:docMk/>
-            <pc:sldMk cId="1830674388" sldId="316"/>
-            <ac:picMk id="4" creationId="{3482E1DE-C7E8-4B64-A3F8-917B68200E56}"/>
-          </ac:picMkLst>
-        </pc:picChg>
-      </pc:sldChg>
-      <pc:sldChg chg="modSp add del mod">
-        <pc:chgData name="Ming-Chih Lin" userId="f1ba3ba5-e185-404b-b55f-b2be90e2bdc2" providerId="ADAL" clId="{F1FA031A-4D31-4AEE-8DCB-44C85EA436EB}" dt="2020-06-01T23:41:30.159" v="1000" actId="47"/>
-        <pc:sldMkLst>
-          <pc:docMk/>
-          <pc:sldMk cId="1022163412" sldId="317"/>
-        </pc:sldMkLst>
-        <pc:spChg chg="mod">
-          <ac:chgData name="Ming-Chih Lin" userId="f1ba3ba5-e185-404b-b55f-b2be90e2bdc2" providerId="ADAL" clId="{F1FA031A-4D31-4AEE-8DCB-44C85EA436EB}" dt="2020-06-01T23:32:53.706" v="863" actId="20577"/>
-          <ac:spMkLst>
-            <pc:docMk/>
-            <pc:sldMk cId="1022163412" sldId="317"/>
-            <ac:spMk id="3" creationId="{E7C3D928-2CE9-4266-A577-F5AA1DFC7CE3}"/>
-          </ac:spMkLst>
-        </pc:spChg>
-      </pc:sldChg>
-      <pc:sldChg chg="modSp add del mod">
-        <pc:chgData name="Ming-Chih Lin" userId="f1ba3ba5-e185-404b-b55f-b2be90e2bdc2" providerId="ADAL" clId="{F1FA031A-4D31-4AEE-8DCB-44C85EA436EB}" dt="2020-06-01T23:41:30.159" v="1000" actId="47"/>
-        <pc:sldMkLst>
-          <pc:docMk/>
-          <pc:sldMk cId="4171406706" sldId="318"/>
-        </pc:sldMkLst>
-        <pc:spChg chg="mod">
-          <ac:chgData name="Ming-Chih Lin" userId="f1ba3ba5-e185-404b-b55f-b2be90e2bdc2" providerId="ADAL" clId="{F1FA031A-4D31-4AEE-8DCB-44C85EA436EB}" dt="2020-06-01T23:32:59.354" v="873" actId="20577"/>
-          <ac:spMkLst>
-            <pc:docMk/>
-            <pc:sldMk cId="4171406706" sldId="318"/>
-            <ac:spMk id="3" creationId="{E7C3D928-2CE9-4266-A577-F5AA1DFC7CE3}"/>
-          </ac:spMkLst>
-        </pc:spChg>
-      </pc:sldChg>
-      <pc:sldChg chg="modSp add del mod ord">
-        <pc:chgData name="Ming-Chih Lin" userId="f1ba3ba5-e185-404b-b55f-b2be90e2bdc2" providerId="ADAL" clId="{F1FA031A-4D31-4AEE-8DCB-44C85EA436EB}" dt="2020-06-01T23:41:30.159" v="1000" actId="47"/>
-        <pc:sldMkLst>
-          <pc:docMk/>
-          <pc:sldMk cId="3934403956" sldId="319"/>
-        </pc:sldMkLst>
-        <pc:spChg chg="mod">
-          <ac:chgData name="Ming-Chih Lin" userId="f1ba3ba5-e185-404b-b55f-b2be90e2bdc2" providerId="ADAL" clId="{F1FA031A-4D31-4AEE-8DCB-44C85EA436EB}" dt="2020-06-01T23:33:40.850" v="940" actId="20577"/>
-          <ac:spMkLst>
-            <pc:docMk/>
-            <pc:sldMk cId="3934403956" sldId="319"/>
-            <ac:spMk id="3" creationId="{E7C3D928-2CE9-4266-A577-F5AA1DFC7CE3}"/>
-          </ac:spMkLst>
-        </pc:spChg>
-      </pc:sldChg>
-      <pc:sldChg chg="modSp add del mod ord">
-        <pc:chgData name="Ming-Chih Lin" userId="f1ba3ba5-e185-404b-b55f-b2be90e2bdc2" providerId="ADAL" clId="{F1FA031A-4D31-4AEE-8DCB-44C85EA436EB}" dt="2020-06-01T23:41:30.159" v="1000" actId="47"/>
-        <pc:sldMkLst>
-          <pc:docMk/>
-          <pc:sldMk cId="816830408" sldId="320"/>
-        </pc:sldMkLst>
-        <pc:spChg chg="mod">
-          <ac:chgData name="Ming-Chih Lin" userId="f1ba3ba5-e185-404b-b55f-b2be90e2bdc2" providerId="ADAL" clId="{F1FA031A-4D31-4AEE-8DCB-44C85EA436EB}" dt="2020-06-01T23:33:58.268" v="959"/>
-          <ac:spMkLst>
-            <pc:docMk/>
-            <pc:sldMk cId="816830408" sldId="320"/>
-            <ac:spMk id="3" creationId="{E7C3D928-2CE9-4266-A577-F5AA1DFC7CE3}"/>
-          </ac:spMkLst>
-        </pc:spChg>
-      </pc:sldChg>
-      <pc:sldChg chg="modSp new del mod">
-        <pc:chgData name="Ming-Chih Lin" userId="f1ba3ba5-e185-404b-b55f-b2be90e2bdc2" providerId="ADAL" clId="{F1FA031A-4D31-4AEE-8DCB-44C85EA436EB}" dt="2020-06-01T23:41:30.159" v="1000" actId="47"/>
-        <pc:sldMkLst>
-          <pc:docMk/>
-          <pc:sldMk cId="137822786" sldId="321"/>
-        </pc:sldMkLst>
-        <pc:spChg chg="mod">
-          <ac:chgData name="Ming-Chih Lin" userId="f1ba3ba5-e185-404b-b55f-b2be90e2bdc2" providerId="ADAL" clId="{F1FA031A-4D31-4AEE-8DCB-44C85EA436EB}" dt="2020-06-01T23:34:47.171" v="993"/>
-          <ac:spMkLst>
-            <pc:docMk/>
-            <pc:sldMk cId="137822786" sldId="321"/>
-            <ac:spMk id="3" creationId="{89E19C31-D323-4099-B1F9-A39ED7CC546B}"/>
-          </ac:spMkLst>
-        </pc:spChg>
-      </pc:sldChg>
-    </pc:docChg>
-  </pc:docChgLst>
-  <pc:docChgLst>
-    <pc:chgData name="Ming-Chih Lin" userId="f1ba3ba5-e185-404b-b55f-b2be90e2bdc2" providerId="ADAL" clId="{73C49393-00F6-48C7-99DB-5262FA837701}"/>
-    <pc:docChg chg="custSel addSld delSld modSld">
-      <pc:chgData name="Ming-Chih Lin" userId="f1ba3ba5-e185-404b-b55f-b2be90e2bdc2" providerId="ADAL" clId="{73C49393-00F6-48C7-99DB-5262FA837701}" dt="2020-06-02T00:14:48.542" v="90"/>
-      <pc:docMkLst>
-        <pc:docMk/>
-      </pc:docMkLst>
-      <pc:sldChg chg="addSp delSp modSp mod">
-        <pc:chgData name="Ming-Chih Lin" userId="f1ba3ba5-e185-404b-b55f-b2be90e2bdc2" providerId="ADAL" clId="{73C49393-00F6-48C7-99DB-5262FA837701}" dt="2020-06-02T00:09:55.262" v="3" actId="14100"/>
-        <pc:sldMkLst>
-          <pc:docMk/>
-          <pc:sldMk cId="3437513085" sldId="257"/>
-        </pc:sldMkLst>
-        <pc:spChg chg="mod">
-          <ac:chgData name="Ming-Chih Lin" userId="f1ba3ba5-e185-404b-b55f-b2be90e2bdc2" providerId="ADAL" clId="{73C49393-00F6-48C7-99DB-5262FA837701}" dt="2020-06-02T00:09:55.262" v="3" actId="14100"/>
-          <ac:spMkLst>
-            <pc:docMk/>
-            <pc:sldMk cId="3437513085" sldId="257"/>
-            <ac:spMk id="2" creationId="{F00E360D-5F36-459A-8321-D0EA4C8C73FE}"/>
-          </ac:spMkLst>
-        </pc:spChg>
-        <pc:graphicFrameChg chg="add del mod">
-          <ac:chgData name="Ming-Chih Lin" userId="f1ba3ba5-e185-404b-b55f-b2be90e2bdc2" providerId="ADAL" clId="{73C49393-00F6-48C7-99DB-5262FA837701}" dt="2020-06-02T00:09:49.623" v="1"/>
-          <ac:graphicFrameMkLst>
-            <pc:docMk/>
-            <pc:sldMk cId="3437513085" sldId="257"/>
-            <ac:graphicFrameMk id="4" creationId="{5049B3AE-5EA2-4052-9B86-DD46687ECD81}"/>
-          </ac:graphicFrameMkLst>
-        </pc:graphicFrameChg>
-      </pc:sldChg>
-      <pc:sldChg chg="del">
-        <pc:chgData name="Ming-Chih Lin" userId="f1ba3ba5-e185-404b-b55f-b2be90e2bdc2" providerId="ADAL" clId="{73C49393-00F6-48C7-99DB-5262FA837701}" dt="2020-06-02T00:11:20.397" v="13" actId="47"/>
-        <pc:sldMkLst>
-          <pc:docMk/>
-          <pc:sldMk cId="2773999239" sldId="288"/>
-        </pc:sldMkLst>
-      </pc:sldChg>
-      <pc:sldChg chg="del">
-        <pc:chgData name="Ming-Chih Lin" userId="f1ba3ba5-e185-404b-b55f-b2be90e2bdc2" providerId="ADAL" clId="{73C49393-00F6-48C7-99DB-5262FA837701}" dt="2020-06-02T00:11:20.397" v="13" actId="47"/>
-        <pc:sldMkLst>
-          <pc:docMk/>
-          <pc:sldMk cId="1061609012" sldId="289"/>
-        </pc:sldMkLst>
-      </pc:sldChg>
-      <pc:sldChg chg="del">
-        <pc:chgData name="Ming-Chih Lin" userId="f1ba3ba5-e185-404b-b55f-b2be90e2bdc2" providerId="ADAL" clId="{73C49393-00F6-48C7-99DB-5262FA837701}" dt="2020-06-02T00:11:20.397" v="13" actId="47"/>
-        <pc:sldMkLst>
-          <pc:docMk/>
-          <pc:sldMk cId="1663756997" sldId="290"/>
-        </pc:sldMkLst>
-      </pc:sldChg>
-      <pc:sldChg chg="del">
-        <pc:chgData name="Ming-Chih Lin" userId="f1ba3ba5-e185-404b-b55f-b2be90e2bdc2" providerId="ADAL" clId="{73C49393-00F6-48C7-99DB-5262FA837701}" dt="2020-06-02T00:10:19.448" v="5" actId="47"/>
-        <pc:sldMkLst>
-          <pc:docMk/>
-          <pc:sldMk cId="888648973" sldId="298"/>
-        </pc:sldMkLst>
-      </pc:sldChg>
-      <pc:sldChg chg="del">
-        <pc:chgData name="Ming-Chih Lin" userId="f1ba3ba5-e185-404b-b55f-b2be90e2bdc2" providerId="ADAL" clId="{73C49393-00F6-48C7-99DB-5262FA837701}" dt="2020-06-02T00:11:20.397" v="13" actId="47"/>
-        <pc:sldMkLst>
-          <pc:docMk/>
-          <pc:sldMk cId="101432508" sldId="299"/>
-        </pc:sldMkLst>
-      </pc:sldChg>
-      <pc:sldChg chg="del">
-        <pc:chgData name="Ming-Chih Lin" userId="f1ba3ba5-e185-404b-b55f-b2be90e2bdc2" providerId="ADAL" clId="{73C49393-00F6-48C7-99DB-5262FA837701}" dt="2020-06-02T00:12:16.208" v="16" actId="47"/>
-        <pc:sldMkLst>
-          <pc:docMk/>
-          <pc:sldMk cId="1415465906" sldId="300"/>
-        </pc:sldMkLst>
-      </pc:sldChg>
-      <pc:sldChg chg="del">
-        <pc:chgData name="Ming-Chih Lin" userId="f1ba3ba5-e185-404b-b55f-b2be90e2bdc2" providerId="ADAL" clId="{73C49393-00F6-48C7-99DB-5262FA837701}" dt="2020-06-02T00:12:16.208" v="16" actId="47"/>
-        <pc:sldMkLst>
-          <pc:docMk/>
-          <pc:sldMk cId="1171545912" sldId="301"/>
-        </pc:sldMkLst>
-      </pc:sldChg>
-      <pc:sldChg chg="del">
-        <pc:chgData name="Ming-Chih Lin" userId="f1ba3ba5-e185-404b-b55f-b2be90e2bdc2" providerId="ADAL" clId="{73C49393-00F6-48C7-99DB-5262FA837701}" dt="2020-06-02T00:12:16.208" v="16" actId="47"/>
-        <pc:sldMkLst>
-          <pc:docMk/>
-          <pc:sldMk cId="2002684050" sldId="302"/>
-        </pc:sldMkLst>
-      </pc:sldChg>
-      <pc:sldChg chg="del">
-        <pc:chgData name="Ming-Chih Lin" userId="f1ba3ba5-e185-404b-b55f-b2be90e2bdc2" providerId="ADAL" clId="{73C49393-00F6-48C7-99DB-5262FA837701}" dt="2020-06-02T00:12:16.208" v="16" actId="47"/>
-        <pc:sldMkLst>
-          <pc:docMk/>
-          <pc:sldMk cId="3346354504" sldId="304"/>
-        </pc:sldMkLst>
-      </pc:sldChg>
-      <pc:sldChg chg="del">
-        <pc:chgData name="Ming-Chih Lin" userId="f1ba3ba5-e185-404b-b55f-b2be90e2bdc2" providerId="ADAL" clId="{73C49393-00F6-48C7-99DB-5262FA837701}" dt="2020-06-02T00:12:16.208" v="16" actId="47"/>
-        <pc:sldMkLst>
-          <pc:docMk/>
-          <pc:sldMk cId="1699586139" sldId="305"/>
-        </pc:sldMkLst>
-      </pc:sldChg>
-      <pc:sldChg chg="del">
-        <pc:chgData name="Ming-Chih Lin" userId="f1ba3ba5-e185-404b-b55f-b2be90e2bdc2" providerId="ADAL" clId="{73C49393-00F6-48C7-99DB-5262FA837701}" dt="2020-06-02T00:12:16.208" v="16" actId="47"/>
-        <pc:sldMkLst>
-          <pc:docMk/>
-          <pc:sldMk cId="1220209127" sldId="306"/>
-        </pc:sldMkLst>
-      </pc:sldChg>
-      <pc:sldChg chg="del">
-        <pc:chgData name="Ming-Chih Lin" userId="f1ba3ba5-e185-404b-b55f-b2be90e2bdc2" providerId="ADAL" clId="{73C49393-00F6-48C7-99DB-5262FA837701}" dt="2020-06-02T00:12:16.208" v="16" actId="47"/>
-        <pc:sldMkLst>
-          <pc:docMk/>
-          <pc:sldMk cId="236770104" sldId="307"/>
-        </pc:sldMkLst>
-      </pc:sldChg>
-      <pc:sldChg chg="del">
-        <pc:chgData name="Ming-Chih Lin" userId="f1ba3ba5-e185-404b-b55f-b2be90e2bdc2" providerId="ADAL" clId="{73C49393-00F6-48C7-99DB-5262FA837701}" dt="2020-06-02T00:11:59.394" v="14" actId="47"/>
-        <pc:sldMkLst>
-          <pc:docMk/>
-          <pc:sldMk cId="2022201700" sldId="309"/>
-        </pc:sldMkLst>
-      </pc:sldChg>
-      <pc:sldChg chg="del">
-        <pc:chgData name="Ming-Chih Lin" userId="f1ba3ba5-e185-404b-b55f-b2be90e2bdc2" providerId="ADAL" clId="{73C49393-00F6-48C7-99DB-5262FA837701}" dt="2020-06-02T00:11:59.980" v="15" actId="47"/>
-        <pc:sldMkLst>
-          <pc:docMk/>
-          <pc:sldMk cId="1680955994" sldId="310"/>
-        </pc:sldMkLst>
-      </pc:sldChg>
-      <pc:sldChg chg="del">
-        <pc:chgData name="Ming-Chih Lin" userId="f1ba3ba5-e185-404b-b55f-b2be90e2bdc2" providerId="ADAL" clId="{73C49393-00F6-48C7-99DB-5262FA837701}" dt="2020-06-02T00:12:16.208" v="16" actId="47"/>
-        <pc:sldMkLst>
-          <pc:docMk/>
-          <pc:sldMk cId="1608459360" sldId="313"/>
-        </pc:sldMkLst>
-      </pc:sldChg>
-      <pc:sldChg chg="del">
-        <pc:chgData name="Ming-Chih Lin" userId="f1ba3ba5-e185-404b-b55f-b2be90e2bdc2" providerId="ADAL" clId="{73C49393-00F6-48C7-99DB-5262FA837701}" dt="2020-06-02T00:12:16.208" v="16" actId="47"/>
-        <pc:sldMkLst>
-          <pc:docMk/>
-          <pc:sldMk cId="3053501639" sldId="315"/>
-        </pc:sldMkLst>
-      </pc:sldChg>
-      <pc:sldChg chg="add">
-        <pc:chgData name="Ming-Chih Lin" userId="f1ba3ba5-e185-404b-b55f-b2be90e2bdc2" providerId="ADAL" clId="{73C49393-00F6-48C7-99DB-5262FA837701}" dt="2020-06-02T00:10:18.221" v="4"/>
-        <pc:sldMkLst>
-          <pc:docMk/>
-          <pc:sldMk cId="19629556" sldId="316"/>
-        </pc:sldMkLst>
-      </pc:sldChg>
-      <pc:sldChg chg="addSp delSp modSp add mod">
-        <pc:chgData name="Ming-Chih Lin" userId="f1ba3ba5-e185-404b-b55f-b2be90e2bdc2" providerId="ADAL" clId="{73C49393-00F6-48C7-99DB-5262FA837701}" dt="2020-06-02T00:11:09.974" v="12" actId="1076"/>
-        <pc:sldMkLst>
-          <pc:docMk/>
-          <pc:sldMk cId="497064445" sldId="317"/>
-        </pc:sldMkLst>
-        <pc:picChg chg="add mod">
-          <ac:chgData name="Ming-Chih Lin" userId="f1ba3ba5-e185-404b-b55f-b2be90e2bdc2" providerId="ADAL" clId="{73C49393-00F6-48C7-99DB-5262FA837701}" dt="2020-06-02T00:11:09.974" v="12" actId="1076"/>
-          <ac:picMkLst>
-            <pc:docMk/>
-            <pc:sldMk cId="497064445" sldId="317"/>
-            <ac:picMk id="2" creationId="{24B42EE7-EE76-400D-B513-614BD7A34C4E}"/>
-          </ac:picMkLst>
-        </pc:picChg>
-        <pc:picChg chg="del">
-          <ac:chgData name="Ming-Chih Lin" userId="f1ba3ba5-e185-404b-b55f-b2be90e2bdc2" providerId="ADAL" clId="{73C49393-00F6-48C7-99DB-5262FA837701}" dt="2020-06-02T00:11:00.632" v="6" actId="478"/>
-          <ac:picMkLst>
-            <pc:docMk/>
-            <pc:sldMk cId="497064445" sldId="317"/>
-            <ac:picMk id="9" creationId="{A8797093-BD72-4872-BB27-2A60EE738B76}"/>
-          </ac:picMkLst>
-        </pc:picChg>
-      </pc:sldChg>
-      <pc:sldChg chg="delSp modSp add mod">
-        <pc:chgData name="Ming-Chih Lin" userId="f1ba3ba5-e185-404b-b55f-b2be90e2bdc2" providerId="ADAL" clId="{73C49393-00F6-48C7-99DB-5262FA837701}" dt="2020-06-02T00:14:48.542" v="90"/>
-        <pc:sldMkLst>
-          <pc:docMk/>
-          <pc:sldMk cId="1705629521" sldId="318"/>
-        </pc:sldMkLst>
-        <pc:spChg chg="mod">
-          <ac:chgData name="Ming-Chih Lin" userId="f1ba3ba5-e185-404b-b55f-b2be90e2bdc2" providerId="ADAL" clId="{73C49393-00F6-48C7-99DB-5262FA837701}" dt="2020-06-02T00:14:48.542" v="90"/>
-          <ac:spMkLst>
-            <pc:docMk/>
-            <pc:sldMk cId="1705629521" sldId="318"/>
-            <ac:spMk id="3" creationId="{E7C3D928-2CE9-4266-A577-F5AA1DFC7CE3}"/>
-          </ac:spMkLst>
-        </pc:spChg>
-        <pc:picChg chg="del">
-          <ac:chgData name="Ming-Chih Lin" userId="f1ba3ba5-e185-404b-b55f-b2be90e2bdc2" providerId="ADAL" clId="{73C49393-00F6-48C7-99DB-5262FA837701}" dt="2020-06-02T00:13:26.758" v="34" actId="478"/>
-          <ac:picMkLst>
-            <pc:docMk/>
-            <pc:sldMk cId="1705629521" sldId="318"/>
-            <ac:picMk id="2" creationId="{24B42EE7-EE76-400D-B513-614BD7A34C4E}"/>
-          </ac:picMkLst>
-        </pc:picChg>
-      </pc:sldChg>
-    </pc:docChg>
-  </pc:docChgLst>
-  <pc:docChgLst>
-    <pc:chgData name="Ming-Chih Lin" userId="f1ba3ba5-e185-404b-b55f-b2be90e2bdc2" providerId="ADAL" clId="{4BD2A7FE-9E5B-4A17-9515-51BDB1FB0393}"/>
-    <pc:docChg chg="undo custSel addSld delSld modSld sldOrd">
-      <pc:chgData name="Ming-Chih Lin" userId="f1ba3ba5-e185-404b-b55f-b2be90e2bdc2" providerId="ADAL" clId="{4BD2A7FE-9E5B-4A17-9515-51BDB1FB0393}" dt="2020-06-09T00:10:48.623" v="458"/>
-      <pc:docMkLst>
-        <pc:docMk/>
-      </pc:docMkLst>
-      <pc:sldChg chg="modSp mod">
-        <pc:chgData name="Ming-Chih Lin" userId="f1ba3ba5-e185-404b-b55f-b2be90e2bdc2" providerId="ADAL" clId="{4BD2A7FE-9E5B-4A17-9515-51BDB1FB0393}" dt="2020-06-02T02:27:18.369" v="24"/>
-        <pc:sldMkLst>
-          <pc:docMk/>
-          <pc:sldMk cId="3437513085" sldId="257"/>
-        </pc:sldMkLst>
-        <pc:spChg chg="mod">
-          <ac:chgData name="Ming-Chih Lin" userId="f1ba3ba5-e185-404b-b55f-b2be90e2bdc2" providerId="ADAL" clId="{4BD2A7FE-9E5B-4A17-9515-51BDB1FB0393}" dt="2020-06-02T02:27:18.369" v="24"/>
-          <ac:spMkLst>
-            <pc:docMk/>
-            <pc:sldMk cId="3437513085" sldId="257"/>
-            <ac:spMk id="2" creationId="{F00E360D-5F36-459A-8321-D0EA4C8C73FE}"/>
-          </ac:spMkLst>
-        </pc:spChg>
-      </pc:sldChg>
-      <pc:sldChg chg="del">
-        <pc:chgData name="Ming-Chih Lin" userId="f1ba3ba5-e185-404b-b55f-b2be90e2bdc2" providerId="ADAL" clId="{4BD2A7FE-9E5B-4A17-9515-51BDB1FB0393}" dt="2020-06-09T00:09:07.939" v="348" actId="47"/>
-        <pc:sldMkLst>
-          <pc:docMk/>
-          <pc:sldMk cId="929909194" sldId="259"/>
-        </pc:sldMkLst>
-      </pc:sldChg>
-      <pc:sldChg chg="del">
-        <pc:chgData name="Ming-Chih Lin" userId="f1ba3ba5-e185-404b-b55f-b2be90e2bdc2" providerId="ADAL" clId="{4BD2A7FE-9E5B-4A17-9515-51BDB1FB0393}" dt="2020-06-02T02:29:48.748" v="27" actId="47"/>
-        <pc:sldMkLst>
-          <pc:docMk/>
-          <pc:sldMk cId="1266417032" sldId="312"/>
-        </pc:sldMkLst>
-      </pc:sldChg>
-      <pc:sldChg chg="del">
-        <pc:chgData name="Ming-Chih Lin" userId="f1ba3ba5-e185-404b-b55f-b2be90e2bdc2" providerId="ADAL" clId="{4BD2A7FE-9E5B-4A17-9515-51BDB1FB0393}" dt="2020-06-02T02:29:21.580" v="25" actId="47"/>
-        <pc:sldMkLst>
-          <pc:docMk/>
-          <pc:sldMk cId="19629556" sldId="316"/>
-        </pc:sldMkLst>
-      </pc:sldChg>
-      <pc:sldChg chg="addSp modSp del mod chgLayout">
-        <pc:chgData name="Ming-Chih Lin" userId="f1ba3ba5-e185-404b-b55f-b2be90e2bdc2" providerId="ADAL" clId="{4BD2A7FE-9E5B-4A17-9515-51BDB1FB0393}" dt="2020-06-04T07:50:36.778" v="122" actId="47"/>
-        <pc:sldMkLst>
-          <pc:docMk/>
-          <pc:sldMk cId="497064445" sldId="317"/>
-        </pc:sldMkLst>
-        <pc:spChg chg="add mod ord">
-          <ac:chgData name="Ming-Chih Lin" userId="f1ba3ba5-e185-404b-b55f-b2be90e2bdc2" providerId="ADAL" clId="{4BD2A7FE-9E5B-4A17-9515-51BDB1FB0393}" dt="2020-06-04T07:50:34.680" v="121" actId="21"/>
-          <ac:spMkLst>
-            <pc:docMk/>
-            <pc:sldMk cId="497064445" sldId="317"/>
-            <ac:spMk id="2" creationId="{FC165719-0C99-49EA-99E3-292438917CCB}"/>
-          </ac:spMkLst>
-        </pc:spChg>
-        <pc:spChg chg="mod ord">
-          <ac:chgData name="Ming-Chih Lin" userId="f1ba3ba5-e185-404b-b55f-b2be90e2bdc2" providerId="ADAL" clId="{4BD2A7FE-9E5B-4A17-9515-51BDB1FB0393}" dt="2020-06-02T02:03:24.980" v="5"/>
-          <ac:spMkLst>
-            <pc:docMk/>
-            <pc:sldMk cId="497064445" sldId="317"/>
-            <ac:spMk id="3" creationId="{E7C3D928-2CE9-4266-A577-F5AA1DFC7CE3}"/>
-          </ac:spMkLst>
-        </pc:spChg>
-      </pc:sldChg>
-      <pc:sldChg chg="addSp delSp modSp mod ord chgLayout">
-        <pc:chgData name="Ming-Chih Lin" userId="f1ba3ba5-e185-404b-b55f-b2be90e2bdc2" providerId="ADAL" clId="{4BD2A7FE-9E5B-4A17-9515-51BDB1FB0393}" dt="2020-06-04T07:53:07.899" v="138" actId="1076"/>
-        <pc:sldMkLst>
-          <pc:docMk/>
-          <pc:sldMk cId="1705629521" sldId="318"/>
-        </pc:sldMkLst>
-        <pc:spChg chg="add mod ord">
-          <ac:chgData name="Ming-Chih Lin" userId="f1ba3ba5-e185-404b-b55f-b2be90e2bdc2" providerId="ADAL" clId="{4BD2A7FE-9E5B-4A17-9515-51BDB1FB0393}" dt="2020-06-04T07:53:05.991" v="137" actId="14100"/>
-          <ac:spMkLst>
-            <pc:docMk/>
-            <pc:sldMk cId="1705629521" sldId="318"/>
-            <ac:spMk id="2" creationId="{F4A3E6A3-96AB-4068-8023-96B66AB076B9}"/>
-          </ac:spMkLst>
-        </pc:spChg>
-        <pc:spChg chg="mod ord">
-          <ac:chgData name="Ming-Chih Lin" userId="f1ba3ba5-e185-404b-b55f-b2be90e2bdc2" providerId="ADAL" clId="{4BD2A7FE-9E5B-4A17-9515-51BDB1FB0393}" dt="2020-06-04T06:58:57.988" v="78" actId="20577"/>
-          <ac:spMkLst>
-            <pc:docMk/>
-            <pc:sldMk cId="1705629521" sldId="318"/>
-            <ac:spMk id="3" creationId="{E7C3D928-2CE9-4266-A577-F5AA1DFC7CE3}"/>
-          </ac:spMkLst>
-        </pc:spChg>
-        <pc:picChg chg="add del">
-          <ac:chgData name="Ming-Chih Lin" userId="f1ba3ba5-e185-404b-b55f-b2be90e2bdc2" providerId="ADAL" clId="{4BD2A7FE-9E5B-4A17-9515-51BDB1FB0393}" dt="2020-06-04T07:52:23.108" v="130"/>
-          <ac:picMkLst>
-            <pc:docMk/>
-            <pc:sldMk cId="1705629521" sldId="318"/>
-            <ac:picMk id="4" creationId="{FFD7989A-0DDA-429A-91D7-5F81BB6FE67B}"/>
-          </ac:picMkLst>
-        </pc:picChg>
-        <pc:picChg chg="add del">
-          <ac:chgData name="Ming-Chih Lin" userId="f1ba3ba5-e185-404b-b55f-b2be90e2bdc2" providerId="ADAL" clId="{4BD2A7FE-9E5B-4A17-9515-51BDB1FB0393}" dt="2020-06-04T07:52:48.787" v="132" actId="478"/>
-          <ac:picMkLst>
-            <pc:docMk/>
-            <pc:sldMk cId="1705629521" sldId="318"/>
-            <ac:picMk id="5" creationId="{BE1057B7-E785-43B8-9F57-94C7A0C31EAD}"/>
-          </ac:picMkLst>
-        </pc:picChg>
-        <pc:picChg chg="add mod">
-          <ac:chgData name="Ming-Chih Lin" userId="f1ba3ba5-e185-404b-b55f-b2be90e2bdc2" providerId="ADAL" clId="{4BD2A7FE-9E5B-4A17-9515-51BDB1FB0393}" dt="2020-06-04T07:53:07.899" v="138" actId="1076"/>
-          <ac:picMkLst>
-            <pc:docMk/>
-            <pc:sldMk cId="1705629521" sldId="318"/>
-            <ac:picMk id="6" creationId="{6F6F0F4C-C854-48F4-8DD3-EF8D1629388B}"/>
-          </ac:picMkLst>
-        </pc:picChg>
-      </pc:sldChg>
-      <pc:sldChg chg="addSp delSp modSp new mod ord">
-        <pc:chgData name="Ming-Chih Lin" userId="f1ba3ba5-e185-404b-b55f-b2be90e2bdc2" providerId="ADAL" clId="{4BD2A7FE-9E5B-4A17-9515-51BDB1FB0393}" dt="2020-06-04T08:23:12.033" v="346" actId="14100"/>
-        <pc:sldMkLst>
-          <pc:docMk/>
-          <pc:sldMk cId="1809218753" sldId="319"/>
-        </pc:sldMkLst>
-        <pc:spChg chg="mod">
-          <ac:chgData name="Ming-Chih Lin" userId="f1ba3ba5-e185-404b-b55f-b2be90e2bdc2" providerId="ADAL" clId="{4BD2A7FE-9E5B-4A17-9515-51BDB1FB0393}" dt="2020-06-04T08:15:35.192" v="175" actId="14100"/>
-          <ac:spMkLst>
-            <pc:docMk/>
-            <pc:sldMk cId="1809218753" sldId="319"/>
-            <ac:spMk id="2" creationId="{581CD9B0-D2E7-4D32-9C81-937754DBDA21}"/>
-          </ac:spMkLst>
-        </pc:spChg>
-        <pc:spChg chg="mod">
-          <ac:chgData name="Ming-Chih Lin" userId="f1ba3ba5-e185-404b-b55f-b2be90e2bdc2" providerId="ADAL" clId="{4BD2A7FE-9E5B-4A17-9515-51BDB1FB0393}" dt="2020-06-04T06:58:25.650" v="74" actId="20577"/>
-          <ac:spMkLst>
-            <pc:docMk/>
-            <pc:sldMk cId="1809218753" sldId="319"/>
-            <ac:spMk id="3" creationId="{C35C514E-7503-483D-9589-A8DE8F93E299}"/>
-          </ac:spMkLst>
-        </pc:spChg>
-        <pc:spChg chg="add mod">
-          <ac:chgData name="Ming-Chih Lin" userId="f1ba3ba5-e185-404b-b55f-b2be90e2bdc2" providerId="ADAL" clId="{4BD2A7FE-9E5B-4A17-9515-51BDB1FB0393}" dt="2020-06-04T08:22:34.359" v="339" actId="14861"/>
-          <ac:spMkLst>
-            <pc:docMk/>
-            <pc:sldMk cId="1809218753" sldId="319"/>
-            <ac:spMk id="5" creationId="{AD12E166-F00F-4C24-9FEA-31A837294A69}"/>
-          </ac:spMkLst>
-        </pc:spChg>
-        <pc:spChg chg="add mod">
-          <ac:chgData name="Ming-Chih Lin" userId="f1ba3ba5-e185-404b-b55f-b2be90e2bdc2" providerId="ADAL" clId="{4BD2A7FE-9E5B-4A17-9515-51BDB1FB0393}" dt="2020-06-04T08:22:49.686" v="342" actId="20577"/>
-          <ac:spMkLst>
-            <pc:docMk/>
-            <pc:sldMk cId="1809218753" sldId="319"/>
-            <ac:spMk id="6" creationId="{D80879E8-CD19-436D-A254-B7E6B4AD25D0}"/>
-          </ac:spMkLst>
-        </pc:spChg>
-        <pc:spChg chg="add mod">
-          <ac:chgData name="Ming-Chih Lin" userId="f1ba3ba5-e185-404b-b55f-b2be90e2bdc2" providerId="ADAL" clId="{4BD2A7FE-9E5B-4A17-9515-51BDB1FB0393}" dt="2020-06-04T08:22:34.359" v="339" actId="14861"/>
-          <ac:spMkLst>
-            <pc:docMk/>
-            <pc:sldMk cId="1809218753" sldId="319"/>
-            <ac:spMk id="7" creationId="{F3891008-FBD0-4740-9A61-26A131EEF511}"/>
-          </ac:spMkLst>
-        </pc:spChg>
-        <pc:spChg chg="add mod">
-          <ac:chgData name="Ming-Chih Lin" userId="f1ba3ba5-e185-404b-b55f-b2be90e2bdc2" providerId="ADAL" clId="{4BD2A7FE-9E5B-4A17-9515-51BDB1FB0393}" dt="2020-06-04T08:22:43.516" v="341" actId="14100"/>
-          <ac:spMkLst>
-            <pc:docMk/>
-            <pc:sldMk cId="1809218753" sldId="319"/>
-            <ac:spMk id="8" creationId="{A86D7645-7260-4085-96DD-114B98123A43}"/>
-          </ac:spMkLst>
-        </pc:spChg>
-        <pc:spChg chg="add mod">
-          <ac:chgData name="Ming-Chih Lin" userId="f1ba3ba5-e185-404b-b55f-b2be90e2bdc2" providerId="ADAL" clId="{4BD2A7FE-9E5B-4A17-9515-51BDB1FB0393}" dt="2020-06-04T08:23:07.211" v="345" actId="207"/>
-          <ac:spMkLst>
-            <pc:docMk/>
-            <pc:sldMk cId="1809218753" sldId="319"/>
-            <ac:spMk id="9" creationId="{860F231A-086C-4F47-B91F-5E28206E24FB}"/>
-          </ac:spMkLst>
-        </pc:spChg>
-        <pc:spChg chg="add del mod">
-          <ac:chgData name="Ming-Chih Lin" userId="f1ba3ba5-e185-404b-b55f-b2be90e2bdc2" providerId="ADAL" clId="{4BD2A7FE-9E5B-4A17-9515-51BDB1FB0393}" dt="2020-06-04T08:18:21.508" v="251" actId="478"/>
-          <ac:spMkLst>
-            <pc:docMk/>
-            <pc:sldMk cId="1809218753" sldId="319"/>
-            <ac:spMk id="10" creationId="{8EDB3CC8-E109-4CC7-A014-91609EC4211C}"/>
-          </ac:spMkLst>
-        </pc:spChg>
-        <pc:spChg chg="add del mod">
-          <ac:chgData name="Ming-Chih Lin" userId="f1ba3ba5-e185-404b-b55f-b2be90e2bdc2" providerId="ADAL" clId="{4BD2A7FE-9E5B-4A17-9515-51BDB1FB0393}" dt="2020-06-04T08:18:23.812" v="252" actId="478"/>
-          <ac:spMkLst>
-            <pc:docMk/>
-            <pc:sldMk cId="1809218753" sldId="319"/>
-            <ac:spMk id="11" creationId="{F35C4AF8-0C4D-43BB-8647-7E5A10D002D3}"/>
-          </ac:spMkLst>
-        </pc:spChg>
-        <pc:spChg chg="add mod">
-          <ac:chgData name="Ming-Chih Lin" userId="f1ba3ba5-e185-404b-b55f-b2be90e2bdc2" providerId="ADAL" clId="{4BD2A7FE-9E5B-4A17-9515-51BDB1FB0393}" dt="2020-06-04T08:22:34.359" v="339" actId="14861"/>
-          <ac:spMkLst>
-            <pc:docMk/>
-            <pc:sldMk cId="1809218753" sldId="319"/>
-            <ac:spMk id="12" creationId="{190FB171-8EA5-49D8-9447-35EEA3C5FB46}"/>
-          </ac:spMkLst>
-        </pc:spChg>
-        <pc:spChg chg="add del mod">
-          <ac:chgData name="Ming-Chih Lin" userId="f1ba3ba5-e185-404b-b55f-b2be90e2bdc2" providerId="ADAL" clId="{4BD2A7FE-9E5B-4A17-9515-51BDB1FB0393}" dt="2020-06-04T08:20:01.387" v="315" actId="478"/>
-          <ac:spMkLst>
-            <pc:docMk/>
-            <pc:sldMk cId="1809218753" sldId="319"/>
-            <ac:spMk id="13" creationId="{9F4E7AE6-3CDB-42ED-ACA6-000D098A5BDF}"/>
-          </ac:spMkLst>
-        </pc:spChg>
-        <pc:spChg chg="add del">
-          <ac:chgData name="Ming-Chih Lin" userId="f1ba3ba5-e185-404b-b55f-b2be90e2bdc2" providerId="ADAL" clId="{4BD2A7FE-9E5B-4A17-9515-51BDB1FB0393}" dt="2020-06-04T08:21:31.334" v="328" actId="478"/>
-          <ac:spMkLst>
-            <pc:docMk/>
-            <pc:sldMk cId="1809218753" sldId="319"/>
-            <ac:spMk id="19" creationId="{E68A62BD-D373-4B44-BFFD-4A710F0BD3D3}"/>
-          </ac:spMkLst>
-        </pc:spChg>
-        <pc:spChg chg="add mod">
-          <ac:chgData name="Ming-Chih Lin" userId="f1ba3ba5-e185-404b-b55f-b2be90e2bdc2" providerId="ADAL" clId="{4BD2A7FE-9E5B-4A17-9515-51BDB1FB0393}" dt="2020-06-04T08:22:34.359" v="339" actId="14861"/>
-          <ac:spMkLst>
-            <pc:docMk/>
-            <pc:sldMk cId="1809218753" sldId="319"/>
-            <ac:spMk id="20" creationId="{B4959C3F-0D22-44A5-9C0D-FB6F19DBB850}"/>
-          </ac:spMkLst>
-        </pc:spChg>
-        <pc:spChg chg="add mod">
-          <ac:chgData name="Ming-Chih Lin" userId="f1ba3ba5-e185-404b-b55f-b2be90e2bdc2" providerId="ADAL" clId="{4BD2A7FE-9E5B-4A17-9515-51BDB1FB0393}" dt="2020-06-04T08:22:34.359" v="339" actId="14861"/>
-          <ac:spMkLst>
-            <pc:docMk/>
-            <pc:sldMk cId="1809218753" sldId="319"/>
-            <ac:spMk id="21" creationId="{BF6C849C-D46D-410A-AB13-ECA9A613336C}"/>
-          </ac:spMkLst>
-        </pc:spChg>
-        <pc:graphicFrameChg chg="add del mod modGraphic">
-          <ac:chgData name="Ming-Chih Lin" userId="f1ba3ba5-e185-404b-b55f-b2be90e2bdc2" providerId="ADAL" clId="{4BD2A7FE-9E5B-4A17-9515-51BDB1FB0393}" dt="2020-06-04T08:15:28.264" v="174" actId="478"/>
-          <ac:graphicFrameMkLst>
-            <pc:docMk/>
-            <pc:sldMk cId="1809218753" sldId="319"/>
-            <ac:graphicFrameMk id="4" creationId="{EAFA61A6-8C5B-4C23-B342-635F7BB59F61}"/>
-          </ac:graphicFrameMkLst>
-        </pc:graphicFrameChg>
-        <pc:cxnChg chg="add mod">
-          <ac:chgData name="Ming-Chih Lin" userId="f1ba3ba5-e185-404b-b55f-b2be90e2bdc2" providerId="ADAL" clId="{4BD2A7FE-9E5B-4A17-9515-51BDB1FB0393}" dt="2020-06-04T08:23:12.033" v="346" actId="14100"/>
-          <ac:cxnSpMkLst>
-            <pc:docMk/>
-            <pc:sldMk cId="1809218753" sldId="319"/>
-            <ac:cxnSpMk id="15" creationId="{C324581B-3FC9-42C0-9F5E-4F8E4F56452D}"/>
-          </ac:cxnSpMkLst>
-        </pc:cxnChg>
-      </pc:sldChg>
-      <pc:sldChg chg="modSp new mod ord">
-        <pc:chgData name="Ming-Chih Lin" userId="f1ba3ba5-e185-404b-b55f-b2be90e2bdc2" providerId="ADAL" clId="{4BD2A7FE-9E5B-4A17-9515-51BDB1FB0393}" dt="2020-06-04T08:14:05.914" v="143"/>
-        <pc:sldMkLst>
-          <pc:docMk/>
-          <pc:sldMk cId="557188385" sldId="320"/>
-        </pc:sldMkLst>
-        <pc:spChg chg="mod">
-          <ac:chgData name="Ming-Chih Lin" userId="f1ba3ba5-e185-404b-b55f-b2be90e2bdc2" providerId="ADAL" clId="{4BD2A7FE-9E5B-4A17-9515-51BDB1FB0393}" dt="2020-06-04T06:59:18.478" v="84" actId="20577"/>
-          <ac:spMkLst>
-            <pc:docMk/>
-            <pc:sldMk cId="557188385" sldId="320"/>
-            <ac:spMk id="2" creationId="{BD9A5FA0-E2E4-4115-AD18-A9CC564BCD48}"/>
-          </ac:spMkLst>
-        </pc:spChg>
-        <pc:spChg chg="mod">
-          <ac:chgData name="Ming-Chih Lin" userId="f1ba3ba5-e185-404b-b55f-b2be90e2bdc2" providerId="ADAL" clId="{4BD2A7FE-9E5B-4A17-9515-51BDB1FB0393}" dt="2020-06-02T02:07:35.016" v="18"/>
-          <ac:spMkLst>
-            <pc:docMk/>
-            <pc:sldMk cId="557188385" sldId="320"/>
-            <ac:spMk id="3" creationId="{70793CA1-E194-4E1C-A732-7C0DEBFF8070}"/>
-          </ac:spMkLst>
-        </pc:spChg>
-      </pc:sldChg>
-      <pc:sldChg chg="addSp delSp modSp new mod">
-        <pc:chgData name="Ming-Chih Lin" userId="f1ba3ba5-e185-404b-b55f-b2be90e2bdc2" providerId="ADAL" clId="{4BD2A7FE-9E5B-4A17-9515-51BDB1FB0393}" dt="2020-06-04T07:54:12.909" v="139" actId="1076"/>
-        <pc:sldMkLst>
-          <pc:docMk/>
-          <pc:sldMk cId="3289215511" sldId="321"/>
-        </pc:sldMkLst>
-        <pc:spChg chg="mod">
-          <ac:chgData name="Ming-Chih Lin" userId="f1ba3ba5-e185-404b-b55f-b2be90e2bdc2" providerId="ADAL" clId="{4BD2A7FE-9E5B-4A17-9515-51BDB1FB0393}" dt="2020-06-04T07:48:24.963" v="107" actId="14100"/>
-          <ac:spMkLst>
-            <pc:docMk/>
-            <pc:sldMk cId="3289215511" sldId="321"/>
-            <ac:spMk id="2" creationId="{5ED8AD40-F106-48D5-8BC8-8ADD4FBFD239}"/>
-          </ac:spMkLst>
-        </pc:spChg>
-        <pc:spChg chg="mod">
-          <ac:chgData name="Ming-Chih Lin" userId="f1ba3ba5-e185-404b-b55f-b2be90e2bdc2" providerId="ADAL" clId="{4BD2A7FE-9E5B-4A17-9515-51BDB1FB0393}" dt="2020-06-02T02:08:10.249" v="22"/>
-          <ac:spMkLst>
-            <pc:docMk/>
-            <pc:sldMk cId="3289215511" sldId="321"/>
-            <ac:spMk id="3" creationId="{755E7580-BFFD-427A-B86D-DA8168230F6B}"/>
-          </ac:spMkLst>
-        </pc:spChg>
-        <pc:picChg chg="add del mod">
-          <ac:chgData name="Ming-Chih Lin" userId="f1ba3ba5-e185-404b-b55f-b2be90e2bdc2" providerId="ADAL" clId="{4BD2A7FE-9E5B-4A17-9515-51BDB1FB0393}" dt="2020-06-04T07:47:27.468" v="94" actId="478"/>
-          <ac:picMkLst>
-            <pc:docMk/>
-            <pc:sldMk cId="3289215511" sldId="321"/>
-            <ac:picMk id="4" creationId="{C43E9A5F-8B8E-4D8E-AFB0-A8A65F48BA5D}"/>
-          </ac:picMkLst>
-        </pc:picChg>
-        <pc:picChg chg="add mod">
-          <ac:chgData name="Ming-Chih Lin" userId="f1ba3ba5-e185-404b-b55f-b2be90e2bdc2" providerId="ADAL" clId="{4BD2A7FE-9E5B-4A17-9515-51BDB1FB0393}" dt="2020-06-04T07:54:12.909" v="139" actId="1076"/>
-          <ac:picMkLst>
-            <pc:docMk/>
-            <pc:sldMk cId="3289215511" sldId="321"/>
-            <ac:picMk id="5" creationId="{44810B7B-90C2-4931-8A18-684632BA8A7F}"/>
-          </ac:picMkLst>
-        </pc:picChg>
-      </pc:sldChg>
-      <pc:sldChg chg="addSp modSp add mod modTransition">
-        <pc:chgData name="Ming-Chih Lin" userId="f1ba3ba5-e185-404b-b55f-b2be90e2bdc2" providerId="ADAL" clId="{4BD2A7FE-9E5B-4A17-9515-51BDB1FB0393}" dt="2020-06-04T07:49:57.617" v="120" actId="20577"/>
-        <pc:sldMkLst>
-          <pc:docMk/>
-          <pc:sldMk cId="2128641485" sldId="323"/>
-        </pc:sldMkLst>
-        <pc:spChg chg="mod">
-          <ac:chgData name="Ming-Chih Lin" userId="f1ba3ba5-e185-404b-b55f-b2be90e2bdc2" providerId="ADAL" clId="{4BD2A7FE-9E5B-4A17-9515-51BDB1FB0393}" dt="2020-06-04T07:49:57.617" v="120" actId="20577"/>
-          <ac:spMkLst>
-            <pc:docMk/>
-            <pc:sldMk cId="2128641485" sldId="323"/>
-            <ac:spMk id="2" creationId="{EED6BDC6-775B-45C4-BA1F-335BCABEFD04}"/>
-          </ac:spMkLst>
-        </pc:spChg>
-        <pc:picChg chg="add mod">
-          <ac:chgData name="Ming-Chih Lin" userId="f1ba3ba5-e185-404b-b55f-b2be90e2bdc2" providerId="ADAL" clId="{4BD2A7FE-9E5B-4A17-9515-51BDB1FB0393}" dt="2020-06-04T07:49:45.497" v="116" actId="1076"/>
-          <ac:picMkLst>
-            <pc:docMk/>
-            <pc:sldMk cId="2128641485" sldId="323"/>
-            <ac:picMk id="4" creationId="{8F3B816C-CCEC-4A1E-9A48-A5F224630968}"/>
-          </ac:picMkLst>
-        </pc:picChg>
-      </pc:sldChg>
-      <pc:sldChg chg="add">
-        <pc:chgData name="Ming-Chih Lin" userId="f1ba3ba5-e185-404b-b55f-b2be90e2bdc2" providerId="ADAL" clId="{4BD2A7FE-9E5B-4A17-9515-51BDB1FB0393}" dt="2020-06-02T02:29:23.451" v="26"/>
-        <pc:sldMkLst>
-          <pc:docMk/>
-          <pc:sldMk cId="2484227852" sldId="325"/>
-        </pc:sldMkLst>
-      </pc:sldChg>
-      <pc:sldChg chg="addSp delSp modSp new mod modClrScheme chgLayout">
-        <pc:chgData name="Ming-Chih Lin" userId="f1ba3ba5-e185-404b-b55f-b2be90e2bdc2" providerId="ADAL" clId="{4BD2A7FE-9E5B-4A17-9515-51BDB1FB0393}" dt="2020-06-09T00:10:48.623" v="458"/>
-        <pc:sldMkLst>
-          <pc:docMk/>
-          <pc:sldMk cId="2259324599" sldId="326"/>
-        </pc:sldMkLst>
-        <pc:spChg chg="del mod ord">
-          <ac:chgData name="Ming-Chih Lin" userId="f1ba3ba5-e185-404b-b55f-b2be90e2bdc2" providerId="ADAL" clId="{4BD2A7FE-9E5B-4A17-9515-51BDB1FB0393}" dt="2020-06-03T23:23:41.164" v="29" actId="700"/>
-          <ac:spMkLst>
-            <pc:docMk/>
-            <pc:sldMk cId="2259324599" sldId="326"/>
-            <ac:spMk id="2" creationId="{B0E3E57C-4D2E-454E-BAB1-391617E2F28C}"/>
-          </ac:spMkLst>
-        </pc:spChg>
-        <pc:spChg chg="del">
-          <ac:chgData name="Ming-Chih Lin" userId="f1ba3ba5-e185-404b-b55f-b2be90e2bdc2" providerId="ADAL" clId="{4BD2A7FE-9E5B-4A17-9515-51BDB1FB0393}" dt="2020-06-03T23:23:41.164" v="29" actId="700"/>
-          <ac:spMkLst>
-            <pc:docMk/>
-            <pc:sldMk cId="2259324599" sldId="326"/>
-            <ac:spMk id="3" creationId="{A3D9FC80-4EFC-4CA2-B82D-4BA2DF02A740}"/>
-          </ac:spMkLst>
-        </pc:spChg>
-        <pc:spChg chg="add mod ord">
-          <ac:chgData name="Ming-Chih Lin" userId="f1ba3ba5-e185-404b-b55f-b2be90e2bdc2" providerId="ADAL" clId="{4BD2A7FE-9E5B-4A17-9515-51BDB1FB0393}" dt="2020-06-09T00:10:48.623" v="458"/>
-          <ac:spMkLst>
-            <pc:docMk/>
-            <pc:sldMk cId="2259324599" sldId="326"/>
-            <ac:spMk id="4" creationId="{17F59BFE-1F5B-4280-9DC2-96DED29C064D}"/>
-          </ac:spMkLst>
-        </pc:spChg>
-        <pc:spChg chg="add mod ord">
-          <ac:chgData name="Ming-Chih Lin" userId="f1ba3ba5-e185-404b-b55f-b2be90e2bdc2" providerId="ADAL" clId="{4BD2A7FE-9E5B-4A17-9515-51BDB1FB0393}" dt="2020-06-09T00:10:37.067" v="435" actId="5793"/>
-          <ac:spMkLst>
-            <pc:docMk/>
-            <pc:sldMk cId="2259324599" sldId="326"/>
-            <ac:spMk id="5" creationId="{74600EDD-6149-4100-A352-B0800C157F5B}"/>
-          </ac:spMkLst>
-        </pc:spChg>
-      </pc:sldChg>
-      <pc:sldChg chg="modSp add mod">
-        <pc:chgData name="Ming-Chih Lin" userId="f1ba3ba5-e185-404b-b55f-b2be90e2bdc2" providerId="ADAL" clId="{4BD2A7FE-9E5B-4A17-9515-51BDB1FB0393}" dt="2020-06-09T00:10:14.185" v="431"/>
-        <pc:sldMkLst>
-          <pc:docMk/>
-          <pc:sldMk cId="2181700493" sldId="327"/>
-        </pc:sldMkLst>
-        <pc:spChg chg="mod">
-          <ac:chgData name="Ming-Chih Lin" userId="f1ba3ba5-e185-404b-b55f-b2be90e2bdc2" providerId="ADAL" clId="{4BD2A7FE-9E5B-4A17-9515-51BDB1FB0393}" dt="2020-06-09T00:10:14.185" v="431"/>
-          <ac:spMkLst>
-            <pc:docMk/>
-            <pc:sldMk cId="2181700493" sldId="327"/>
-            <ac:spMk id="4" creationId="{2FA54F75-D405-4104-B6BB-EA44A23A109A}"/>
-          </ac:spMkLst>
-        </pc:spChg>
-      </pc:sldChg>
-      <pc:sldChg chg="add">
-        <pc:chgData name="Ming-Chih Lin" userId="f1ba3ba5-e185-404b-b55f-b2be90e2bdc2" providerId="ADAL" clId="{4BD2A7FE-9E5B-4A17-9515-51BDB1FB0393}" dt="2020-06-09T00:09:06.383" v="347"/>
-        <pc:sldMkLst>
-          <pc:docMk/>
-          <pc:sldMk cId="2771393083" sldId="328"/>
-        </pc:sldMkLst>
-      </pc:sldChg>
-      <pc:sldChg chg="add del">
-        <pc:chgData name="Ming-Chih Lin" userId="f1ba3ba5-e185-404b-b55f-b2be90e2bdc2" providerId="ADAL" clId="{4BD2A7FE-9E5B-4A17-9515-51BDB1FB0393}" dt="2020-06-09T00:09:37.522" v="351"/>
-        <pc:sldMkLst>
-          <pc:docMk/>
-          <pc:sldMk cId="271607344" sldId="329"/>
-        </pc:sldMkLst>
-      </pc:sldChg>
-    </pc:docChg>
-  </pc:docChgLst>
-  <pc:docChgLst>
-    <pc:chgData name="Ming-Chih Lin" userId="f1ba3ba5-e185-404b-b55f-b2be90e2bdc2" providerId="ADAL" clId="{091A637F-8D54-4E54-83E0-103516D33677}"/>
-    <pc:docChg chg="modSld">
-      <pc:chgData name="Ming-Chih Lin" userId="f1ba3ba5-e185-404b-b55f-b2be90e2bdc2" providerId="ADAL" clId="{091A637F-8D54-4E54-83E0-103516D33677}" dt="2020-06-02T00:22:26.420" v="18" actId="207"/>
-      <pc:docMkLst>
-        <pc:docMk/>
-      </pc:docMkLst>
-      <pc:sldChg chg="modSp mod">
-        <pc:chgData name="Ming-Chih Lin" userId="f1ba3ba5-e185-404b-b55f-b2be90e2bdc2" providerId="ADAL" clId="{091A637F-8D54-4E54-83E0-103516D33677}" dt="2020-06-02T00:17:12.400" v="4" actId="20577"/>
-        <pc:sldMkLst>
-          <pc:docMk/>
-          <pc:sldMk cId="3437513085" sldId="257"/>
-        </pc:sldMkLst>
-        <pc:spChg chg="mod">
-          <ac:chgData name="Ming-Chih Lin" userId="f1ba3ba5-e185-404b-b55f-b2be90e2bdc2" providerId="ADAL" clId="{091A637F-8D54-4E54-83E0-103516D33677}" dt="2020-06-02T00:17:12.400" v="4" actId="20577"/>
-          <ac:spMkLst>
-            <pc:docMk/>
-            <pc:sldMk cId="3437513085" sldId="257"/>
-            <ac:spMk id="2" creationId="{F00E360D-5F36-459A-8321-D0EA4C8C73FE}"/>
-          </ac:spMkLst>
-        </pc:spChg>
-      </pc:sldChg>
-      <pc:sldChg chg="addSp modSp mod">
-        <pc:chgData name="Ming-Chih Lin" userId="f1ba3ba5-e185-404b-b55f-b2be90e2bdc2" providerId="ADAL" clId="{091A637F-8D54-4E54-83E0-103516D33677}" dt="2020-06-02T00:22:26.420" v="18" actId="207"/>
-        <pc:sldMkLst>
-          <pc:docMk/>
-          <pc:sldMk cId="497064445" sldId="317"/>
-        </pc:sldMkLst>
-        <pc:spChg chg="mod">
-          <ac:chgData name="Ming-Chih Lin" userId="f1ba3ba5-e185-404b-b55f-b2be90e2bdc2" providerId="ADAL" clId="{091A637F-8D54-4E54-83E0-103516D33677}" dt="2020-06-02T00:22:26.420" v="18" actId="207"/>
-          <ac:spMkLst>
-            <pc:docMk/>
-            <pc:sldMk cId="497064445" sldId="317"/>
-            <ac:spMk id="3" creationId="{E7C3D928-2CE9-4266-A577-F5AA1DFC7CE3}"/>
-          </ac:spMkLst>
-        </pc:spChg>
-        <pc:spChg chg="add mod">
-          <ac:chgData name="Ming-Chih Lin" userId="f1ba3ba5-e185-404b-b55f-b2be90e2bdc2" providerId="ADAL" clId="{091A637F-8D54-4E54-83E0-103516D33677}" dt="2020-06-02T00:20:10.507" v="17" actId="14100"/>
-          <ac:spMkLst>
-            <pc:docMk/>
-            <pc:sldMk cId="497064445" sldId="317"/>
-            <ac:spMk id="4" creationId="{FBC0A41D-585A-4773-9922-1FC0601CBFD6}"/>
-          </ac:spMkLst>
-        </pc:spChg>
-        <pc:spChg chg="add mod">
-          <ac:chgData name="Ming-Chih Lin" userId="f1ba3ba5-e185-404b-b55f-b2be90e2bdc2" providerId="ADAL" clId="{091A637F-8D54-4E54-83E0-103516D33677}" dt="2020-06-02T00:19:37.002" v="14" actId="1076"/>
-          <ac:spMkLst>
-            <pc:docMk/>
-            <pc:sldMk cId="497064445" sldId="317"/>
-            <ac:spMk id="5" creationId="{24954B47-98FC-417E-9FE5-CB4B5835EA5D}"/>
-          </ac:spMkLst>
-        </pc:spChg>
-      </pc:sldChg>
-    </pc:docChg>
-  </pc:docChgLst>
-  <pc:docChgLst>
-    <pc:chgData name="Ming-Chih Lin" userId="f1ba3ba5-e185-404b-b55f-b2be90e2bdc2" providerId="ADAL" clId="{794224D3-789D-47BB-A0D2-62C663EDB1CA}"/>
-    <pc:docChg chg="undo custSel addSld delSld modSld sldOrd">
-      <pc:chgData name="Ming-Chih Lin" userId="f1ba3ba5-e185-404b-b55f-b2be90e2bdc2" providerId="ADAL" clId="{794224D3-789D-47BB-A0D2-62C663EDB1CA}" dt="2020-06-01T23:07:13.749" v="1270"/>
-      <pc:docMkLst>
-        <pc:docMk/>
-      </pc:docMkLst>
-      <pc:sldChg chg="delSp">
-        <pc:chgData name="Ming-Chih Lin" userId="f1ba3ba5-e185-404b-b55f-b2be90e2bdc2" providerId="ADAL" clId="{794224D3-789D-47BB-A0D2-62C663EDB1CA}" dt="2020-05-31T07:03:43.577" v="122" actId="478"/>
-        <pc:sldMkLst>
-          <pc:docMk/>
-          <pc:sldMk cId="1322618313" sldId="258"/>
-        </pc:sldMkLst>
-        <pc:spChg chg="del">
-          <ac:chgData name="Ming-Chih Lin" userId="f1ba3ba5-e185-404b-b55f-b2be90e2bdc2" providerId="ADAL" clId="{794224D3-789D-47BB-A0D2-62C663EDB1CA}" dt="2020-05-31T07:03:43.577" v="122" actId="478"/>
-          <ac:spMkLst>
-            <pc:docMk/>
-            <pc:sldMk cId="1322618313" sldId="258"/>
-            <ac:spMk id="2" creationId="{FBCCA4FE-507B-4375-9CA7-1938A59E84E8}"/>
-          </ac:spMkLst>
-        </pc:spChg>
-        <pc:spChg chg="del">
-          <ac:chgData name="Ming-Chih Lin" userId="f1ba3ba5-e185-404b-b55f-b2be90e2bdc2" providerId="ADAL" clId="{794224D3-789D-47BB-A0D2-62C663EDB1CA}" dt="2020-05-31T07:03:42.118" v="121" actId="478"/>
-          <ac:spMkLst>
-            <pc:docMk/>
-            <pc:sldMk cId="1322618313" sldId="258"/>
-            <ac:spMk id="3" creationId="{59C9E95B-21C0-4D96-ABCD-CD1BC19F6A0D}"/>
-          </ac:spMkLst>
-        </pc:spChg>
-      </pc:sldChg>
-      <pc:sldChg chg="add del">
-        <pc:chgData name="Ming-Chih Lin" userId="f1ba3ba5-e185-404b-b55f-b2be90e2bdc2" providerId="ADAL" clId="{794224D3-789D-47BB-A0D2-62C663EDB1CA}" dt="2020-05-31T07:37:25.174" v="598" actId="2696"/>
-        <pc:sldMkLst>
-          <pc:docMk/>
-          <pc:sldMk cId="929909194" sldId="259"/>
-        </pc:sldMkLst>
-      </pc:sldChg>
-      <pc:sldChg chg="add del">
-        <pc:chgData name="Ming-Chih Lin" userId="f1ba3ba5-e185-404b-b55f-b2be90e2bdc2" providerId="ADAL" clId="{794224D3-789D-47BB-A0D2-62C663EDB1CA}" dt="2020-05-31T07:37:23.395" v="597"/>
-        <pc:sldMkLst>
-          <pc:docMk/>
-          <pc:sldMk cId="1125878173" sldId="259"/>
-        </pc:sldMkLst>
-      </pc:sldChg>
-      <pc:sldChg chg="modSp mod ord">
-        <pc:chgData name="Ming-Chih Lin" userId="f1ba3ba5-e185-404b-b55f-b2be90e2bdc2" providerId="ADAL" clId="{794224D3-789D-47BB-A0D2-62C663EDB1CA}" dt="2020-05-31T07:08:12.333" v="191" actId="20577"/>
-        <pc:sldMkLst>
-          <pc:docMk/>
-          <pc:sldMk cId="1086438915" sldId="260"/>
-        </pc:sldMkLst>
-        <pc:spChg chg="mod">
-          <ac:chgData name="Ming-Chih Lin" userId="f1ba3ba5-e185-404b-b55f-b2be90e2bdc2" providerId="ADAL" clId="{794224D3-789D-47BB-A0D2-62C663EDB1CA}" dt="2020-05-31T07:08:12.333" v="191" actId="20577"/>
-          <ac:spMkLst>
-            <pc:docMk/>
-            <pc:sldMk cId="1086438915" sldId="260"/>
-            <ac:spMk id="2" creationId="{5F3943C5-BE9F-4BF4-A111-F83F5931DA07}"/>
-          </ac:spMkLst>
-        </pc:spChg>
-        <pc:spChg chg="mod">
-          <ac:chgData name="Ming-Chih Lin" userId="f1ba3ba5-e185-404b-b55f-b2be90e2bdc2" providerId="ADAL" clId="{794224D3-789D-47BB-A0D2-62C663EDB1CA}" dt="2020-05-31T07:04:57.706" v="128"/>
-          <ac:spMkLst>
-            <pc:docMk/>
-            <pc:sldMk cId="1086438915" sldId="260"/>
-            <ac:spMk id="3" creationId="{CC22D15C-4B6A-4C30-9E72-7AA476A720D1}"/>
-          </ac:spMkLst>
-        </pc:spChg>
-      </pc:sldChg>
-      <pc:sldChg chg="modSp mod ord">
-        <pc:chgData name="Ming-Chih Lin" userId="f1ba3ba5-e185-404b-b55f-b2be90e2bdc2" providerId="ADAL" clId="{794224D3-789D-47BB-A0D2-62C663EDB1CA}" dt="2020-05-31T07:17:48.944" v="343" actId="207"/>
-        <pc:sldMkLst>
-          <pc:docMk/>
-          <pc:sldMk cId="3291901244" sldId="261"/>
-        </pc:sldMkLst>
-        <pc:spChg chg="mod">
-          <ac:chgData name="Ming-Chih Lin" userId="f1ba3ba5-e185-404b-b55f-b2be90e2bdc2" providerId="ADAL" clId="{794224D3-789D-47BB-A0D2-62C663EDB1CA}" dt="2020-05-31T07:17:48.944" v="343" actId="207"/>
-          <ac:spMkLst>
-            <pc:docMk/>
-            <pc:sldMk cId="3291901244" sldId="261"/>
-            <ac:spMk id="2" creationId="{5F3943C5-BE9F-4BF4-A111-F83F5931DA07}"/>
-          </ac:spMkLst>
-        </pc:spChg>
-        <pc:spChg chg="mod">
-          <ac:chgData name="Ming-Chih Lin" userId="f1ba3ba5-e185-404b-b55f-b2be90e2bdc2" providerId="ADAL" clId="{794224D3-789D-47BB-A0D2-62C663EDB1CA}" dt="2020-05-31T07:05:58.569" v="141"/>
-          <ac:spMkLst>
-            <pc:docMk/>
-            <pc:sldMk cId="3291901244" sldId="261"/>
-            <ac:spMk id="3" creationId="{CC22D15C-4B6A-4C30-9E72-7AA476A720D1}"/>
-          </ac:spMkLst>
-        </pc:spChg>
-      </pc:sldChg>
-      <pc:sldChg chg="addSp modSp mod">
-        <pc:chgData name="Ming-Chih Lin" userId="f1ba3ba5-e185-404b-b55f-b2be90e2bdc2" providerId="ADAL" clId="{794224D3-789D-47BB-A0D2-62C663EDB1CA}" dt="2020-06-01T07:55:22.247" v="942"/>
-        <pc:sldMkLst>
-          <pc:docMk/>
-          <pc:sldMk cId="947049355" sldId="262"/>
-        </pc:sldMkLst>
-        <pc:spChg chg="mod">
-          <ac:chgData name="Ming-Chih Lin" userId="f1ba3ba5-e185-404b-b55f-b2be90e2bdc2" providerId="ADAL" clId="{794224D3-789D-47BB-A0D2-62C663EDB1CA}" dt="2020-06-01T07:55:22.247" v="942"/>
-          <ac:spMkLst>
-            <pc:docMk/>
-            <pc:sldMk cId="947049355" sldId="262"/>
-            <ac:spMk id="2" creationId="{5F3943C5-BE9F-4BF4-A111-F83F5931DA07}"/>
-          </ac:spMkLst>
-        </pc:spChg>
-        <pc:spChg chg="mod">
-          <ac:chgData name="Ming-Chih Lin" userId="f1ba3ba5-e185-404b-b55f-b2be90e2bdc2" providerId="ADAL" clId="{794224D3-789D-47BB-A0D2-62C663EDB1CA}" dt="2020-06-01T07:46:53.801" v="866"/>
-          <ac:spMkLst>
-            <pc:docMk/>
-            <pc:sldMk cId="947049355" sldId="262"/>
-            <ac:spMk id="3" creationId="{CC22D15C-4B6A-4C30-9E72-7AA476A720D1}"/>
-          </ac:spMkLst>
-        </pc:spChg>
-        <pc:picChg chg="add mod">
-          <ac:chgData name="Ming-Chih Lin" userId="f1ba3ba5-e185-404b-b55f-b2be90e2bdc2" providerId="ADAL" clId="{794224D3-789D-47BB-A0D2-62C663EDB1CA}" dt="2020-06-01T07:51:45.239" v="908" actId="1076"/>
-          <ac:picMkLst>
-            <pc:docMk/>
-            <pc:sldMk cId="947049355" sldId="262"/>
-            <ac:picMk id="1026" creationId="{82A19D6C-0800-4130-A6B0-82F6069AFCE2}"/>
-          </ac:picMkLst>
-        </pc:picChg>
-      </pc:sldChg>
-      <pc:sldChg chg="addSp modSp add mod">
-        <pc:chgData name="Ming-Chih Lin" userId="f1ba3ba5-e185-404b-b55f-b2be90e2bdc2" providerId="ADAL" clId="{794224D3-789D-47BB-A0D2-62C663EDB1CA}" dt="2020-06-01T07:51:35.895" v="906" actId="1076"/>
-        <pc:sldMkLst>
-          <pc:docMk/>
-          <pc:sldMk cId="3427989766" sldId="263"/>
-        </pc:sldMkLst>
-        <pc:spChg chg="mod">
-          <ac:chgData name="Ming-Chih Lin" userId="f1ba3ba5-e185-404b-b55f-b2be90e2bdc2" providerId="ADAL" clId="{794224D3-789D-47BB-A0D2-62C663EDB1CA}" dt="2020-06-01T07:51:31.067" v="902" actId="14100"/>
-          <ac:spMkLst>
-            <pc:docMk/>
-            <pc:sldMk cId="3427989766" sldId="263"/>
-            <ac:spMk id="2" creationId="{5F3943C5-BE9F-4BF4-A111-F83F5931DA07}"/>
-          </ac:spMkLst>
-        </pc:spChg>
-        <pc:spChg chg="mod">
-          <ac:chgData name="Ming-Chih Lin" userId="f1ba3ba5-e185-404b-b55f-b2be90e2bdc2" providerId="ADAL" clId="{794224D3-789D-47BB-A0D2-62C663EDB1CA}" dt="2020-06-01T07:47:21.386" v="869"/>
-          <ac:spMkLst>
-            <pc:docMk/>
-            <pc:sldMk cId="3427989766" sldId="263"/>
-            <ac:spMk id="3" creationId="{CC22D15C-4B6A-4C30-9E72-7AA476A720D1}"/>
-          </ac:spMkLst>
-        </pc:spChg>
-        <pc:picChg chg="add mod">
-          <ac:chgData name="Ming-Chih Lin" userId="f1ba3ba5-e185-404b-b55f-b2be90e2bdc2" providerId="ADAL" clId="{794224D3-789D-47BB-A0D2-62C663EDB1CA}" dt="2020-06-01T07:51:35.895" v="906" actId="1076"/>
-          <ac:picMkLst>
-            <pc:docMk/>
-            <pc:sldMk cId="3427989766" sldId="263"/>
-            <ac:picMk id="4" creationId="{C871F6D6-27BE-4062-8369-3DD35A0A62B5}"/>
-          </ac:picMkLst>
-        </pc:picChg>
-      </pc:sldChg>
-      <pc:sldChg chg="modSp add del mod">
-        <pc:chgData name="Ming-Chih Lin" userId="f1ba3ba5-e185-404b-b55f-b2be90e2bdc2" providerId="ADAL" clId="{794224D3-789D-47BB-A0D2-62C663EDB1CA}" dt="2020-05-31T07:13:38.584" v="317" actId="2696"/>
-        <pc:sldMkLst>
-          <pc:docMk/>
-          <pc:sldMk cId="853696311" sldId="264"/>
-        </pc:sldMkLst>
-        <pc:spChg chg="mod">
-          <ac:chgData name="Ming-Chih Lin" userId="f1ba3ba5-e185-404b-b55f-b2be90e2bdc2" providerId="ADAL" clId="{794224D3-789D-47BB-A0D2-62C663EDB1CA}" dt="2020-05-31T07:10:54.940" v="217" actId="20577"/>
-          <ac:spMkLst>
-            <pc:docMk/>
-            <pc:sldMk cId="853696311" sldId="264"/>
-            <ac:spMk id="2" creationId="{5F3943C5-BE9F-4BF4-A111-F83F5931DA07}"/>
-          </ac:spMkLst>
-        </pc:spChg>
-        <pc:spChg chg="mod">
-          <ac:chgData name="Ming-Chih Lin" userId="f1ba3ba5-e185-404b-b55f-b2be90e2bdc2" providerId="ADAL" clId="{794224D3-789D-47BB-A0D2-62C663EDB1CA}" dt="2020-05-31T07:10:29.489" v="209"/>
-          <ac:spMkLst>
-            <pc:docMk/>
-            <pc:sldMk cId="853696311" sldId="264"/>
-            <ac:spMk id="3" creationId="{CC22D15C-4B6A-4C30-9E72-7AA476A720D1}"/>
-          </ac:spMkLst>
-        </pc:spChg>
-      </pc:sldChg>
-      <pc:sldChg chg="add">
-        <pc:chgData name="Ming-Chih Lin" userId="f1ba3ba5-e185-404b-b55f-b2be90e2bdc2" providerId="ADAL" clId="{794224D3-789D-47BB-A0D2-62C663EDB1CA}" dt="2020-05-31T07:13:42.130" v="318"/>
-        <pc:sldMkLst>
-          <pc:docMk/>
-          <pc:sldMk cId="2336614475" sldId="264"/>
-        </pc:sldMkLst>
-      </pc:sldChg>
-      <pc:sldChg chg="addSp delSp modSp add del mod">
-        <pc:chgData name="Ming-Chih Lin" userId="f1ba3ba5-e185-404b-b55f-b2be90e2bdc2" providerId="ADAL" clId="{794224D3-789D-47BB-A0D2-62C663EDB1CA}" dt="2020-05-31T07:03:28.767" v="119" actId="2696"/>
-        <pc:sldMkLst>
-          <pc:docMk/>
-          <pc:sldMk cId="3055042205" sldId="264"/>
-        </pc:sldMkLst>
-        <pc:spChg chg="mod">
-          <ac:chgData name="Ming-Chih Lin" userId="f1ba3ba5-e185-404b-b55f-b2be90e2bdc2" providerId="ADAL" clId="{794224D3-789D-47BB-A0D2-62C663EDB1CA}" dt="2020-05-31T07:02:41.012" v="100" actId="20577"/>
-          <ac:spMkLst>
-            <pc:docMk/>
-            <pc:sldMk cId="3055042205" sldId="264"/>
-            <ac:spMk id="3" creationId="{CC22D15C-4B6A-4C30-9E72-7AA476A720D1}"/>
-          </ac:spMkLst>
-        </pc:spChg>
-        <pc:spChg chg="add del mod">
-          <ac:chgData name="Ming-Chih Lin" userId="f1ba3ba5-e185-404b-b55f-b2be90e2bdc2" providerId="ADAL" clId="{794224D3-789D-47BB-A0D2-62C663EDB1CA}" dt="2020-05-31T07:02:53.153" v="102"/>
-          <ac:spMkLst>
-            <pc:docMk/>
-            <pc:sldMk cId="3055042205" sldId="264"/>
-            <ac:spMk id="4" creationId="{7FBF3722-DB83-4B11-AD36-8F84A93A7418}"/>
-          </ac:spMkLst>
-        </pc:spChg>
-      </pc:sldChg>
-      <pc:sldChg chg="modSp add del mod">
-        <pc:chgData name="Ming-Chih Lin" userId="f1ba3ba5-e185-404b-b55f-b2be90e2bdc2" providerId="ADAL" clId="{794224D3-789D-47BB-A0D2-62C663EDB1CA}" dt="2020-05-31T07:03:28.767" v="119" actId="2696"/>
-        <pc:sldMkLst>
-          <pc:docMk/>
-          <pc:sldMk cId="21128113" sldId="265"/>
-        </pc:sldMkLst>
-        <pc:spChg chg="mod">
-          <ac:chgData name="Ming-Chih Lin" userId="f1ba3ba5-e185-404b-b55f-b2be90e2bdc2" providerId="ADAL" clId="{794224D3-789D-47BB-A0D2-62C663EDB1CA}" dt="2020-05-31T07:02:59.889" v="118" actId="20577"/>
-          <ac:spMkLst>
-            <pc:docMk/>
-            <pc:sldMk cId="21128113" sldId="265"/>
-            <ac:spMk id="3" creationId="{CC22D15C-4B6A-4C30-9E72-7AA476A720D1}"/>
-          </ac:spMkLst>
-        </pc:spChg>
-      </pc:sldChg>
-      <pc:sldChg chg="addSp delSp modSp add mod ord chgLayout">
-        <pc:chgData name="Ming-Chih Lin" userId="f1ba3ba5-e185-404b-b55f-b2be90e2bdc2" providerId="ADAL" clId="{794224D3-789D-47BB-A0D2-62C663EDB1CA}" dt="2020-06-01T07:44:20.522" v="849"/>
-        <pc:sldMkLst>
-          <pc:docMk/>
-          <pc:sldMk cId="679909818" sldId="265"/>
-        </pc:sldMkLst>
-        <pc:spChg chg="del mod">
-          <ac:chgData name="Ming-Chih Lin" userId="f1ba3ba5-e185-404b-b55f-b2be90e2bdc2" providerId="ADAL" clId="{794224D3-789D-47BB-A0D2-62C663EDB1CA}" dt="2020-06-01T07:43:59.439" v="840" actId="478"/>
-          <ac:spMkLst>
-            <pc:docMk/>
-            <pc:sldMk cId="679909818" sldId="265"/>
-            <ac:spMk id="2" creationId="{5F3943C5-BE9F-4BF4-A111-F83F5931DA07}"/>
-          </ac:spMkLst>
-        </pc:spChg>
-        <pc:spChg chg="mod ord">
-          <ac:chgData name="Ming-Chih Lin" userId="f1ba3ba5-e185-404b-b55f-b2be90e2bdc2" providerId="ADAL" clId="{794224D3-789D-47BB-A0D2-62C663EDB1CA}" dt="2020-06-01T07:44:02.779" v="841" actId="700"/>
-          <ac:spMkLst>
-            <pc:docMk/>
-            <pc:sldMk cId="679909818" sldId="265"/>
-            <ac:spMk id="3" creationId="{CC22D15C-4B6A-4C30-9E72-7AA476A720D1}"/>
-          </ac:spMkLst>
-        </pc:spChg>
-        <pc:spChg chg="add mod ord">
-          <ac:chgData name="Ming-Chih Lin" userId="f1ba3ba5-e185-404b-b55f-b2be90e2bdc2" providerId="ADAL" clId="{794224D3-789D-47BB-A0D2-62C663EDB1CA}" dt="2020-06-01T07:44:03.928" v="842"/>
-          <ac:spMkLst>
-            <pc:docMk/>
-            <pc:sldMk cId="679909818" sldId="265"/>
-            <ac:spMk id="4" creationId="{27ED805F-CF52-4A12-B033-57768935D442}"/>
-          </ac:spMkLst>
-        </pc:spChg>
-      </pc:sldChg>
-      <pc:sldChg chg="add del">
-        <pc:chgData name="Ming-Chih Lin" userId="f1ba3ba5-e185-404b-b55f-b2be90e2bdc2" providerId="ADAL" clId="{794224D3-789D-47BB-A0D2-62C663EDB1CA}" dt="2020-05-31T07:37:23.395" v="597"/>
-        <pc:sldMkLst>
-          <pc:docMk/>
-          <pc:sldMk cId="475970963" sldId="266"/>
-        </pc:sldMkLst>
-      </pc:sldChg>
-      <pc:sldChg chg="addSp delSp modSp new add del mod modClrScheme chgLayout">
-        <pc:chgData name="Ming-Chih Lin" userId="f1ba3ba5-e185-404b-b55f-b2be90e2bdc2" providerId="ADAL" clId="{794224D3-789D-47BB-A0D2-62C663EDB1CA}" dt="2020-05-31T07:49:54.878" v="797" actId="20577"/>
-        <pc:sldMkLst>
-          <pc:docMk/>
-          <pc:sldMk cId="1717474662" sldId="266"/>
-        </pc:sldMkLst>
-        <pc:spChg chg="del mod ord">
-          <ac:chgData name="Ming-Chih Lin" userId="f1ba3ba5-e185-404b-b55f-b2be90e2bdc2" providerId="ADAL" clId="{794224D3-789D-47BB-A0D2-62C663EDB1CA}" dt="2020-05-31T07:04:05.012" v="124" actId="700"/>
-          <ac:spMkLst>
-            <pc:docMk/>
-            <pc:sldMk cId="1717474662" sldId="266"/>
-            <ac:spMk id="2" creationId="{AE0D5DDC-3A1A-48C3-97C2-A7FC00325D86}"/>
-          </ac:spMkLst>
-        </pc:spChg>
-        <pc:spChg chg="del">
-          <ac:chgData name="Ming-Chih Lin" userId="f1ba3ba5-e185-404b-b55f-b2be90e2bdc2" providerId="ADAL" clId="{794224D3-789D-47BB-A0D2-62C663EDB1CA}" dt="2020-05-31T07:04:05.012" v="124" actId="700"/>
-          <ac:spMkLst>
-            <pc:docMk/>
-            <pc:sldMk cId="1717474662" sldId="266"/>
-            <ac:spMk id="3" creationId="{2BEB0F40-D8C2-47D0-B3B4-AB57B9B59D0B}"/>
-          </ac:spMkLst>
-        </pc:spChg>
-        <pc:spChg chg="add mod ord">
-          <ac:chgData name="Ming-Chih Lin" userId="f1ba3ba5-e185-404b-b55f-b2be90e2bdc2" providerId="ADAL" clId="{794224D3-789D-47BB-A0D2-62C663EDB1CA}" dt="2020-05-31T07:25:51.165" v="377"/>
-          <ac:spMkLst>
-            <pc:docMk/>
-            <pc:sldMk cId="1717474662" sldId="266"/>
-            <ac:spMk id="4" creationId="{51DDD2F0-454F-4B62-8FC8-8171F6BA137D}"/>
-          </ac:spMkLst>
-        </pc:spChg>
-        <pc:spChg chg="add mod ord">
-          <ac:chgData name="Ming-Chih Lin" userId="f1ba3ba5-e185-404b-b55f-b2be90e2bdc2" providerId="ADAL" clId="{794224D3-789D-47BB-A0D2-62C663EDB1CA}" dt="2020-05-31T07:49:54.878" v="797" actId="20577"/>
-          <ac:spMkLst>
-            <pc:docMk/>
-            <pc:sldMk cId="1717474662" sldId="266"/>
-            <ac:spMk id="5" creationId="{8B0B0ED6-7A59-42E9-B7BB-95B85355591E}"/>
-          </ac:spMkLst>
-        </pc:spChg>
-      </pc:sldChg>
-      <pc:sldChg chg="modSp add del mod ord">
-        <pc:chgData name="Ming-Chih Lin" userId="f1ba3ba5-e185-404b-b55f-b2be90e2bdc2" providerId="ADAL" clId="{794224D3-789D-47BB-A0D2-62C663EDB1CA}" dt="2020-06-01T07:57:41.256" v="976"/>
-        <pc:sldMkLst>
-          <pc:docMk/>
-          <pc:sldMk cId="751778690" sldId="267"/>
-        </pc:sldMkLst>
-        <pc:spChg chg="mod">
-          <ac:chgData name="Ming-Chih Lin" userId="f1ba3ba5-e185-404b-b55f-b2be90e2bdc2" providerId="ADAL" clId="{794224D3-789D-47BB-A0D2-62C663EDB1CA}" dt="2020-06-01T07:57:41.256" v="976"/>
-          <ac:spMkLst>
-            <pc:docMk/>
-            <pc:sldMk cId="751778690" sldId="267"/>
-            <ac:spMk id="4" creationId="{51DDD2F0-454F-4B62-8FC8-8171F6BA137D}"/>
-          </ac:spMkLst>
-        </pc:spChg>
-        <pc:spChg chg="mod">
-          <ac:chgData name="Ming-Chih Lin" userId="f1ba3ba5-e185-404b-b55f-b2be90e2bdc2" providerId="ADAL" clId="{794224D3-789D-47BB-A0D2-62C663EDB1CA}" dt="2020-05-31T07:31:42.155" v="576" actId="20577"/>
-          <ac:spMkLst>
-            <pc:docMk/>
-            <pc:sldMk cId="751778690" sldId="267"/>
-            <ac:spMk id="5" creationId="{8B0B0ED6-7A59-42E9-B7BB-95B85355591E}"/>
-          </ac:spMkLst>
-        </pc:spChg>
-      </pc:sldChg>
-      <pc:sldChg chg="add del">
-        <pc:chgData name="Ming-Chih Lin" userId="f1ba3ba5-e185-404b-b55f-b2be90e2bdc2" providerId="ADAL" clId="{794224D3-789D-47BB-A0D2-62C663EDB1CA}" dt="2020-05-31T07:37:23.395" v="597"/>
-        <pc:sldMkLst>
-          <pc:docMk/>
-          <pc:sldMk cId="4253109212" sldId="267"/>
-        </pc:sldMkLst>
-      </pc:sldChg>
-      <pc:sldChg chg="add del">
-        <pc:chgData name="Ming-Chih Lin" userId="f1ba3ba5-e185-404b-b55f-b2be90e2bdc2" providerId="ADAL" clId="{794224D3-789D-47BB-A0D2-62C663EDB1CA}" dt="2020-05-31T07:05:27.331" v="134"/>
-        <pc:sldMkLst>
-          <pc:docMk/>
-          <pc:sldMk cId="1178533642" sldId="268"/>
-        </pc:sldMkLst>
-      </pc:sldChg>
-      <pc:sldChg chg="modSp add mod">
-        <pc:chgData name="Ming-Chih Lin" userId="f1ba3ba5-e185-404b-b55f-b2be90e2bdc2" providerId="ADAL" clId="{794224D3-789D-47BB-A0D2-62C663EDB1CA}" dt="2020-05-31T07:17:54.807" v="344" actId="207"/>
-        <pc:sldMkLst>
-          <pc:docMk/>
-          <pc:sldMk cId="1480965944" sldId="268"/>
-        </pc:sldMkLst>
-        <pc:spChg chg="mod">
-          <ac:chgData name="Ming-Chih Lin" userId="f1ba3ba5-e185-404b-b55f-b2be90e2bdc2" providerId="ADAL" clId="{794224D3-789D-47BB-A0D2-62C663EDB1CA}" dt="2020-05-31T07:17:54.807" v="344" actId="207"/>
-          <ac:spMkLst>
-            <pc:docMk/>
-            <pc:sldMk cId="1480965944" sldId="268"/>
-            <ac:spMk id="2" creationId="{5F3943C5-BE9F-4BF4-A111-F83F5931DA07}"/>
-          </ac:spMkLst>
-        </pc:spChg>
-        <pc:spChg chg="mod">
-          <ac:chgData name="Ming-Chih Lin" userId="f1ba3ba5-e185-404b-b55f-b2be90e2bdc2" providerId="ADAL" clId="{794224D3-789D-47BB-A0D2-62C663EDB1CA}" dt="2020-05-31T07:06:42.921" v="153"/>
-          <ac:spMkLst>
-            <pc:docMk/>
-            <pc:sldMk cId="1480965944" sldId="268"/>
-            <ac:spMk id="3" creationId="{CC22D15C-4B6A-4C30-9E72-7AA476A720D1}"/>
-          </ac:spMkLst>
-        </pc:spChg>
-      </pc:sldChg>
-      <pc:sldChg chg="modSp add mod">
-        <pc:chgData name="Ming-Chih Lin" userId="f1ba3ba5-e185-404b-b55f-b2be90e2bdc2" providerId="ADAL" clId="{794224D3-789D-47BB-A0D2-62C663EDB1CA}" dt="2020-05-31T07:14:25.101" v="325" actId="20577"/>
-        <pc:sldMkLst>
-          <pc:docMk/>
-          <pc:sldMk cId="2517686270" sldId="269"/>
-        </pc:sldMkLst>
-        <pc:spChg chg="mod">
-          <ac:chgData name="Ming-Chih Lin" userId="f1ba3ba5-e185-404b-b55f-b2be90e2bdc2" providerId="ADAL" clId="{794224D3-789D-47BB-A0D2-62C663EDB1CA}" dt="2020-05-31T07:14:25.101" v="325" actId="20577"/>
-          <ac:spMkLst>
-            <pc:docMk/>
-            <pc:sldMk cId="2517686270" sldId="269"/>
-            <ac:spMk id="2" creationId="{5F3943C5-BE9F-4BF4-A111-F83F5931DA07}"/>
-          </ac:spMkLst>
-        </pc:spChg>
-        <pc:spChg chg="mod">
-          <ac:chgData name="Ming-Chih Lin" userId="f1ba3ba5-e185-404b-b55f-b2be90e2bdc2" providerId="ADAL" clId="{794224D3-789D-47BB-A0D2-62C663EDB1CA}" dt="2020-05-31T07:14:18.625" v="321"/>
-          <ac:spMkLst>
-            <pc:docMk/>
-            <pc:sldMk cId="2517686270" sldId="269"/>
-            <ac:spMk id="3" creationId="{CC22D15C-4B6A-4C30-9E72-7AA476A720D1}"/>
-          </ac:spMkLst>
-        </pc:spChg>
-      </pc:sldChg>
-      <pc:sldChg chg="addSp delSp modSp new mod modClrScheme chgLayout">
-        <pc:chgData name="Ming-Chih Lin" userId="f1ba3ba5-e185-404b-b55f-b2be90e2bdc2" providerId="ADAL" clId="{794224D3-789D-47BB-A0D2-62C663EDB1CA}" dt="2020-05-31T07:09:25.040" v="200" actId="20577"/>
-        <pc:sldMkLst>
-          <pc:docMk/>
-          <pc:sldMk cId="1580561292" sldId="270"/>
-        </pc:sldMkLst>
-        <pc:spChg chg="del mod ord">
-          <ac:chgData name="Ming-Chih Lin" userId="f1ba3ba5-e185-404b-b55f-b2be90e2bdc2" providerId="ADAL" clId="{794224D3-789D-47BB-A0D2-62C663EDB1CA}" dt="2020-05-31T07:09:04.591" v="193" actId="700"/>
-          <ac:spMkLst>
-            <pc:docMk/>
-            <pc:sldMk cId="1580561292" sldId="270"/>
-            <ac:spMk id="2" creationId="{832D08FC-FCC4-4697-B9F4-2DD4854CA90F}"/>
-          </ac:spMkLst>
-        </pc:spChg>
-        <pc:spChg chg="del">
-          <ac:chgData name="Ming-Chih Lin" userId="f1ba3ba5-e185-404b-b55f-b2be90e2bdc2" providerId="ADAL" clId="{794224D3-789D-47BB-A0D2-62C663EDB1CA}" dt="2020-05-31T07:09:04.591" v="193" actId="700"/>
-          <ac:spMkLst>
-            <pc:docMk/>
-            <pc:sldMk cId="1580561292" sldId="270"/>
-            <ac:spMk id="3" creationId="{58497190-F866-4E05-8D89-9D9393FE8A6B}"/>
-          </ac:spMkLst>
-        </pc:spChg>
-        <pc:spChg chg="add mod ord">
-          <ac:chgData name="Ming-Chih Lin" userId="f1ba3ba5-e185-404b-b55f-b2be90e2bdc2" providerId="ADAL" clId="{794224D3-789D-47BB-A0D2-62C663EDB1CA}" dt="2020-05-31T07:09:09.957" v="196"/>
-          <ac:spMkLst>
-            <pc:docMk/>
-            <pc:sldMk cId="1580561292" sldId="270"/>
-            <ac:spMk id="4" creationId="{B68597D7-C456-4791-B517-661F12F17554}"/>
-          </ac:spMkLst>
-        </pc:spChg>
-        <pc:spChg chg="add mod ord">
-          <ac:chgData name="Ming-Chih Lin" userId="f1ba3ba5-e185-404b-b55f-b2be90e2bdc2" providerId="ADAL" clId="{794224D3-789D-47BB-A0D2-62C663EDB1CA}" dt="2020-05-31T07:09:25.040" v="200" actId="20577"/>
-          <ac:spMkLst>
-            <pc:docMk/>
-            <pc:sldMk cId="1580561292" sldId="270"/>
-            <ac:spMk id="5" creationId="{A7067C16-CC57-469B-A123-29FCF8BAE70C}"/>
-          </ac:spMkLst>
-        </pc:spChg>
-      </pc:sldChg>
-      <pc:sldChg chg="add">
-        <pc:chgData name="Ming-Chih Lin" userId="f1ba3ba5-e185-404b-b55f-b2be90e2bdc2" providerId="ADAL" clId="{794224D3-789D-47BB-A0D2-62C663EDB1CA}" dt="2020-05-31T07:13:42.130" v="318"/>
-        <pc:sldMkLst>
-          <pc:docMk/>
-          <pc:sldMk cId="2984231426" sldId="271"/>
-        </pc:sldMkLst>
-      </pc:sldChg>
-      <pc:sldChg chg="modSp new del mod">
-        <pc:chgData name="Ming-Chih Lin" userId="f1ba3ba5-e185-404b-b55f-b2be90e2bdc2" providerId="ADAL" clId="{794224D3-789D-47BB-A0D2-62C663EDB1CA}" dt="2020-05-31T07:13:38.584" v="317" actId="2696"/>
-        <pc:sldMkLst>
-          <pc:docMk/>
-          <pc:sldMk cId="3023771603" sldId="271"/>
-        </pc:sldMkLst>
-        <pc:spChg chg="mod">
-          <ac:chgData name="Ming-Chih Lin" userId="f1ba3ba5-e185-404b-b55f-b2be90e2bdc2" providerId="ADAL" clId="{794224D3-789D-47BB-A0D2-62C663EDB1CA}" dt="2020-05-31T07:09:51.889" v="206" actId="5793"/>
-          <ac:spMkLst>
-            <pc:docMk/>
-            <pc:sldMk cId="3023771603" sldId="271"/>
-            <ac:spMk id="2" creationId="{CF66E4CC-5385-41E9-B512-1FCF9A63B10A}"/>
-          </ac:spMkLst>
-        </pc:spChg>
-        <pc:spChg chg="mod">
-          <ac:chgData name="Ming-Chih Lin" userId="f1ba3ba5-e185-404b-b55f-b2be90e2bdc2" providerId="ADAL" clId="{794224D3-789D-47BB-A0D2-62C663EDB1CA}" dt="2020-05-31T07:09:47.974" v="204"/>
-          <ac:spMkLst>
-            <pc:docMk/>
-            <pc:sldMk cId="3023771603" sldId="271"/>
-            <ac:spMk id="3" creationId="{B9BA11D4-5DA0-4953-8C53-1201BD9A3419}"/>
-          </ac:spMkLst>
-        </pc:spChg>
-      </pc:sldChg>
-      <pc:sldChg chg="modSp add mod">
-        <pc:chgData name="Ming-Chih Lin" userId="f1ba3ba5-e185-404b-b55f-b2be90e2bdc2" providerId="ADAL" clId="{794224D3-789D-47BB-A0D2-62C663EDB1CA}" dt="2020-05-31T07:12:02.212" v="299" actId="20577"/>
-        <pc:sldMkLst>
-          <pc:docMk/>
-          <pc:sldMk cId="2189207556" sldId="272"/>
-        </pc:sldMkLst>
-        <pc:spChg chg="mod">
-          <ac:chgData name="Ming-Chih Lin" userId="f1ba3ba5-e185-404b-b55f-b2be90e2bdc2" providerId="ADAL" clId="{794224D3-789D-47BB-A0D2-62C663EDB1CA}" dt="2020-05-31T07:12:02.212" v="299" actId="20577"/>
-          <ac:spMkLst>
-            <pc:docMk/>
-            <pc:sldMk cId="2189207556" sldId="272"/>
-            <ac:spMk id="4" creationId="{2FA54F75-D405-4104-B6BB-EA44A23A109A}"/>
-          </ac:spMkLst>
-        </pc:spChg>
-      </pc:sldChg>
-      <pc:sldChg chg="modSp add mod">
-        <pc:chgData name="Ming-Chih Lin" userId="f1ba3ba5-e185-404b-b55f-b2be90e2bdc2" providerId="ADAL" clId="{794224D3-789D-47BB-A0D2-62C663EDB1CA}" dt="2020-05-31T07:16:16.580" v="331" actId="5793"/>
-        <pc:sldMkLst>
-          <pc:docMk/>
-          <pc:sldMk cId="2963169921" sldId="273"/>
-        </pc:sldMkLst>
-        <pc:spChg chg="mod">
-          <ac:chgData name="Ming-Chih Lin" userId="f1ba3ba5-e185-404b-b55f-b2be90e2bdc2" providerId="ADAL" clId="{794224D3-789D-47BB-A0D2-62C663EDB1CA}" dt="2020-05-31T07:16:16.580" v="331" actId="5793"/>
-          <ac:spMkLst>
-            <pc:docMk/>
-            <pc:sldMk cId="2963169921" sldId="273"/>
-            <ac:spMk id="2" creationId="{5F3943C5-BE9F-4BF4-A111-F83F5931DA07}"/>
-          </ac:spMkLst>
-        </pc:spChg>
-        <pc:spChg chg="mod">
-          <ac:chgData name="Ming-Chih Lin" userId="f1ba3ba5-e185-404b-b55f-b2be90e2bdc2" providerId="ADAL" clId="{794224D3-789D-47BB-A0D2-62C663EDB1CA}" dt="2020-05-31T07:16:01.039" v="328"/>
-          <ac:spMkLst>
-            <pc:docMk/>
-            <pc:sldMk cId="2963169921" sldId="273"/>
-            <ac:spMk id="3" creationId="{CC22D15C-4B6A-4C30-9E72-7AA476A720D1}"/>
-          </ac:spMkLst>
-        </pc:spChg>
-      </pc:sldChg>
-      <pc:sldChg chg="add del">
-        <pc:chgData name="Ming-Chih Lin" userId="f1ba3ba5-e185-404b-b55f-b2be90e2bdc2" providerId="ADAL" clId="{794224D3-789D-47BB-A0D2-62C663EDB1CA}" dt="2020-05-31T07:12:14.324" v="303"/>
-        <pc:sldMkLst>
-          <pc:docMk/>
-          <pc:sldMk cId="3766197102" sldId="273"/>
-        </pc:sldMkLst>
-      </pc:sldChg>
-      <pc:sldChg chg="add del">
-        <pc:chgData name="Ming-Chih Lin" userId="f1ba3ba5-e185-404b-b55f-b2be90e2bdc2" providerId="ADAL" clId="{794224D3-789D-47BB-A0D2-62C663EDB1CA}" dt="2020-05-31T07:12:14.066" v="302"/>
-        <pc:sldMkLst>
-          <pc:docMk/>
-          <pc:sldMk cId="2337234796" sldId="274"/>
-        </pc:sldMkLst>
-      </pc:sldChg>
-      <pc:sldChg chg="add del">
-        <pc:chgData name="Ming-Chih Lin" userId="f1ba3ba5-e185-404b-b55f-b2be90e2bdc2" providerId="ADAL" clId="{794224D3-789D-47BB-A0D2-62C663EDB1CA}" dt="2020-05-31T07:34:31.330" v="593" actId="47"/>
-        <pc:sldMkLst>
-          <pc:docMk/>
-          <pc:sldMk cId="4234616907" sldId="274"/>
-        </pc:sldMkLst>
-      </pc:sldChg>
-      <pc:sldChg chg="modSp add mod ord">
-        <pc:chgData name="Ming-Chih Lin" userId="f1ba3ba5-e185-404b-b55f-b2be90e2bdc2" providerId="ADAL" clId="{794224D3-789D-47BB-A0D2-62C663EDB1CA}" dt="2020-05-31T07:17:59.630" v="345" actId="207"/>
-        <pc:sldMkLst>
-          <pc:docMk/>
-          <pc:sldMk cId="252655923" sldId="275"/>
-        </pc:sldMkLst>
-        <pc:spChg chg="mod">
-          <ac:chgData name="Ming-Chih Lin" userId="f1ba3ba5-e185-404b-b55f-b2be90e2bdc2" providerId="ADAL" clId="{794224D3-789D-47BB-A0D2-62C663EDB1CA}" dt="2020-05-31T07:17:59.630" v="345" actId="207"/>
-          <ac:spMkLst>
-            <pc:docMk/>
-            <pc:sldMk cId="252655923" sldId="275"/>
-            <ac:spMk id="2" creationId="{5F3943C5-BE9F-4BF4-A111-F83F5931DA07}"/>
-          </ac:spMkLst>
-        </pc:spChg>
-        <pc:spChg chg="mod">
-          <ac:chgData name="Ming-Chih Lin" userId="f1ba3ba5-e185-404b-b55f-b2be90e2bdc2" providerId="ADAL" clId="{794224D3-789D-47BB-A0D2-62C663EDB1CA}" dt="2020-05-31T07:12:33.653" v="311"/>
-          <ac:spMkLst>
-            <pc:docMk/>
-            <pc:sldMk cId="252655923" sldId="275"/>
-            <ac:spMk id="3" creationId="{CC22D15C-4B6A-4C30-9E72-7AA476A720D1}"/>
-          </ac:spMkLst>
-        </pc:spChg>
-      </pc:sldChg>
-      <pc:sldChg chg="add del">
-        <pc:chgData name="Ming-Chih Lin" userId="f1ba3ba5-e185-404b-b55f-b2be90e2bdc2" providerId="ADAL" clId="{794224D3-789D-47BB-A0D2-62C663EDB1CA}" dt="2020-05-31T07:34:31.330" v="593" actId="47"/>
-        <pc:sldMkLst>
-          <pc:docMk/>
-          <pc:sldMk cId="3026838377" sldId="276"/>
-        </pc:sldMkLst>
-      </pc:sldChg>
-      <pc:sldChg chg="add del">
-        <pc:chgData name="Ming-Chih Lin" userId="f1ba3ba5-e185-404b-b55f-b2be90e2bdc2" providerId="ADAL" clId="{794224D3-789D-47BB-A0D2-62C663EDB1CA}" dt="2020-05-31T07:34:31.330" v="593" actId="47"/>
-        <pc:sldMkLst>
-          <pc:docMk/>
-          <pc:sldMk cId="1683860319" sldId="277"/>
-        </pc:sldMkLst>
-      </pc:sldChg>
-      <pc:sldChg chg="add del">
-        <pc:chgData name="Ming-Chih Lin" userId="f1ba3ba5-e185-404b-b55f-b2be90e2bdc2" providerId="ADAL" clId="{794224D3-789D-47BB-A0D2-62C663EDB1CA}" dt="2020-05-31T07:34:31.330" v="593" actId="47"/>
-        <pc:sldMkLst>
-          <pc:docMk/>
-          <pc:sldMk cId="1033793258" sldId="278"/>
-        </pc:sldMkLst>
-      </pc:sldChg>
-      <pc:sldChg chg="modSp new del mod">
-        <pc:chgData name="Ming-Chih Lin" userId="f1ba3ba5-e185-404b-b55f-b2be90e2bdc2" providerId="ADAL" clId="{794224D3-789D-47BB-A0D2-62C663EDB1CA}" dt="2020-05-31T07:43:16.808" v="694" actId="47"/>
-        <pc:sldMkLst>
-          <pc:docMk/>
-          <pc:sldMk cId="1085316097" sldId="279"/>
-        </pc:sldMkLst>
-        <pc:spChg chg="mod">
-          <ac:chgData name="Ming-Chih Lin" userId="f1ba3ba5-e185-404b-b55f-b2be90e2bdc2" providerId="ADAL" clId="{794224D3-789D-47BB-A0D2-62C663EDB1CA}" dt="2020-05-31T07:19:33.222" v="359" actId="20577"/>
-          <ac:spMkLst>
-            <pc:docMk/>
-            <pc:sldMk cId="1085316097" sldId="279"/>
-            <ac:spMk id="2" creationId="{2E29C453-15B9-4E40-99ED-2E64169A78E3}"/>
-          </ac:spMkLst>
-        </pc:spChg>
-        <pc:spChg chg="mod">
-          <ac:chgData name="Ming-Chih Lin" userId="f1ba3ba5-e185-404b-b55f-b2be90e2bdc2" providerId="ADAL" clId="{794224D3-789D-47BB-A0D2-62C663EDB1CA}" dt="2020-05-31T07:18:58.230" v="350"/>
-          <ac:spMkLst>
-            <pc:docMk/>
-            <pc:sldMk cId="1085316097" sldId="279"/>
-            <ac:spMk id="3" creationId="{F0FF7A3E-5548-44AE-B3D4-441902BDF1E4}"/>
-          </ac:spMkLst>
-        </pc:spChg>
-      </pc:sldChg>
-      <pc:sldChg chg="new del">
-        <pc:chgData name="Ming-Chih Lin" userId="f1ba3ba5-e185-404b-b55f-b2be90e2bdc2" providerId="ADAL" clId="{794224D3-789D-47BB-A0D2-62C663EDB1CA}" dt="2020-05-31T07:34:33.986" v="594" actId="47"/>
-        <pc:sldMkLst>
-          <pc:docMk/>
-          <pc:sldMk cId="1950221314" sldId="280"/>
-        </pc:sldMkLst>
-      </pc:sldChg>
-      <pc:sldChg chg="addSp modSp new mod">
-        <pc:chgData name="Ming-Chih Lin" userId="f1ba3ba5-e185-404b-b55f-b2be90e2bdc2" providerId="ADAL" clId="{794224D3-789D-47BB-A0D2-62C663EDB1CA}" dt="2020-06-01T08:00:24.402" v="1007"/>
-        <pc:sldMkLst>
-          <pc:docMk/>
-          <pc:sldMk cId="666544265" sldId="281"/>
-        </pc:sldMkLst>
-        <pc:spChg chg="mod">
-          <ac:chgData name="Ming-Chih Lin" userId="f1ba3ba5-e185-404b-b55f-b2be90e2bdc2" providerId="ADAL" clId="{794224D3-789D-47BB-A0D2-62C663EDB1CA}" dt="2020-06-01T08:00:24.402" v="1007"/>
-          <ac:spMkLst>
-            <pc:docMk/>
-            <pc:sldMk cId="666544265" sldId="281"/>
-            <ac:spMk id="2" creationId="{6EDA7C28-6504-464B-80E9-F7235148F841}"/>
-          </ac:spMkLst>
-        </pc:spChg>
-        <pc:spChg chg="mod">
-          <ac:chgData name="Ming-Chih Lin" userId="f1ba3ba5-e185-404b-b55f-b2be90e2bdc2" providerId="ADAL" clId="{794224D3-789D-47BB-A0D2-62C663EDB1CA}" dt="2020-06-01T08:00:21.544" v="1001" actId="20577"/>
-          <ac:spMkLst>
-            <pc:docMk/>
-            <pc:sldMk cId="666544265" sldId="281"/>
-            <ac:spMk id="3" creationId="{14276987-1FE8-4CBE-9CB2-2A5C69C5D627}"/>
-          </ac:spMkLst>
-        </pc:spChg>
-        <pc:picChg chg="add mod">
-          <ac:chgData name="Ming-Chih Lin" userId="f1ba3ba5-e185-404b-b55f-b2be90e2bdc2" providerId="ADAL" clId="{794224D3-789D-47BB-A0D2-62C663EDB1CA}" dt="2020-06-01T08:00:12.612" v="1000" actId="14100"/>
-          <ac:picMkLst>
-            <pc:docMk/>
-            <pc:sldMk cId="666544265" sldId="281"/>
-            <ac:picMk id="4" creationId="{B50902C2-2892-480E-8C48-2CA4CCE66524}"/>
-          </ac:picMkLst>
-        </pc:picChg>
-      </pc:sldChg>
-      <pc:sldChg chg="modSp new mod">
-        <pc:chgData name="Ming-Chih Lin" userId="f1ba3ba5-e185-404b-b55f-b2be90e2bdc2" providerId="ADAL" clId="{794224D3-789D-47BB-A0D2-62C663EDB1CA}" dt="2020-06-01T23:07:13.749" v="1270"/>
-        <pc:sldMkLst>
-          <pc:docMk/>
-          <pc:sldMk cId="3344907558" sldId="282"/>
-        </pc:sldMkLst>
-        <pc:spChg chg="mod">
-          <ac:chgData name="Ming-Chih Lin" userId="f1ba3ba5-e185-404b-b55f-b2be90e2bdc2" providerId="ADAL" clId="{794224D3-789D-47BB-A0D2-62C663EDB1CA}" dt="2020-06-01T23:07:13.749" v="1270"/>
-          <ac:spMkLst>
-            <pc:docMk/>
-            <pc:sldMk cId="3344907558" sldId="282"/>
-            <ac:spMk id="2" creationId="{A7C2D190-D47F-4A50-A76B-32331DEAE02D}"/>
-          </ac:spMkLst>
-        </pc:spChg>
-        <pc:spChg chg="mod">
-          <ac:chgData name="Ming-Chih Lin" userId="f1ba3ba5-e185-404b-b55f-b2be90e2bdc2" providerId="ADAL" clId="{794224D3-789D-47BB-A0D2-62C663EDB1CA}" dt="2020-05-31T07:21:34.308" v="372"/>
-          <ac:spMkLst>
-            <pc:docMk/>
-            <pc:sldMk cId="3344907558" sldId="282"/>
-            <ac:spMk id="3" creationId="{4B98CB43-2487-40FE-B18F-82313D1F9A77}"/>
-          </ac:spMkLst>
-        </pc:spChg>
-      </pc:sldChg>
-      <pc:sldChg chg="add del">
-        <pc:chgData name="Ming-Chih Lin" userId="f1ba3ba5-e185-404b-b55f-b2be90e2bdc2" providerId="ADAL" clId="{794224D3-789D-47BB-A0D2-62C663EDB1CA}" dt="2020-05-31T07:37:23.395" v="597"/>
-        <pc:sldMkLst>
-          <pc:docMk/>
-          <pc:sldMk cId="1992929127" sldId="283"/>
-        </pc:sldMkLst>
-      </pc:sldChg>
-      <pc:sldChg chg="modSp new add del mod">
-        <pc:chgData name="Ming-Chih Lin" userId="f1ba3ba5-e185-404b-b55f-b2be90e2bdc2" providerId="ADAL" clId="{794224D3-789D-47BB-A0D2-62C663EDB1CA}" dt="2020-05-31T07:37:25.174" v="598" actId="2696"/>
-        <pc:sldMkLst>
-          <pc:docMk/>
-          <pc:sldMk cId="4282441724" sldId="283"/>
-        </pc:sldMkLst>
-        <pc:spChg chg="mod">
-          <ac:chgData name="Ming-Chih Lin" userId="f1ba3ba5-e185-404b-b55f-b2be90e2bdc2" providerId="ADAL" clId="{794224D3-789D-47BB-A0D2-62C663EDB1CA}" dt="2020-05-31T07:28:07.862" v="394" actId="20577"/>
-          <ac:spMkLst>
-            <pc:docMk/>
-            <pc:sldMk cId="4282441724" sldId="283"/>
-            <ac:spMk id="2" creationId="{02A1E2E6-DFB6-4C76-973C-7FC0AA967CCF}"/>
-          </ac:spMkLst>
-        </pc:spChg>
-        <pc:spChg chg="mod">
-          <ac:chgData name="Ming-Chih Lin" userId="f1ba3ba5-e185-404b-b55f-b2be90e2bdc2" providerId="ADAL" clId="{794224D3-789D-47BB-A0D2-62C663EDB1CA}" dt="2020-05-31T07:28:05.885" v="393"/>
-          <ac:spMkLst>
-            <pc:docMk/>
-            <pc:sldMk cId="4282441724" sldId="283"/>
-            <ac:spMk id="3" creationId="{E1706A94-9322-4DB7-B41B-7F7FDDB0AC02}"/>
-          </ac:spMkLst>
-        </pc:spChg>
-      </pc:sldChg>
-      <pc:sldChg chg="addSp modSp add mod">
-        <pc:chgData name="Ming-Chih Lin" userId="f1ba3ba5-e185-404b-b55f-b2be90e2bdc2" providerId="ADAL" clId="{794224D3-789D-47BB-A0D2-62C663EDB1CA}" dt="2020-06-01T07:52:43.534" v="919" actId="1076"/>
-        <pc:sldMkLst>
-          <pc:docMk/>
-          <pc:sldMk cId="2651586421" sldId="284"/>
-        </pc:sldMkLst>
-        <pc:spChg chg="mod">
-          <ac:chgData name="Ming-Chih Lin" userId="f1ba3ba5-e185-404b-b55f-b2be90e2bdc2" providerId="ADAL" clId="{794224D3-789D-47BB-A0D2-62C663EDB1CA}" dt="2020-06-01T07:52:04.093" v="911" actId="20577"/>
-          <ac:spMkLst>
-            <pc:docMk/>
-            <pc:sldMk cId="2651586421" sldId="284"/>
-            <ac:spMk id="2" creationId="{5F3943C5-BE9F-4BF4-A111-F83F5931DA07}"/>
-          </ac:spMkLst>
-        </pc:spChg>
-        <pc:spChg chg="mod">
-          <ac:chgData name="Ming-Chih Lin" userId="f1ba3ba5-e185-404b-b55f-b2be90e2bdc2" providerId="ADAL" clId="{794224D3-789D-47BB-A0D2-62C663EDB1CA}" dt="2020-05-31T07:30:46.059" v="519" actId="20577"/>
-          <ac:spMkLst>
-            <pc:docMk/>
-            <pc:sldMk cId="2651586421" sldId="284"/>
-            <ac:spMk id="3" creationId="{CC22D15C-4B6A-4C30-9E72-7AA476A720D1}"/>
-          </ac:spMkLst>
-        </pc:spChg>
-        <pc:picChg chg="add mod">
-          <ac:chgData name="Ming-Chih Lin" userId="f1ba3ba5-e185-404b-b55f-b2be90e2bdc2" providerId="ADAL" clId="{794224D3-789D-47BB-A0D2-62C663EDB1CA}" dt="2020-06-01T07:52:43.534" v="919" actId="1076"/>
-          <ac:picMkLst>
-            <pc:docMk/>
-            <pc:sldMk cId="2651586421" sldId="284"/>
-            <ac:picMk id="4" creationId="{D5D4B023-4CA5-4555-A90F-87E1A9E2DBDB}"/>
-          </ac:picMkLst>
-        </pc:picChg>
-      </pc:sldChg>
-      <pc:sldChg chg="addSp modSp new mod">
-        <pc:chgData name="Ming-Chih Lin" userId="f1ba3ba5-e185-404b-b55f-b2be90e2bdc2" providerId="ADAL" clId="{794224D3-789D-47BB-A0D2-62C663EDB1CA}" dt="2020-06-01T07:54:49.432" v="931" actId="14100"/>
-        <pc:sldMkLst>
-          <pc:docMk/>
-          <pc:sldMk cId="3195449515" sldId="285"/>
-        </pc:sldMkLst>
-        <pc:spChg chg="mod">
-          <ac:chgData name="Ming-Chih Lin" userId="f1ba3ba5-e185-404b-b55f-b2be90e2bdc2" providerId="ADAL" clId="{794224D3-789D-47BB-A0D2-62C663EDB1CA}" dt="2020-06-01T07:54:49.432" v="931" actId="14100"/>
-          <ac:spMkLst>
-            <pc:docMk/>
-            <pc:sldMk cId="3195449515" sldId="285"/>
-            <ac:spMk id="2" creationId="{2FEECCDF-359C-4756-942E-0B27A9C3AE42}"/>
-          </ac:spMkLst>
-        </pc:spChg>
-        <pc:spChg chg="mod">
-          <ac:chgData name="Ming-Chih Lin" userId="f1ba3ba5-e185-404b-b55f-b2be90e2bdc2" providerId="ADAL" clId="{794224D3-789D-47BB-A0D2-62C663EDB1CA}" dt="2020-05-31T07:30:08.391" v="480" actId="20577"/>
-          <ac:spMkLst>
-            <pc:docMk/>
-            <pc:sldMk cId="3195449515" sldId="285"/>
-            <ac:spMk id="3" creationId="{80AC94B3-D669-4FE4-814E-F60AE2CE6E69}"/>
-          </ac:spMkLst>
-        </pc:spChg>
-        <pc:picChg chg="add mod">
-          <ac:chgData name="Ming-Chih Lin" userId="f1ba3ba5-e185-404b-b55f-b2be90e2bdc2" providerId="ADAL" clId="{794224D3-789D-47BB-A0D2-62C663EDB1CA}" dt="2020-06-01T07:54:46.313" v="930" actId="1076"/>
-          <ac:picMkLst>
-            <pc:docMk/>
-            <pc:sldMk cId="3195449515" sldId="285"/>
-            <ac:picMk id="4" creationId="{CB731608-086F-45D0-9B0F-B575F6326DBE}"/>
-          </ac:picMkLst>
-        </pc:picChg>
-      </pc:sldChg>
-      <pc:sldChg chg="modSp new add del mod">
-        <pc:chgData name="Ming-Chih Lin" userId="f1ba3ba5-e185-404b-b55f-b2be90e2bdc2" providerId="ADAL" clId="{794224D3-789D-47BB-A0D2-62C663EDB1CA}" dt="2020-05-31T07:37:25.174" v="598" actId="2696"/>
-        <pc:sldMkLst>
-          <pc:docMk/>
-          <pc:sldMk cId="1489283586" sldId="286"/>
-        </pc:sldMkLst>
-        <pc:spChg chg="mod">
-          <ac:chgData name="Ming-Chih Lin" userId="f1ba3ba5-e185-404b-b55f-b2be90e2bdc2" providerId="ADAL" clId="{794224D3-789D-47BB-A0D2-62C663EDB1CA}" dt="2020-05-31T07:31:27.496" v="565"/>
-          <ac:spMkLst>
-            <pc:docMk/>
-            <pc:sldMk cId="1489283586" sldId="286"/>
-            <ac:spMk id="3" creationId="{F9CBD9A1-D6C6-4802-A546-4850BDBE39C1}"/>
-          </ac:spMkLst>
-        </pc:spChg>
-      </pc:sldChg>
-      <pc:sldChg chg="add del">
-        <pc:chgData name="Ming-Chih Lin" userId="f1ba3ba5-e185-404b-b55f-b2be90e2bdc2" providerId="ADAL" clId="{794224D3-789D-47BB-A0D2-62C663EDB1CA}" dt="2020-05-31T07:37:23.395" v="597"/>
-        <pc:sldMkLst>
-          <pc:docMk/>
-          <pc:sldMk cId="2559555116" sldId="286"/>
-        </pc:sldMkLst>
-      </pc:sldChg>
-      <pc:sldChg chg="addSp delSp modSp new add del mod modClrScheme chgLayout">
-        <pc:chgData name="Ming-Chih Lin" userId="f1ba3ba5-e185-404b-b55f-b2be90e2bdc2" providerId="ADAL" clId="{794224D3-789D-47BB-A0D2-62C663EDB1CA}" dt="2020-05-31T07:37:35.653" v="599" actId="2696"/>
-        <pc:sldMkLst>
-          <pc:docMk/>
-          <pc:sldMk cId="1439738458" sldId="287"/>
-        </pc:sldMkLst>
-        <pc:spChg chg="del">
-          <ac:chgData name="Ming-Chih Lin" userId="f1ba3ba5-e185-404b-b55f-b2be90e2bdc2" providerId="ADAL" clId="{794224D3-789D-47BB-A0D2-62C663EDB1CA}" dt="2020-05-31T07:32:39.695" v="578" actId="700"/>
-          <ac:spMkLst>
-            <pc:docMk/>
-            <pc:sldMk cId="1439738458" sldId="287"/>
-            <ac:spMk id="2" creationId="{5D871499-CF0E-485D-BBD5-499449DEC70C}"/>
-          </ac:spMkLst>
-        </pc:spChg>
-        <pc:spChg chg="del">
-          <ac:chgData name="Ming-Chih Lin" userId="f1ba3ba5-e185-404b-b55f-b2be90e2bdc2" providerId="ADAL" clId="{794224D3-789D-47BB-A0D2-62C663EDB1CA}" dt="2020-05-31T07:32:39.695" v="578" actId="700"/>
-          <ac:spMkLst>
-            <pc:docMk/>
-            <pc:sldMk cId="1439738458" sldId="287"/>
-            <ac:spMk id="3" creationId="{513AC28C-C19B-4F53-9437-10D9E59988DD}"/>
-          </ac:spMkLst>
-        </pc:spChg>
-        <pc:spChg chg="add del mod ord">
-          <ac:chgData name="Ming-Chih Lin" userId="f1ba3ba5-e185-404b-b55f-b2be90e2bdc2" providerId="ADAL" clId="{794224D3-789D-47BB-A0D2-62C663EDB1CA}" dt="2020-05-31T07:32:43.120" v="579" actId="700"/>
-          <ac:spMkLst>
-            <pc:docMk/>
-            <pc:sldMk cId="1439738458" sldId="287"/>
-            <ac:spMk id="4" creationId="{74433EF5-6AEE-49BA-8AA0-7A637F91576E}"/>
-          </ac:spMkLst>
-        </pc:spChg>
-        <pc:spChg chg="add mod ord">
-          <ac:chgData name="Ming-Chih Lin" userId="f1ba3ba5-e185-404b-b55f-b2be90e2bdc2" providerId="ADAL" clId="{794224D3-789D-47BB-A0D2-62C663EDB1CA}" dt="2020-05-31T07:32:55.848" v="583"/>
-          <ac:spMkLst>
-            <pc:docMk/>
-            <pc:sldMk cId="1439738458" sldId="287"/>
-            <ac:spMk id="5" creationId="{175DFBF9-F290-4C69-9CB9-3C90AC949AA8}"/>
-          </ac:spMkLst>
-        </pc:spChg>
-        <pc:spChg chg="add mod ord">
-          <ac:chgData name="Ming-Chih Lin" userId="f1ba3ba5-e185-404b-b55f-b2be90e2bdc2" providerId="ADAL" clId="{794224D3-789D-47BB-A0D2-62C663EDB1CA}" dt="2020-05-31T07:33:11.796" v="588" actId="207"/>
-          <ac:spMkLst>
-            <pc:docMk/>
-            <pc:sldMk cId="1439738458" sldId="287"/>
-            <ac:spMk id="6" creationId="{69EEF7C9-AC49-4A83-81D4-B576673CF2D3}"/>
-          </ac:spMkLst>
-        </pc:spChg>
-      </pc:sldChg>
-      <pc:sldChg chg="add">
-        <pc:chgData name="Ming-Chih Lin" userId="f1ba3ba5-e185-404b-b55f-b2be90e2bdc2" providerId="ADAL" clId="{794224D3-789D-47BB-A0D2-62C663EDB1CA}" dt="2020-05-31T07:37:39.450" v="600"/>
-        <pc:sldMkLst>
-          <pc:docMk/>
-          <pc:sldMk cId="2068811213" sldId="287"/>
-        </pc:sldMkLst>
-      </pc:sldChg>
-      <pc:sldChg chg="add del">
-        <pc:chgData name="Ming-Chih Lin" userId="f1ba3ba5-e185-404b-b55f-b2be90e2bdc2" providerId="ADAL" clId="{794224D3-789D-47BB-A0D2-62C663EDB1CA}" dt="2020-05-31T07:37:23.395" v="597"/>
-        <pc:sldMkLst>
-          <pc:docMk/>
-          <pc:sldMk cId="3370046481" sldId="287"/>
-        </pc:sldMkLst>
-      </pc:sldChg>
-      <pc:sldChg chg="addSp delSp modSp new mod modClrScheme chgLayout">
-        <pc:chgData name="Ming-Chih Lin" userId="f1ba3ba5-e185-404b-b55f-b2be90e2bdc2" providerId="ADAL" clId="{794224D3-789D-47BB-A0D2-62C663EDB1CA}" dt="2020-06-01T08:04:32.622" v="1263" actId="700"/>
-        <pc:sldMkLst>
-          <pc:docMk/>
-          <pc:sldMk cId="2773999239" sldId="288"/>
-        </pc:sldMkLst>
-        <pc:spChg chg="add mod ord">
-          <ac:chgData name="Ming-Chih Lin" userId="f1ba3ba5-e185-404b-b55f-b2be90e2bdc2" providerId="ADAL" clId="{794224D3-789D-47BB-A0D2-62C663EDB1CA}" dt="2020-06-01T08:04:32.622" v="1263" actId="700"/>
-          <ac:spMkLst>
-            <pc:docMk/>
-            <pc:sldMk cId="2773999239" sldId="288"/>
-            <ac:spMk id="2" creationId="{9AB95A1D-731F-4754-8CC5-5B2A6DACC14C}"/>
-          </ac:spMkLst>
-        </pc:spChg>
-        <pc:spChg chg="del">
-          <ac:chgData name="Ming-Chih Lin" userId="f1ba3ba5-e185-404b-b55f-b2be90e2bdc2" providerId="ADAL" clId="{794224D3-789D-47BB-A0D2-62C663EDB1CA}" dt="2020-05-31T07:39:09.479" v="602" actId="700"/>
-          <ac:spMkLst>
-            <pc:docMk/>
-            <pc:sldMk cId="2773999239" sldId="288"/>
-            <ac:spMk id="2" creationId="{EF1E43BE-8379-4A2F-927F-5F6B071A2544}"/>
-          </ac:spMkLst>
-        </pc:spChg>
-        <pc:spChg chg="del">
-          <ac:chgData name="Ming-Chih Lin" userId="f1ba3ba5-e185-404b-b55f-b2be90e2bdc2" providerId="ADAL" clId="{794224D3-789D-47BB-A0D2-62C663EDB1CA}" dt="2020-05-31T07:39:09.479" v="602" actId="700"/>
-          <ac:spMkLst>
-            <pc:docMk/>
-            <pc:sldMk cId="2773999239" sldId="288"/>
-            <ac:spMk id="3" creationId="{4FDD6798-61A8-4C71-AE43-603F39194A39}"/>
-          </ac:spMkLst>
-        </pc:spChg>
-        <pc:spChg chg="add del mod ord">
-          <ac:chgData name="Ming-Chih Lin" userId="f1ba3ba5-e185-404b-b55f-b2be90e2bdc2" providerId="ADAL" clId="{794224D3-789D-47BB-A0D2-62C663EDB1CA}" dt="2020-05-31T07:39:12.301" v="603" actId="700"/>
-          <ac:spMkLst>
-            <pc:docMk/>
-            <pc:sldMk cId="2773999239" sldId="288"/>
-            <ac:spMk id="4" creationId="{B4A07BC9-FF89-4CE6-8C2A-80F60F3C0DAA}"/>
-          </ac:spMkLst>
-        </pc:spChg>
-        <pc:spChg chg="add mod ord">
-          <ac:chgData name="Ming-Chih Lin" userId="f1ba3ba5-e185-404b-b55f-b2be90e2bdc2" providerId="ADAL" clId="{794224D3-789D-47BB-A0D2-62C663EDB1CA}" dt="2020-06-01T08:04:32.622" v="1263" actId="700"/>
-          <ac:spMkLst>
-            <pc:docMk/>
-            <pc:sldMk cId="2773999239" sldId="288"/>
-            <ac:spMk id="5" creationId="{D9BE9DE2-8245-4CD7-8644-BCDBABA8D1A8}"/>
-          </ac:spMkLst>
-        </pc:spChg>
-        <pc:spChg chg="add del mod ord">
-          <ac:chgData name="Ming-Chih Lin" userId="f1ba3ba5-e185-404b-b55f-b2be90e2bdc2" providerId="ADAL" clId="{794224D3-789D-47BB-A0D2-62C663EDB1CA}" dt="2020-06-01T08:04:32.622" v="1263" actId="700"/>
-          <ac:spMkLst>
-            <pc:docMk/>
-            <pc:sldMk cId="2773999239" sldId="288"/>
-            <ac:spMk id="6" creationId="{8B34D29B-0E23-429E-8BAC-0695EC085EEE}"/>
-          </ac:spMkLst>
-        </pc:spChg>
-      </pc:sldChg>
-      <pc:sldChg chg="addSp delSp modSp new mod modClrScheme chgLayout">
-        <pc:chgData name="Ming-Chih Lin" userId="f1ba3ba5-e185-404b-b55f-b2be90e2bdc2" providerId="ADAL" clId="{794224D3-789D-47BB-A0D2-62C663EDB1CA}" dt="2020-06-01T08:04:36.960" v="1264" actId="700"/>
-        <pc:sldMkLst>
-          <pc:docMk/>
-          <pc:sldMk cId="1061609012" sldId="289"/>
-        </pc:sldMkLst>
-        <pc:spChg chg="add mod ord">
-          <ac:chgData name="Ming-Chih Lin" userId="f1ba3ba5-e185-404b-b55f-b2be90e2bdc2" providerId="ADAL" clId="{794224D3-789D-47BB-A0D2-62C663EDB1CA}" dt="2020-06-01T08:04:36.960" v="1264" actId="700"/>
-          <ac:spMkLst>
-            <pc:docMk/>
-            <pc:sldMk cId="1061609012" sldId="289"/>
-            <ac:spMk id="2" creationId="{39ECB457-4D4F-4A33-A3B9-6B135073BD8A}"/>
-          </ac:spMkLst>
-        </pc:spChg>
-        <pc:spChg chg="del">
-          <ac:chgData name="Ming-Chih Lin" userId="f1ba3ba5-e185-404b-b55f-b2be90e2bdc2" providerId="ADAL" clId="{794224D3-789D-47BB-A0D2-62C663EDB1CA}" dt="2020-05-31T07:39:58.497" v="639" actId="700"/>
-          <ac:spMkLst>
-            <pc:docMk/>
-            <pc:sldMk cId="1061609012" sldId="289"/>
-            <ac:spMk id="2" creationId="{BA164DD3-FCAA-4C87-8EC6-826F37B6CB92}"/>
-          </ac:spMkLst>
-        </pc:spChg>
-        <pc:spChg chg="del">
-          <ac:chgData name="Ming-Chih Lin" userId="f1ba3ba5-e185-404b-b55f-b2be90e2bdc2" providerId="ADAL" clId="{794224D3-789D-47BB-A0D2-62C663EDB1CA}" dt="2020-05-31T07:39:58.497" v="639" actId="700"/>
-          <ac:spMkLst>
-            <pc:docMk/>
-            <pc:sldMk cId="1061609012" sldId="289"/>
-            <ac:spMk id="3" creationId="{360C4EC4-099B-4A51-8DE1-3942B46FEEC8}"/>
-          </ac:spMkLst>
-        </pc:spChg>
-        <pc:spChg chg="add mod ord">
-          <ac:chgData name="Ming-Chih Lin" userId="f1ba3ba5-e185-404b-b55f-b2be90e2bdc2" providerId="ADAL" clId="{794224D3-789D-47BB-A0D2-62C663EDB1CA}" dt="2020-06-01T08:04:36.960" v="1264" actId="700"/>
-          <ac:spMkLst>
-            <pc:docMk/>
-            <pc:sldMk cId="1061609012" sldId="289"/>
-            <ac:spMk id="4" creationId="{A96425F9-195D-4693-9E6E-3A6A87237F5E}"/>
-          </ac:spMkLst>
-        </pc:spChg>
-      </pc:sldChg>
-      <pc:sldChg chg="modSp new mod">
-        <pc:chgData name="Ming-Chih Lin" userId="f1ba3ba5-e185-404b-b55f-b2be90e2bdc2" providerId="ADAL" clId="{794224D3-789D-47BB-A0D2-62C663EDB1CA}" dt="2020-05-31T07:42:39.327" v="693"/>
-        <pc:sldMkLst>
-          <pc:docMk/>
-          <pc:sldMk cId="1663756997" sldId="290"/>
-        </pc:sldMkLst>
-        <pc:spChg chg="mod">
-          <ac:chgData name="Ming-Chih Lin" userId="f1ba3ba5-e185-404b-b55f-b2be90e2bdc2" providerId="ADAL" clId="{794224D3-789D-47BB-A0D2-62C663EDB1CA}" dt="2020-05-31T07:42:39.327" v="693"/>
-          <ac:spMkLst>
-            <pc:docMk/>
-            <pc:sldMk cId="1663756997" sldId="290"/>
-            <ac:spMk id="3" creationId="{FDA2CCF4-8156-43AA-A2A5-BCE09F7AF6E8}"/>
-          </ac:spMkLst>
-        </pc:spChg>
-      </pc:sldChg>
-      <pc:sldChg chg="modSp new mod ord">
-        <pc:chgData name="Ming-Chih Lin" userId="f1ba3ba5-e185-404b-b55f-b2be90e2bdc2" providerId="ADAL" clId="{794224D3-789D-47BB-A0D2-62C663EDB1CA}" dt="2020-06-01T07:57:49.832" v="978"/>
-        <pc:sldMkLst>
-          <pc:docMk/>
-          <pc:sldMk cId="4146132641" sldId="291"/>
-        </pc:sldMkLst>
-        <pc:spChg chg="mod">
-          <ac:chgData name="Ming-Chih Lin" userId="f1ba3ba5-e185-404b-b55f-b2be90e2bdc2" providerId="ADAL" clId="{794224D3-789D-47BB-A0D2-62C663EDB1CA}" dt="2020-05-31T07:45:08.481" v="743"/>
-          <ac:spMkLst>
-            <pc:docMk/>
-            <pc:sldMk cId="4146132641" sldId="291"/>
-            <ac:spMk id="3" creationId="{EE67A29E-9388-4D5B-87CB-A07D3E8DBFB4}"/>
-          </ac:spMkLst>
-        </pc:spChg>
-      </pc:sldChg>
-      <pc:sldChg chg="modSp new mod">
-        <pc:chgData name="Ming-Chih Lin" userId="f1ba3ba5-e185-404b-b55f-b2be90e2bdc2" providerId="ADAL" clId="{794224D3-789D-47BB-A0D2-62C663EDB1CA}" dt="2020-06-01T08:02:58.705" v="1262"/>
-        <pc:sldMkLst>
-          <pc:docMk/>
-          <pc:sldMk cId="2609797397" sldId="292"/>
-        </pc:sldMkLst>
-        <pc:spChg chg="mod">
-          <ac:chgData name="Ming-Chih Lin" userId="f1ba3ba5-e185-404b-b55f-b2be90e2bdc2" providerId="ADAL" clId="{794224D3-789D-47BB-A0D2-62C663EDB1CA}" dt="2020-06-01T08:02:58.705" v="1262"/>
-          <ac:spMkLst>
-            <pc:docMk/>
-            <pc:sldMk cId="2609797397" sldId="292"/>
-            <ac:spMk id="2" creationId="{C6F078A4-E99D-4092-8AC3-B9698C576328}"/>
-          </ac:spMkLst>
-        </pc:spChg>
-        <pc:spChg chg="mod">
-          <ac:chgData name="Ming-Chih Lin" userId="f1ba3ba5-e185-404b-b55f-b2be90e2bdc2" providerId="ADAL" clId="{794224D3-789D-47BB-A0D2-62C663EDB1CA}" dt="2020-05-31T07:47:01.220" v="792"/>
-          <ac:spMkLst>
-            <pc:docMk/>
-            <pc:sldMk cId="2609797397" sldId="292"/>
-            <ac:spMk id="3" creationId="{035077E8-9769-4239-B6FF-C9B606BA0011}"/>
-          </ac:spMkLst>
-        </pc:spChg>
-      </pc:sldChg>
-      <pc:sldChg chg="modSp new mod">
-        <pc:chgData name="Ming-Chih Lin" userId="f1ba3ba5-e185-404b-b55f-b2be90e2bdc2" providerId="ADAL" clId="{794224D3-789D-47BB-A0D2-62C663EDB1CA}" dt="2020-05-31T07:51:10.725" v="829" actId="20577"/>
-        <pc:sldMkLst>
-          <pc:docMk/>
-          <pc:sldMk cId="289535632" sldId="293"/>
-        </pc:sldMkLst>
-        <pc:spChg chg="mod">
-          <ac:chgData name="Ming-Chih Lin" userId="f1ba3ba5-e185-404b-b55f-b2be90e2bdc2" providerId="ADAL" clId="{794224D3-789D-47BB-A0D2-62C663EDB1CA}" dt="2020-05-31T07:51:10.725" v="829" actId="20577"/>
-          <ac:spMkLst>
-            <pc:docMk/>
-            <pc:sldMk cId="289535632" sldId="293"/>
-            <ac:spMk id="3" creationId="{675709DF-CC06-48CE-B524-EE9F568647E0}"/>
-          </ac:spMkLst>
-        </pc:spChg>
-      </pc:sldChg>
-      <pc:sldChg chg="modSp new mod">
-        <pc:chgData name="Ming-Chih Lin" userId="f1ba3ba5-e185-404b-b55f-b2be90e2bdc2" providerId="ADAL" clId="{794224D3-789D-47BB-A0D2-62C663EDB1CA}" dt="2020-06-01T07:44:55.720" v="853"/>
-        <pc:sldMkLst>
-          <pc:docMk/>
-          <pc:sldMk cId="64240318" sldId="294"/>
-        </pc:sldMkLst>
-        <pc:spChg chg="mod">
-          <ac:chgData name="Ming-Chih Lin" userId="f1ba3ba5-e185-404b-b55f-b2be90e2bdc2" providerId="ADAL" clId="{794224D3-789D-47BB-A0D2-62C663EDB1CA}" dt="2020-06-01T07:44:54.951" v="852" actId="21"/>
-          <ac:spMkLst>
-            <pc:docMk/>
-            <pc:sldMk cId="64240318" sldId="294"/>
-            <ac:spMk id="2" creationId="{6798ECCD-BF38-4125-A2D9-1FBB0828F79C}"/>
-          </ac:spMkLst>
-        </pc:spChg>
-        <pc:spChg chg="mod">
-          <ac:chgData name="Ming-Chih Lin" userId="f1ba3ba5-e185-404b-b55f-b2be90e2bdc2" providerId="ADAL" clId="{794224D3-789D-47BB-A0D2-62C663EDB1CA}" dt="2020-06-01T07:44:55.720" v="853"/>
-          <ac:spMkLst>
-            <pc:docMk/>
-            <pc:sldMk cId="64240318" sldId="294"/>
-            <ac:spMk id="3" creationId="{21DC9115-EA07-4E43-B229-3DDAC0EF5CB9}"/>
-          </ac:spMkLst>
-        </pc:spChg>
-      </pc:sldChg>
-      <pc:sldChg chg="modSp new">
-        <pc:chgData name="Ming-Chih Lin" userId="f1ba3ba5-e185-404b-b55f-b2be90e2bdc2" providerId="ADAL" clId="{794224D3-789D-47BB-A0D2-62C663EDB1CA}" dt="2020-06-01T07:45:22.900" v="856"/>
-        <pc:sldMkLst>
-          <pc:docMk/>
-          <pc:sldMk cId="3800941536" sldId="295"/>
-        </pc:sldMkLst>
-        <pc:spChg chg="mod">
-          <ac:chgData name="Ming-Chih Lin" userId="f1ba3ba5-e185-404b-b55f-b2be90e2bdc2" providerId="ADAL" clId="{794224D3-789D-47BB-A0D2-62C663EDB1CA}" dt="2020-06-01T07:45:22.900" v="856"/>
-          <ac:spMkLst>
-            <pc:docMk/>
-            <pc:sldMk cId="3800941536" sldId="295"/>
-            <ac:spMk id="2" creationId="{1217C976-378C-48C3-900B-3FE82C45F783}"/>
-          </ac:spMkLst>
-        </pc:spChg>
-        <pc:spChg chg="mod">
-          <ac:chgData name="Ming-Chih Lin" userId="f1ba3ba5-e185-404b-b55f-b2be90e2bdc2" providerId="ADAL" clId="{794224D3-789D-47BB-A0D2-62C663EDB1CA}" dt="2020-06-01T07:45:11.402" v="855"/>
-          <ac:spMkLst>
-            <pc:docMk/>
-            <pc:sldMk cId="3800941536" sldId="295"/>
-            <ac:spMk id="3" creationId="{B74F9DDA-5D21-4474-B5A9-0D53658E6B5E}"/>
-          </ac:spMkLst>
-        </pc:spChg>
-      </pc:sldChg>
-      <pc:sldChg chg="modSp new">
-        <pc:chgData name="Ming-Chih Lin" userId="f1ba3ba5-e185-404b-b55f-b2be90e2bdc2" providerId="ADAL" clId="{794224D3-789D-47BB-A0D2-62C663EDB1CA}" dt="2020-06-01T07:45:47.506" v="859"/>
-        <pc:sldMkLst>
-          <pc:docMk/>
-          <pc:sldMk cId="71803066" sldId="296"/>
-        </pc:sldMkLst>
-        <pc:spChg chg="mod">
-          <ac:chgData name="Ming-Chih Lin" userId="f1ba3ba5-e185-404b-b55f-b2be90e2bdc2" providerId="ADAL" clId="{794224D3-789D-47BB-A0D2-62C663EDB1CA}" dt="2020-06-01T07:45:47.506" v="859"/>
-          <ac:spMkLst>
-            <pc:docMk/>
-            <pc:sldMk cId="71803066" sldId="296"/>
-            <ac:spMk id="2" creationId="{49291F46-BDC7-46BE-AFD5-8495C3C3E5C1}"/>
-          </ac:spMkLst>
-        </pc:spChg>
-        <pc:spChg chg="mod">
-          <ac:chgData name="Ming-Chih Lin" userId="f1ba3ba5-e185-404b-b55f-b2be90e2bdc2" providerId="ADAL" clId="{794224D3-789D-47BB-A0D2-62C663EDB1CA}" dt="2020-06-01T07:45:34.552" v="858"/>
-          <ac:spMkLst>
-            <pc:docMk/>
-            <pc:sldMk cId="71803066" sldId="296"/>
-            <ac:spMk id="3" creationId="{C8C03A03-E1F0-43C9-B0BD-2ABDF2CB329D}"/>
-          </ac:spMkLst>
-        </pc:spChg>
-      </pc:sldChg>
-      <pc:sldChg chg="modSp new">
-        <pc:chgData name="Ming-Chih Lin" userId="f1ba3ba5-e185-404b-b55f-b2be90e2bdc2" providerId="ADAL" clId="{794224D3-789D-47BB-A0D2-62C663EDB1CA}" dt="2020-06-01T07:46:03.193" v="861"/>
-        <pc:sldMkLst>
-          <pc:docMk/>
-          <pc:sldMk cId="3823943526" sldId="297"/>
-        </pc:sldMkLst>
-        <pc:spChg chg="mod">
-          <ac:chgData name="Ming-Chih Lin" userId="f1ba3ba5-e185-404b-b55f-b2be90e2bdc2" providerId="ADAL" clId="{794224D3-789D-47BB-A0D2-62C663EDB1CA}" dt="2020-06-01T07:46:03.193" v="861"/>
-          <ac:spMkLst>
-            <pc:docMk/>
-            <pc:sldMk cId="3823943526" sldId="297"/>
-            <ac:spMk id="2" creationId="{1F7495A2-3CAF-4C5B-8D98-69F0DC66F037}"/>
-          </ac:spMkLst>
-        </pc:spChg>
-        <pc:spChg chg="mod">
-          <ac:chgData name="Ming-Chih Lin" userId="f1ba3ba5-e185-404b-b55f-b2be90e2bdc2" providerId="ADAL" clId="{794224D3-789D-47BB-A0D2-62C663EDB1CA}" dt="2020-06-01T07:45:55.457" v="860"/>
-          <ac:spMkLst>
-            <pc:docMk/>
-            <pc:sldMk cId="3823943526" sldId="297"/>
-            <ac:spMk id="3" creationId="{38DC13CC-BA4B-476C-84B1-232A460D5A2F}"/>
-          </ac:spMkLst>
-        </pc:spChg>
-      </pc:sldChg>
-      <pc:sldChg chg="new del">
-        <pc:chgData name="Ming-Chih Lin" userId="f1ba3ba5-e185-404b-b55f-b2be90e2bdc2" providerId="ADAL" clId="{794224D3-789D-47BB-A0D2-62C663EDB1CA}" dt="2020-06-01T07:46:29.319" v="862" actId="47"/>
-        <pc:sldMkLst>
-          <pc:docMk/>
-          <pc:sldMk cId="3393092084" sldId="298"/>
-        </pc:sldMkLst>
-      </pc:sldChg>
-    </pc:docChg>
-  </pc:docChgLst>
-  <pc:docChgLst>
-    <pc:chgData name="Ming-Chih Lin" userId="f1ba3ba5-e185-404b-b55f-b2be90e2bdc2" providerId="ADAL" clId="{A2F4D413-9D68-4A8C-9D49-8D8D17D6E9EA}"/>
-    <pc:docChg chg="custSel delSld modSld">
-      <pc:chgData name="Ming-Chih Lin" userId="f1ba3ba5-e185-404b-b55f-b2be90e2bdc2" providerId="ADAL" clId="{A2F4D413-9D68-4A8C-9D49-8D8D17D6E9EA}" dt="2020-06-02T00:29:06.813" v="41"/>
-      <pc:docMkLst>
-        <pc:docMk/>
-      </pc:docMkLst>
-      <pc:sldChg chg="del">
-        <pc:chgData name="Ming-Chih Lin" userId="f1ba3ba5-e185-404b-b55f-b2be90e2bdc2" providerId="ADAL" clId="{A2F4D413-9D68-4A8C-9D49-8D8D17D6E9EA}" dt="2020-06-02T00:27:07.254" v="22" actId="47"/>
-        <pc:sldMkLst>
-          <pc:docMk/>
-          <pc:sldMk cId="2189207556" sldId="272"/>
-        </pc:sldMkLst>
-      </pc:sldChg>
-      <pc:sldChg chg="modSp mod">
-        <pc:chgData name="Ming-Chih Lin" userId="f1ba3ba5-e185-404b-b55f-b2be90e2bdc2" providerId="ADAL" clId="{A2F4D413-9D68-4A8C-9D49-8D8D17D6E9EA}" dt="2020-06-02T00:29:06.813" v="41"/>
-        <pc:sldMkLst>
-          <pc:docMk/>
-          <pc:sldMk cId="1266417032" sldId="312"/>
-        </pc:sldMkLst>
-        <pc:spChg chg="mod">
-          <ac:chgData name="Ming-Chih Lin" userId="f1ba3ba5-e185-404b-b55f-b2be90e2bdc2" providerId="ADAL" clId="{A2F4D413-9D68-4A8C-9D49-8D8D17D6E9EA}" dt="2020-06-02T00:29:06.813" v="41"/>
-          <ac:spMkLst>
-            <pc:docMk/>
-            <pc:sldMk cId="1266417032" sldId="312"/>
-            <ac:spMk id="4" creationId="{1854605A-57A1-476A-82F9-537D284E62C2}"/>
-          </ac:spMkLst>
-        </pc:spChg>
-      </pc:sldChg>
-      <pc:sldChg chg="modSp mod">
-        <pc:chgData name="Ming-Chih Lin" userId="f1ba3ba5-e185-404b-b55f-b2be90e2bdc2" providerId="ADAL" clId="{A2F4D413-9D68-4A8C-9D49-8D8D17D6E9EA}" dt="2020-06-02T00:26:55.108" v="21"/>
-        <pc:sldMkLst>
-          <pc:docMk/>
-          <pc:sldMk cId="19629556" sldId="316"/>
-        </pc:sldMkLst>
-        <pc:spChg chg="mod">
-          <ac:chgData name="Ming-Chih Lin" userId="f1ba3ba5-e185-404b-b55f-b2be90e2bdc2" providerId="ADAL" clId="{A2F4D413-9D68-4A8C-9D49-8D8D17D6E9EA}" dt="2020-06-02T00:26:55.108" v="21"/>
-          <ac:spMkLst>
-            <pc:docMk/>
-            <pc:sldMk cId="19629556" sldId="316"/>
-            <ac:spMk id="4" creationId="{2FA54F75-D405-4104-B6BB-EA44A23A109A}"/>
-          </ac:spMkLst>
-        </pc:spChg>
-      </pc:sldChg>
-      <pc:sldChg chg="delSp mod">
-        <pc:chgData name="Ming-Chih Lin" userId="f1ba3ba5-e185-404b-b55f-b2be90e2bdc2" providerId="ADAL" clId="{A2F4D413-9D68-4A8C-9D49-8D8D17D6E9EA}" dt="2020-06-02T00:26:42.606" v="2" actId="478"/>
-        <pc:sldMkLst>
-          <pc:docMk/>
-          <pc:sldMk cId="497064445" sldId="317"/>
-        </pc:sldMkLst>
-        <pc:spChg chg="del">
-          <ac:chgData name="Ming-Chih Lin" userId="f1ba3ba5-e185-404b-b55f-b2be90e2bdc2" providerId="ADAL" clId="{A2F4D413-9D68-4A8C-9D49-8D8D17D6E9EA}" dt="2020-06-02T00:26:41.610" v="1" actId="478"/>
-          <ac:spMkLst>
-            <pc:docMk/>
-            <pc:sldMk cId="497064445" sldId="317"/>
-            <ac:spMk id="4" creationId="{FBC0A41D-585A-4773-9922-1FC0601CBFD6}"/>
-          </ac:spMkLst>
-        </pc:spChg>
-        <pc:spChg chg="del">
-          <ac:chgData name="Ming-Chih Lin" userId="f1ba3ba5-e185-404b-b55f-b2be90e2bdc2" providerId="ADAL" clId="{A2F4D413-9D68-4A8C-9D49-8D8D17D6E9EA}" dt="2020-06-02T00:26:42.606" v="2" actId="478"/>
-          <ac:spMkLst>
-            <pc:docMk/>
-            <pc:sldMk cId="497064445" sldId="317"/>
-            <ac:spMk id="5" creationId="{24954B47-98FC-417E-9FE5-CB4B5835EA5D}"/>
-          </ac:spMkLst>
-        </pc:spChg>
-        <pc:picChg chg="del">
-          <ac:chgData name="Ming-Chih Lin" userId="f1ba3ba5-e185-404b-b55f-b2be90e2bdc2" providerId="ADAL" clId="{A2F4D413-9D68-4A8C-9D49-8D8D17D6E9EA}" dt="2020-06-02T00:26:40.141" v="0" actId="478"/>
-          <ac:picMkLst>
-            <pc:docMk/>
-            <pc:sldMk cId="497064445" sldId="317"/>
-            <ac:picMk id="2" creationId="{24B42EE7-EE76-400D-B513-614BD7A34C4E}"/>
-          </ac:picMkLst>
-        </pc:picChg>
       </pc:sldChg>
     </pc:docChg>
   </pc:docChgLst>
@@ -6393,7 +6574,7 @@
           <a:p>
             <a:fld id="{FA1E3ED8-1BB4-4BD2-AB23-359644E070C2}" type="datetimeFigureOut">
               <a:rPr lang="zh-TW" altLang="en-US" smtClean="0"/>
-              <a:t>2020/6/9</a:t>
+              <a:t>2020/6/14</a:t>
             </a:fld>
             <a:endParaRPr lang="zh-TW" altLang="en-US"/>
           </a:p>
@@ -11579,6 +11760,307 @@
       </p:grpSpPr>
       <p:sp>
         <p:nvSpPr>
+          <p:cNvPr id="2" name="內容版面配置區 1">
+            <a:extLst>
+              <a:ext uri="{FF2B5EF4-FFF2-40B4-BE49-F238E27FC236}">
+                <a16:creationId xmlns:a16="http://schemas.microsoft.com/office/drawing/2014/main" id="{5ED8AD40-F106-48D5-8BC8-8ADD4FBFD239}"/>
+              </a:ext>
+            </a:extLst>
+          </p:cNvPr>
+          <p:cNvSpPr>
+            <a:spLocks noGrp="1"/>
+          </p:cNvSpPr>
+          <p:nvPr>
+            <p:ph idx="1"/>
+          </p:nvPr>
+        </p:nvSpPr>
+        <p:spPr>
+          <a:xfrm>
+            <a:off x="609600" y="1371600"/>
+            <a:ext cx="6483006" cy="4762471"/>
+          </a:xfrm>
+        </p:spPr>
+        <p:txBody>
+          <a:bodyPr/>
+          <a:lstStyle/>
+          <a:p>
+            <a:pPr marL="0" indent="0">
+              <a:buNone/>
+            </a:pPr>
+            <a:r>
+              <a:rPr lang="zh-TW" altLang="en-US" dirty="0"/>
+              <a:t>我們可以透過標籤來建立表格。如果表格欄位很多且又存在合併欄位的話，要正確排列表格的標籤需要花一番功夫。所幸已經有人想到了這個問題，並提供了解決方法。底下的連結提供了視覺化工具，可以讓使用者透過點選的方式，輕易的建立表格格式並輸出對應的</a:t>
+            </a:r>
+            <a:r>
+              <a:rPr lang="en-US" altLang="zh-TW" dirty="0"/>
+              <a:t>html</a:t>
+            </a:r>
+            <a:r>
+              <a:rPr lang="zh-TW" altLang="en-US" dirty="0"/>
+              <a:t>標籤。只要加以包裹成函式，便可以輕鬆的輸出表格的</a:t>
+            </a:r>
+            <a:r>
+              <a:rPr lang="en-US" altLang="zh-TW" dirty="0"/>
+              <a:t>html</a:t>
+            </a:r>
+            <a:r>
+              <a:rPr lang="zh-TW" altLang="en-US" dirty="0"/>
+              <a:t>檔。</a:t>
+            </a:r>
+            <a:endParaRPr lang="en-US" altLang="zh-TW" dirty="0"/>
+          </a:p>
+          <a:p>
+            <a:pPr marL="0" indent="0">
+              <a:buNone/>
+            </a:pPr>
+            <a:endParaRPr lang="en-US" altLang="zh-TW" dirty="0"/>
+          </a:p>
+          <a:p>
+            <a:pPr marL="0" indent="0">
+              <a:buNone/>
+            </a:pPr>
+            <a:r>
+              <a:rPr lang="en-US" altLang="zh-TW" dirty="0">
+                <a:hlinkClick r:id="rId2"/>
+              </a:rPr>
+              <a:t>https://www.tablesgenerator.com/html_tables#</a:t>
+            </a:r>
+            <a:endParaRPr lang="zh-TW" altLang="en-US" dirty="0"/>
+          </a:p>
+        </p:txBody>
+      </p:sp>
+      <p:sp>
+        <p:nvSpPr>
+          <p:cNvPr id="3" name="標題 2">
+            <a:extLst>
+              <a:ext uri="{FF2B5EF4-FFF2-40B4-BE49-F238E27FC236}">
+                <a16:creationId xmlns:a16="http://schemas.microsoft.com/office/drawing/2014/main" id="{755E7580-BFFD-427A-B86D-DA8168230F6B}"/>
+              </a:ext>
+            </a:extLst>
+          </p:cNvPr>
+          <p:cNvSpPr>
+            <a:spLocks noGrp="1"/>
+          </p:cNvSpPr>
+          <p:nvPr>
+            <p:ph type="title"/>
+          </p:nvPr>
+        </p:nvSpPr>
+        <p:spPr/>
+        <p:txBody>
+          <a:bodyPr/>
+          <a:lstStyle/>
+          <a:p>
+            <a:r>
+              <a:rPr lang="zh-TW" altLang="en-US" dirty="0"/>
+              <a:t>該如何在</a:t>
+            </a:r>
+            <a:r>
+              <a:rPr lang="en-US" altLang="zh-TW" dirty="0"/>
+              <a:t>html</a:t>
+            </a:r>
+            <a:r>
+              <a:rPr lang="zh-TW" altLang="en-US" dirty="0"/>
+              <a:t>當中產生表格？</a:t>
+            </a:r>
+            <a:br>
+              <a:rPr lang="zh-TW" altLang="en-US" dirty="0"/>
+            </a:br>
+            <a:endParaRPr lang="zh-TW" altLang="en-US" dirty="0"/>
+          </a:p>
+        </p:txBody>
+      </p:sp>
+      <p:pic>
+        <p:nvPicPr>
+          <p:cNvPr id="5" name="圖片 4">
+            <a:extLst>
+              <a:ext uri="{FF2B5EF4-FFF2-40B4-BE49-F238E27FC236}">
+                <a16:creationId xmlns:a16="http://schemas.microsoft.com/office/drawing/2014/main" id="{44810B7B-90C2-4931-8A18-684632BA8A7F}"/>
+              </a:ext>
+            </a:extLst>
+          </p:cNvPr>
+          <p:cNvPicPr>
+            <a:picLocks noChangeAspect="1"/>
+          </p:cNvPicPr>
+          <p:nvPr/>
+        </p:nvPicPr>
+        <p:blipFill>
+          <a:blip r:embed="rId3"/>
+          <a:stretch>
+            <a:fillRect/>
+          </a:stretch>
+        </p:blipFill>
+        <p:spPr>
+          <a:xfrm>
+            <a:off x="7168806" y="571499"/>
+            <a:ext cx="4709107" cy="5274930"/>
+          </a:xfrm>
+          <a:prstGeom prst="rect">
+            <a:avLst/>
+          </a:prstGeom>
+        </p:spPr>
+      </p:pic>
+    </p:spTree>
+    <p:extLst>
+      <p:ext uri="{BB962C8B-B14F-4D97-AF65-F5344CB8AC3E}">
+        <p14:creationId xmlns:p14="http://schemas.microsoft.com/office/powerpoint/2010/main" val="3289215511"/>
+      </p:ext>
+    </p:extLst>
+  </p:cSld>
+  <p:clrMapOvr>
+    <a:masterClrMapping/>
+  </p:clrMapOvr>
+  <mc:AlternateContent xmlns:mc="http://schemas.openxmlformats.org/markup-compatibility/2006" xmlns:p14="http://schemas.microsoft.com/office/powerpoint/2010/main">
+    <mc:Choice Requires="p14">
+      <p:transition p14:dur="250">
+        <p:fade/>
+      </p:transition>
+    </mc:Choice>
+    <mc:Fallback xmlns="">
+      <p:transition>
+        <p:fade/>
+      </p:transition>
+    </mc:Fallback>
+  </mc:AlternateContent>
+</p:sld>
+</file>
+
+<file path=ppt/slides/slide11.xml><?xml version="1.0" encoding="utf-8"?>
+<p:sld xmlns:a="http://schemas.openxmlformats.org/drawingml/2006/main" xmlns:r="http://schemas.openxmlformats.org/officeDocument/2006/relationships" xmlns:p="http://schemas.openxmlformats.org/presentationml/2006/main">
+  <p:cSld>
+    <p:spTree>
+      <p:nvGrpSpPr>
+        <p:cNvPr id="1" name=""/>
+        <p:cNvGrpSpPr/>
+        <p:nvPr/>
+      </p:nvGrpSpPr>
+      <p:grpSpPr>
+        <a:xfrm>
+          <a:off x="0" y="0"/>
+          <a:ext cx="0" cy="0"/>
+          <a:chOff x="0" y="0"/>
+          <a:chExt cx="0" cy="0"/>
+        </a:xfrm>
+      </p:grpSpPr>
+      <p:sp>
+        <p:nvSpPr>
+          <p:cNvPr id="4" name="文字版面配置區 3">
+            <a:extLst>
+              <a:ext uri="{FF2B5EF4-FFF2-40B4-BE49-F238E27FC236}">
+                <a16:creationId xmlns:a16="http://schemas.microsoft.com/office/drawing/2014/main" id="{2FA54F75-D405-4104-B6BB-EA44A23A109A}"/>
+              </a:ext>
+            </a:extLst>
+          </p:cNvPr>
+          <p:cNvSpPr>
+            <a:spLocks noGrp="1"/>
+          </p:cNvSpPr>
+          <p:nvPr>
+            <p:ph type="body" sz="quarter" idx="10"/>
+          </p:nvPr>
+        </p:nvSpPr>
+        <p:spPr>
+          <a:xfrm>
+            <a:off x="6416675" y="2520950"/>
+            <a:ext cx="5394325" cy="2025650"/>
+          </a:xfrm>
+        </p:spPr>
+        <p:txBody>
+          <a:bodyPr>
+            <a:normAutofit/>
+          </a:bodyPr>
+          <a:lstStyle/>
+          <a:p>
+            <a:r>
+              <a:rPr lang="zh-TW" altLang="en-US" dirty="0"/>
+              <a:t>範例解說：將</a:t>
+            </a:r>
+            <a:r>
+              <a:rPr lang="en-US" altLang="zh-TW" dirty="0"/>
+              <a:t>CSV</a:t>
+            </a:r>
+            <a:r>
+              <a:rPr lang="zh-TW" altLang="en-US" dirty="0"/>
+              <a:t>輸出成圖檔並整合到</a:t>
+            </a:r>
+            <a:r>
+              <a:rPr lang="en-US" altLang="zh-TW" dirty="0"/>
+              <a:t>HTML</a:t>
+            </a:r>
+            <a:r>
+              <a:rPr lang="zh-TW" altLang="en-US" dirty="0"/>
+              <a:t>報告</a:t>
+            </a:r>
+          </a:p>
+        </p:txBody>
+      </p:sp>
+      <p:sp>
+        <p:nvSpPr>
+          <p:cNvPr id="5" name="文字版面配置區 4">
+            <a:extLst>
+              <a:ext uri="{FF2B5EF4-FFF2-40B4-BE49-F238E27FC236}">
+                <a16:creationId xmlns:a16="http://schemas.microsoft.com/office/drawing/2014/main" id="{CEE2A55E-C73D-43FF-AA36-95C0FF95B7B1}"/>
+              </a:ext>
+            </a:extLst>
+          </p:cNvPr>
+          <p:cNvSpPr>
+            <a:spLocks noGrp="1"/>
+          </p:cNvSpPr>
+          <p:nvPr>
+            <p:ph type="body" sz="quarter" idx="12"/>
+          </p:nvPr>
+        </p:nvSpPr>
+        <p:spPr/>
+        <p:txBody>
+          <a:bodyPr/>
+          <a:lstStyle/>
+          <a:p>
+            <a:endParaRPr lang="zh-TW" altLang="en-US"/>
+          </a:p>
+        </p:txBody>
+      </p:sp>
+    </p:spTree>
+    <p:extLst>
+      <p:ext uri="{BB962C8B-B14F-4D97-AF65-F5344CB8AC3E}">
+        <p14:creationId xmlns:p14="http://schemas.microsoft.com/office/powerpoint/2010/main" val="2181700493"/>
+      </p:ext>
+    </p:extLst>
+  </p:cSld>
+  <p:clrMapOvr>
+    <a:masterClrMapping/>
+  </p:clrMapOvr>
+  <mc:AlternateContent xmlns:mc="http://schemas.openxmlformats.org/markup-compatibility/2006" xmlns:p14="http://schemas.microsoft.com/office/powerpoint/2010/main">
+    <mc:Choice Requires="p14">
+      <p:transition p14:dur="250">
+        <p:fade/>
+      </p:transition>
+    </mc:Choice>
+    <mc:Fallback xmlns="">
+      <p:transition>
+        <p:fade/>
+      </p:transition>
+    </mc:Fallback>
+  </mc:AlternateContent>
+</p:sld>
+</file>
+
+<file path=ppt/slides/slide12.xml><?xml version="1.0" encoding="utf-8"?>
+<p:sld xmlns:a="http://schemas.openxmlformats.org/drawingml/2006/main" xmlns:r="http://schemas.openxmlformats.org/officeDocument/2006/relationships" xmlns:p="http://schemas.openxmlformats.org/presentationml/2006/main">
+  <p:cSld>
+    <p:spTree>
+      <p:nvGrpSpPr>
+        <p:cNvPr id="1" name=""/>
+        <p:cNvGrpSpPr/>
+        <p:nvPr/>
+      </p:nvGrpSpPr>
+      <p:grpSpPr>
+        <a:xfrm>
+          <a:off x="0" y="0"/>
+          <a:ext cx="0" cy="0"/>
+          <a:chOff x="0" y="0"/>
+          <a:chExt cx="0" cy="0"/>
+        </a:xfrm>
+      </p:grpSpPr>
+      <p:sp>
+        <p:nvSpPr>
           <p:cNvPr id="4" name="文字版面配置區 3">
             <a:extLst>
               <a:ext uri="{FF2B5EF4-FFF2-40B4-BE49-F238E27FC236}">
@@ -11674,6 +12156,631 @@
       </p:grpSpPr>
       <p:sp>
         <p:nvSpPr>
+          <p:cNvPr id="5" name="內容版面配置區 4">
+            <a:extLst>
+              <a:ext uri="{FF2B5EF4-FFF2-40B4-BE49-F238E27FC236}">
+                <a16:creationId xmlns:a16="http://schemas.microsoft.com/office/drawing/2014/main" id="{90105B52-4360-492E-93DB-FC00F98E5B79}"/>
+              </a:ext>
+            </a:extLst>
+          </p:cNvPr>
+          <p:cNvSpPr>
+            <a:spLocks noGrp="1"/>
+          </p:cNvSpPr>
+          <p:nvPr>
+            <p:ph idx="1"/>
+          </p:nvPr>
+        </p:nvSpPr>
+        <p:spPr>
+          <a:xfrm>
+            <a:off x="609599" y="1371600"/>
+            <a:ext cx="5808133" cy="4762471"/>
+          </a:xfrm>
+        </p:spPr>
+        <p:txBody>
+          <a:bodyPr numCol="2">
+            <a:normAutofit/>
+          </a:bodyPr>
+          <a:lstStyle/>
+          <a:p>
+            <a:r>
+              <a:rPr lang="zh-TW" altLang="en-US" dirty="0">
+                <a:hlinkClick r:id="rId2"/>
+              </a:rPr>
+              <a:t>檔案範例連結</a:t>
+            </a:r>
+            <a:endParaRPr lang="en-US" altLang="zh-TW" dirty="0"/>
+          </a:p>
+          <a:p>
+            <a:r>
+              <a:rPr lang="zh-TW" altLang="en-US" dirty="0"/>
+              <a:t>格式</a:t>
+            </a:r>
+            <a:endParaRPr lang="en-US" altLang="zh-TW" dirty="0"/>
+          </a:p>
+          <a:p>
+            <a:pPr lvl="1"/>
+            <a:r>
+              <a:rPr lang="en-US" altLang="zh-TW" dirty="0"/>
+              <a:t>Touchstone1.0 .</a:t>
+            </a:r>
+            <a:r>
+              <a:rPr lang="en-US" altLang="zh-TW" dirty="0" err="1"/>
+              <a:t>sNp</a:t>
+            </a:r>
+            <a:endParaRPr lang="en-US" altLang="zh-TW" dirty="0"/>
+          </a:p>
+          <a:p>
+            <a:pPr lvl="1"/>
+            <a:r>
+              <a:rPr lang="en-US" altLang="zh-TW" dirty="0"/>
+              <a:t>Touchstone 2.0 .</a:t>
+            </a:r>
+            <a:r>
+              <a:rPr lang="en-US" altLang="zh-TW" dirty="0" err="1"/>
+              <a:t>ts</a:t>
+            </a:r>
+            <a:endParaRPr lang="en-US" altLang="zh-TW" dirty="0"/>
+          </a:p>
+          <a:p>
+            <a:pPr lvl="1"/>
+            <a:r>
+              <a:rPr lang="en-US" altLang="zh-TW" dirty="0"/>
+              <a:t>SPICE .</a:t>
+            </a:r>
+            <a:r>
+              <a:rPr lang="en-US" altLang="zh-TW" dirty="0" err="1"/>
+              <a:t>cir</a:t>
+            </a:r>
+            <a:r>
+              <a:rPr lang="en-US" altLang="zh-TW" dirty="0"/>
+              <a:t>, .</a:t>
+            </a:r>
+            <a:r>
+              <a:rPr lang="en-US" altLang="zh-TW" dirty="0" err="1"/>
+              <a:t>sp</a:t>
+            </a:r>
+            <a:endParaRPr lang="en-US" altLang="zh-TW" dirty="0"/>
+          </a:p>
+          <a:p>
+            <a:pPr lvl="1"/>
+            <a:r>
+              <a:rPr lang="en-US" altLang="zh-TW" dirty="0"/>
+              <a:t>Result .csv</a:t>
+            </a:r>
+          </a:p>
+          <a:p>
+            <a:pPr lvl="1"/>
+            <a:r>
+              <a:rPr lang="en-US" altLang="zh-TW" dirty="0"/>
+              <a:t>Far Field .</a:t>
+            </a:r>
+            <a:r>
+              <a:rPr lang="en-US" altLang="zh-TW" dirty="0" err="1"/>
+              <a:t>ffd</a:t>
+            </a:r>
+            <a:endParaRPr lang="en-US" altLang="zh-TW" dirty="0"/>
+          </a:p>
+          <a:p>
+            <a:pPr lvl="1"/>
+            <a:r>
+              <a:rPr lang="en-US" altLang="zh-TW" dirty="0"/>
+              <a:t>Near Field .</a:t>
+            </a:r>
+            <a:r>
+              <a:rPr lang="en-US" altLang="zh-TW" dirty="0" err="1"/>
+              <a:t>nfd</a:t>
+            </a:r>
+            <a:endParaRPr lang="en-US" altLang="zh-TW" dirty="0"/>
+          </a:p>
+          <a:p>
+            <a:pPr lvl="1"/>
+            <a:r>
+              <a:rPr lang="en-US" altLang="zh-TW" dirty="0"/>
+              <a:t>Excitation .csv</a:t>
+            </a:r>
+          </a:p>
+          <a:p>
+            <a:pPr lvl="1"/>
+            <a:r>
+              <a:rPr lang="en-US" altLang="zh-TW" dirty="0"/>
+              <a:t>Profile .prof</a:t>
+            </a:r>
+          </a:p>
+          <a:p>
+            <a:pPr lvl="1"/>
+            <a:r>
+              <a:rPr lang="en-US" altLang="zh-TW" dirty="0"/>
+              <a:t>Mesh .</a:t>
+            </a:r>
+            <a:r>
+              <a:rPr lang="en-US" altLang="zh-TW" dirty="0" err="1"/>
+              <a:t>mstat</a:t>
+            </a:r>
+            <a:endParaRPr lang="en-US" altLang="zh-TW" dirty="0"/>
+          </a:p>
+          <a:p>
+            <a:pPr lvl="1"/>
+            <a:r>
+              <a:rPr lang="en-US" altLang="zh-TW" dirty="0"/>
+              <a:t>Dataset .tab</a:t>
+            </a:r>
+          </a:p>
+          <a:p>
+            <a:pPr lvl="1"/>
+            <a:r>
+              <a:rPr lang="en-US" altLang="zh-TW" dirty="0" err="1"/>
+              <a:t>Stackup</a:t>
+            </a:r>
+            <a:r>
+              <a:rPr lang="en-US" altLang="zh-TW" dirty="0"/>
+              <a:t> .xml</a:t>
+            </a:r>
+          </a:p>
+          <a:p>
+            <a:pPr lvl="1"/>
+            <a:r>
+              <a:rPr lang="en-US" altLang="zh-TW" dirty="0"/>
+              <a:t>Material .</a:t>
+            </a:r>
+            <a:r>
+              <a:rPr lang="en-US" altLang="zh-TW" dirty="0" err="1"/>
+              <a:t>amat</a:t>
+            </a:r>
+            <a:endParaRPr lang="en-US" altLang="zh-TW" dirty="0"/>
+          </a:p>
+          <a:p>
+            <a:pPr lvl="1"/>
+            <a:r>
+              <a:rPr lang="en-US" altLang="zh-TW" dirty="0"/>
+              <a:t>Option .xml</a:t>
+            </a:r>
+          </a:p>
+          <a:p>
+            <a:pPr lvl="1"/>
+            <a:r>
+              <a:rPr lang="en-US" altLang="zh-TW" dirty="0" err="1"/>
+              <a:t>Welement</a:t>
+            </a:r>
+            <a:r>
+              <a:rPr lang="en-US" altLang="zh-TW" dirty="0"/>
+              <a:t> .</a:t>
+            </a:r>
+            <a:r>
+              <a:rPr lang="en-US" altLang="zh-TW" dirty="0" err="1"/>
+              <a:t>sp</a:t>
+            </a:r>
+            <a:endParaRPr lang="en-US" altLang="zh-TW" dirty="0"/>
+          </a:p>
+          <a:p>
+            <a:pPr lvl="1"/>
+            <a:r>
+              <a:rPr lang="en-US" altLang="zh-TW" dirty="0"/>
+              <a:t>Variables .</a:t>
+            </a:r>
+            <a:r>
+              <a:rPr lang="en-US" altLang="zh-TW" dirty="0" err="1"/>
+              <a:t>autovar</a:t>
+            </a:r>
+            <a:endParaRPr lang="en-US" altLang="zh-TW" dirty="0"/>
+          </a:p>
+          <a:p>
+            <a:pPr lvl="1"/>
+            <a:r>
+              <a:rPr lang="en-US" altLang="zh-TW" dirty="0"/>
+              <a:t>…</a:t>
+            </a:r>
+          </a:p>
+        </p:txBody>
+      </p:sp>
+      <p:sp>
+        <p:nvSpPr>
+          <p:cNvPr id="4" name="標題 3">
+            <a:extLst>
+              <a:ext uri="{FF2B5EF4-FFF2-40B4-BE49-F238E27FC236}">
+                <a16:creationId xmlns:a16="http://schemas.microsoft.com/office/drawing/2014/main" id="{E56A67D2-3C21-4AA8-A155-9450A7C9881C}"/>
+              </a:ext>
+            </a:extLst>
+          </p:cNvPr>
+          <p:cNvSpPr>
+            <a:spLocks noGrp="1"/>
+          </p:cNvSpPr>
+          <p:nvPr>
+            <p:ph type="title"/>
+          </p:nvPr>
+        </p:nvSpPr>
+        <p:spPr/>
+        <p:txBody>
+          <a:bodyPr/>
+          <a:lstStyle/>
+          <a:p>
+            <a:r>
+              <a:rPr lang="en-US" altLang="zh-TW" dirty="0"/>
+              <a:t>AEDT</a:t>
+            </a:r>
+            <a:r>
+              <a:rPr lang="zh-TW" altLang="en-US" dirty="0"/>
+              <a:t>可匯出之資料檔</a:t>
+            </a:r>
+          </a:p>
+        </p:txBody>
+      </p:sp>
+      <p:pic>
+        <p:nvPicPr>
+          <p:cNvPr id="7" name="圖片 6">
+            <a:extLst>
+              <a:ext uri="{FF2B5EF4-FFF2-40B4-BE49-F238E27FC236}">
+                <a16:creationId xmlns:a16="http://schemas.microsoft.com/office/drawing/2014/main" id="{BC2B8580-851A-4B9D-B160-3C1CECFC38F1}"/>
+              </a:ext>
+            </a:extLst>
+          </p:cNvPr>
+          <p:cNvPicPr>
+            <a:picLocks noChangeAspect="1"/>
+          </p:cNvPicPr>
+          <p:nvPr/>
+        </p:nvPicPr>
+        <p:blipFill>
+          <a:blip r:embed="rId3"/>
+          <a:stretch>
+            <a:fillRect/>
+          </a:stretch>
+        </p:blipFill>
+        <p:spPr>
+          <a:xfrm>
+            <a:off x="6417732" y="1545486"/>
+            <a:ext cx="5164668" cy="4166552"/>
+          </a:xfrm>
+          <a:prstGeom prst="rect">
+            <a:avLst/>
+          </a:prstGeom>
+          <a:effectLst>
+            <a:outerShdw blurRad="50800" dist="38100" dir="2700000" algn="tl" rotWithShape="0">
+              <a:prstClr val="black">
+                <a:alpha val="40000"/>
+              </a:prstClr>
+            </a:outerShdw>
+          </a:effectLst>
+        </p:spPr>
+      </p:pic>
+    </p:spTree>
+    <p:extLst>
+      <p:ext uri="{BB962C8B-B14F-4D97-AF65-F5344CB8AC3E}">
+        <p14:creationId xmlns:p14="http://schemas.microsoft.com/office/powerpoint/2010/main" val="2855433404"/>
+      </p:ext>
+    </p:extLst>
+  </p:cSld>
+  <p:clrMapOvr>
+    <a:masterClrMapping/>
+  </p:clrMapOvr>
+  <mc:AlternateContent xmlns:mc="http://schemas.openxmlformats.org/markup-compatibility/2006" xmlns:p14="http://schemas.microsoft.com/office/powerpoint/2010/main">
+    <mc:Choice Requires="p14">
+      <p:transition p14:dur="250">
+        <p:fade/>
+      </p:transition>
+    </mc:Choice>
+    <mc:Fallback xmlns="">
+      <p:transition>
+        <p:fade/>
+      </p:transition>
+    </mc:Fallback>
+  </mc:AlternateContent>
+</p:sld>
+</file>
+
+<file path=ppt/slides/slide3.xml><?xml version="1.0" encoding="utf-8"?>
+<p:sld xmlns:a="http://schemas.openxmlformats.org/drawingml/2006/main" xmlns:r="http://schemas.openxmlformats.org/officeDocument/2006/relationships" xmlns:p="http://schemas.openxmlformats.org/presentationml/2006/main">
+  <p:cSld>
+    <p:spTree>
+      <p:nvGrpSpPr>
+        <p:cNvPr id="1" name=""/>
+        <p:cNvGrpSpPr/>
+        <p:nvPr/>
+      </p:nvGrpSpPr>
+      <p:grpSpPr>
+        <a:xfrm>
+          <a:off x="0" y="0"/>
+          <a:ext cx="0" cy="0"/>
+          <a:chOff x="0" y="0"/>
+          <a:chExt cx="0" cy="0"/>
+        </a:xfrm>
+      </p:grpSpPr>
+      <p:sp>
+        <p:nvSpPr>
+          <p:cNvPr id="2" name="文字版面配置區 1">
+            <a:extLst>
+              <a:ext uri="{FF2B5EF4-FFF2-40B4-BE49-F238E27FC236}">
+                <a16:creationId xmlns:a16="http://schemas.microsoft.com/office/drawing/2014/main" id="{C4725D65-49BE-4376-9793-ABDB25057DB6}"/>
+              </a:ext>
+            </a:extLst>
+          </p:cNvPr>
+          <p:cNvSpPr>
+            <a:spLocks noGrp="1"/>
+          </p:cNvSpPr>
+          <p:nvPr>
+            <p:ph type="body" sz="quarter" idx="10"/>
+          </p:nvPr>
+        </p:nvSpPr>
+        <p:spPr/>
+        <p:txBody>
+          <a:bodyPr/>
+          <a:lstStyle/>
+          <a:p>
+            <a:r>
+              <a:rPr lang="en-US" altLang="zh-TW" dirty="0"/>
+              <a:t>Anaconda Spyder</a:t>
+            </a:r>
+            <a:endParaRPr lang="zh-TW" altLang="en-US" dirty="0"/>
+          </a:p>
+        </p:txBody>
+      </p:sp>
+      <p:sp>
+        <p:nvSpPr>
+          <p:cNvPr id="3" name="文字版面配置區 2">
+            <a:extLst>
+              <a:ext uri="{FF2B5EF4-FFF2-40B4-BE49-F238E27FC236}">
+                <a16:creationId xmlns:a16="http://schemas.microsoft.com/office/drawing/2014/main" id="{645CE3A2-A1D7-4BCD-A874-D8B0DB46F6C9}"/>
+              </a:ext>
+            </a:extLst>
+          </p:cNvPr>
+          <p:cNvSpPr>
+            <a:spLocks noGrp="1"/>
+          </p:cNvSpPr>
+          <p:nvPr>
+            <p:ph type="body" sz="quarter" idx="12"/>
+          </p:nvPr>
+        </p:nvSpPr>
+        <p:spPr/>
+        <p:txBody>
+          <a:bodyPr/>
+          <a:lstStyle/>
+          <a:p>
+            <a:endParaRPr lang="zh-TW" altLang="en-US"/>
+          </a:p>
+        </p:txBody>
+      </p:sp>
+    </p:spTree>
+    <p:extLst>
+      <p:ext uri="{BB962C8B-B14F-4D97-AF65-F5344CB8AC3E}">
+        <p14:creationId xmlns:p14="http://schemas.microsoft.com/office/powerpoint/2010/main" val="483212407"/>
+      </p:ext>
+    </p:extLst>
+  </p:cSld>
+  <p:clrMapOvr>
+    <a:masterClrMapping/>
+  </p:clrMapOvr>
+  <mc:AlternateContent xmlns:mc="http://schemas.openxmlformats.org/markup-compatibility/2006" xmlns:p14="http://schemas.microsoft.com/office/powerpoint/2010/main">
+    <mc:Choice Requires="p14">
+      <p:transition p14:dur="250">
+        <p:fade/>
+      </p:transition>
+    </mc:Choice>
+    <mc:Fallback xmlns="">
+      <p:transition>
+        <p:fade/>
+      </p:transition>
+    </mc:Fallback>
+  </mc:AlternateContent>
+</p:sld>
+</file>
+
+<file path=ppt/slides/slide4.xml><?xml version="1.0" encoding="utf-8"?>
+<p:sld xmlns:a="http://schemas.openxmlformats.org/drawingml/2006/main" xmlns:r="http://schemas.openxmlformats.org/officeDocument/2006/relationships" xmlns:p="http://schemas.openxmlformats.org/presentationml/2006/main">
+  <p:cSld>
+    <p:spTree>
+      <p:nvGrpSpPr>
+        <p:cNvPr id="1" name=""/>
+        <p:cNvGrpSpPr/>
+        <p:nvPr/>
+      </p:nvGrpSpPr>
+      <p:grpSpPr>
+        <a:xfrm>
+          <a:off x="0" y="0"/>
+          <a:ext cx="0" cy="0"/>
+          <a:chOff x="0" y="0"/>
+          <a:chExt cx="0" cy="0"/>
+        </a:xfrm>
+      </p:grpSpPr>
+      <p:sp>
+        <p:nvSpPr>
+          <p:cNvPr id="5" name="內容版面配置區 4">
+            <a:extLst>
+              <a:ext uri="{FF2B5EF4-FFF2-40B4-BE49-F238E27FC236}">
+                <a16:creationId xmlns:a16="http://schemas.microsoft.com/office/drawing/2014/main" id="{555E4D44-5086-4D2D-B631-8C23FEDDFAE6}"/>
+              </a:ext>
+            </a:extLst>
+          </p:cNvPr>
+          <p:cNvSpPr>
+            <a:spLocks noGrp="1"/>
+          </p:cNvSpPr>
+          <p:nvPr>
+            <p:ph idx="1"/>
+          </p:nvPr>
+        </p:nvSpPr>
+        <p:spPr/>
+        <p:txBody>
+          <a:bodyPr/>
+          <a:lstStyle/>
+          <a:p>
+            <a:r>
+              <a:rPr lang="en-US" altLang="zh-TW" dirty="0" err="1"/>
+              <a:t>Numpy</a:t>
+            </a:r>
+            <a:r>
+              <a:rPr lang="en-US" altLang="zh-TW" dirty="0"/>
+              <a:t> and </a:t>
+            </a:r>
+            <a:r>
+              <a:rPr lang="en-US" altLang="zh-TW" dirty="0" err="1"/>
+              <a:t>Scipy</a:t>
+            </a:r>
+            <a:endParaRPr lang="en-US" altLang="zh-TW" dirty="0"/>
+          </a:p>
+          <a:p>
+            <a:r>
+              <a:rPr lang="en-US" altLang="zh-TW" dirty="0"/>
+              <a:t>Matplotlib</a:t>
+            </a:r>
+          </a:p>
+          <a:p>
+            <a:r>
+              <a:rPr lang="en-US" altLang="zh-TW" dirty="0"/>
+              <a:t>Spyder</a:t>
+            </a:r>
+          </a:p>
+          <a:p>
+            <a:pPr lvl="1"/>
+            <a:r>
+              <a:rPr lang="en-US" altLang="zh-TW" dirty="0"/>
+              <a:t>Cell Definition</a:t>
+            </a:r>
+          </a:p>
+          <a:p>
+            <a:pPr lvl="1"/>
+            <a:r>
+              <a:rPr lang="en-US" altLang="zh-TW" dirty="0"/>
+              <a:t>Dynamic Syntax Checker</a:t>
+            </a:r>
+          </a:p>
+          <a:p>
+            <a:pPr lvl="1"/>
+            <a:r>
+              <a:rPr lang="en-US" altLang="zh-TW" dirty="0"/>
+              <a:t>Variable Explorer</a:t>
+            </a:r>
+          </a:p>
+          <a:p>
+            <a:pPr lvl="1"/>
+            <a:r>
+              <a:rPr lang="en-US" altLang="zh-TW" dirty="0"/>
+              <a:t>Intelligence</a:t>
+            </a:r>
+          </a:p>
+          <a:p>
+            <a:pPr lvl="1"/>
+            <a:r>
+              <a:rPr lang="en-US" altLang="zh-TW" dirty="0"/>
+              <a:t>Debugger</a:t>
+            </a:r>
+          </a:p>
+          <a:p>
+            <a:pPr lvl="1"/>
+            <a:r>
+              <a:rPr lang="en-US" altLang="zh-TW" dirty="0"/>
+              <a:t>Data Import</a:t>
+            </a:r>
+          </a:p>
+          <a:p>
+            <a:pPr lvl="1"/>
+            <a:r>
+              <a:rPr lang="en-US" altLang="zh-TW" dirty="0"/>
+              <a:t>…</a:t>
+            </a:r>
+            <a:endParaRPr lang="zh-TW" altLang="en-US" dirty="0"/>
+          </a:p>
+        </p:txBody>
+      </p:sp>
+      <p:sp>
+        <p:nvSpPr>
+          <p:cNvPr id="4" name="標題 3">
+            <a:extLst>
+              <a:ext uri="{FF2B5EF4-FFF2-40B4-BE49-F238E27FC236}">
+                <a16:creationId xmlns:a16="http://schemas.microsoft.com/office/drawing/2014/main" id="{A806B1BB-9EC8-48D7-AE14-06964075082D}"/>
+              </a:ext>
+            </a:extLst>
+          </p:cNvPr>
+          <p:cNvSpPr>
+            <a:spLocks noGrp="1"/>
+          </p:cNvSpPr>
+          <p:nvPr>
+            <p:ph type="title"/>
+          </p:nvPr>
+        </p:nvSpPr>
+        <p:spPr/>
+        <p:txBody>
+          <a:bodyPr/>
+          <a:lstStyle/>
+          <a:p>
+            <a:r>
+              <a:rPr lang="en-US" altLang="zh-TW" dirty="0"/>
+              <a:t>Anaconda Spyder</a:t>
+            </a:r>
+            <a:endParaRPr lang="zh-TW" altLang="en-US" dirty="0"/>
+          </a:p>
+        </p:txBody>
+      </p:sp>
+      <p:pic>
+        <p:nvPicPr>
+          <p:cNvPr id="6" name="圖片 5">
+            <a:extLst>
+              <a:ext uri="{FF2B5EF4-FFF2-40B4-BE49-F238E27FC236}">
+                <a16:creationId xmlns:a16="http://schemas.microsoft.com/office/drawing/2014/main" id="{FD815F72-36FA-466B-BACC-93DEFC73A8A3}"/>
+              </a:ext>
+            </a:extLst>
+          </p:cNvPr>
+          <p:cNvPicPr>
+            <a:picLocks noChangeAspect="1"/>
+          </p:cNvPicPr>
+          <p:nvPr/>
+        </p:nvPicPr>
+        <p:blipFill>
+          <a:blip r:embed="rId2"/>
+          <a:stretch>
+            <a:fillRect/>
+          </a:stretch>
+        </p:blipFill>
+        <p:spPr>
+          <a:xfrm>
+            <a:off x="5107754" y="994418"/>
+            <a:ext cx="6474645" cy="4172965"/>
+          </a:xfrm>
+          <a:prstGeom prst="rect">
+            <a:avLst/>
+          </a:prstGeom>
+        </p:spPr>
+      </p:pic>
+    </p:spTree>
+    <p:extLst>
+      <p:ext uri="{BB962C8B-B14F-4D97-AF65-F5344CB8AC3E}">
+        <p14:creationId xmlns:p14="http://schemas.microsoft.com/office/powerpoint/2010/main" val="121079834"/>
+      </p:ext>
+    </p:extLst>
+  </p:cSld>
+  <p:clrMapOvr>
+    <a:masterClrMapping/>
+  </p:clrMapOvr>
+  <mc:AlternateContent xmlns:mc="http://schemas.openxmlformats.org/markup-compatibility/2006" xmlns:p14="http://schemas.microsoft.com/office/powerpoint/2010/main">
+    <mc:Choice Requires="p14">
+      <p:transition p14:dur="250">
+        <p:fade/>
+      </p:transition>
+    </mc:Choice>
+    <mc:Fallback xmlns="">
+      <p:transition>
+        <p:fade/>
+      </p:transition>
+    </mc:Fallback>
+  </mc:AlternateContent>
+</p:sld>
+</file>
+
+<file path=ppt/slides/slide5.xml><?xml version="1.0" encoding="utf-8"?>
+<p:sld xmlns:a="http://schemas.openxmlformats.org/drawingml/2006/main" xmlns:r="http://schemas.openxmlformats.org/officeDocument/2006/relationships" xmlns:p="http://schemas.openxmlformats.org/presentationml/2006/main">
+  <p:cSld>
+    <p:spTree>
+      <p:nvGrpSpPr>
+        <p:cNvPr id="1" name=""/>
+        <p:cNvGrpSpPr/>
+        <p:nvPr/>
+      </p:nvGrpSpPr>
+      <p:grpSpPr>
+        <a:xfrm>
+          <a:off x="0" y="0"/>
+          <a:ext cx="0" cy="0"/>
+          <a:chOff x="0" y="0"/>
+          <a:chExt cx="0" cy="0"/>
+        </a:xfrm>
+      </p:grpSpPr>
+      <p:sp>
+        <p:nvSpPr>
           <p:cNvPr id="4" name="文字版面配置區 3">
             <a:extLst>
               <a:ext uri="{FF2B5EF4-FFF2-40B4-BE49-F238E27FC236}">
@@ -11750,7 +12857,7 @@
 </p:sld>
 </file>
 
-<file path=ppt/slides/slide3.xml><?xml version="1.0" encoding="utf-8"?>
+<file path=ppt/slides/slide6.xml><?xml version="1.0" encoding="utf-8"?>
 <p:sld xmlns:a="http://schemas.openxmlformats.org/drawingml/2006/main" xmlns:r="http://schemas.openxmlformats.org/officeDocument/2006/relationships" xmlns:p="http://schemas.openxmlformats.org/presentationml/2006/main">
   <p:cSld>
     <p:spTree>
@@ -12422,7 +13529,7 @@
 </p:sld>
 </file>
 
-<file path=ppt/slides/slide4.xml><?xml version="1.0" encoding="utf-8"?>
+<file path=ppt/slides/slide7.xml><?xml version="1.0" encoding="utf-8"?>
 <p:sld xmlns:a="http://schemas.openxmlformats.org/drawingml/2006/main" xmlns:r="http://schemas.openxmlformats.org/officeDocument/2006/relationships" xmlns:p="http://schemas.openxmlformats.org/presentationml/2006/main">
   <p:cSld>
     <p:spTree>
@@ -12609,165 +13716,7 @@
 </p:sld>
 </file>
 
-<file path=ppt/slides/slide5.xml><?xml version="1.0" encoding="utf-8"?>
-<p:sld xmlns:a="http://schemas.openxmlformats.org/drawingml/2006/main" xmlns:r="http://schemas.openxmlformats.org/officeDocument/2006/relationships" xmlns:p="http://schemas.openxmlformats.org/presentationml/2006/main">
-  <p:cSld>
-    <p:spTree>
-      <p:nvGrpSpPr>
-        <p:cNvPr id="1" name=""/>
-        <p:cNvGrpSpPr/>
-        <p:nvPr/>
-      </p:nvGrpSpPr>
-      <p:grpSpPr>
-        <a:xfrm>
-          <a:off x="0" y="0"/>
-          <a:ext cx="0" cy="0"/>
-          <a:chOff x="0" y="0"/>
-          <a:chExt cx="0" cy="0"/>
-        </a:xfrm>
-      </p:grpSpPr>
-      <p:sp>
-        <p:nvSpPr>
-          <p:cNvPr id="5" name="內容版面配置區 4">
-            <a:extLst>
-              <a:ext uri="{FF2B5EF4-FFF2-40B4-BE49-F238E27FC236}">
-                <a16:creationId xmlns:a16="http://schemas.microsoft.com/office/drawing/2014/main" id="{74600EDD-6149-4100-A352-B0800C157F5B}"/>
-              </a:ext>
-            </a:extLst>
-          </p:cNvPr>
-          <p:cNvSpPr>
-            <a:spLocks noGrp="1"/>
-          </p:cNvSpPr>
-          <p:nvPr>
-            <p:ph idx="1"/>
-          </p:nvPr>
-        </p:nvSpPr>
-        <p:spPr/>
-        <p:txBody>
-          <a:bodyPr/>
-          <a:lstStyle/>
-          <a:p>
-            <a:pPr marL="0" indent="0">
-              <a:buNone/>
-            </a:pPr>
-            <a:r>
-              <a:rPr lang="zh-TW" altLang="en-US" dirty="0"/>
-              <a:t>物理模擬提供了大量的數據，使用者可以根據設計需要擷取部分數據並加以處理，最後轉換成適當的圖表以方便檢視。由於物理特徵的多樣性，可以用來呈現的圖表多達上百種。這些圖表有各自的優缺點，使用者必須自行決定用何種表達方式才能取得所要觀察的特性。</a:t>
-            </a:r>
-            <a:endParaRPr lang="en-US" altLang="zh-TW" dirty="0"/>
-          </a:p>
-          <a:p>
-            <a:endParaRPr lang="en-US" altLang="zh-TW" dirty="0"/>
-          </a:p>
-          <a:p>
-            <a:pPr marL="0" indent="0">
-              <a:buNone/>
-            </a:pPr>
-            <a:r>
-              <a:rPr lang="en-US" altLang="zh-TW" dirty="0"/>
-              <a:t>python</a:t>
-            </a:r>
-            <a:r>
-              <a:rPr lang="zh-TW" altLang="en-US" dirty="0"/>
-              <a:t>的</a:t>
-            </a:r>
-            <a:r>
-              <a:rPr lang="en-US" altLang="zh-TW" dirty="0" err="1"/>
-              <a:t>numpy</a:t>
-            </a:r>
-            <a:r>
-              <a:rPr lang="zh-TW" altLang="en-US" dirty="0"/>
-              <a:t>庫提供了強大的矩陣運算能力，其計算速度相當出色。</a:t>
-            </a:r>
-            <a:r>
-              <a:rPr lang="en-US" altLang="zh-TW" dirty="0"/>
-              <a:t>matplotlib</a:t>
-            </a:r>
-            <a:r>
-              <a:rPr lang="zh-TW" altLang="en-US" dirty="0"/>
-              <a:t>庫提供了上百種資料視覺化圖表，兩者相輔相成，是科學及工程運算不可或缺的工具。此外</a:t>
-            </a:r>
-            <a:r>
-              <a:rPr lang="en-US" altLang="zh-TW" dirty="0"/>
-              <a:t>python</a:t>
-            </a:r>
-            <a:r>
-              <a:rPr lang="zh-TW" altLang="en-US" dirty="0"/>
-              <a:t>用來做資料清洗及格式化輸出也相當好用。整體提供了一整套從資料前處理到報表輸出的完整工具。接下來我們就以幾個簡單的例子來說明如何利用</a:t>
-            </a:r>
-            <a:r>
-              <a:rPr lang="en-US" altLang="zh-TW" dirty="0"/>
-              <a:t>python</a:t>
-            </a:r>
-            <a:r>
-              <a:rPr lang="zh-TW" altLang="en-US" dirty="0"/>
-              <a:t>搭配</a:t>
-            </a:r>
-            <a:r>
-              <a:rPr lang="en-US" altLang="zh-TW" dirty="0"/>
-              <a:t>matplotlib</a:t>
-            </a:r>
-            <a:r>
-              <a:rPr lang="zh-TW" altLang="en-US" dirty="0"/>
-              <a:t>來完成資料視覺化的工作。</a:t>
-            </a:r>
-          </a:p>
-        </p:txBody>
-      </p:sp>
-      <p:sp>
-        <p:nvSpPr>
-          <p:cNvPr id="4" name="標題 3">
-            <a:extLst>
-              <a:ext uri="{FF2B5EF4-FFF2-40B4-BE49-F238E27FC236}">
-                <a16:creationId xmlns:a16="http://schemas.microsoft.com/office/drawing/2014/main" id="{17F59BFE-1F5B-4280-9DC2-96DED29C064D}"/>
-              </a:ext>
-            </a:extLst>
-          </p:cNvPr>
-          <p:cNvSpPr>
-            <a:spLocks noGrp="1"/>
-          </p:cNvSpPr>
-          <p:nvPr>
-            <p:ph type="title"/>
-          </p:nvPr>
-        </p:nvSpPr>
-        <p:spPr/>
-        <p:txBody>
-          <a:bodyPr/>
-          <a:lstStyle/>
-          <a:p>
-            <a:r>
-              <a:rPr lang="zh-TW" altLang="en-US"/>
-              <a:t>資料分析工程</a:t>
-            </a:r>
-          </a:p>
-        </p:txBody>
-      </p:sp>
-    </p:spTree>
-    <p:extLst>
-      <p:ext uri="{BB962C8B-B14F-4D97-AF65-F5344CB8AC3E}">
-        <p14:creationId xmlns:p14="http://schemas.microsoft.com/office/powerpoint/2010/main" val="2259324599"/>
-      </p:ext>
-    </p:extLst>
-  </p:cSld>
-  <p:clrMapOvr>
-    <a:masterClrMapping/>
-  </p:clrMapOvr>
-  <mc:AlternateContent xmlns:mc="http://schemas.openxmlformats.org/markup-compatibility/2006" xmlns:p14="http://schemas.microsoft.com/office/powerpoint/2010/main">
-    <mc:Choice Requires="p14">
-      <p:transition p14:dur="250">
-        <p:fade/>
-      </p:transition>
-    </mc:Choice>
-    <mc:Fallback xmlns="">
-      <p:transition>
-        <p:fade/>
-      </p:transition>
-    </mc:Fallback>
-  </mc:AlternateContent>
-</p:sld>
-</file>
-
-<file path=ppt/slides/slide6.xml><?xml version="1.0" encoding="utf-8"?>
+<file path=ppt/slides/slide8.xml><?xml version="1.0" encoding="utf-8"?>
 <p:sld xmlns:a="http://schemas.openxmlformats.org/drawingml/2006/main" xmlns:r="http://schemas.openxmlformats.org/officeDocument/2006/relationships" xmlns:p="http://schemas.openxmlformats.org/presentationml/2006/main">
   <p:cSld>
     <p:spTree>
@@ -13005,7 +13954,7 @@
 </p:sld>
 </file>
 
-<file path=ppt/slides/slide7.xml><?xml version="1.0" encoding="utf-8"?>
+<file path=ppt/slides/slide9.xml><?xml version="1.0" encoding="utf-8"?>
 <p:sld xmlns:a="http://schemas.openxmlformats.org/drawingml/2006/main" xmlns:r="http://schemas.openxmlformats.org/officeDocument/2006/relationships" xmlns:p="http://schemas.openxmlformats.org/presentationml/2006/main">
   <p:cSld>
     <p:spTree>
@@ -13228,307 +14177,6 @@
     <p:extLst>
       <p:ext uri="{BB962C8B-B14F-4D97-AF65-F5344CB8AC3E}">
         <p14:creationId xmlns:p14="http://schemas.microsoft.com/office/powerpoint/2010/main" val="2128641485"/>
-      </p:ext>
-    </p:extLst>
-  </p:cSld>
-  <p:clrMapOvr>
-    <a:masterClrMapping/>
-  </p:clrMapOvr>
-  <mc:AlternateContent xmlns:mc="http://schemas.openxmlformats.org/markup-compatibility/2006" xmlns:p14="http://schemas.microsoft.com/office/powerpoint/2010/main">
-    <mc:Choice Requires="p14">
-      <p:transition p14:dur="250">
-        <p:fade/>
-      </p:transition>
-    </mc:Choice>
-    <mc:Fallback xmlns="">
-      <p:transition>
-        <p:fade/>
-      </p:transition>
-    </mc:Fallback>
-  </mc:AlternateContent>
-</p:sld>
-</file>
-
-<file path=ppt/slides/slide8.xml><?xml version="1.0" encoding="utf-8"?>
-<p:sld xmlns:a="http://schemas.openxmlformats.org/drawingml/2006/main" xmlns:r="http://schemas.openxmlformats.org/officeDocument/2006/relationships" xmlns:p="http://schemas.openxmlformats.org/presentationml/2006/main">
-  <p:cSld>
-    <p:spTree>
-      <p:nvGrpSpPr>
-        <p:cNvPr id="1" name=""/>
-        <p:cNvGrpSpPr/>
-        <p:nvPr/>
-      </p:nvGrpSpPr>
-      <p:grpSpPr>
-        <a:xfrm>
-          <a:off x="0" y="0"/>
-          <a:ext cx="0" cy="0"/>
-          <a:chOff x="0" y="0"/>
-          <a:chExt cx="0" cy="0"/>
-        </a:xfrm>
-      </p:grpSpPr>
-      <p:sp>
-        <p:nvSpPr>
-          <p:cNvPr id="2" name="內容版面配置區 1">
-            <a:extLst>
-              <a:ext uri="{FF2B5EF4-FFF2-40B4-BE49-F238E27FC236}">
-                <a16:creationId xmlns:a16="http://schemas.microsoft.com/office/drawing/2014/main" id="{5ED8AD40-F106-48D5-8BC8-8ADD4FBFD239}"/>
-              </a:ext>
-            </a:extLst>
-          </p:cNvPr>
-          <p:cNvSpPr>
-            <a:spLocks noGrp="1"/>
-          </p:cNvSpPr>
-          <p:nvPr>
-            <p:ph idx="1"/>
-          </p:nvPr>
-        </p:nvSpPr>
-        <p:spPr>
-          <a:xfrm>
-            <a:off x="609600" y="1371600"/>
-            <a:ext cx="6483006" cy="4762471"/>
-          </a:xfrm>
-        </p:spPr>
-        <p:txBody>
-          <a:bodyPr/>
-          <a:lstStyle/>
-          <a:p>
-            <a:pPr marL="0" indent="0">
-              <a:buNone/>
-            </a:pPr>
-            <a:r>
-              <a:rPr lang="zh-TW" altLang="en-US" dirty="0"/>
-              <a:t>我們可以透過標籤來建立表格。如果表格欄位很多且又存在合併欄位的話，要正確排列表格的標籤需要花一番功夫。所幸已經有人想到了這個問題，並提供了解決方法。底下的連結提供了視覺化工具，可以讓使用者透過點選的方式，輕易的建立表格格式並輸出對應的</a:t>
-            </a:r>
-            <a:r>
-              <a:rPr lang="en-US" altLang="zh-TW" dirty="0"/>
-              <a:t>html</a:t>
-            </a:r>
-            <a:r>
-              <a:rPr lang="zh-TW" altLang="en-US" dirty="0"/>
-              <a:t>標籤。只要加以包裹成函式，便可以輕鬆的輸出表格的</a:t>
-            </a:r>
-            <a:r>
-              <a:rPr lang="en-US" altLang="zh-TW" dirty="0"/>
-              <a:t>html</a:t>
-            </a:r>
-            <a:r>
-              <a:rPr lang="zh-TW" altLang="en-US" dirty="0"/>
-              <a:t>檔。</a:t>
-            </a:r>
-            <a:endParaRPr lang="en-US" altLang="zh-TW" dirty="0"/>
-          </a:p>
-          <a:p>
-            <a:pPr marL="0" indent="0">
-              <a:buNone/>
-            </a:pPr>
-            <a:endParaRPr lang="en-US" altLang="zh-TW" dirty="0"/>
-          </a:p>
-          <a:p>
-            <a:pPr marL="0" indent="0">
-              <a:buNone/>
-            </a:pPr>
-            <a:r>
-              <a:rPr lang="en-US" altLang="zh-TW" dirty="0">
-                <a:hlinkClick r:id="rId2"/>
-              </a:rPr>
-              <a:t>https://www.tablesgenerator.com/html_tables#</a:t>
-            </a:r>
-            <a:endParaRPr lang="zh-TW" altLang="en-US" dirty="0"/>
-          </a:p>
-        </p:txBody>
-      </p:sp>
-      <p:sp>
-        <p:nvSpPr>
-          <p:cNvPr id="3" name="標題 2">
-            <a:extLst>
-              <a:ext uri="{FF2B5EF4-FFF2-40B4-BE49-F238E27FC236}">
-                <a16:creationId xmlns:a16="http://schemas.microsoft.com/office/drawing/2014/main" id="{755E7580-BFFD-427A-B86D-DA8168230F6B}"/>
-              </a:ext>
-            </a:extLst>
-          </p:cNvPr>
-          <p:cNvSpPr>
-            <a:spLocks noGrp="1"/>
-          </p:cNvSpPr>
-          <p:nvPr>
-            <p:ph type="title"/>
-          </p:nvPr>
-        </p:nvSpPr>
-        <p:spPr/>
-        <p:txBody>
-          <a:bodyPr/>
-          <a:lstStyle/>
-          <a:p>
-            <a:r>
-              <a:rPr lang="zh-TW" altLang="en-US" dirty="0"/>
-              <a:t>該如何在</a:t>
-            </a:r>
-            <a:r>
-              <a:rPr lang="en-US" altLang="zh-TW" dirty="0"/>
-              <a:t>html</a:t>
-            </a:r>
-            <a:r>
-              <a:rPr lang="zh-TW" altLang="en-US" dirty="0"/>
-              <a:t>當中產生表格？</a:t>
-            </a:r>
-            <a:br>
-              <a:rPr lang="zh-TW" altLang="en-US" dirty="0"/>
-            </a:br>
-            <a:endParaRPr lang="zh-TW" altLang="en-US" dirty="0"/>
-          </a:p>
-        </p:txBody>
-      </p:sp>
-      <p:pic>
-        <p:nvPicPr>
-          <p:cNvPr id="5" name="圖片 4">
-            <a:extLst>
-              <a:ext uri="{FF2B5EF4-FFF2-40B4-BE49-F238E27FC236}">
-                <a16:creationId xmlns:a16="http://schemas.microsoft.com/office/drawing/2014/main" id="{44810B7B-90C2-4931-8A18-684632BA8A7F}"/>
-              </a:ext>
-            </a:extLst>
-          </p:cNvPr>
-          <p:cNvPicPr>
-            <a:picLocks noChangeAspect="1"/>
-          </p:cNvPicPr>
-          <p:nvPr/>
-        </p:nvPicPr>
-        <p:blipFill>
-          <a:blip r:embed="rId3"/>
-          <a:stretch>
-            <a:fillRect/>
-          </a:stretch>
-        </p:blipFill>
-        <p:spPr>
-          <a:xfrm>
-            <a:off x="7168806" y="571499"/>
-            <a:ext cx="4709107" cy="5274930"/>
-          </a:xfrm>
-          <a:prstGeom prst="rect">
-            <a:avLst/>
-          </a:prstGeom>
-        </p:spPr>
-      </p:pic>
-    </p:spTree>
-    <p:extLst>
-      <p:ext uri="{BB962C8B-B14F-4D97-AF65-F5344CB8AC3E}">
-        <p14:creationId xmlns:p14="http://schemas.microsoft.com/office/powerpoint/2010/main" val="3289215511"/>
-      </p:ext>
-    </p:extLst>
-  </p:cSld>
-  <p:clrMapOvr>
-    <a:masterClrMapping/>
-  </p:clrMapOvr>
-  <mc:AlternateContent xmlns:mc="http://schemas.openxmlformats.org/markup-compatibility/2006" xmlns:p14="http://schemas.microsoft.com/office/powerpoint/2010/main">
-    <mc:Choice Requires="p14">
-      <p:transition p14:dur="250">
-        <p:fade/>
-      </p:transition>
-    </mc:Choice>
-    <mc:Fallback xmlns="">
-      <p:transition>
-        <p:fade/>
-      </p:transition>
-    </mc:Fallback>
-  </mc:AlternateContent>
-</p:sld>
-</file>
-
-<file path=ppt/slides/slide9.xml><?xml version="1.0" encoding="utf-8"?>
-<p:sld xmlns:a="http://schemas.openxmlformats.org/drawingml/2006/main" xmlns:r="http://schemas.openxmlformats.org/officeDocument/2006/relationships" xmlns:p="http://schemas.openxmlformats.org/presentationml/2006/main">
-  <p:cSld>
-    <p:spTree>
-      <p:nvGrpSpPr>
-        <p:cNvPr id="1" name=""/>
-        <p:cNvGrpSpPr/>
-        <p:nvPr/>
-      </p:nvGrpSpPr>
-      <p:grpSpPr>
-        <a:xfrm>
-          <a:off x="0" y="0"/>
-          <a:ext cx="0" cy="0"/>
-          <a:chOff x="0" y="0"/>
-          <a:chExt cx="0" cy="0"/>
-        </a:xfrm>
-      </p:grpSpPr>
-      <p:sp>
-        <p:nvSpPr>
-          <p:cNvPr id="4" name="文字版面配置區 3">
-            <a:extLst>
-              <a:ext uri="{FF2B5EF4-FFF2-40B4-BE49-F238E27FC236}">
-                <a16:creationId xmlns:a16="http://schemas.microsoft.com/office/drawing/2014/main" id="{2FA54F75-D405-4104-B6BB-EA44A23A109A}"/>
-              </a:ext>
-            </a:extLst>
-          </p:cNvPr>
-          <p:cNvSpPr>
-            <a:spLocks noGrp="1"/>
-          </p:cNvSpPr>
-          <p:nvPr>
-            <p:ph type="body" sz="quarter" idx="10"/>
-          </p:nvPr>
-        </p:nvSpPr>
-        <p:spPr>
-          <a:xfrm>
-            <a:off x="6416675" y="2520950"/>
-            <a:ext cx="5394325" cy="2025650"/>
-          </a:xfrm>
-        </p:spPr>
-        <p:txBody>
-          <a:bodyPr>
-            <a:normAutofit/>
-          </a:bodyPr>
-          <a:lstStyle/>
-          <a:p>
-            <a:r>
-              <a:rPr lang="zh-TW" altLang="en-US" dirty="0"/>
-              <a:t>範例解說：將</a:t>
-            </a:r>
-            <a:r>
-              <a:rPr lang="en-US" altLang="zh-TW" dirty="0"/>
-              <a:t>CSV</a:t>
-            </a:r>
-            <a:r>
-              <a:rPr lang="zh-TW" altLang="en-US" dirty="0"/>
-              <a:t>輸出成圖檔並整合到</a:t>
-            </a:r>
-            <a:r>
-              <a:rPr lang="en-US" altLang="zh-TW" dirty="0"/>
-              <a:t>HTML</a:t>
-            </a:r>
-            <a:r>
-              <a:rPr lang="zh-TW" altLang="en-US" dirty="0"/>
-              <a:t>報告</a:t>
-            </a:r>
-          </a:p>
-        </p:txBody>
-      </p:sp>
-      <p:sp>
-        <p:nvSpPr>
-          <p:cNvPr id="5" name="文字版面配置區 4">
-            <a:extLst>
-              <a:ext uri="{FF2B5EF4-FFF2-40B4-BE49-F238E27FC236}">
-                <a16:creationId xmlns:a16="http://schemas.microsoft.com/office/drawing/2014/main" id="{CEE2A55E-C73D-43FF-AA36-95C0FF95B7B1}"/>
-              </a:ext>
-            </a:extLst>
-          </p:cNvPr>
-          <p:cNvSpPr>
-            <a:spLocks noGrp="1"/>
-          </p:cNvSpPr>
-          <p:nvPr>
-            <p:ph type="body" sz="quarter" idx="12"/>
-          </p:nvPr>
-        </p:nvSpPr>
-        <p:spPr/>
-        <p:txBody>
-          <a:bodyPr/>
-          <a:lstStyle/>
-          <a:p>
-            <a:endParaRPr lang="zh-TW" altLang="en-US"/>
-          </a:p>
-        </p:txBody>
-      </p:sp>
-    </p:spTree>
-    <p:extLst>
-      <p:ext uri="{BB962C8B-B14F-4D97-AF65-F5344CB8AC3E}">
-        <p14:creationId xmlns:p14="http://schemas.microsoft.com/office/powerpoint/2010/main" val="2181700493"/>
       </p:ext>
     </p:extLst>
   </p:cSld>
